--- a/Мессенджер Naki.pptx
+++ b/Мессенджер Naki.pptx
@@ -268,7 +268,7 @@
           <a:p>
             <a:fld id="{8A1AF4FE-3ABE-4D79-BD55-1C23135AD9DB}" type="datetimeFigureOut">
               <a:rPr lang="ru-RU" smtClean="0"/>
-              <a:t>12.12.2025</a:t>
+              <a:t>19.12.2025</a:t>
             </a:fld>
             <a:endParaRPr lang="ru-RU"/>
           </a:p>
@@ -466,7 +466,7 @@
           <a:p>
             <a:fld id="{8A1AF4FE-3ABE-4D79-BD55-1C23135AD9DB}" type="datetimeFigureOut">
               <a:rPr lang="ru-RU" smtClean="0"/>
-              <a:t>12.12.2025</a:t>
+              <a:t>19.12.2025</a:t>
             </a:fld>
             <a:endParaRPr lang="ru-RU"/>
           </a:p>
@@ -674,7 +674,7 @@
           <a:p>
             <a:fld id="{8A1AF4FE-3ABE-4D79-BD55-1C23135AD9DB}" type="datetimeFigureOut">
               <a:rPr lang="ru-RU" smtClean="0"/>
-              <a:t>12.12.2025</a:t>
+              <a:t>19.12.2025</a:t>
             </a:fld>
             <a:endParaRPr lang="ru-RU"/>
           </a:p>
@@ -872,7 +872,7 @@
           <a:p>
             <a:fld id="{8A1AF4FE-3ABE-4D79-BD55-1C23135AD9DB}" type="datetimeFigureOut">
               <a:rPr lang="ru-RU" smtClean="0"/>
-              <a:t>12.12.2025</a:t>
+              <a:t>19.12.2025</a:t>
             </a:fld>
             <a:endParaRPr lang="ru-RU"/>
           </a:p>
@@ -1147,7 +1147,7 @@
           <a:p>
             <a:fld id="{8A1AF4FE-3ABE-4D79-BD55-1C23135AD9DB}" type="datetimeFigureOut">
               <a:rPr lang="ru-RU" smtClean="0"/>
-              <a:t>12.12.2025</a:t>
+              <a:t>19.12.2025</a:t>
             </a:fld>
             <a:endParaRPr lang="ru-RU"/>
           </a:p>
@@ -1412,7 +1412,7 @@
           <a:p>
             <a:fld id="{8A1AF4FE-3ABE-4D79-BD55-1C23135AD9DB}" type="datetimeFigureOut">
               <a:rPr lang="ru-RU" smtClean="0"/>
-              <a:t>12.12.2025</a:t>
+              <a:t>19.12.2025</a:t>
             </a:fld>
             <a:endParaRPr lang="ru-RU"/>
           </a:p>
@@ -1824,7 +1824,7 @@
           <a:p>
             <a:fld id="{8A1AF4FE-3ABE-4D79-BD55-1C23135AD9DB}" type="datetimeFigureOut">
               <a:rPr lang="ru-RU" smtClean="0"/>
-              <a:t>12.12.2025</a:t>
+              <a:t>19.12.2025</a:t>
             </a:fld>
             <a:endParaRPr lang="ru-RU"/>
           </a:p>
@@ -1965,7 +1965,7 @@
           <a:p>
             <a:fld id="{8A1AF4FE-3ABE-4D79-BD55-1C23135AD9DB}" type="datetimeFigureOut">
               <a:rPr lang="ru-RU" smtClean="0"/>
-              <a:t>12.12.2025</a:t>
+              <a:t>19.12.2025</a:t>
             </a:fld>
             <a:endParaRPr lang="ru-RU"/>
           </a:p>
@@ -2078,7 +2078,7 @@
           <a:p>
             <a:fld id="{8A1AF4FE-3ABE-4D79-BD55-1C23135AD9DB}" type="datetimeFigureOut">
               <a:rPr lang="ru-RU" smtClean="0"/>
-              <a:t>12.12.2025</a:t>
+              <a:t>19.12.2025</a:t>
             </a:fld>
             <a:endParaRPr lang="ru-RU"/>
           </a:p>
@@ -2389,7 +2389,7 @@
           <a:p>
             <a:fld id="{8A1AF4FE-3ABE-4D79-BD55-1C23135AD9DB}" type="datetimeFigureOut">
               <a:rPr lang="ru-RU" smtClean="0"/>
-              <a:t>12.12.2025</a:t>
+              <a:t>19.12.2025</a:t>
             </a:fld>
             <a:endParaRPr lang="ru-RU"/>
           </a:p>
@@ -2677,7 +2677,7 @@
           <a:p>
             <a:fld id="{8A1AF4FE-3ABE-4D79-BD55-1C23135AD9DB}" type="datetimeFigureOut">
               <a:rPr lang="ru-RU" smtClean="0"/>
-              <a:t>12.12.2025</a:t>
+              <a:t>19.12.2025</a:t>
             </a:fld>
             <a:endParaRPr lang="ru-RU"/>
           </a:p>
@@ -2918,7 +2918,7 @@
           <a:p>
             <a:fld id="{8A1AF4FE-3ABE-4D79-BD55-1C23135AD9DB}" type="datetimeFigureOut">
               <a:rPr lang="ru-RU" smtClean="0"/>
-              <a:t>12.12.2025</a:t>
+              <a:t>19.12.2025</a:t>
             </a:fld>
             <a:endParaRPr lang="ru-RU"/>
           </a:p>
@@ -3421,6 +3421,25 @@
             <a:r>
               <a:rPr lang="ru-RU" dirty="0">
                 <a:solidFill>
+                  <a:srgbClr val="EC9A29"/>
+                </a:solidFill>
+                <a:latin typeface="Bahnschrift SemiBold SemiConden" panose="020B0502040204020203" pitchFamily="34" charset="0"/>
+                <a:cs typeface="Times New Roman" panose="02020603050405020304" pitchFamily="18" charset="0"/>
+              </a:rPr>
+              <a:t>ОЛИМПИАДА ШКОЛЬНИКОВ «ШАГ В БУДУЩЕЕ»</a:t>
+            </a:r>
+            <a:endParaRPr lang="ru-RU" dirty="0">
+              <a:solidFill>
+                <a:srgbClr val="0F8B8D"/>
+              </a:solidFill>
+              <a:latin typeface="Bahnschrift SemiBold SemiConden" panose="020B0502040204020203" pitchFamily="34" charset="0"/>
+              <a:cs typeface="Times New Roman" panose="02020603050405020304" pitchFamily="18" charset="0"/>
+            </a:endParaRPr>
+          </a:p>
+          <a:p>
+            <a:r>
+              <a:rPr lang="ru-RU" dirty="0">
+                <a:solidFill>
                   <a:srgbClr val="0F8B8D"/>
                 </a:solidFill>
                 <a:latin typeface="Bahnschrift SemiBold SemiConden" panose="020B0502040204020203" pitchFamily="34" charset="0"/>
@@ -3503,18 +3522,6 @@
               <a:latin typeface="Bahnschrift SemiBold SemiConden" panose="020B0502040204020203" pitchFamily="34" charset="0"/>
               <a:cs typeface="Times New Roman" panose="02020603050405020304" pitchFamily="18" charset="0"/>
             </a:endParaRPr>
-          </a:p>
-          <a:p>
-            <a:r>
-              <a:rPr lang="ru-RU" dirty="0">
-                <a:solidFill>
-                  <a:srgbClr val="EC9A29"/>
-                </a:solidFill>
-                <a:latin typeface="Bahnschrift SemiBold SemiConden" panose="020B0502040204020203" pitchFamily="34" charset="0"/>
-                <a:cs typeface="Times New Roman" panose="02020603050405020304" pitchFamily="18" charset="0"/>
-              </a:rPr>
-              <a:t>ОЛИМПИАДА ШКОЛЬНИКОВ «ШАГ В БУДУЩЕЕ»</a:t>
-            </a:r>
           </a:p>
           <a:p>
             <a:r>
@@ -3804,7 +3811,7 @@
                 </a:solidFill>
                 <a:latin typeface="Bahnschrift SemiBold SemiConden" panose="020B0502040204020203" pitchFamily="34" charset="0"/>
               </a:rPr>
-              <a:t>Все больше и больше людей начинают переходить с разговоров в живую на мессенджеры. </a:t>
+              <a:t>	Все больше и больше людей начинают переходить с разговоров в живую на мессенджеры. </a:t>
             </a:r>
           </a:p>
           <a:p>
@@ -3935,7 +3942,7 @@
         </p:nvSpPr>
         <p:spPr>
           <a:xfrm>
-            <a:off x="753533" y="2782358"/>
+            <a:off x="795867" y="2793207"/>
             <a:ext cx="491067" cy="502708"/>
           </a:xfrm>
           <a:prstGeom prst="roundRect">
@@ -3984,7 +3991,7 @@
         </p:nvSpPr>
         <p:spPr>
           <a:xfrm>
-            <a:off x="753532" y="3739091"/>
+            <a:off x="795867" y="3749940"/>
             <a:ext cx="491067" cy="502708"/>
           </a:xfrm>
           <a:prstGeom prst="roundRect">
@@ -4033,7 +4040,7 @@
         </p:nvSpPr>
         <p:spPr>
           <a:xfrm>
-            <a:off x="753532" y="4706673"/>
+            <a:off x="795867" y="4706673"/>
             <a:ext cx="491067" cy="502708"/>
           </a:xfrm>
           <a:prstGeom prst="roundRect">
@@ -4082,7 +4089,7 @@
         </p:nvSpPr>
         <p:spPr>
           <a:xfrm>
-            <a:off x="753533" y="1825625"/>
+            <a:off x="795866" y="1836474"/>
             <a:ext cx="491067" cy="502708"/>
           </a:xfrm>
           <a:prstGeom prst="roundRect">
@@ -4258,45 +4265,30 @@
                 </a:solidFill>
                 <a:latin typeface="Bahnschrift SemiBold SemiConden" panose="020B0502040204020203" pitchFamily="34" charset="0"/>
               </a:rPr>
-              <a:t> и </a:t>
-            </a:r>
-            <a:r>
-              <a:rPr lang="ru-RU" sz="2400" dirty="0" err="1">
+              <a:t> и Eel фреймворка</a:t>
+            </a:r>
+          </a:p>
+          <a:p>
+            <a:pPr marL="0" indent="0">
+              <a:buNone/>
+            </a:pPr>
+            <a:r>
+              <a:rPr lang="ru-RU" sz="2400" dirty="0">
                 <a:solidFill>
                   <a:srgbClr val="143642"/>
                 </a:solidFill>
                 <a:latin typeface="Bahnschrift SemiBold SemiConden" panose="020B0502040204020203" pitchFamily="34" charset="0"/>
               </a:rPr>
-              <a:t>Eel</a:t>
-            </a:r>
-            <a:r>
-              <a:rPr lang="ru-RU" sz="2400" dirty="0">
+              <a:t>2</a:t>
+            </a:r>
+            <a:r>
+              <a:rPr lang="ru-RU" dirty="0">
                 <a:solidFill>
                   <a:srgbClr val="143642"/>
                 </a:solidFill>
                 <a:latin typeface="Bahnschrift SemiBold SemiConden" panose="020B0502040204020203" pitchFamily="34" charset="0"/>
               </a:rPr>
-              <a:t> фреймворка</a:t>
-            </a:r>
-            <a:endParaRPr lang="en-US" sz="2400" dirty="0">
-              <a:solidFill>
-                <a:srgbClr val="143642"/>
-              </a:solidFill>
-              <a:latin typeface="Bahnschrift SemiBold SemiConden" panose="020B0502040204020203" pitchFamily="34" charset="0"/>
-            </a:endParaRPr>
-          </a:p>
-          <a:p>
-            <a:pPr marL="0" indent="0">
-              <a:buNone/>
-            </a:pPr>
-            <a:r>
-              <a:rPr lang="ru-RU" dirty="0">
-                <a:solidFill>
-                  <a:srgbClr val="143642"/>
-                </a:solidFill>
-                <a:latin typeface="Bahnschrift SemiBold SemiConden" panose="020B0502040204020203" pitchFamily="34" charset="0"/>
-              </a:rPr>
-              <a:t>2)    </a:t>
+              <a:t>)    </a:t>
             </a:r>
             <a:r>
               <a:rPr lang="ru-RU" dirty="0">
@@ -4645,7 +4637,7 @@
         </p:nvSpPr>
         <p:spPr>
           <a:xfrm>
-            <a:off x="745064" y="1566862"/>
+            <a:off x="787399" y="1550456"/>
             <a:ext cx="491067" cy="502708"/>
           </a:xfrm>
           <a:prstGeom prst="roundRect">
@@ -4676,7 +4668,7 @@
           <a:lstStyle/>
           <a:p>
             <a:pPr algn="ctr"/>
-            <a:endParaRPr lang="ru-RU">
+            <a:endParaRPr lang="ru-RU" dirty="0">
               <a:solidFill>
                 <a:srgbClr val="EC9A29"/>
               </a:solidFill>
@@ -4698,7 +4690,7 @@
         </p:nvSpPr>
         <p:spPr>
           <a:xfrm>
-            <a:off x="745066" y="2227262"/>
+            <a:off x="787399" y="2191311"/>
             <a:ext cx="491067" cy="502708"/>
           </a:xfrm>
           <a:prstGeom prst="roundRect">
@@ -4751,7 +4743,7 @@
         </p:nvSpPr>
         <p:spPr>
           <a:xfrm>
-            <a:off x="745064" y="2837921"/>
+            <a:off x="787399" y="2855085"/>
             <a:ext cx="491067" cy="502708"/>
           </a:xfrm>
           <a:prstGeom prst="roundRect">
@@ -4804,7 +4796,7 @@
         </p:nvSpPr>
         <p:spPr>
           <a:xfrm>
-            <a:off x="745065" y="3487738"/>
+            <a:off x="787400" y="3495940"/>
             <a:ext cx="491067" cy="502708"/>
           </a:xfrm>
           <a:prstGeom prst="roundRect">
@@ -5153,6 +5145,218 @@
       </p:grpSpPr>
       <p:sp>
         <p:nvSpPr>
+          <p:cNvPr id="4" name="Прямоугольник: скругленные углы 3">
+            <a:extLst>
+              <a:ext uri="{FF2B5EF4-FFF2-40B4-BE49-F238E27FC236}">
+                <a16:creationId xmlns:a16="http://schemas.microsoft.com/office/drawing/2014/main" id="{59ACD31D-EAEC-4AF8-979B-DE442C05736D}"/>
+              </a:ext>
+            </a:extLst>
+          </p:cNvPr>
+          <p:cNvSpPr/>
+          <p:nvPr/>
+        </p:nvSpPr>
+        <p:spPr>
+          <a:xfrm>
+            <a:off x="790572" y="1970894"/>
+            <a:ext cx="491067" cy="502708"/>
+          </a:xfrm>
+          <a:prstGeom prst="roundRect">
+            <a:avLst/>
+          </a:prstGeom>
+          <a:solidFill>
+            <a:srgbClr val="0F8B8D"/>
+          </a:solidFill>
+        </p:spPr>
+        <p:style>
+          <a:lnRef idx="2">
+            <a:schemeClr val="accent1">
+              <a:shade val="50000"/>
+            </a:schemeClr>
+          </a:lnRef>
+          <a:fillRef idx="1">
+            <a:schemeClr val="accent1"/>
+          </a:fillRef>
+          <a:effectRef idx="0">
+            <a:schemeClr val="accent1"/>
+          </a:effectRef>
+          <a:fontRef idx="minor">
+            <a:schemeClr val="lt1"/>
+          </a:fontRef>
+        </p:style>
+        <p:txBody>
+          <a:bodyPr rtlCol="0" anchor="ctr"/>
+          <a:lstStyle/>
+          <a:p>
+            <a:pPr algn="ctr"/>
+            <a:endParaRPr lang="ru-RU" dirty="0">
+              <a:solidFill>
+                <a:srgbClr val="EC9A29"/>
+              </a:solidFill>
+            </a:endParaRPr>
+          </a:p>
+        </p:txBody>
+      </p:sp>
+      <p:sp>
+        <p:nvSpPr>
+          <p:cNvPr id="5" name="Прямоугольник: скругленные углы 4">
+            <a:extLst>
+              <a:ext uri="{FF2B5EF4-FFF2-40B4-BE49-F238E27FC236}">
+                <a16:creationId xmlns:a16="http://schemas.microsoft.com/office/drawing/2014/main" id="{2824F9A0-25C5-4FA5-8663-E1B35CC85829}"/>
+              </a:ext>
+            </a:extLst>
+          </p:cNvPr>
+          <p:cNvSpPr/>
+          <p:nvPr/>
+        </p:nvSpPr>
+        <p:spPr>
+          <a:xfrm>
+            <a:off x="790573" y="2734740"/>
+            <a:ext cx="491067" cy="502708"/>
+          </a:xfrm>
+          <a:prstGeom prst="roundRect">
+            <a:avLst/>
+          </a:prstGeom>
+          <a:solidFill>
+            <a:srgbClr val="0F8B8D"/>
+          </a:solidFill>
+        </p:spPr>
+        <p:style>
+          <a:lnRef idx="2">
+            <a:schemeClr val="accent1">
+              <a:shade val="50000"/>
+            </a:schemeClr>
+          </a:lnRef>
+          <a:fillRef idx="1">
+            <a:schemeClr val="accent1"/>
+          </a:fillRef>
+          <a:effectRef idx="0">
+            <a:schemeClr val="accent1"/>
+          </a:effectRef>
+          <a:fontRef idx="minor">
+            <a:schemeClr val="lt1"/>
+          </a:fontRef>
+        </p:style>
+        <p:txBody>
+          <a:bodyPr rtlCol="0" anchor="ctr"/>
+          <a:lstStyle/>
+          <a:p>
+            <a:pPr algn="ctr"/>
+            <a:endParaRPr lang="ru-RU">
+              <a:solidFill>
+                <a:srgbClr val="EC9A29"/>
+              </a:solidFill>
+            </a:endParaRPr>
+          </a:p>
+        </p:txBody>
+      </p:sp>
+      <p:sp>
+        <p:nvSpPr>
+          <p:cNvPr id="6" name="Прямоугольник: скругленные углы 5">
+            <a:extLst>
+              <a:ext uri="{FF2B5EF4-FFF2-40B4-BE49-F238E27FC236}">
+                <a16:creationId xmlns:a16="http://schemas.microsoft.com/office/drawing/2014/main" id="{BC32E662-BE54-4CAF-BB3F-94AE53E00DD7}"/>
+              </a:ext>
+            </a:extLst>
+          </p:cNvPr>
+          <p:cNvSpPr/>
+          <p:nvPr/>
+        </p:nvSpPr>
+        <p:spPr>
+          <a:xfrm>
+            <a:off x="790574" y="3498586"/>
+            <a:ext cx="491067" cy="502708"/>
+          </a:xfrm>
+          <a:prstGeom prst="roundRect">
+            <a:avLst/>
+          </a:prstGeom>
+          <a:solidFill>
+            <a:srgbClr val="0F8B8D"/>
+          </a:solidFill>
+        </p:spPr>
+        <p:style>
+          <a:lnRef idx="2">
+            <a:schemeClr val="accent1">
+              <a:shade val="50000"/>
+            </a:schemeClr>
+          </a:lnRef>
+          <a:fillRef idx="1">
+            <a:schemeClr val="accent1"/>
+          </a:fillRef>
+          <a:effectRef idx="0">
+            <a:schemeClr val="accent1"/>
+          </a:effectRef>
+          <a:fontRef idx="minor">
+            <a:schemeClr val="lt1"/>
+          </a:fontRef>
+        </p:style>
+        <p:txBody>
+          <a:bodyPr rtlCol="0" anchor="ctr"/>
+          <a:lstStyle/>
+          <a:p>
+            <a:pPr algn="ctr"/>
+            <a:endParaRPr lang="ru-RU">
+              <a:solidFill>
+                <a:srgbClr val="EC9A29"/>
+              </a:solidFill>
+            </a:endParaRPr>
+          </a:p>
+        </p:txBody>
+      </p:sp>
+      <p:sp>
+        <p:nvSpPr>
+          <p:cNvPr id="7" name="Прямоугольник: скругленные углы 6">
+            <a:extLst>
+              <a:ext uri="{FF2B5EF4-FFF2-40B4-BE49-F238E27FC236}">
+                <a16:creationId xmlns:a16="http://schemas.microsoft.com/office/drawing/2014/main" id="{6C0BE24E-90F7-4426-8069-747CF8F1362D}"/>
+              </a:ext>
+            </a:extLst>
+          </p:cNvPr>
+          <p:cNvSpPr/>
+          <p:nvPr/>
+        </p:nvSpPr>
+        <p:spPr>
+          <a:xfrm>
+            <a:off x="790575" y="4294091"/>
+            <a:ext cx="491067" cy="502708"/>
+          </a:xfrm>
+          <a:prstGeom prst="roundRect">
+            <a:avLst/>
+          </a:prstGeom>
+          <a:solidFill>
+            <a:srgbClr val="0F8B8D"/>
+          </a:solidFill>
+        </p:spPr>
+        <p:style>
+          <a:lnRef idx="2">
+            <a:schemeClr val="accent1">
+              <a:shade val="50000"/>
+            </a:schemeClr>
+          </a:lnRef>
+          <a:fillRef idx="1">
+            <a:schemeClr val="accent1"/>
+          </a:fillRef>
+          <a:effectRef idx="0">
+            <a:schemeClr val="accent1"/>
+          </a:effectRef>
+          <a:fontRef idx="minor">
+            <a:schemeClr val="lt1"/>
+          </a:fontRef>
+        </p:style>
+        <p:txBody>
+          <a:bodyPr rtlCol="0" anchor="ctr"/>
+          <a:lstStyle/>
+          <a:p>
+            <a:pPr algn="ctr"/>
+            <a:endParaRPr lang="ru-RU">
+              <a:solidFill>
+                <a:srgbClr val="EC9A29"/>
+              </a:solidFill>
+            </a:endParaRPr>
+          </a:p>
+        </p:txBody>
+      </p:sp>
+      <p:sp>
+        <p:nvSpPr>
           <p:cNvPr id="2" name="Заголовок 1">
             <a:extLst>
               <a:ext uri="{FF2B5EF4-FFF2-40B4-BE49-F238E27FC236}">
@@ -5205,7 +5409,27 @@
           <a:bodyPr/>
           <a:lstStyle/>
           <a:p>
+            <a:pPr marL="514350" indent="-514350">
+              <a:lnSpc>
+                <a:spcPct val="150000"/>
+              </a:lnSpc>
+              <a:buAutoNum type="arabicParenR"/>
+            </a:pPr>
+            <a:r>
+              <a:rPr lang="ru-RU" dirty="0">
+                <a:solidFill>
+                  <a:srgbClr val="143642"/>
+                </a:solidFill>
+                <a:latin typeface="Bahnschrift SemiBold SemiConden" panose="020B0502040204020203" pitchFamily="34" charset="0"/>
+              </a:rPr>
+              <a:t>Создание групповых чатов</a:t>
+            </a:r>
+          </a:p>
+          <a:p>
             <a:pPr marL="0" indent="0">
+              <a:lnSpc>
+                <a:spcPct val="150000"/>
+              </a:lnSpc>
               <a:buNone/>
             </a:pPr>
             <a:r>
@@ -5215,11 +5439,32 @@
                 </a:solidFill>
                 <a:latin typeface="Bahnschrift SemiBold SemiConden" panose="020B0502040204020203" pitchFamily="34" charset="0"/>
               </a:rPr>
-              <a:t>1) Создание групповых чатов</a:t>
+              <a:t>2)   Отправка медиа файлов</a:t>
+            </a:r>
+            <a:r>
+              <a:rPr lang="en-US" dirty="0">
+                <a:solidFill>
+                  <a:srgbClr val="143642"/>
+                </a:solidFill>
+                <a:latin typeface="Bahnschrift SemiBold SemiConden" panose="020B0502040204020203" pitchFamily="34" charset="0"/>
+              </a:rPr>
+              <a:t>,</a:t>
+            </a:r>
+            <a:r>
+              <a:rPr lang="ru-RU" dirty="0">
+                <a:solidFill>
+                  <a:srgbClr val="143642"/>
+                </a:solidFill>
+                <a:latin typeface="Bahnschrift SemiBold SemiConden" panose="020B0502040204020203" pitchFamily="34" charset="0"/>
+              </a:rPr>
+              <a:t> а также голосовых сообщений</a:t>
             </a:r>
           </a:p>
           <a:p>
             <a:pPr marL="0" indent="0">
+              <a:lnSpc>
+                <a:spcPct val="150000"/>
+              </a:lnSpc>
               <a:buNone/>
             </a:pPr>
             <a:r>
@@ -5229,53 +5474,24 @@
                 </a:solidFill>
                 <a:latin typeface="Bahnschrift SemiBold SemiConden" panose="020B0502040204020203" pitchFamily="34" charset="0"/>
               </a:rPr>
-              <a:t>2) Отправка медиа файлов</a:t>
-            </a:r>
-            <a:r>
-              <a:rPr lang="en-US" dirty="0">
+              <a:t>3)   Звонки с другими людьми</a:t>
+            </a:r>
+          </a:p>
+          <a:p>
+            <a:pPr marL="0" indent="0">
+              <a:lnSpc>
+                <a:spcPct val="150000"/>
+              </a:lnSpc>
+              <a:buNone/>
+            </a:pPr>
+            <a:r>
+              <a:rPr lang="ru-RU" dirty="0">
                 <a:solidFill>
                   <a:srgbClr val="143642"/>
                 </a:solidFill>
                 <a:latin typeface="Bahnschrift SemiBold SemiConden" panose="020B0502040204020203" pitchFamily="34" charset="0"/>
               </a:rPr>
-              <a:t>,</a:t>
-            </a:r>
-            <a:r>
-              <a:rPr lang="ru-RU" dirty="0">
-                <a:solidFill>
-                  <a:srgbClr val="143642"/>
-                </a:solidFill>
-                <a:latin typeface="Bahnschrift SemiBold SemiConden" panose="020B0502040204020203" pitchFamily="34" charset="0"/>
-              </a:rPr>
-              <a:t> а также голосовых сообщений</a:t>
-            </a:r>
-          </a:p>
-          <a:p>
-            <a:pPr marL="0" indent="0">
-              <a:buNone/>
-            </a:pPr>
-            <a:r>
-              <a:rPr lang="ru-RU" dirty="0">
-                <a:solidFill>
-                  <a:srgbClr val="143642"/>
-                </a:solidFill>
-                <a:latin typeface="Bahnschrift SemiBold SemiConden" panose="020B0502040204020203" pitchFamily="34" charset="0"/>
-              </a:rPr>
-              <a:t>3) Звонки с другими людьми</a:t>
-            </a:r>
-          </a:p>
-          <a:p>
-            <a:pPr marL="0" indent="0">
-              <a:buNone/>
-            </a:pPr>
-            <a:r>
-              <a:rPr lang="ru-RU" dirty="0">
-                <a:solidFill>
-                  <a:srgbClr val="143642"/>
-                </a:solidFill>
-                <a:latin typeface="Bahnschrift SemiBold SemiConden" panose="020B0502040204020203" pitchFamily="34" charset="0"/>
-              </a:rPr>
-              <a:t>4) Кастомизация интерфейса</a:t>
+              <a:t>4)   Кастомизация интерфейса</a:t>
             </a:r>
           </a:p>
           <a:p>
@@ -5386,7 +5602,25 @@
                 </a:solidFill>
                 <a:latin typeface="Bahnschrift SemiBold SemiConden" panose="020B0502040204020203" pitchFamily="34" charset="0"/>
               </a:rPr>
-              <a:t>Работа над мессенджером Naki стала для меня ценным опытом в области разработки безопасных приложений. Удалось не только изучить теоретические основы криптографии и архитектуры Zero-Knowledge, но и реализовать их на практике. Уже сейчас проект обладает базовым функционалом для безопасного обмена сообщениями с полной гарантией конфиденциальности.</a:t>
+              <a:t>	</a:t>
+            </a:r>
+            <a:r>
+              <a:rPr lang="ru-RU" dirty="0">
+                <a:solidFill>
+                  <a:srgbClr val="0F8B8D"/>
+                </a:solidFill>
+                <a:latin typeface="Bahnschrift SemiBold SemiConden" panose="020B0502040204020203" pitchFamily="34" charset="0"/>
+              </a:rPr>
+              <a:t>Р</a:t>
+            </a:r>
+            <a:r>
+              <a:rPr lang="ru-RU" dirty="0">
+                <a:solidFill>
+                  <a:srgbClr val="143642"/>
+                </a:solidFill>
+                <a:latin typeface="Bahnschrift SemiBold SemiConden" panose="020B0502040204020203" pitchFamily="34" charset="0"/>
+              </a:rPr>
+              <a:t>абота над мессенджером Naki стала для меня ценным опытом в области разработки безопасных приложений. Удалось не только изучить теоретические основы криптографии и архитектуры Zero-Knowledge, но и реализовать их на практике. Уже сейчас проект обладает базовым функционалом для безопасного обмена сообщениями с полной гарантией конфиденциальности.</a:t>
             </a:r>
             <a:r>
               <a:rPr lang="ru-RU" b="0" i="0" dirty="0">

--- a/Мессенджер Naki.pptx
+++ b/Мессенджер Naki.pptx
@@ -9,12 +9,15 @@
     <p:sldId id="257" r:id="rId3"/>
     <p:sldId id="258" r:id="rId4"/>
     <p:sldId id="267" r:id="rId5"/>
-    <p:sldId id="259" r:id="rId6"/>
+    <p:sldId id="268" r:id="rId6"/>
     <p:sldId id="265" r:id="rId7"/>
     <p:sldId id="266" r:id="rId8"/>
-    <p:sldId id="262" r:id="rId9"/>
-    <p:sldId id="263" r:id="rId10"/>
-    <p:sldId id="264" r:id="rId11"/>
+    <p:sldId id="269" r:id="rId9"/>
+    <p:sldId id="259" r:id="rId10"/>
+    <p:sldId id="262" r:id="rId11"/>
+    <p:sldId id="270" r:id="rId12"/>
+    <p:sldId id="263" r:id="rId13"/>
+    <p:sldId id="264" r:id="rId14"/>
   </p:sldIdLst>
   <p:sldSz cx="12192000" cy="6858000"/>
   <p:notesSz cx="6858000" cy="9144000"/>
@@ -268,7 +271,7 @@
           <a:p>
             <a:fld id="{8A1AF4FE-3ABE-4D79-BD55-1C23135AD9DB}" type="datetimeFigureOut">
               <a:rPr lang="ru-RU" smtClean="0"/>
-              <a:t>19.12.2025</a:t>
+              <a:t>20.01.2026</a:t>
             </a:fld>
             <a:endParaRPr lang="ru-RU"/>
           </a:p>
@@ -466,7 +469,7 @@
           <a:p>
             <a:fld id="{8A1AF4FE-3ABE-4D79-BD55-1C23135AD9DB}" type="datetimeFigureOut">
               <a:rPr lang="ru-RU" smtClean="0"/>
-              <a:t>19.12.2025</a:t>
+              <a:t>20.01.2026</a:t>
             </a:fld>
             <a:endParaRPr lang="ru-RU"/>
           </a:p>
@@ -674,7 +677,7 @@
           <a:p>
             <a:fld id="{8A1AF4FE-3ABE-4D79-BD55-1C23135AD9DB}" type="datetimeFigureOut">
               <a:rPr lang="ru-RU" smtClean="0"/>
-              <a:t>19.12.2025</a:t>
+              <a:t>20.01.2026</a:t>
             </a:fld>
             <a:endParaRPr lang="ru-RU"/>
           </a:p>
@@ -872,7 +875,7 @@
           <a:p>
             <a:fld id="{8A1AF4FE-3ABE-4D79-BD55-1C23135AD9DB}" type="datetimeFigureOut">
               <a:rPr lang="ru-RU" smtClean="0"/>
-              <a:t>19.12.2025</a:t>
+              <a:t>20.01.2026</a:t>
             </a:fld>
             <a:endParaRPr lang="ru-RU"/>
           </a:p>
@@ -1147,7 +1150,7 @@
           <a:p>
             <a:fld id="{8A1AF4FE-3ABE-4D79-BD55-1C23135AD9DB}" type="datetimeFigureOut">
               <a:rPr lang="ru-RU" smtClean="0"/>
-              <a:t>19.12.2025</a:t>
+              <a:t>20.01.2026</a:t>
             </a:fld>
             <a:endParaRPr lang="ru-RU"/>
           </a:p>
@@ -1412,7 +1415,7 @@
           <a:p>
             <a:fld id="{8A1AF4FE-3ABE-4D79-BD55-1C23135AD9DB}" type="datetimeFigureOut">
               <a:rPr lang="ru-RU" smtClean="0"/>
-              <a:t>19.12.2025</a:t>
+              <a:t>20.01.2026</a:t>
             </a:fld>
             <a:endParaRPr lang="ru-RU"/>
           </a:p>
@@ -1824,7 +1827,7 @@
           <a:p>
             <a:fld id="{8A1AF4FE-3ABE-4D79-BD55-1C23135AD9DB}" type="datetimeFigureOut">
               <a:rPr lang="ru-RU" smtClean="0"/>
-              <a:t>19.12.2025</a:t>
+              <a:t>20.01.2026</a:t>
             </a:fld>
             <a:endParaRPr lang="ru-RU"/>
           </a:p>
@@ -1965,7 +1968,7 @@
           <a:p>
             <a:fld id="{8A1AF4FE-3ABE-4D79-BD55-1C23135AD9DB}" type="datetimeFigureOut">
               <a:rPr lang="ru-RU" smtClean="0"/>
-              <a:t>19.12.2025</a:t>
+              <a:t>20.01.2026</a:t>
             </a:fld>
             <a:endParaRPr lang="ru-RU"/>
           </a:p>
@@ -2078,7 +2081,7 @@
           <a:p>
             <a:fld id="{8A1AF4FE-3ABE-4D79-BD55-1C23135AD9DB}" type="datetimeFigureOut">
               <a:rPr lang="ru-RU" smtClean="0"/>
-              <a:t>19.12.2025</a:t>
+              <a:t>20.01.2026</a:t>
             </a:fld>
             <a:endParaRPr lang="ru-RU"/>
           </a:p>
@@ -2389,7 +2392,7 @@
           <a:p>
             <a:fld id="{8A1AF4FE-3ABE-4D79-BD55-1C23135AD9DB}" type="datetimeFigureOut">
               <a:rPr lang="ru-RU" smtClean="0"/>
-              <a:t>19.12.2025</a:t>
+              <a:t>20.01.2026</a:t>
             </a:fld>
             <a:endParaRPr lang="ru-RU"/>
           </a:p>
@@ -2677,7 +2680,7 @@
           <a:p>
             <a:fld id="{8A1AF4FE-3ABE-4D79-BD55-1C23135AD9DB}" type="datetimeFigureOut">
               <a:rPr lang="ru-RU" smtClean="0"/>
-              <a:t>19.12.2025</a:t>
+              <a:t>20.01.2026</a:t>
             </a:fld>
             <a:endParaRPr lang="ru-RU"/>
           </a:p>
@@ -2918,7 +2921,7 @@
           <a:p>
             <a:fld id="{8A1AF4FE-3ABE-4D79-BD55-1C23135AD9DB}" type="datetimeFigureOut">
               <a:rPr lang="ru-RU" smtClean="0"/>
-              <a:t>19.12.2025</a:t>
+              <a:t>20.01.2026</a:t>
             </a:fld>
             <a:endParaRPr lang="ru-RU"/>
           </a:p>
@@ -3409,12 +3412,12 @@
         <p:spPr>
           <a:xfrm>
             <a:off x="204565" y="2294531"/>
-            <a:ext cx="11782871" cy="2133599"/>
+            <a:ext cx="11782871" cy="2387600"/>
           </a:xfrm>
         </p:spPr>
         <p:txBody>
           <a:bodyPr>
-            <a:normAutofit lnSpcReduction="10000"/>
+            <a:normAutofit fontScale="92500" lnSpcReduction="10000"/>
           </a:bodyPr>
           <a:lstStyle/>
           <a:p>
@@ -3426,7 +3429,7 @@
                 <a:latin typeface="Bahnschrift SemiBold SemiConden" panose="020B0502040204020203" pitchFamily="34" charset="0"/>
                 <a:cs typeface="Times New Roman" panose="02020603050405020304" pitchFamily="18" charset="0"/>
               </a:rPr>
-              <a:t>ОЛИМПИАДА ШКОЛЬНИКОВ «ШАГ В БУДУЩЕЕ»</a:t>
+              <a:t>ОЛИМПИАДА ШКОЛЬНИКОВ «Импульс»</a:t>
             </a:r>
             <a:endParaRPr lang="ru-RU" dirty="0">
               <a:solidFill>
@@ -3477,7 +3480,7 @@
                 <a:latin typeface="Bahnschrift SemiBold SemiConden" panose="020B0502040204020203" pitchFamily="34" charset="0"/>
                 <a:cs typeface="Times New Roman" panose="02020603050405020304" pitchFamily="18" charset="0"/>
               </a:rPr>
-              <a:t>Информационная безопасность и цифровая криминалистика</a:t>
+              <a:t>Инженерное дело в техносфере </a:t>
             </a:r>
             <a:endParaRPr lang="en-US" dirty="0">
               <a:solidFill>
@@ -3532,6 +3535,75 @@
                 <a:latin typeface="Bahnschrift SemiBold SemiConden" panose="020B0502040204020203" pitchFamily="34" charset="0"/>
                 <a:cs typeface="Times New Roman" panose="02020603050405020304" pitchFamily="18" charset="0"/>
               </a:rPr>
+              <a:t>Школа</a:t>
+            </a:r>
+            <a:r>
+              <a:rPr lang="en-US" dirty="0">
+                <a:solidFill>
+                  <a:srgbClr val="0F8B8D"/>
+                </a:solidFill>
+                <a:latin typeface="Bahnschrift SemiBold SemiConden" panose="020B0502040204020203" pitchFamily="34" charset="0"/>
+                <a:cs typeface="Times New Roman" panose="02020603050405020304" pitchFamily="18" charset="0"/>
+              </a:rPr>
+              <a:t>:</a:t>
+            </a:r>
+            <a:r>
+              <a:rPr lang="en-US" dirty="0">
+                <a:solidFill>
+                  <a:srgbClr val="143642"/>
+                </a:solidFill>
+                <a:latin typeface="Bahnschrift SemiBold SemiConden" panose="020B0502040204020203" pitchFamily="34" charset="0"/>
+                <a:cs typeface="Times New Roman" panose="02020603050405020304" pitchFamily="18" charset="0"/>
+              </a:rPr>
+              <a:t> </a:t>
+            </a:r>
+            <a:r>
+              <a:rPr lang="ru-RU" dirty="0">
+                <a:solidFill>
+                  <a:srgbClr val="143642"/>
+                </a:solidFill>
+                <a:latin typeface="Bahnschrift SemiBold SemiConden" panose="020B0502040204020203" pitchFamily="34" charset="0"/>
+                <a:cs typeface="Times New Roman" panose="02020603050405020304" pitchFamily="18" charset="0"/>
+              </a:rPr>
+              <a:t>Инженерная школа </a:t>
+            </a:r>
+            <a:r>
+              <a:rPr lang="ru-RU" b="1" i="0" dirty="0">
+                <a:solidFill>
+                  <a:srgbClr val="143642"/>
+                </a:solidFill>
+                <a:effectLst/>
+                <a:latin typeface="Bahnschrift SemiBold SemiConden" panose="020B0502040204020203" pitchFamily="34" charset="0"/>
+              </a:rPr>
+              <a:t>№</a:t>
+            </a:r>
+            <a:r>
+              <a:rPr lang="ru-RU" dirty="0">
+                <a:solidFill>
+                  <a:srgbClr val="143642"/>
+                </a:solidFill>
+                <a:latin typeface="Bahnschrift SemiBold SemiConden" panose="020B0502040204020203" pitchFamily="34" charset="0"/>
+                <a:cs typeface="Times New Roman" panose="02020603050405020304" pitchFamily="18" charset="0"/>
+              </a:rPr>
+              <a:t>1581</a:t>
+            </a:r>
+            <a:endParaRPr lang="en-US" dirty="0">
+              <a:solidFill>
+                <a:srgbClr val="143642"/>
+              </a:solidFill>
+              <a:latin typeface="Bahnschrift SemiBold SemiConden" panose="020B0502040204020203" pitchFamily="34" charset="0"/>
+              <a:cs typeface="Times New Roman" panose="02020603050405020304" pitchFamily="18" charset="0"/>
+            </a:endParaRPr>
+          </a:p>
+          <a:p>
+            <a:r>
+              <a:rPr lang="ru-RU" dirty="0">
+                <a:solidFill>
+                  <a:srgbClr val="0F8B8D"/>
+                </a:solidFill>
+                <a:latin typeface="Bahnschrift SemiBold SemiConden" panose="020B0502040204020203" pitchFamily="34" charset="0"/>
+                <a:cs typeface="Times New Roman" panose="02020603050405020304" pitchFamily="18" charset="0"/>
+              </a:rPr>
               <a:t>Руководитель:</a:t>
             </a:r>
             <a:r>
@@ -3552,7 +3624,7 @@
                 <a:latin typeface="Bahnschrift SemiBold SemiConden" panose="020B0502040204020203" pitchFamily="34" charset="0"/>
                 <a:cs typeface="Times New Roman" panose="02020603050405020304" pitchFamily="18" charset="0"/>
               </a:rPr>
-              <a:t>Анвар Сулейманов</a:t>
+              <a:t>Николаева Ольга Юрьевна</a:t>
             </a:r>
             <a:endParaRPr lang="en-US" dirty="0">
               <a:solidFill>
@@ -3620,6 +3692,1324 @@
 </file>
 
 <file path=ppt/slides/slide10.xml><?xml version="1.0" encoding="utf-8"?>
+<p:sld xmlns:a="http://schemas.openxmlformats.org/drawingml/2006/main" xmlns:r="http://schemas.openxmlformats.org/officeDocument/2006/relationships" xmlns:p="http://schemas.openxmlformats.org/presentationml/2006/main">
+  <p:cSld>
+    <p:spTree>
+      <p:nvGrpSpPr>
+        <p:cNvPr id="1" name=""/>
+        <p:cNvGrpSpPr/>
+        <p:nvPr/>
+      </p:nvGrpSpPr>
+      <p:grpSpPr>
+        <a:xfrm>
+          <a:off x="0" y="0"/>
+          <a:ext cx="0" cy="0"/>
+          <a:chOff x="0" y="0"/>
+          <a:chExt cx="0" cy="0"/>
+        </a:xfrm>
+      </p:grpSpPr>
+      <p:sp>
+        <p:nvSpPr>
+          <p:cNvPr id="4" name="Прямоугольник: скругленные углы 3">
+            <a:extLst>
+              <a:ext uri="{FF2B5EF4-FFF2-40B4-BE49-F238E27FC236}">
+                <a16:creationId xmlns:a16="http://schemas.microsoft.com/office/drawing/2014/main" id="{59ACD31D-EAEC-4AF8-979B-DE442C05736D}"/>
+              </a:ext>
+            </a:extLst>
+          </p:cNvPr>
+          <p:cNvSpPr/>
+          <p:nvPr/>
+        </p:nvSpPr>
+        <p:spPr>
+          <a:xfrm>
+            <a:off x="774698" y="1595231"/>
+            <a:ext cx="491067" cy="502708"/>
+          </a:xfrm>
+          <a:prstGeom prst="roundRect">
+            <a:avLst/>
+          </a:prstGeom>
+          <a:solidFill>
+            <a:srgbClr val="EC9A29"/>
+          </a:solidFill>
+        </p:spPr>
+        <p:style>
+          <a:lnRef idx="2">
+            <a:schemeClr val="accent1">
+              <a:shade val="50000"/>
+            </a:schemeClr>
+          </a:lnRef>
+          <a:fillRef idx="1">
+            <a:schemeClr val="accent1"/>
+          </a:fillRef>
+          <a:effectRef idx="0">
+            <a:schemeClr val="accent1"/>
+          </a:effectRef>
+          <a:fontRef idx="minor">
+            <a:schemeClr val="lt1"/>
+          </a:fontRef>
+        </p:style>
+        <p:txBody>
+          <a:bodyPr rtlCol="0" anchor="ctr"/>
+          <a:lstStyle/>
+          <a:p>
+            <a:pPr algn="ctr"/>
+            <a:endParaRPr lang="ru-RU" dirty="0">
+              <a:solidFill>
+                <a:srgbClr val="EC9A29"/>
+              </a:solidFill>
+            </a:endParaRPr>
+          </a:p>
+        </p:txBody>
+      </p:sp>
+      <p:sp>
+        <p:nvSpPr>
+          <p:cNvPr id="5" name="Прямоугольник: скругленные углы 4">
+            <a:extLst>
+              <a:ext uri="{FF2B5EF4-FFF2-40B4-BE49-F238E27FC236}">
+                <a16:creationId xmlns:a16="http://schemas.microsoft.com/office/drawing/2014/main" id="{2824F9A0-25C5-4FA5-8663-E1B35CC85829}"/>
+              </a:ext>
+            </a:extLst>
+          </p:cNvPr>
+          <p:cNvSpPr/>
+          <p:nvPr/>
+        </p:nvSpPr>
+        <p:spPr>
+          <a:xfrm>
+            <a:off x="774698" y="2359077"/>
+            <a:ext cx="491067" cy="502708"/>
+          </a:xfrm>
+          <a:prstGeom prst="roundRect">
+            <a:avLst/>
+          </a:prstGeom>
+          <a:solidFill>
+            <a:srgbClr val="EC9A29"/>
+          </a:solidFill>
+        </p:spPr>
+        <p:style>
+          <a:lnRef idx="2">
+            <a:schemeClr val="accent1">
+              <a:shade val="50000"/>
+            </a:schemeClr>
+          </a:lnRef>
+          <a:fillRef idx="1">
+            <a:schemeClr val="accent1"/>
+          </a:fillRef>
+          <a:effectRef idx="0">
+            <a:schemeClr val="accent1"/>
+          </a:effectRef>
+          <a:fontRef idx="minor">
+            <a:schemeClr val="lt1"/>
+          </a:fontRef>
+        </p:style>
+        <p:txBody>
+          <a:bodyPr rtlCol="0" anchor="ctr"/>
+          <a:lstStyle/>
+          <a:p>
+            <a:pPr algn="ctr"/>
+            <a:endParaRPr lang="ru-RU">
+              <a:solidFill>
+                <a:srgbClr val="EC9A29"/>
+              </a:solidFill>
+            </a:endParaRPr>
+          </a:p>
+        </p:txBody>
+      </p:sp>
+      <p:sp>
+        <p:nvSpPr>
+          <p:cNvPr id="6" name="Прямоугольник: скругленные углы 5">
+            <a:extLst>
+              <a:ext uri="{FF2B5EF4-FFF2-40B4-BE49-F238E27FC236}">
+                <a16:creationId xmlns:a16="http://schemas.microsoft.com/office/drawing/2014/main" id="{BC32E662-BE54-4CAF-BB3F-94AE53E00DD7}"/>
+              </a:ext>
+            </a:extLst>
+          </p:cNvPr>
+          <p:cNvSpPr/>
+          <p:nvPr/>
+        </p:nvSpPr>
+        <p:spPr>
+          <a:xfrm>
+            <a:off x="774699" y="3122923"/>
+            <a:ext cx="491067" cy="502708"/>
+          </a:xfrm>
+          <a:prstGeom prst="roundRect">
+            <a:avLst/>
+          </a:prstGeom>
+          <a:solidFill>
+            <a:srgbClr val="EC9A29"/>
+          </a:solidFill>
+        </p:spPr>
+        <p:style>
+          <a:lnRef idx="2">
+            <a:schemeClr val="accent1">
+              <a:shade val="50000"/>
+            </a:schemeClr>
+          </a:lnRef>
+          <a:fillRef idx="1">
+            <a:schemeClr val="accent1"/>
+          </a:fillRef>
+          <a:effectRef idx="0">
+            <a:schemeClr val="accent1"/>
+          </a:effectRef>
+          <a:fontRef idx="minor">
+            <a:schemeClr val="lt1"/>
+          </a:fontRef>
+        </p:style>
+        <p:txBody>
+          <a:bodyPr rtlCol="0" anchor="ctr"/>
+          <a:lstStyle/>
+          <a:p>
+            <a:pPr algn="ctr"/>
+            <a:endParaRPr lang="ru-RU">
+              <a:solidFill>
+                <a:srgbClr val="EC9A29"/>
+              </a:solidFill>
+            </a:endParaRPr>
+          </a:p>
+        </p:txBody>
+      </p:sp>
+      <p:sp>
+        <p:nvSpPr>
+          <p:cNvPr id="7" name="Прямоугольник: скругленные углы 6">
+            <a:extLst>
+              <a:ext uri="{FF2B5EF4-FFF2-40B4-BE49-F238E27FC236}">
+                <a16:creationId xmlns:a16="http://schemas.microsoft.com/office/drawing/2014/main" id="{6C0BE24E-90F7-4426-8069-747CF8F1362D}"/>
+              </a:ext>
+            </a:extLst>
+          </p:cNvPr>
+          <p:cNvSpPr/>
+          <p:nvPr/>
+        </p:nvSpPr>
+        <p:spPr>
+          <a:xfrm>
+            <a:off x="774700" y="3918428"/>
+            <a:ext cx="491067" cy="502708"/>
+          </a:xfrm>
+          <a:prstGeom prst="roundRect">
+            <a:avLst/>
+          </a:prstGeom>
+          <a:solidFill>
+            <a:srgbClr val="EC9A29"/>
+          </a:solidFill>
+        </p:spPr>
+        <p:style>
+          <a:lnRef idx="2">
+            <a:schemeClr val="accent1">
+              <a:shade val="50000"/>
+            </a:schemeClr>
+          </a:lnRef>
+          <a:fillRef idx="1">
+            <a:schemeClr val="accent1"/>
+          </a:fillRef>
+          <a:effectRef idx="0">
+            <a:schemeClr val="accent1"/>
+          </a:effectRef>
+          <a:fontRef idx="minor">
+            <a:schemeClr val="lt1"/>
+          </a:fontRef>
+        </p:style>
+        <p:txBody>
+          <a:bodyPr rtlCol="0" anchor="ctr"/>
+          <a:lstStyle/>
+          <a:p>
+            <a:pPr algn="ctr"/>
+            <a:endParaRPr lang="ru-RU">
+              <a:solidFill>
+                <a:srgbClr val="EC9A29"/>
+              </a:solidFill>
+            </a:endParaRPr>
+          </a:p>
+        </p:txBody>
+      </p:sp>
+      <p:sp>
+        <p:nvSpPr>
+          <p:cNvPr id="2" name="Заголовок 1">
+            <a:extLst>
+              <a:ext uri="{FF2B5EF4-FFF2-40B4-BE49-F238E27FC236}">
+                <a16:creationId xmlns:a16="http://schemas.microsoft.com/office/drawing/2014/main" id="{81AEBB5C-2DDC-42BE-B658-3EE76B3334AB}"/>
+              </a:ext>
+            </a:extLst>
+          </p:cNvPr>
+          <p:cNvSpPr>
+            <a:spLocks noGrp="1"/>
+          </p:cNvSpPr>
+          <p:nvPr>
+            <p:ph type="title"/>
+          </p:nvPr>
+        </p:nvSpPr>
+        <p:spPr/>
+        <p:txBody>
+          <a:bodyPr/>
+          <a:lstStyle/>
+          <a:p>
+            <a:r>
+              <a:rPr lang="ru-RU" b="1" dirty="0">
+                <a:solidFill>
+                  <a:srgbClr val="EC9A29"/>
+                </a:solidFill>
+                <a:latin typeface="Nitro"/>
+              </a:rPr>
+              <a:t>Планы на будущее</a:t>
+            </a:r>
+          </a:p>
+        </p:txBody>
+      </p:sp>
+      <p:sp>
+        <p:nvSpPr>
+          <p:cNvPr id="3" name="Объект 2">
+            <a:extLst>
+              <a:ext uri="{FF2B5EF4-FFF2-40B4-BE49-F238E27FC236}">
+                <a16:creationId xmlns:a16="http://schemas.microsoft.com/office/drawing/2014/main" id="{F17A3CF6-7E36-423F-9B99-AB635CA94859}"/>
+              </a:ext>
+            </a:extLst>
+          </p:cNvPr>
+          <p:cNvSpPr>
+            <a:spLocks noGrp="1"/>
+          </p:cNvSpPr>
+          <p:nvPr>
+            <p:ph idx="1"/>
+          </p:nvPr>
+        </p:nvSpPr>
+        <p:spPr>
+          <a:xfrm>
+            <a:off x="838200" y="1444884"/>
+            <a:ext cx="10515600" cy="4351338"/>
+          </a:xfrm>
+        </p:spPr>
+        <p:txBody>
+          <a:bodyPr/>
+          <a:lstStyle/>
+          <a:p>
+            <a:pPr marL="0" indent="0">
+              <a:lnSpc>
+                <a:spcPct val="150000"/>
+              </a:lnSpc>
+              <a:buNone/>
+            </a:pPr>
+            <a:r>
+              <a:rPr lang="ru-RU" dirty="0">
+                <a:latin typeface="Bahnschrift SemiBold SemiConden" panose="020B0502040204020203" pitchFamily="34" charset="0"/>
+              </a:rPr>
+              <a:t>1)</a:t>
+            </a:r>
+            <a:r>
+              <a:rPr lang="ru-RU" dirty="0">
+                <a:solidFill>
+                  <a:srgbClr val="0F8B8D"/>
+                </a:solidFill>
+                <a:latin typeface="Bahnschrift SemiBold SemiConden" panose="020B0502040204020203" pitchFamily="34" charset="0"/>
+              </a:rPr>
+              <a:t>    С</a:t>
+            </a:r>
+            <a:r>
+              <a:rPr lang="ru-RU" dirty="0">
+                <a:solidFill>
+                  <a:srgbClr val="143642"/>
+                </a:solidFill>
+                <a:latin typeface="Bahnschrift SemiBold SemiConden" panose="020B0502040204020203" pitchFamily="34" charset="0"/>
+              </a:rPr>
+              <a:t>оздание групповых чатов</a:t>
+            </a:r>
+          </a:p>
+          <a:p>
+            <a:pPr marL="0" indent="0">
+              <a:lnSpc>
+                <a:spcPct val="150000"/>
+              </a:lnSpc>
+              <a:buNone/>
+            </a:pPr>
+            <a:r>
+              <a:rPr lang="ru-RU" dirty="0">
+                <a:solidFill>
+                  <a:srgbClr val="143642"/>
+                </a:solidFill>
+                <a:latin typeface="Bahnschrift SemiBold SemiConden" panose="020B0502040204020203" pitchFamily="34" charset="0"/>
+              </a:rPr>
+              <a:t>2)   </a:t>
+            </a:r>
+            <a:r>
+              <a:rPr lang="ru-RU" dirty="0">
+                <a:solidFill>
+                  <a:srgbClr val="0F8B8D"/>
+                </a:solidFill>
+                <a:latin typeface="Bahnschrift SemiBold SemiConden" panose="020B0502040204020203" pitchFamily="34" charset="0"/>
+              </a:rPr>
+              <a:t>О</a:t>
+            </a:r>
+            <a:r>
+              <a:rPr lang="ru-RU" dirty="0">
+                <a:solidFill>
+                  <a:srgbClr val="143642"/>
+                </a:solidFill>
+                <a:latin typeface="Bahnschrift SemiBold SemiConden" panose="020B0502040204020203" pitchFamily="34" charset="0"/>
+              </a:rPr>
+              <a:t>тправка медиа файлов</a:t>
+            </a:r>
+            <a:r>
+              <a:rPr lang="en-US" dirty="0">
+                <a:solidFill>
+                  <a:srgbClr val="143642"/>
+                </a:solidFill>
+                <a:latin typeface="Bahnschrift SemiBold SemiConden" panose="020B0502040204020203" pitchFamily="34" charset="0"/>
+              </a:rPr>
+              <a:t>,</a:t>
+            </a:r>
+            <a:r>
+              <a:rPr lang="ru-RU" dirty="0">
+                <a:solidFill>
+                  <a:srgbClr val="143642"/>
+                </a:solidFill>
+                <a:latin typeface="Bahnschrift SemiBold SemiConden" panose="020B0502040204020203" pitchFamily="34" charset="0"/>
+              </a:rPr>
+              <a:t> а также голосовых сообщений</a:t>
+            </a:r>
+          </a:p>
+          <a:p>
+            <a:pPr marL="0" indent="0">
+              <a:lnSpc>
+                <a:spcPct val="150000"/>
+              </a:lnSpc>
+              <a:buNone/>
+            </a:pPr>
+            <a:r>
+              <a:rPr lang="ru-RU" dirty="0">
+                <a:solidFill>
+                  <a:srgbClr val="143642"/>
+                </a:solidFill>
+                <a:latin typeface="Bahnschrift SemiBold SemiConden" panose="020B0502040204020203" pitchFamily="34" charset="0"/>
+              </a:rPr>
+              <a:t>3)   </a:t>
+            </a:r>
+            <a:r>
+              <a:rPr lang="ru-RU" dirty="0">
+                <a:solidFill>
+                  <a:srgbClr val="0F8B8D"/>
+                </a:solidFill>
+                <a:latin typeface="Bahnschrift SemiBold SemiConden" panose="020B0502040204020203" pitchFamily="34" charset="0"/>
+              </a:rPr>
+              <a:t>З</a:t>
+            </a:r>
+            <a:r>
+              <a:rPr lang="ru-RU" dirty="0">
+                <a:solidFill>
+                  <a:srgbClr val="143642"/>
+                </a:solidFill>
+                <a:latin typeface="Bahnschrift SemiBold SemiConden" panose="020B0502040204020203" pitchFamily="34" charset="0"/>
+              </a:rPr>
+              <a:t>вонки с другими людьми</a:t>
+            </a:r>
+          </a:p>
+          <a:p>
+            <a:pPr marL="0" indent="0">
+              <a:lnSpc>
+                <a:spcPct val="150000"/>
+              </a:lnSpc>
+              <a:buNone/>
+            </a:pPr>
+            <a:r>
+              <a:rPr lang="ru-RU" dirty="0">
+                <a:solidFill>
+                  <a:srgbClr val="143642"/>
+                </a:solidFill>
+                <a:latin typeface="Bahnschrift SemiBold SemiConden" panose="020B0502040204020203" pitchFamily="34" charset="0"/>
+              </a:rPr>
+              <a:t>4)   </a:t>
+            </a:r>
+            <a:r>
+              <a:rPr lang="ru-RU" dirty="0">
+                <a:solidFill>
+                  <a:srgbClr val="0F8B8D"/>
+                </a:solidFill>
+                <a:latin typeface="Bahnschrift SemiBold SemiConden" panose="020B0502040204020203" pitchFamily="34" charset="0"/>
+              </a:rPr>
+              <a:t>К</a:t>
+            </a:r>
+            <a:r>
+              <a:rPr lang="ru-RU" dirty="0">
+                <a:solidFill>
+                  <a:srgbClr val="143642"/>
+                </a:solidFill>
+                <a:latin typeface="Bahnschrift SemiBold SemiConden" panose="020B0502040204020203" pitchFamily="34" charset="0"/>
+              </a:rPr>
+              <a:t>астомизация интерфейса</a:t>
+            </a:r>
+          </a:p>
+          <a:p>
+            <a:pPr marL="0" indent="0">
+              <a:buNone/>
+            </a:pPr>
+            <a:endParaRPr lang="ru-RU" dirty="0"/>
+          </a:p>
+          <a:p>
+            <a:pPr marL="514350" indent="-514350">
+              <a:buAutoNum type="arabicParenR"/>
+            </a:pPr>
+            <a:endParaRPr lang="ru-RU" dirty="0"/>
+          </a:p>
+        </p:txBody>
+      </p:sp>
+    </p:spTree>
+    <p:extLst>
+      <p:ext uri="{BB962C8B-B14F-4D97-AF65-F5344CB8AC3E}">
+        <p14:creationId xmlns:p14="http://schemas.microsoft.com/office/powerpoint/2010/main" val="1832877096"/>
+      </p:ext>
+    </p:extLst>
+  </p:cSld>
+  <p:clrMapOvr>
+    <a:masterClrMapping/>
+  </p:clrMapOvr>
+</p:sld>
+</file>
+
+<file path=ppt/slides/slide11.xml><?xml version="1.0" encoding="utf-8"?>
+<p:sld xmlns:a="http://schemas.openxmlformats.org/drawingml/2006/main" xmlns:r="http://schemas.openxmlformats.org/officeDocument/2006/relationships" xmlns:p="http://schemas.openxmlformats.org/presentationml/2006/main">
+  <p:cSld>
+    <p:spTree>
+      <p:nvGrpSpPr>
+        <p:cNvPr id="1" name=""/>
+        <p:cNvGrpSpPr/>
+        <p:nvPr/>
+      </p:nvGrpSpPr>
+      <p:grpSpPr>
+        <a:xfrm>
+          <a:off x="0" y="0"/>
+          <a:ext cx="0" cy="0"/>
+          <a:chOff x="0" y="0"/>
+          <a:chExt cx="0" cy="0"/>
+        </a:xfrm>
+      </p:grpSpPr>
+      <p:sp>
+        <p:nvSpPr>
+          <p:cNvPr id="8" name="Прямоугольник: скругленные углы 7">
+            <a:extLst>
+              <a:ext uri="{FF2B5EF4-FFF2-40B4-BE49-F238E27FC236}">
+                <a16:creationId xmlns:a16="http://schemas.microsoft.com/office/drawing/2014/main" id="{67BB158F-0074-4C4B-B228-7DE28E1B5243}"/>
+              </a:ext>
+            </a:extLst>
+          </p:cNvPr>
+          <p:cNvSpPr/>
+          <p:nvPr/>
+        </p:nvSpPr>
+        <p:spPr>
+          <a:xfrm>
+            <a:off x="781592" y="2870399"/>
+            <a:ext cx="491067" cy="502708"/>
+          </a:xfrm>
+          <a:prstGeom prst="roundRect">
+            <a:avLst/>
+          </a:prstGeom>
+          <a:solidFill>
+            <a:srgbClr val="EC9A29"/>
+          </a:solidFill>
+        </p:spPr>
+        <p:style>
+          <a:lnRef idx="2">
+            <a:schemeClr val="accent1">
+              <a:shade val="50000"/>
+            </a:schemeClr>
+          </a:lnRef>
+          <a:fillRef idx="1">
+            <a:schemeClr val="accent1"/>
+          </a:fillRef>
+          <a:effectRef idx="0">
+            <a:schemeClr val="accent1"/>
+          </a:effectRef>
+          <a:fontRef idx="minor">
+            <a:schemeClr val="lt1"/>
+          </a:fontRef>
+        </p:style>
+        <p:txBody>
+          <a:bodyPr rtlCol="0" anchor="ctr"/>
+          <a:lstStyle/>
+          <a:p>
+            <a:pPr algn="ctr"/>
+            <a:endParaRPr lang="ru-RU"/>
+          </a:p>
+        </p:txBody>
+      </p:sp>
+      <p:sp>
+        <p:nvSpPr>
+          <p:cNvPr id="9" name="Прямоугольник: скругленные углы 8">
+            <a:extLst>
+              <a:ext uri="{FF2B5EF4-FFF2-40B4-BE49-F238E27FC236}">
+                <a16:creationId xmlns:a16="http://schemas.microsoft.com/office/drawing/2014/main" id="{77E60CFE-0057-4908-B7DF-3ADDE9D91CBA}"/>
+              </a:ext>
+            </a:extLst>
+          </p:cNvPr>
+          <p:cNvSpPr/>
+          <p:nvPr/>
+        </p:nvSpPr>
+        <p:spPr>
+          <a:xfrm>
+            <a:off x="788124" y="3912614"/>
+            <a:ext cx="491067" cy="502708"/>
+          </a:xfrm>
+          <a:prstGeom prst="roundRect">
+            <a:avLst/>
+          </a:prstGeom>
+          <a:solidFill>
+            <a:srgbClr val="EC9A29"/>
+          </a:solidFill>
+        </p:spPr>
+        <p:style>
+          <a:lnRef idx="2">
+            <a:schemeClr val="accent1">
+              <a:shade val="50000"/>
+            </a:schemeClr>
+          </a:lnRef>
+          <a:fillRef idx="1">
+            <a:schemeClr val="accent1"/>
+          </a:fillRef>
+          <a:effectRef idx="0">
+            <a:schemeClr val="accent1"/>
+          </a:effectRef>
+          <a:fontRef idx="minor">
+            <a:schemeClr val="lt1"/>
+          </a:fontRef>
+        </p:style>
+        <p:txBody>
+          <a:bodyPr rtlCol="0" anchor="ctr"/>
+          <a:lstStyle/>
+          <a:p>
+            <a:pPr algn="ctr"/>
+            <a:endParaRPr lang="ru-RU" baseline="-25000" dirty="0"/>
+          </a:p>
+        </p:txBody>
+      </p:sp>
+      <p:sp>
+        <p:nvSpPr>
+          <p:cNvPr id="11" name="Прямоугольник: скругленные углы 10">
+            <a:extLst>
+              <a:ext uri="{FF2B5EF4-FFF2-40B4-BE49-F238E27FC236}">
+                <a16:creationId xmlns:a16="http://schemas.microsoft.com/office/drawing/2014/main" id="{9BF2571C-455F-4478-8EB4-53601C5B5CF1}"/>
+              </a:ext>
+            </a:extLst>
+          </p:cNvPr>
+          <p:cNvSpPr/>
+          <p:nvPr/>
+        </p:nvSpPr>
+        <p:spPr>
+          <a:xfrm>
+            <a:off x="746757" y="1825625"/>
+            <a:ext cx="491067" cy="502708"/>
+          </a:xfrm>
+          <a:prstGeom prst="roundRect">
+            <a:avLst/>
+          </a:prstGeom>
+          <a:solidFill>
+            <a:srgbClr val="EC9A29"/>
+          </a:solidFill>
+        </p:spPr>
+        <p:style>
+          <a:lnRef idx="2">
+            <a:schemeClr val="accent1">
+              <a:shade val="50000"/>
+            </a:schemeClr>
+          </a:lnRef>
+          <a:fillRef idx="1">
+            <a:schemeClr val="accent1"/>
+          </a:fillRef>
+          <a:effectRef idx="0">
+            <a:schemeClr val="accent1"/>
+          </a:effectRef>
+          <a:fontRef idx="minor">
+            <a:schemeClr val="lt1"/>
+          </a:fontRef>
+        </p:style>
+        <p:txBody>
+          <a:bodyPr rtlCol="0" anchor="ctr"/>
+          <a:lstStyle/>
+          <a:p>
+            <a:pPr algn="ctr"/>
+            <a:endParaRPr lang="ru-RU" dirty="0">
+              <a:solidFill>
+                <a:srgbClr val="EC9A29"/>
+              </a:solidFill>
+            </a:endParaRPr>
+          </a:p>
+        </p:txBody>
+      </p:sp>
+      <p:sp>
+        <p:nvSpPr>
+          <p:cNvPr id="2" name="Заголовок 1">
+            <a:extLst>
+              <a:ext uri="{FF2B5EF4-FFF2-40B4-BE49-F238E27FC236}">
+                <a16:creationId xmlns:a16="http://schemas.microsoft.com/office/drawing/2014/main" id="{139B0CF5-7CBA-4D62-9D05-245BCC223FC2}"/>
+              </a:ext>
+            </a:extLst>
+          </p:cNvPr>
+          <p:cNvSpPr>
+            <a:spLocks noGrp="1"/>
+          </p:cNvSpPr>
+          <p:nvPr>
+            <p:ph type="title"/>
+          </p:nvPr>
+        </p:nvSpPr>
+        <p:spPr/>
+        <p:txBody>
+          <a:bodyPr/>
+          <a:lstStyle/>
+          <a:p>
+            <a:r>
+              <a:rPr lang="ru-RU" b="1" dirty="0">
+                <a:solidFill>
+                  <a:srgbClr val="EC9A29"/>
+                </a:solidFill>
+                <a:latin typeface="Nitro"/>
+              </a:rPr>
+              <a:t>Список литературы</a:t>
+            </a:r>
+          </a:p>
+        </p:txBody>
+      </p:sp>
+      <p:sp>
+        <p:nvSpPr>
+          <p:cNvPr id="3" name="Объект 2">
+            <a:extLst>
+              <a:ext uri="{FF2B5EF4-FFF2-40B4-BE49-F238E27FC236}">
+                <a16:creationId xmlns:a16="http://schemas.microsoft.com/office/drawing/2014/main" id="{1EBF766D-62F2-48F6-8DCA-6675E1057E49}"/>
+              </a:ext>
+            </a:extLst>
+          </p:cNvPr>
+          <p:cNvSpPr>
+            <a:spLocks noGrp="1"/>
+          </p:cNvSpPr>
+          <p:nvPr>
+            <p:ph idx="1"/>
+          </p:nvPr>
+        </p:nvSpPr>
+        <p:spPr>
+          <a:xfrm>
+            <a:off x="838199" y="1825625"/>
+            <a:ext cx="11353801" cy="4351338"/>
+          </a:xfrm>
+        </p:spPr>
+        <p:txBody>
+          <a:bodyPr/>
+          <a:lstStyle/>
+          <a:p>
+            <a:pPr marL="0" indent="0">
+              <a:buNone/>
+            </a:pPr>
+            <a:r>
+              <a:rPr lang="en-US" dirty="0">
+                <a:solidFill>
+                  <a:srgbClr val="143642"/>
+                </a:solidFill>
+                <a:latin typeface="Bahnschrift SemiBold SemiConden" panose="020B0502040204020203" pitchFamily="34" charset="0"/>
+              </a:rPr>
+              <a:t>1)    </a:t>
+            </a:r>
+            <a:r>
+              <a:rPr lang="ru-RU" dirty="0">
+                <a:solidFill>
+                  <a:srgbClr val="143642"/>
+                </a:solidFill>
+                <a:latin typeface="Bahnschrift SemiBold SemiConden" panose="020B0502040204020203" pitchFamily="34" charset="0"/>
+              </a:rPr>
+              <a:t>«</a:t>
+            </a:r>
+            <a:r>
+              <a:rPr lang="ru-RU" dirty="0">
+                <a:solidFill>
+                  <a:srgbClr val="0F8B8D"/>
+                </a:solidFill>
+                <a:latin typeface="Bahnschrift SemiBold SemiConden" panose="020B0502040204020203" pitchFamily="34" charset="0"/>
+              </a:rPr>
+              <a:t>Приватность сообщений в мессенджерах</a:t>
+            </a:r>
+            <a:r>
+              <a:rPr lang="ru-RU" dirty="0">
+                <a:solidFill>
+                  <a:srgbClr val="143642"/>
+                </a:solidFill>
+                <a:latin typeface="Bahnschrift SemiBold SemiConden" panose="020B0502040204020203" pitchFamily="34" charset="0"/>
+              </a:rPr>
+              <a:t>»</a:t>
+            </a:r>
+            <a:r>
+              <a:rPr lang="ru-RU" dirty="0">
+                <a:solidFill>
+                  <a:srgbClr val="0F8B8D"/>
+                </a:solidFill>
+                <a:latin typeface="Bahnschrift SemiBold SemiConden" panose="020B0502040204020203" pitchFamily="34" charset="0"/>
+              </a:rPr>
+              <a:t> </a:t>
+            </a:r>
+            <a:r>
+              <a:rPr lang="ru-RU" dirty="0" err="1">
+                <a:solidFill>
+                  <a:srgbClr val="143642"/>
+                </a:solidFill>
+                <a:latin typeface="Bahnschrift SemiBold SemiConden" panose="020B0502040204020203" pitchFamily="34" charset="0"/>
+              </a:rPr>
+              <a:t>Поначугин</a:t>
+            </a:r>
+            <a:r>
+              <a:rPr lang="ru-RU" dirty="0">
+                <a:solidFill>
+                  <a:srgbClr val="143642"/>
+                </a:solidFill>
+                <a:latin typeface="Bahnschrift SemiBold SemiConden" panose="020B0502040204020203" pitchFamily="34" charset="0"/>
+              </a:rPr>
+              <a:t> А</a:t>
+            </a:r>
+            <a:r>
+              <a:rPr lang="en-US" dirty="0">
+                <a:solidFill>
+                  <a:srgbClr val="143642"/>
+                </a:solidFill>
+                <a:latin typeface="Bahnschrift SemiBold SemiConden" panose="020B0502040204020203" pitchFamily="34" charset="0"/>
+              </a:rPr>
+              <a:t>.</a:t>
+            </a:r>
+            <a:r>
+              <a:rPr lang="ru-RU" dirty="0">
+                <a:solidFill>
+                  <a:srgbClr val="143642"/>
+                </a:solidFill>
+                <a:latin typeface="Bahnschrift SemiBold SemiConden" panose="020B0502040204020203" pitchFamily="34" charset="0"/>
+              </a:rPr>
+              <a:t> В</a:t>
+            </a:r>
+            <a:r>
+              <a:rPr lang="en-US" dirty="0">
+                <a:solidFill>
+                  <a:srgbClr val="143642"/>
+                </a:solidFill>
+                <a:latin typeface="Bahnschrift SemiBold SemiConden" panose="020B0502040204020203" pitchFamily="34" charset="0"/>
+              </a:rPr>
+              <a:t>.</a:t>
+            </a:r>
+          </a:p>
+          <a:p>
+            <a:r>
+              <a:rPr lang="ru-RU" dirty="0">
+                <a:solidFill>
+                  <a:srgbClr val="143642"/>
+                </a:solidFill>
+                <a:latin typeface="Bahnschrift SemiBold SemiConden" panose="020B0502040204020203" pitchFamily="34" charset="0"/>
+              </a:rPr>
+              <a:t>Основы </a:t>
+            </a:r>
+            <a:r>
+              <a:rPr lang="en-US" dirty="0">
+                <a:solidFill>
+                  <a:srgbClr val="143642"/>
+                </a:solidFill>
+                <a:latin typeface="Bahnschrift SemiBold SemiConden" panose="020B0502040204020203" pitchFamily="34" charset="0"/>
+              </a:rPr>
+              <a:t>AES-GCM,</a:t>
+            </a:r>
+            <a:r>
+              <a:rPr lang="ru-RU" dirty="0">
+                <a:solidFill>
+                  <a:srgbClr val="143642"/>
+                </a:solidFill>
+                <a:latin typeface="Bahnschrift SemiBold SemiConden" panose="020B0502040204020203" pitchFamily="34" charset="0"/>
+              </a:rPr>
+              <a:t> объяснение сквозного шифрования</a:t>
+            </a:r>
+            <a:endParaRPr lang="en-US" dirty="0">
+              <a:solidFill>
+                <a:srgbClr val="143642"/>
+              </a:solidFill>
+              <a:latin typeface="Bahnschrift SemiBold SemiConden" panose="020B0502040204020203" pitchFamily="34" charset="0"/>
+            </a:endParaRPr>
+          </a:p>
+          <a:p>
+            <a:pPr marL="0" indent="0">
+              <a:lnSpc>
+                <a:spcPct val="100000"/>
+              </a:lnSpc>
+              <a:buFont typeface="Arial" panose="020B0604020202020204" pitchFamily="34" charset="0"/>
+              <a:buNone/>
+            </a:pPr>
+            <a:r>
+              <a:rPr lang="en-US" dirty="0">
+                <a:solidFill>
+                  <a:srgbClr val="143642"/>
+                </a:solidFill>
+                <a:latin typeface="Bahnschrift SemiBold SemiConden" panose="020B0502040204020203" pitchFamily="34" charset="0"/>
+              </a:rPr>
+              <a:t>2)    </a:t>
+            </a:r>
+            <a:r>
+              <a:rPr lang="ru-RU" dirty="0">
+                <a:solidFill>
+                  <a:srgbClr val="143642"/>
+                </a:solidFill>
+                <a:latin typeface="Bahnschrift SemiBold SemiConden" panose="020B0502040204020203" pitchFamily="34" charset="0"/>
+              </a:rPr>
+              <a:t>«</a:t>
+            </a:r>
+            <a:r>
+              <a:rPr lang="ru-RU" dirty="0">
+                <a:solidFill>
+                  <a:srgbClr val="0F8B8D"/>
+                </a:solidFill>
+                <a:latin typeface="Bahnschrift SemiBold SemiConden" panose="020B0502040204020203" pitchFamily="34" charset="0"/>
+              </a:rPr>
+              <a:t>Визуализация работы криптографических алгоритмов</a:t>
+            </a:r>
+            <a:r>
+              <a:rPr lang="ru-RU" dirty="0">
+                <a:solidFill>
+                  <a:srgbClr val="143642"/>
+                </a:solidFill>
+                <a:latin typeface="Bahnschrift SemiBold SemiConden" panose="020B0502040204020203" pitchFamily="34" charset="0"/>
+              </a:rPr>
+              <a:t>»</a:t>
+            </a:r>
+            <a:r>
+              <a:rPr lang="en-US" dirty="0">
+                <a:solidFill>
+                  <a:srgbClr val="0F8B8D"/>
+                </a:solidFill>
+                <a:latin typeface="Bahnschrift SemiBold SemiConden" panose="020B0502040204020203" pitchFamily="34" charset="0"/>
+              </a:rPr>
+              <a:t> </a:t>
+            </a:r>
+            <a:r>
+              <a:rPr lang="ru-RU" dirty="0">
+                <a:solidFill>
+                  <a:srgbClr val="143642"/>
+                </a:solidFill>
+                <a:latin typeface="Bahnschrift SemiBold SemiConden" panose="020B0502040204020203" pitchFamily="34" charset="0"/>
+              </a:rPr>
+              <a:t>Фомин Д</a:t>
+            </a:r>
+            <a:r>
+              <a:rPr lang="en-US" dirty="0">
+                <a:solidFill>
+                  <a:srgbClr val="143642"/>
+                </a:solidFill>
+                <a:latin typeface="Bahnschrift SemiBold SemiConden" panose="020B0502040204020203" pitchFamily="34" charset="0"/>
+              </a:rPr>
+              <a:t>.</a:t>
+            </a:r>
+            <a:r>
+              <a:rPr lang="ru-RU" dirty="0">
+                <a:solidFill>
+                  <a:srgbClr val="143642"/>
+                </a:solidFill>
+                <a:latin typeface="Bahnschrift SemiBold SemiConden" panose="020B0502040204020203" pitchFamily="34" charset="0"/>
+              </a:rPr>
+              <a:t>В</a:t>
+            </a:r>
+            <a:r>
+              <a:rPr lang="en-US" dirty="0">
+                <a:solidFill>
+                  <a:srgbClr val="143642"/>
+                </a:solidFill>
+                <a:latin typeface="Bahnschrift SemiBold SemiConden" panose="020B0502040204020203" pitchFamily="34" charset="0"/>
+              </a:rPr>
+              <a:t>.</a:t>
+            </a:r>
+          </a:p>
+          <a:p>
+            <a:pPr>
+              <a:lnSpc>
+                <a:spcPct val="100000"/>
+              </a:lnSpc>
+            </a:pPr>
+            <a:r>
+              <a:rPr lang="ru-RU" dirty="0">
+                <a:solidFill>
+                  <a:srgbClr val="143642"/>
+                </a:solidFill>
+                <a:latin typeface="Bahnschrift SemiBold SemiConden" panose="020B0502040204020203" pitchFamily="34" charset="0"/>
+              </a:rPr>
+              <a:t>Объяснение работы алгоритма </a:t>
+            </a:r>
+            <a:r>
+              <a:rPr lang="en-US" dirty="0">
+                <a:solidFill>
+                  <a:srgbClr val="143642"/>
+                </a:solidFill>
+                <a:latin typeface="Bahnschrift SemiBold SemiConden" panose="020B0502040204020203" pitchFamily="34" charset="0"/>
+              </a:rPr>
+              <a:t>ECDH</a:t>
+            </a:r>
+            <a:endParaRPr lang="ru-RU" dirty="0">
+              <a:solidFill>
+                <a:srgbClr val="143642"/>
+              </a:solidFill>
+              <a:latin typeface="Bahnschrift SemiBold SemiConden" panose="020B0502040204020203" pitchFamily="34" charset="0"/>
+            </a:endParaRPr>
+          </a:p>
+          <a:p>
+            <a:pPr marL="0" indent="0">
+              <a:buNone/>
+            </a:pPr>
+            <a:r>
+              <a:rPr lang="ru-RU" dirty="0">
+                <a:solidFill>
+                  <a:srgbClr val="143642"/>
+                </a:solidFill>
+                <a:latin typeface="Bahnschrift SemiBold SemiConden" panose="020B0502040204020203" pitchFamily="34" charset="0"/>
+              </a:rPr>
+              <a:t>3)    </a:t>
+            </a:r>
+            <a:r>
+              <a:rPr lang="en-US" dirty="0">
+                <a:solidFill>
+                  <a:srgbClr val="143642"/>
+                </a:solidFill>
+                <a:latin typeface="Bahnschrift SemiBold SemiConden" panose="020B0502040204020203" pitchFamily="34" charset="0"/>
+              </a:rPr>
+              <a:t>«</a:t>
+            </a:r>
+            <a:r>
+              <a:rPr lang="ru-RU" dirty="0">
+                <a:solidFill>
+                  <a:srgbClr val="0F8B8D"/>
+                </a:solidFill>
+                <a:latin typeface="Bahnschrift SemiBold SemiConden" panose="020B0502040204020203" pitchFamily="34" charset="0"/>
+              </a:rPr>
+              <a:t>Программная разработка менеджера паролей с использованием криптографических алгоритмов защиты данных</a:t>
+            </a:r>
+            <a:r>
+              <a:rPr lang="en-US" dirty="0">
+                <a:solidFill>
+                  <a:srgbClr val="143642"/>
+                </a:solidFill>
+                <a:latin typeface="Bahnschrift SemiBold SemiConden" panose="020B0502040204020203" pitchFamily="34" charset="0"/>
+              </a:rPr>
+              <a:t>»</a:t>
+            </a:r>
+            <a:r>
+              <a:rPr lang="ru-RU" dirty="0">
+                <a:solidFill>
+                  <a:srgbClr val="0F8B8D"/>
+                </a:solidFill>
+                <a:latin typeface="Bahnschrift SemiBold SemiConden" panose="020B0502040204020203" pitchFamily="34" charset="0"/>
+              </a:rPr>
+              <a:t> </a:t>
+            </a:r>
+            <a:r>
+              <a:rPr lang="ru-RU" dirty="0">
+                <a:solidFill>
+                  <a:srgbClr val="143642"/>
+                </a:solidFill>
+                <a:latin typeface="Bahnschrift SemiBold SemiConden" panose="020B0502040204020203" pitchFamily="34" charset="0"/>
+              </a:rPr>
+              <a:t>Егоров</a:t>
+            </a:r>
+            <a:r>
+              <a:rPr lang="en-US" dirty="0">
+                <a:solidFill>
+                  <a:srgbClr val="143642"/>
+                </a:solidFill>
+                <a:latin typeface="Bahnschrift SemiBold SemiConden" panose="020B0502040204020203" pitchFamily="34" charset="0"/>
+              </a:rPr>
+              <a:t> </a:t>
+            </a:r>
+            <a:r>
+              <a:rPr lang="ru-RU" dirty="0">
+                <a:solidFill>
+                  <a:srgbClr val="143642"/>
+                </a:solidFill>
+                <a:latin typeface="Bahnschrift SemiBold SemiConden" panose="020B0502040204020203" pitchFamily="34" charset="0"/>
+              </a:rPr>
+              <a:t>Н</a:t>
+            </a:r>
+            <a:r>
+              <a:rPr lang="en-US" dirty="0">
+                <a:solidFill>
+                  <a:srgbClr val="143642"/>
+                </a:solidFill>
+                <a:latin typeface="Bahnschrift SemiBold SemiConden" panose="020B0502040204020203" pitchFamily="34" charset="0"/>
+              </a:rPr>
+              <a:t>.</a:t>
+            </a:r>
+            <a:r>
+              <a:rPr lang="ru-RU" dirty="0">
+                <a:solidFill>
+                  <a:srgbClr val="143642"/>
+                </a:solidFill>
+                <a:latin typeface="Bahnschrift SemiBold SemiConden" panose="020B0502040204020203" pitchFamily="34" charset="0"/>
+              </a:rPr>
+              <a:t> В</a:t>
+            </a:r>
+            <a:r>
+              <a:rPr lang="en-US" dirty="0">
+                <a:solidFill>
+                  <a:srgbClr val="143642"/>
+                </a:solidFill>
+                <a:latin typeface="Bahnschrift SemiBold SemiConden" panose="020B0502040204020203" pitchFamily="34" charset="0"/>
+              </a:rPr>
+              <a:t>.</a:t>
+            </a:r>
+            <a:endParaRPr lang="ru-RU" dirty="0">
+              <a:solidFill>
+                <a:srgbClr val="143642"/>
+              </a:solidFill>
+              <a:latin typeface="Bahnschrift SemiBold SemiConden" panose="020B0502040204020203" pitchFamily="34" charset="0"/>
+            </a:endParaRPr>
+          </a:p>
+          <a:p>
+            <a:pPr>
+              <a:lnSpc>
+                <a:spcPct val="100000"/>
+              </a:lnSpc>
+            </a:pPr>
+            <a:r>
+              <a:rPr lang="ru-RU" dirty="0">
+                <a:solidFill>
+                  <a:srgbClr val="143642"/>
+                </a:solidFill>
+                <a:latin typeface="Bahnschrift SemiBold SemiConden" panose="020B0502040204020203" pitchFamily="34" charset="0"/>
+              </a:rPr>
+              <a:t>Изучение работы аутентификации</a:t>
+            </a:r>
+          </a:p>
+          <a:p>
+            <a:pPr marL="0" indent="0">
+              <a:buNone/>
+            </a:pPr>
+            <a:endParaRPr lang="ru-RU" dirty="0"/>
+          </a:p>
+        </p:txBody>
+      </p:sp>
+    </p:spTree>
+    <p:extLst>
+      <p:ext uri="{BB962C8B-B14F-4D97-AF65-F5344CB8AC3E}">
+        <p14:creationId xmlns:p14="http://schemas.microsoft.com/office/powerpoint/2010/main" val="178687324"/>
+      </p:ext>
+    </p:extLst>
+  </p:cSld>
+  <p:clrMapOvr>
+    <a:masterClrMapping/>
+  </p:clrMapOvr>
+</p:sld>
+</file>
+
+<file path=ppt/slides/slide12.xml><?xml version="1.0" encoding="utf-8"?>
+<p:sld xmlns:a="http://schemas.openxmlformats.org/drawingml/2006/main" xmlns:r="http://schemas.openxmlformats.org/officeDocument/2006/relationships" xmlns:p="http://schemas.openxmlformats.org/presentationml/2006/main">
+  <p:cSld>
+    <p:spTree>
+      <p:nvGrpSpPr>
+        <p:cNvPr id="1" name=""/>
+        <p:cNvGrpSpPr/>
+        <p:nvPr/>
+      </p:nvGrpSpPr>
+      <p:grpSpPr>
+        <a:xfrm>
+          <a:off x="0" y="0"/>
+          <a:ext cx="0" cy="0"/>
+          <a:chOff x="0" y="0"/>
+          <a:chExt cx="0" cy="0"/>
+        </a:xfrm>
+      </p:grpSpPr>
+      <p:sp>
+        <p:nvSpPr>
+          <p:cNvPr id="2" name="Заголовок 1">
+            <a:extLst>
+              <a:ext uri="{FF2B5EF4-FFF2-40B4-BE49-F238E27FC236}">
+                <a16:creationId xmlns:a16="http://schemas.microsoft.com/office/drawing/2014/main" id="{2E74E843-9CF4-44A5-9F10-5D34DB54B63D}"/>
+              </a:ext>
+            </a:extLst>
+          </p:cNvPr>
+          <p:cNvSpPr>
+            <a:spLocks noGrp="1"/>
+          </p:cNvSpPr>
+          <p:nvPr>
+            <p:ph type="title"/>
+          </p:nvPr>
+        </p:nvSpPr>
+        <p:spPr/>
+        <p:txBody>
+          <a:bodyPr/>
+          <a:lstStyle/>
+          <a:p>
+            <a:r>
+              <a:rPr lang="ru-RU" b="1" dirty="0">
+                <a:solidFill>
+                  <a:srgbClr val="EC9A29"/>
+                </a:solidFill>
+                <a:latin typeface="Nitro"/>
+              </a:rPr>
+              <a:t>Заключение</a:t>
+            </a:r>
+          </a:p>
+        </p:txBody>
+      </p:sp>
+      <p:sp>
+        <p:nvSpPr>
+          <p:cNvPr id="3" name="Объект 2">
+            <a:extLst>
+              <a:ext uri="{FF2B5EF4-FFF2-40B4-BE49-F238E27FC236}">
+                <a16:creationId xmlns:a16="http://schemas.microsoft.com/office/drawing/2014/main" id="{5C35CF8D-8116-493A-97A6-3C5E07E0BE0D}"/>
+              </a:ext>
+            </a:extLst>
+          </p:cNvPr>
+          <p:cNvSpPr>
+            <a:spLocks noGrp="1"/>
+          </p:cNvSpPr>
+          <p:nvPr>
+            <p:ph idx="1"/>
+          </p:nvPr>
+        </p:nvSpPr>
+        <p:spPr>
+          <a:xfrm>
+            <a:off x="838200" y="1690688"/>
+            <a:ext cx="10515600" cy="4351338"/>
+          </a:xfrm>
+        </p:spPr>
+        <p:txBody>
+          <a:bodyPr/>
+          <a:lstStyle/>
+          <a:p>
+            <a:pPr marL="0" indent="0">
+              <a:lnSpc>
+                <a:spcPct val="100000"/>
+              </a:lnSpc>
+              <a:buNone/>
+            </a:pPr>
+            <a:r>
+              <a:rPr lang="ru-RU" dirty="0">
+                <a:solidFill>
+                  <a:srgbClr val="143642"/>
+                </a:solidFill>
+                <a:latin typeface="Bahnschrift SemiBold SemiConden" panose="020B0502040204020203" pitchFamily="34" charset="0"/>
+              </a:rPr>
+              <a:t>	</a:t>
+            </a:r>
+            <a:r>
+              <a:rPr lang="ru-RU" dirty="0">
+                <a:solidFill>
+                  <a:srgbClr val="0F8B8D"/>
+                </a:solidFill>
+                <a:latin typeface="Bahnschrift SemiBold SemiConden" panose="020B0502040204020203" pitchFamily="34" charset="0"/>
+              </a:rPr>
+              <a:t>У</a:t>
+            </a:r>
+            <a:r>
+              <a:rPr lang="ru-RU" dirty="0">
+                <a:solidFill>
+                  <a:srgbClr val="143642"/>
+                </a:solidFill>
+                <a:latin typeface="Bahnschrift SemiBold SemiConden" panose="020B0502040204020203" pitchFamily="34" charset="0"/>
+              </a:rPr>
+              <a:t>же сейчас проект обладает базовым функционалом для безопасного обмена сообщениями с полной гарантией конфиденциальности.</a:t>
+            </a:r>
+            <a:r>
+              <a:rPr lang="ru-RU" b="0" i="0" dirty="0">
+                <a:solidFill>
+                  <a:srgbClr val="F9FAFB"/>
+                </a:solidFill>
+                <a:effectLst/>
+                <a:latin typeface="quote-cjk-patch"/>
+              </a:rPr>
+              <a:t> </a:t>
+            </a:r>
+          </a:p>
+          <a:p>
+            <a:pPr marL="0" indent="0">
+              <a:lnSpc>
+                <a:spcPct val="100000"/>
+              </a:lnSpc>
+              <a:buNone/>
+            </a:pPr>
+            <a:endParaRPr lang="ru-RU" b="0" i="0" dirty="0">
+              <a:solidFill>
+                <a:srgbClr val="F9FAFB"/>
+              </a:solidFill>
+              <a:effectLst/>
+              <a:latin typeface="quote-cjk-patch"/>
+            </a:endParaRPr>
+          </a:p>
+          <a:p>
+            <a:pPr marL="0" indent="0">
+              <a:lnSpc>
+                <a:spcPct val="100000"/>
+              </a:lnSpc>
+              <a:buNone/>
+            </a:pPr>
+            <a:r>
+              <a:rPr lang="ru-RU" dirty="0">
+                <a:solidFill>
+                  <a:srgbClr val="143642"/>
+                </a:solidFill>
+              </a:rPr>
+              <a:t>	</a:t>
+            </a:r>
+            <a:r>
+              <a:rPr lang="ru-RU" dirty="0">
+                <a:solidFill>
+                  <a:srgbClr val="0F8B8D"/>
+                </a:solidFill>
+                <a:latin typeface="Bahnschrift SemiBold SemiConden" panose="020B0502040204020203" pitchFamily="34" charset="0"/>
+              </a:rPr>
+              <a:t>С</a:t>
+            </a:r>
+            <a:r>
+              <a:rPr lang="ru-RU" dirty="0">
+                <a:solidFill>
+                  <a:srgbClr val="143642"/>
+                </a:solidFill>
+                <a:latin typeface="Bahnschrift SemiBold SemiConden" panose="020B0502040204020203" pitchFamily="34" charset="0"/>
+              </a:rPr>
+              <a:t>ильная криптография — это фундамент цифровой свободы.</a:t>
+            </a:r>
+            <a:br>
+              <a:rPr lang="ru-RU" dirty="0">
+                <a:solidFill>
+                  <a:srgbClr val="143642"/>
+                </a:solidFill>
+                <a:latin typeface="Bahnschrift SemiBold SemiConden" panose="020B0502040204020203" pitchFamily="34" charset="0"/>
+              </a:rPr>
+            </a:br>
+            <a:r>
+              <a:rPr lang="ru-RU" dirty="0">
+                <a:solidFill>
+                  <a:srgbClr val="0F8B8D"/>
+                </a:solidFill>
+                <a:latin typeface="Bahnschrift SemiBold SemiConden" panose="020B0502040204020203" pitchFamily="34" charset="0"/>
+              </a:rPr>
+              <a:t>О</a:t>
+            </a:r>
+            <a:r>
+              <a:rPr lang="ru-RU" dirty="0">
+                <a:solidFill>
+                  <a:srgbClr val="143642"/>
+                </a:solidFill>
+                <a:latin typeface="Bahnschrift SemiBold SemiConden" panose="020B0502040204020203" pitchFamily="34" charset="0"/>
+              </a:rPr>
+              <a:t>на защищает не только наши личные тайны, но и национальную безопасность</a:t>
+            </a:r>
+            <a:r>
+              <a:rPr lang="en-US" dirty="0">
+                <a:solidFill>
+                  <a:srgbClr val="143642"/>
+                </a:solidFill>
+                <a:latin typeface="Bahnschrift SemiBold SemiConden" panose="020B0502040204020203" pitchFamily="34" charset="0"/>
+              </a:rPr>
+              <a:t>.</a:t>
+            </a:r>
+            <a:endParaRPr lang="ru-RU" dirty="0">
+              <a:solidFill>
+                <a:srgbClr val="143642"/>
+              </a:solidFill>
+              <a:latin typeface="Bahnschrift SemiBold SemiConden" panose="020B0502040204020203" pitchFamily="34" charset="0"/>
+            </a:endParaRPr>
+          </a:p>
+        </p:txBody>
+      </p:sp>
+    </p:spTree>
+    <p:extLst>
+      <p:ext uri="{BB962C8B-B14F-4D97-AF65-F5344CB8AC3E}">
+        <p14:creationId xmlns:p14="http://schemas.microsoft.com/office/powerpoint/2010/main" val="228552816"/>
+      </p:ext>
+    </p:extLst>
+  </p:cSld>
+  <p:clrMapOvr>
+    <a:masterClrMapping/>
+  </p:clrMapOvr>
+</p:sld>
+</file>
+
+<file path=ppt/slides/slide13.xml><?xml version="1.0" encoding="utf-8"?>
 <p:sld xmlns:a="http://schemas.openxmlformats.org/drawingml/2006/main" xmlns:r="http://schemas.openxmlformats.org/officeDocument/2006/relationships" xmlns:p="http://schemas.openxmlformats.org/presentationml/2006/main">
   <p:cSld>
     <p:spTree>
@@ -3807,11 +5197,20 @@
             <a:r>
               <a:rPr lang="ru-RU" dirty="0">
                 <a:solidFill>
-                  <a:srgbClr val="143642"/>
-                </a:solidFill>
-                <a:latin typeface="Bahnschrift SemiBold SemiConden" panose="020B0502040204020203" pitchFamily="34" charset="0"/>
-              </a:rPr>
-              <a:t>	Все больше и больше людей начинают переходить с разговоров в живую на мессенджеры. </a:t>
+                  <a:srgbClr val="0F8B8D"/>
+                </a:solidFill>
+                <a:latin typeface="Bahnschrift SemiBold SemiConden" panose="020B0502040204020203" pitchFamily="34" charset="0"/>
+              </a:rPr>
+              <a:t>Проблема: </a:t>
+            </a:r>
+            <a:r>
+              <a:rPr lang="ru-RU" dirty="0">
+                <a:solidFill>
+                  <a:srgbClr val="143642"/>
+                </a:solidFill>
+                <a:latin typeface="Bahnschrift SemiBold SemiConden" panose="020B0502040204020203" pitchFamily="34" charset="0"/>
+              </a:rPr>
+              <a:t>разработчики мессенджеров могут расшифровать сообщения.</a:t>
             </a:r>
           </a:p>
           <a:p>
@@ -3825,29 +5224,6 @@
                 </a:solidFill>
                 <a:latin typeface="Bahnschrift SemiBold SemiConden" panose="020B0502040204020203" pitchFamily="34" charset="0"/>
               </a:rPr>
-              <a:t>Проблема: </a:t>
-            </a:r>
-            <a:r>
-              <a:rPr lang="ru-RU" dirty="0">
-                <a:solidFill>
-                  <a:srgbClr val="143642"/>
-                </a:solidFill>
-                <a:latin typeface="Bahnschrift SemiBold SemiConden" panose="020B0502040204020203" pitchFamily="34" charset="0"/>
-              </a:rPr>
-              <a:t>Каждый день в базу данных серверов попадают фотографии, сообщения. Даже в системах со сквозным шифрованием сервер хранит ключи или мета данные. Таким образом разработчику не составляет труда расшифровать все ваши сообщения.</a:t>
-            </a:r>
-          </a:p>
-          <a:p>
-            <a:pPr marL="0" indent="0">
-              <a:buNone/>
-            </a:pPr>
-            <a:r>
-              <a:rPr lang="ru-RU" dirty="0">
-                <a:solidFill>
-                  <a:srgbClr val="0F8B8D"/>
-                </a:solidFill>
-                <a:latin typeface="Bahnschrift SemiBold SemiConden" panose="020B0502040204020203" pitchFamily="34" charset="0"/>
-              </a:rPr>
               <a:t>Цель: </a:t>
             </a:r>
             <a:r>
@@ -3898,6 +5274,42 @@
           </a:p>
         </p:txBody>
       </p:sp>
+      <p:pic>
+        <p:nvPicPr>
+          <p:cNvPr id="4" name="Рисунок 3">
+            <a:extLst>
+              <a:ext uri="{FF2B5EF4-FFF2-40B4-BE49-F238E27FC236}">
+                <a16:creationId xmlns:a16="http://schemas.microsoft.com/office/drawing/2014/main" id="{D1043F50-AF79-4C92-B13B-6289AA3D8B06}"/>
+              </a:ext>
+            </a:extLst>
+          </p:cNvPr>
+          <p:cNvPicPr>
+            <a:picLocks noChangeAspect="1"/>
+          </p:cNvPicPr>
+          <p:nvPr/>
+        </p:nvPicPr>
+        <p:blipFill>
+          <a:blip r:embed="rId2">
+            <a:extLst>
+              <a:ext uri="{28A0092B-C50C-407E-A947-70E740481C1C}">
+                <a14:useLocalDpi xmlns:a14="http://schemas.microsoft.com/office/drawing/2010/main" val="0"/>
+              </a:ext>
+            </a:extLst>
+          </a:blip>
+          <a:stretch>
+            <a:fillRect/>
+          </a:stretch>
+        </p:blipFill>
+        <p:spPr>
+          <a:xfrm>
+            <a:off x="4885661" y="4280567"/>
+            <a:ext cx="2420678" cy="2420678"/>
+          </a:xfrm>
+          <a:prstGeom prst="rect">
+            <a:avLst/>
+          </a:prstGeom>
+        </p:spPr>
+      </p:pic>
     </p:spTree>
     <p:extLst>
       <p:ext uri="{BB962C8B-B14F-4D97-AF65-F5344CB8AC3E}">
@@ -4089,7 +5501,7 @@
         </p:nvSpPr>
         <p:spPr>
           <a:xfrm>
-            <a:off x="795866" y="1836474"/>
+            <a:off x="791104" y="1825625"/>
             <a:ext cx="491067" cy="502708"/>
           </a:xfrm>
           <a:prstGeom prst="roundRect">
@@ -4297,7 +5709,7 @@
                 </a:solidFill>
                 <a:latin typeface="Bahnschrift SemiBold SemiConden" panose="020B0502040204020203" pitchFamily="34" charset="0"/>
               </a:rPr>
-              <a:t>Подключить базу данных в приложению</a:t>
+              <a:t>Подключить базу данных к приложению</a:t>
             </a:r>
             <a:endParaRPr lang="en-US" dirty="0">
               <a:solidFill>
@@ -4390,7 +5802,7 @@
                 </a:solidFill>
                 <a:latin typeface="Bahnschrift SemiBold SemiConden" panose="020B0502040204020203" pitchFamily="34" charset="0"/>
               </a:rPr>
-              <a:t>AES-256-GCM </a:t>
+              <a:t>AES-GCM </a:t>
             </a:r>
             <a:r>
               <a:rPr lang="ru-RU" sz="2400" dirty="0">
@@ -4408,7 +5820,25 @@
                 </a:solidFill>
                 <a:latin typeface="Bahnschrift SemiBold SemiConden" panose="020B0502040204020203" pitchFamily="34" charset="0"/>
               </a:rPr>
-              <a:t>Python</a:t>
+              <a:t>Python,</a:t>
+            </a:r>
+            <a:r>
+              <a:rPr lang="ru-RU" sz="2400" dirty="0">
+                <a:solidFill>
+                  <a:srgbClr val="143642"/>
+                </a:solidFill>
+                <a:latin typeface="Bahnschrift SemiBold SemiConden" panose="020B0502040204020203" pitchFamily="34" charset="0"/>
+              </a:rPr>
+              <a:t> </a:t>
+            </a:r>
+            <a:r>
+              <a:rPr lang="en-US" sz="2400" dirty="0">
+                <a:solidFill>
+                  <a:srgbClr val="143642"/>
+                </a:solidFill>
+                <a:latin typeface="Bahnschrift SemiBold SemiConden" panose="020B0502040204020203" pitchFamily="34" charset="0"/>
+              </a:rPr>
+              <a:t>ECDH</a:t>
             </a:r>
             <a:endParaRPr lang="ru-RU" sz="2400" dirty="0">
               <a:solidFill>
@@ -4442,7 +5872,7 @@
           </a:p>
           <a:p>
             <a:r>
-              <a:rPr lang="en-US" dirty="0">
+              <a:rPr lang="en-US" sz="2400" dirty="0">
                 <a:solidFill>
                   <a:srgbClr val="143642"/>
                 </a:solidFill>
@@ -4451,7 +5881,7 @@
               <a:t>Web Crypto API,</a:t>
             </a:r>
             <a:r>
-              <a:rPr lang="ru-RU" dirty="0">
+              <a:rPr lang="ru-RU" sz="2400" dirty="0">
                 <a:solidFill>
                   <a:srgbClr val="143642"/>
                 </a:solidFill>
@@ -4460,7 +5890,7 @@
               <a:t> </a:t>
             </a:r>
             <a:r>
-              <a:rPr lang="en-US" dirty="0">
+              <a:rPr lang="en-US" sz="2400" dirty="0">
                 <a:solidFill>
                   <a:srgbClr val="143642"/>
                 </a:solidFill>
@@ -4469,7 +5899,7 @@
               <a:t>Base64,</a:t>
             </a:r>
             <a:r>
-              <a:rPr lang="ru-RU" dirty="0">
+              <a:rPr lang="ru-RU" sz="2400" dirty="0">
                 <a:solidFill>
                   <a:srgbClr val="143642"/>
                 </a:solidFill>
@@ -4478,15 +5908,15 @@
               <a:t> </a:t>
             </a:r>
             <a:r>
-              <a:rPr lang="en-US" sz="2800" dirty="0">
-                <a:solidFill>
-                  <a:srgbClr val="143642"/>
-                </a:solidFill>
-                <a:latin typeface="Bahnschrift SemiBold SemiConden" panose="020B0502040204020203" pitchFamily="34" charset="0"/>
-              </a:rPr>
-              <a:t>AES-256-GCM</a:t>
-            </a:r>
-            <a:endParaRPr lang="ru-RU" dirty="0">
+              <a:rPr lang="en-US" sz="2400" dirty="0">
+                <a:solidFill>
+                  <a:srgbClr val="143642"/>
+                </a:solidFill>
+                <a:latin typeface="Bahnschrift SemiBold SemiConden" panose="020B0502040204020203" pitchFamily="34" charset="0"/>
+              </a:rPr>
+              <a:t>AES-GCM</a:t>
+            </a:r>
+            <a:endParaRPr lang="ru-RU" sz="2400" dirty="0">
               <a:solidFill>
                 <a:srgbClr val="143642"/>
               </a:solidFill>
@@ -4560,10 +5990,10 @@
       </p:sp>
       <p:pic>
         <p:nvPicPr>
-          <p:cNvPr id="5" name="Объект 4">
-            <a:extLst>
-              <a:ext uri="{FF2B5EF4-FFF2-40B4-BE49-F238E27FC236}">
-                <a16:creationId xmlns:a16="http://schemas.microsoft.com/office/drawing/2014/main" id="{CF56F715-1FCB-48F3-9EB8-3C8C85F03347}"/>
+          <p:cNvPr id="15" name="Объект 14">
+            <a:extLst>
+              <a:ext uri="{FF2B5EF4-FFF2-40B4-BE49-F238E27FC236}">
+                <a16:creationId xmlns:a16="http://schemas.microsoft.com/office/drawing/2014/main" id="{31190EE5-475E-4FA9-8BF3-9AC5A129D351}"/>
               </a:ext>
             </a:extLst>
           </p:cNvPr>
@@ -4588,8 +6018,8 @@
         </p:blipFill>
         <p:spPr>
           <a:xfrm>
-            <a:off x="2022407" y="1774825"/>
-            <a:ext cx="8147186" cy="4351338"/>
+            <a:off x="1938055" y="1690688"/>
+            <a:ext cx="8315890" cy="4351338"/>
           </a:xfrm>
         </p:spPr>
       </p:pic>
@@ -4623,224 +6053,42 @@
           <a:chExt cx="0" cy="0"/>
         </a:xfrm>
       </p:grpSpPr>
-      <p:sp>
-        <p:nvSpPr>
-          <p:cNvPr id="6" name="Прямоугольник: скругленные углы 5">
-            <a:extLst>
-              <a:ext uri="{FF2B5EF4-FFF2-40B4-BE49-F238E27FC236}">
-                <a16:creationId xmlns:a16="http://schemas.microsoft.com/office/drawing/2014/main" id="{73BA4517-6195-47CD-B430-62F56861983A}"/>
-              </a:ext>
-            </a:extLst>
-          </p:cNvPr>
-          <p:cNvSpPr/>
+      <p:pic>
+        <p:nvPicPr>
+          <p:cNvPr id="5" name="Рисунок 4">
+            <a:extLst>
+              <a:ext uri="{FF2B5EF4-FFF2-40B4-BE49-F238E27FC236}">
+                <a16:creationId xmlns:a16="http://schemas.microsoft.com/office/drawing/2014/main" id="{44F882AB-839B-4304-8441-5D9013D18DFA}"/>
+              </a:ext>
+            </a:extLst>
+          </p:cNvPr>
+          <p:cNvPicPr>
+            <a:picLocks noChangeAspect="1"/>
+          </p:cNvPicPr>
           <p:nvPr/>
-        </p:nvSpPr>
+        </p:nvPicPr>
+        <p:blipFill>
+          <a:blip r:embed="rId2"/>
+          <a:stretch>
+            <a:fillRect/>
+          </a:stretch>
+        </p:blipFill>
         <p:spPr>
           <a:xfrm>
-            <a:off x="787399" y="1550456"/>
-            <a:ext cx="491067" cy="502708"/>
+            <a:off x="0" y="496522"/>
+            <a:ext cx="12192000" cy="5864956"/>
           </a:xfrm>
-          <a:prstGeom prst="roundRect">
+          <a:prstGeom prst="rect">
             <a:avLst/>
           </a:prstGeom>
-          <a:solidFill>
-            <a:srgbClr val="0F8B8D"/>
-          </a:solidFill>
         </p:spPr>
-        <p:style>
-          <a:lnRef idx="2">
-            <a:schemeClr val="accent1">
-              <a:shade val="50000"/>
-            </a:schemeClr>
-          </a:lnRef>
-          <a:fillRef idx="1">
-            <a:schemeClr val="accent1"/>
-          </a:fillRef>
-          <a:effectRef idx="0">
-            <a:schemeClr val="accent1"/>
-          </a:effectRef>
-          <a:fontRef idx="minor">
-            <a:schemeClr val="lt1"/>
-          </a:fontRef>
-        </p:style>
-        <p:txBody>
-          <a:bodyPr rtlCol="0" anchor="ctr"/>
-          <a:lstStyle/>
-          <a:p>
-            <a:pPr algn="ctr"/>
-            <a:endParaRPr lang="ru-RU" dirty="0">
-              <a:solidFill>
-                <a:srgbClr val="EC9A29"/>
-              </a:solidFill>
-            </a:endParaRPr>
-          </a:p>
-        </p:txBody>
-      </p:sp>
-      <p:sp>
-        <p:nvSpPr>
-          <p:cNvPr id="7" name="Прямоугольник: скругленные углы 6">
-            <a:extLst>
-              <a:ext uri="{FF2B5EF4-FFF2-40B4-BE49-F238E27FC236}">
-                <a16:creationId xmlns:a16="http://schemas.microsoft.com/office/drawing/2014/main" id="{B5902272-1846-43E4-BBE0-C53028532083}"/>
-              </a:ext>
-            </a:extLst>
-          </p:cNvPr>
-          <p:cNvSpPr/>
-          <p:nvPr/>
-        </p:nvSpPr>
-        <p:spPr>
-          <a:xfrm>
-            <a:off x="787399" y="2191311"/>
-            <a:ext cx="491067" cy="502708"/>
-          </a:xfrm>
-          <a:prstGeom prst="roundRect">
-            <a:avLst/>
-          </a:prstGeom>
-          <a:solidFill>
-            <a:srgbClr val="0F8B8D"/>
-          </a:solidFill>
-        </p:spPr>
-        <p:style>
-          <a:lnRef idx="2">
-            <a:schemeClr val="accent1">
-              <a:shade val="50000"/>
-            </a:schemeClr>
-          </a:lnRef>
-          <a:fillRef idx="1">
-            <a:schemeClr val="accent1"/>
-          </a:fillRef>
-          <a:effectRef idx="0">
-            <a:schemeClr val="accent1"/>
-          </a:effectRef>
-          <a:fontRef idx="minor">
-            <a:schemeClr val="lt1"/>
-          </a:fontRef>
-        </p:style>
-        <p:txBody>
-          <a:bodyPr rtlCol="0" anchor="ctr"/>
-          <a:lstStyle/>
-          <a:p>
-            <a:pPr algn="ctr"/>
-            <a:endParaRPr lang="ru-RU">
-              <a:solidFill>
-                <a:srgbClr val="EC9A29"/>
-              </a:solidFill>
-            </a:endParaRPr>
-          </a:p>
-        </p:txBody>
-      </p:sp>
-      <p:sp>
-        <p:nvSpPr>
-          <p:cNvPr id="8" name="Прямоугольник: скругленные углы 7">
-            <a:extLst>
-              <a:ext uri="{FF2B5EF4-FFF2-40B4-BE49-F238E27FC236}">
-                <a16:creationId xmlns:a16="http://schemas.microsoft.com/office/drawing/2014/main" id="{33F6232A-C146-471B-B6C4-1E66D3D4C37C}"/>
-              </a:ext>
-            </a:extLst>
-          </p:cNvPr>
-          <p:cNvSpPr/>
-          <p:nvPr/>
-        </p:nvSpPr>
-        <p:spPr>
-          <a:xfrm>
-            <a:off x="787399" y="2855085"/>
-            <a:ext cx="491067" cy="502708"/>
-          </a:xfrm>
-          <a:prstGeom prst="roundRect">
-            <a:avLst/>
-          </a:prstGeom>
-          <a:solidFill>
-            <a:srgbClr val="0F8B8D"/>
-          </a:solidFill>
-        </p:spPr>
-        <p:style>
-          <a:lnRef idx="2">
-            <a:schemeClr val="accent1">
-              <a:shade val="50000"/>
-            </a:schemeClr>
-          </a:lnRef>
-          <a:fillRef idx="1">
-            <a:schemeClr val="accent1"/>
-          </a:fillRef>
-          <a:effectRef idx="0">
-            <a:schemeClr val="accent1"/>
-          </a:effectRef>
-          <a:fontRef idx="minor">
-            <a:schemeClr val="lt1"/>
-          </a:fontRef>
-        </p:style>
-        <p:txBody>
-          <a:bodyPr rtlCol="0" anchor="ctr"/>
-          <a:lstStyle/>
-          <a:p>
-            <a:pPr algn="ctr"/>
-            <a:endParaRPr lang="ru-RU">
-              <a:solidFill>
-                <a:srgbClr val="EC9A29"/>
-              </a:solidFill>
-            </a:endParaRPr>
-          </a:p>
-        </p:txBody>
-      </p:sp>
-      <p:sp>
-        <p:nvSpPr>
-          <p:cNvPr id="9" name="Прямоугольник: скругленные углы 8">
-            <a:extLst>
-              <a:ext uri="{FF2B5EF4-FFF2-40B4-BE49-F238E27FC236}">
-                <a16:creationId xmlns:a16="http://schemas.microsoft.com/office/drawing/2014/main" id="{3F0A0274-F053-4F44-9A7D-01A45DEE1BF7}"/>
-              </a:ext>
-            </a:extLst>
-          </p:cNvPr>
-          <p:cNvSpPr/>
-          <p:nvPr/>
-        </p:nvSpPr>
-        <p:spPr>
-          <a:xfrm>
-            <a:off x="787400" y="3495940"/>
-            <a:ext cx="491067" cy="502708"/>
-          </a:xfrm>
-          <a:prstGeom prst="roundRect">
-            <a:avLst/>
-          </a:prstGeom>
-          <a:solidFill>
-            <a:srgbClr val="0F8B8D"/>
-          </a:solidFill>
-        </p:spPr>
-        <p:style>
-          <a:lnRef idx="2">
-            <a:schemeClr val="accent1">
-              <a:shade val="50000"/>
-            </a:schemeClr>
-          </a:lnRef>
-          <a:fillRef idx="1">
-            <a:schemeClr val="accent1"/>
-          </a:fillRef>
-          <a:effectRef idx="0">
-            <a:schemeClr val="accent1"/>
-          </a:effectRef>
-          <a:fontRef idx="minor">
-            <a:schemeClr val="lt1"/>
-          </a:fontRef>
-        </p:style>
-        <p:txBody>
-          <a:bodyPr rtlCol="0" anchor="ctr"/>
-          <a:lstStyle/>
-          <a:p>
-            <a:pPr algn="ctr"/>
-            <a:endParaRPr lang="ru-RU">
-              <a:solidFill>
-                <a:srgbClr val="EC9A29"/>
-              </a:solidFill>
-            </a:endParaRPr>
-          </a:p>
-        </p:txBody>
-      </p:sp>
+      </p:pic>
       <p:sp>
         <p:nvSpPr>
           <p:cNvPr id="2" name="Заголовок 1">
             <a:extLst>
               <a:ext uri="{FF2B5EF4-FFF2-40B4-BE49-F238E27FC236}">
-                <a16:creationId xmlns:a16="http://schemas.microsoft.com/office/drawing/2014/main" id="{42F5F2EF-BE06-46D2-A0FE-B71628BDD7E4}"/>
+                <a16:creationId xmlns:a16="http://schemas.microsoft.com/office/drawing/2014/main" id="{23826193-A27C-4EA5-9FA5-12CBCC55A661}"/>
               </a:ext>
             </a:extLst>
           </p:cNvPr>
@@ -4863,25 +6111,7 @@
                 </a:solidFill>
                 <a:latin typeface="Nitro"/>
               </a:rPr>
-              <a:t>Текущее</a:t>
-            </a:r>
-            <a:r>
-              <a:rPr lang="ru-RU" b="1" dirty="0">
-                <a:solidFill>
-                  <a:srgbClr val="0F8B8D"/>
-                </a:solidFill>
-                <a:latin typeface="Nitro"/>
-              </a:rPr>
-              <a:t> </a:t>
-            </a:r>
-            <a:r>
-              <a:rPr lang="ru-RU" b="1" dirty="0">
-                <a:solidFill>
-                  <a:srgbClr val="EC9A29"/>
-                </a:solidFill>
-                <a:latin typeface="Nitro"/>
-              </a:rPr>
-              <a:t>состояние проекта</a:t>
+              <a:t>Экран аутентификации</a:t>
             </a:r>
           </a:p>
         </p:txBody>
@@ -4891,7 +6121,7 @@
           <p:cNvPr id="3" name="Объект 2">
             <a:extLst>
               <a:ext uri="{FF2B5EF4-FFF2-40B4-BE49-F238E27FC236}">
-                <a16:creationId xmlns:a16="http://schemas.microsoft.com/office/drawing/2014/main" id="{AF7C84BD-FD5E-45EC-9C1A-F25325061B90}"/>
+                <a16:creationId xmlns:a16="http://schemas.microsoft.com/office/drawing/2014/main" id="{A132BF6F-16A8-49B4-973F-79636197B093}"/>
               </a:ext>
             </a:extLst>
           </p:cNvPr>
@@ -4902,90 +6132,14 @@
             <p:ph idx="1"/>
           </p:nvPr>
         </p:nvSpPr>
-        <p:spPr>
-          <a:xfrm>
-            <a:off x="838200" y="1571625"/>
-            <a:ext cx="10515600" cy="4351338"/>
-          </a:xfrm>
-        </p:spPr>
+        <p:spPr/>
         <p:txBody>
           <a:bodyPr/>
           <a:lstStyle/>
           <a:p>
             <a:pPr marL="0" indent="0">
-              <a:spcBef>
-                <a:spcPts val="2000"/>
-              </a:spcBef>
               <a:buNone/>
             </a:pPr>
-            <a:r>
-              <a:rPr lang="ru-RU" dirty="0">
-                <a:solidFill>
-                  <a:srgbClr val="143642"/>
-                </a:solidFill>
-                <a:latin typeface="Bahnschrift SemiBold SemiConden" panose="020B0502040204020203" pitchFamily="34" charset="0"/>
-              </a:rPr>
-              <a:t>1)    Реализована безопасная аутентификация</a:t>
-            </a:r>
-          </a:p>
-          <a:p>
-            <a:pPr marL="0" indent="0">
-              <a:spcBef>
-                <a:spcPts val="2000"/>
-              </a:spcBef>
-              <a:buNone/>
-            </a:pPr>
-            <a:r>
-              <a:rPr lang="ru-RU" dirty="0">
-                <a:solidFill>
-                  <a:srgbClr val="143642"/>
-                </a:solidFill>
-                <a:latin typeface="Bahnschrift SemiBold SemiConden" panose="020B0502040204020203" pitchFamily="34" charset="0"/>
-              </a:rPr>
-              <a:t>2)   Сделано полностью клиентское шифрование</a:t>
-            </a:r>
-          </a:p>
-          <a:p>
-            <a:pPr marL="0" indent="0">
-              <a:spcBef>
-                <a:spcPts val="2000"/>
-              </a:spcBef>
-              <a:buNone/>
-            </a:pPr>
-            <a:r>
-              <a:rPr lang="ru-RU" dirty="0">
-                <a:solidFill>
-                  <a:srgbClr val="143642"/>
-                </a:solidFill>
-                <a:latin typeface="Bahnschrift SemiBold SemiConden" panose="020B0502040204020203" pitchFamily="34" charset="0"/>
-              </a:rPr>
-              <a:t>3)   Реализован пользовательский интерфейс</a:t>
-            </a:r>
-          </a:p>
-          <a:p>
-            <a:pPr marL="0" indent="0">
-              <a:spcBef>
-                <a:spcPts val="2000"/>
-              </a:spcBef>
-              <a:buNone/>
-            </a:pPr>
-            <a:r>
-              <a:rPr lang="ru-RU" dirty="0">
-                <a:solidFill>
-                  <a:srgbClr val="143642"/>
-                </a:solidFill>
-                <a:latin typeface="Bahnschrift SemiBold SemiConden" panose="020B0502040204020203" pitchFamily="34" charset="0"/>
-              </a:rPr>
-              <a:t>4)   Приложение подключено к базе данных и полностью с ним взаимодействует</a:t>
-            </a:r>
-          </a:p>
-          <a:p>
-            <a:pPr marL="0" indent="0">
-              <a:buNone/>
-            </a:pPr>
-            <a:br>
-              <a:rPr lang="en-US" dirty="0"/>
-            </a:br>
             <a:endParaRPr lang="ru-RU" dirty="0"/>
           </a:p>
         </p:txBody>
@@ -4993,7 +6147,7 @@
     </p:spTree>
     <p:extLst>
       <p:ext uri="{BB962C8B-B14F-4D97-AF65-F5344CB8AC3E}">
-        <p14:creationId xmlns:p14="http://schemas.microsoft.com/office/powerpoint/2010/main" val="10345138"/>
+        <p14:creationId xmlns:p14="http://schemas.microsoft.com/office/powerpoint/2010/main" val="3325232728"/>
       </p:ext>
     </p:extLst>
   </p:cSld>
@@ -5038,13 +6192,13 @@
         </p:nvPicPr>
         <p:blipFill rotWithShape="1">
           <a:blip r:embed="rId2"/>
-          <a:srcRect t="927"/>
+          <a:srcRect t="1123"/>
           <a:stretch/>
         </p:blipFill>
         <p:spPr>
           <a:xfrm>
-            <a:off x="1080740" y="838200"/>
-            <a:ext cx="10030519" cy="5230548"/>
+            <a:off x="340299" y="433567"/>
+            <a:ext cx="11511402" cy="5990866"/>
           </a:xfrm>
         </p:spPr>
       </p:pic>
@@ -5108,11 +6262,54 @@
         </p:blipFill>
         <p:spPr>
           <a:xfrm>
-            <a:off x="2097123" y="1879363"/>
-            <a:ext cx="7997753" cy="3099274"/>
+            <a:off x="1651201" y="1706560"/>
+            <a:ext cx="8889597" cy="3444880"/>
           </a:xfrm>
         </p:spPr>
       </p:pic>
+      <p:sp>
+        <p:nvSpPr>
+          <p:cNvPr id="4" name="Заголовок 3">
+            <a:extLst>
+              <a:ext uri="{FF2B5EF4-FFF2-40B4-BE49-F238E27FC236}">
+                <a16:creationId xmlns:a16="http://schemas.microsoft.com/office/drawing/2014/main" id="{56239CED-F83E-4522-A408-B541449884DD}"/>
+              </a:ext>
+            </a:extLst>
+          </p:cNvPr>
+          <p:cNvSpPr>
+            <a:spLocks noGrp="1"/>
+          </p:cNvSpPr>
+          <p:nvPr>
+            <p:ph type="title"/>
+          </p:nvPr>
+        </p:nvSpPr>
+        <p:spPr/>
+        <p:txBody>
+          <a:bodyPr>
+            <a:normAutofit/>
+          </a:bodyPr>
+          <a:lstStyle/>
+          <a:p>
+            <a:r>
+              <a:rPr lang="ru-RU" b="1" dirty="0">
+                <a:solidFill>
+                  <a:srgbClr val="EC9A29"/>
+                </a:solidFill>
+                <a:effectLst/>
+                <a:latin typeface="Nitro"/>
+                <a:ea typeface="Calibri" panose="020F0502020204030204" pitchFamily="34" charset="0"/>
+              </a:rPr>
+              <a:t>Вид зашифрованных сообщений</a:t>
+            </a:r>
+            <a:endParaRPr lang="ru-RU" b="1" dirty="0">
+              <a:solidFill>
+                <a:srgbClr val="EC9A29"/>
+              </a:solidFill>
+              <a:latin typeface="Nitro"/>
+            </a:endParaRPr>
+          </a:p>
+        </p:txBody>
+      </p:sp>
     </p:spTree>
     <p:extLst>
       <p:ext uri="{BB962C8B-B14F-4D97-AF65-F5344CB8AC3E}">
@@ -5143,367 +6340,105 @@
           <a:chExt cx="0" cy="0"/>
         </a:xfrm>
       </p:grpSpPr>
-      <p:sp>
-        <p:nvSpPr>
-          <p:cNvPr id="4" name="Прямоугольник: скругленные углы 3">
-            <a:extLst>
-              <a:ext uri="{FF2B5EF4-FFF2-40B4-BE49-F238E27FC236}">
-                <a16:creationId xmlns:a16="http://schemas.microsoft.com/office/drawing/2014/main" id="{59ACD31D-EAEC-4AF8-979B-DE442C05736D}"/>
-              </a:ext>
-            </a:extLst>
-          </p:cNvPr>
-          <p:cNvSpPr/>
+      <p:pic>
+        <p:nvPicPr>
+          <p:cNvPr id="5" name="Рисунок 4">
+            <a:extLst>
+              <a:ext uri="{FF2B5EF4-FFF2-40B4-BE49-F238E27FC236}">
+                <a16:creationId xmlns:a16="http://schemas.microsoft.com/office/drawing/2014/main" id="{1A281D7B-1465-4BF1-8E3D-4653FA0B9830}"/>
+              </a:ext>
+            </a:extLst>
+          </p:cNvPr>
+          <p:cNvPicPr>
+            <a:picLocks noChangeAspect="1"/>
+          </p:cNvPicPr>
           <p:nvPr/>
-        </p:nvSpPr>
+        </p:nvPicPr>
+        <p:blipFill>
+          <a:blip r:embed="rId2"/>
+          <a:stretch>
+            <a:fillRect/>
+          </a:stretch>
+        </p:blipFill>
         <p:spPr>
           <a:xfrm>
-            <a:off x="790572" y="1970894"/>
-            <a:ext cx="491067" cy="502708"/>
+            <a:off x="1545853" y="1727894"/>
+            <a:ext cx="9100293" cy="3384793"/>
           </a:xfrm>
-          <a:prstGeom prst="roundRect">
+          <a:prstGeom prst="rect">
             <a:avLst/>
           </a:prstGeom>
-          <a:solidFill>
-            <a:srgbClr val="0F8B8D"/>
-          </a:solidFill>
         </p:spPr>
-        <p:style>
-          <a:lnRef idx="2">
-            <a:schemeClr val="accent1">
-              <a:shade val="50000"/>
-            </a:schemeClr>
-          </a:lnRef>
-          <a:fillRef idx="1">
-            <a:schemeClr val="accent1"/>
-          </a:fillRef>
-          <a:effectRef idx="0">
-            <a:schemeClr val="accent1"/>
-          </a:effectRef>
-          <a:fontRef idx="minor">
-            <a:schemeClr val="lt1"/>
-          </a:fontRef>
-        </p:style>
-        <p:txBody>
-          <a:bodyPr rtlCol="0" anchor="ctr"/>
-          <a:lstStyle/>
-          <a:p>
-            <a:pPr algn="ctr"/>
-            <a:endParaRPr lang="ru-RU" dirty="0">
+      </p:pic>
+      <p:sp>
+        <p:nvSpPr>
+          <p:cNvPr id="2" name="Заголовок 1">
+            <a:extLst>
+              <a:ext uri="{FF2B5EF4-FFF2-40B4-BE49-F238E27FC236}">
+                <a16:creationId xmlns:a16="http://schemas.microsoft.com/office/drawing/2014/main" id="{6F48FB45-6223-4CA9-AC10-4AF1F33EBC26}"/>
+              </a:ext>
+            </a:extLst>
+          </p:cNvPr>
+          <p:cNvSpPr>
+            <a:spLocks noGrp="1"/>
+          </p:cNvSpPr>
+          <p:nvPr>
+            <p:ph type="title"/>
+          </p:nvPr>
+        </p:nvSpPr>
+        <p:spPr/>
+        <p:txBody>
+          <a:bodyPr>
+            <a:normAutofit/>
+          </a:bodyPr>
+          <a:lstStyle/>
+          <a:p>
+            <a:r>
+              <a:rPr lang="ru-RU" b="1" dirty="0">
+                <a:solidFill>
+                  <a:srgbClr val="EC9A29"/>
+                </a:solidFill>
+                <a:effectLst/>
+                <a:latin typeface="Nitro"/>
+                <a:ea typeface="Calibri" panose="020F0502020204030204" pitchFamily="34" charset="0"/>
+              </a:rPr>
+              <a:t>Вид хранения данных о пользователей</a:t>
+            </a:r>
+            <a:endParaRPr lang="ru-RU" b="1" dirty="0">
               <a:solidFill>
                 <a:srgbClr val="EC9A29"/>
               </a:solidFill>
+              <a:latin typeface="Nitro"/>
             </a:endParaRPr>
           </a:p>
         </p:txBody>
       </p:sp>
       <p:sp>
         <p:nvSpPr>
-          <p:cNvPr id="5" name="Прямоугольник: скругленные углы 4">
-            <a:extLst>
-              <a:ext uri="{FF2B5EF4-FFF2-40B4-BE49-F238E27FC236}">
-                <a16:creationId xmlns:a16="http://schemas.microsoft.com/office/drawing/2014/main" id="{2824F9A0-25C5-4FA5-8663-E1B35CC85829}"/>
-              </a:ext>
-            </a:extLst>
-          </p:cNvPr>
-          <p:cNvSpPr/>
-          <p:nvPr/>
+          <p:cNvPr id="3" name="Объект 2">
+            <a:extLst>
+              <a:ext uri="{FF2B5EF4-FFF2-40B4-BE49-F238E27FC236}">
+                <a16:creationId xmlns:a16="http://schemas.microsoft.com/office/drawing/2014/main" id="{38842083-DC6D-4AEE-B571-F169DA2B2C21}"/>
+              </a:ext>
+            </a:extLst>
+          </p:cNvPr>
+          <p:cNvSpPr>
+            <a:spLocks noGrp="1"/>
+          </p:cNvSpPr>
+          <p:nvPr>
+            <p:ph idx="1"/>
+          </p:nvPr>
         </p:nvSpPr>
         <p:spPr>
           <a:xfrm>
-            <a:off x="790573" y="2734740"/>
-            <a:ext cx="491067" cy="502708"/>
+            <a:off x="838200" y="1727894"/>
+            <a:ext cx="10515600" cy="4351338"/>
           </a:xfrm>
-          <a:prstGeom prst="roundRect">
-            <a:avLst/>
-          </a:prstGeom>
-          <a:solidFill>
-            <a:srgbClr val="0F8B8D"/>
-          </a:solidFill>
         </p:spPr>
-        <p:style>
-          <a:lnRef idx="2">
-            <a:schemeClr val="accent1">
-              <a:shade val="50000"/>
-            </a:schemeClr>
-          </a:lnRef>
-          <a:fillRef idx="1">
-            <a:schemeClr val="accent1"/>
-          </a:fillRef>
-          <a:effectRef idx="0">
-            <a:schemeClr val="accent1"/>
-          </a:effectRef>
-          <a:fontRef idx="minor">
-            <a:schemeClr val="lt1"/>
-          </a:fontRef>
-        </p:style>
-        <p:txBody>
-          <a:bodyPr rtlCol="0" anchor="ctr"/>
-          <a:lstStyle/>
-          <a:p>
-            <a:pPr algn="ctr"/>
-            <a:endParaRPr lang="ru-RU">
-              <a:solidFill>
-                <a:srgbClr val="EC9A29"/>
-              </a:solidFill>
-            </a:endParaRPr>
-          </a:p>
-        </p:txBody>
-      </p:sp>
-      <p:sp>
-        <p:nvSpPr>
-          <p:cNvPr id="6" name="Прямоугольник: скругленные углы 5">
-            <a:extLst>
-              <a:ext uri="{FF2B5EF4-FFF2-40B4-BE49-F238E27FC236}">
-                <a16:creationId xmlns:a16="http://schemas.microsoft.com/office/drawing/2014/main" id="{BC32E662-BE54-4CAF-BB3F-94AE53E00DD7}"/>
-              </a:ext>
-            </a:extLst>
-          </p:cNvPr>
-          <p:cNvSpPr/>
-          <p:nvPr/>
-        </p:nvSpPr>
-        <p:spPr>
-          <a:xfrm>
-            <a:off x="790574" y="3498586"/>
-            <a:ext cx="491067" cy="502708"/>
-          </a:xfrm>
-          <a:prstGeom prst="roundRect">
-            <a:avLst/>
-          </a:prstGeom>
-          <a:solidFill>
-            <a:srgbClr val="0F8B8D"/>
-          </a:solidFill>
-        </p:spPr>
-        <p:style>
-          <a:lnRef idx="2">
-            <a:schemeClr val="accent1">
-              <a:shade val="50000"/>
-            </a:schemeClr>
-          </a:lnRef>
-          <a:fillRef idx="1">
-            <a:schemeClr val="accent1"/>
-          </a:fillRef>
-          <a:effectRef idx="0">
-            <a:schemeClr val="accent1"/>
-          </a:effectRef>
-          <a:fontRef idx="minor">
-            <a:schemeClr val="lt1"/>
-          </a:fontRef>
-        </p:style>
-        <p:txBody>
-          <a:bodyPr rtlCol="0" anchor="ctr"/>
-          <a:lstStyle/>
-          <a:p>
-            <a:pPr algn="ctr"/>
-            <a:endParaRPr lang="ru-RU">
-              <a:solidFill>
-                <a:srgbClr val="EC9A29"/>
-              </a:solidFill>
-            </a:endParaRPr>
-          </a:p>
-        </p:txBody>
-      </p:sp>
-      <p:sp>
-        <p:nvSpPr>
-          <p:cNvPr id="7" name="Прямоугольник: скругленные углы 6">
-            <a:extLst>
-              <a:ext uri="{FF2B5EF4-FFF2-40B4-BE49-F238E27FC236}">
-                <a16:creationId xmlns:a16="http://schemas.microsoft.com/office/drawing/2014/main" id="{6C0BE24E-90F7-4426-8069-747CF8F1362D}"/>
-              </a:ext>
-            </a:extLst>
-          </p:cNvPr>
-          <p:cNvSpPr/>
-          <p:nvPr/>
-        </p:nvSpPr>
-        <p:spPr>
-          <a:xfrm>
-            <a:off x="790575" y="4294091"/>
-            <a:ext cx="491067" cy="502708"/>
-          </a:xfrm>
-          <a:prstGeom prst="roundRect">
-            <a:avLst/>
-          </a:prstGeom>
-          <a:solidFill>
-            <a:srgbClr val="0F8B8D"/>
-          </a:solidFill>
-        </p:spPr>
-        <p:style>
-          <a:lnRef idx="2">
-            <a:schemeClr val="accent1">
-              <a:shade val="50000"/>
-            </a:schemeClr>
-          </a:lnRef>
-          <a:fillRef idx="1">
-            <a:schemeClr val="accent1"/>
-          </a:fillRef>
-          <a:effectRef idx="0">
-            <a:schemeClr val="accent1"/>
-          </a:effectRef>
-          <a:fontRef idx="minor">
-            <a:schemeClr val="lt1"/>
-          </a:fontRef>
-        </p:style>
-        <p:txBody>
-          <a:bodyPr rtlCol="0" anchor="ctr"/>
-          <a:lstStyle/>
-          <a:p>
-            <a:pPr algn="ctr"/>
-            <a:endParaRPr lang="ru-RU">
-              <a:solidFill>
-                <a:srgbClr val="EC9A29"/>
-              </a:solidFill>
-            </a:endParaRPr>
-          </a:p>
-        </p:txBody>
-      </p:sp>
-      <p:sp>
-        <p:nvSpPr>
-          <p:cNvPr id="2" name="Заголовок 1">
-            <a:extLst>
-              <a:ext uri="{FF2B5EF4-FFF2-40B4-BE49-F238E27FC236}">
-                <a16:creationId xmlns:a16="http://schemas.microsoft.com/office/drawing/2014/main" id="{81AEBB5C-2DDC-42BE-B658-3EE76B3334AB}"/>
-              </a:ext>
-            </a:extLst>
-          </p:cNvPr>
-          <p:cNvSpPr>
-            <a:spLocks noGrp="1"/>
-          </p:cNvSpPr>
-          <p:nvPr>
-            <p:ph type="title"/>
-          </p:nvPr>
-        </p:nvSpPr>
-        <p:spPr/>
         <p:txBody>
           <a:bodyPr/>
           <a:lstStyle/>
           <a:p>
-            <a:r>
-              <a:rPr lang="ru-RU" b="1" dirty="0">
-                <a:solidFill>
-                  <a:srgbClr val="EC9A29"/>
-                </a:solidFill>
-                <a:latin typeface="Nitro"/>
-              </a:rPr>
-              <a:t>Планы на будущее</a:t>
-            </a:r>
-          </a:p>
-        </p:txBody>
-      </p:sp>
-      <p:sp>
-        <p:nvSpPr>
-          <p:cNvPr id="3" name="Объект 2">
-            <a:extLst>
-              <a:ext uri="{FF2B5EF4-FFF2-40B4-BE49-F238E27FC236}">
-                <a16:creationId xmlns:a16="http://schemas.microsoft.com/office/drawing/2014/main" id="{F17A3CF6-7E36-423F-9B99-AB635CA94859}"/>
-              </a:ext>
-            </a:extLst>
-          </p:cNvPr>
-          <p:cNvSpPr>
-            <a:spLocks noGrp="1"/>
-          </p:cNvSpPr>
-          <p:nvPr>
-            <p:ph idx="1"/>
-          </p:nvPr>
-        </p:nvSpPr>
-        <p:spPr/>
-        <p:txBody>
-          <a:bodyPr/>
-          <a:lstStyle/>
-          <a:p>
-            <a:pPr marL="514350" indent="-514350">
-              <a:lnSpc>
-                <a:spcPct val="150000"/>
-              </a:lnSpc>
-              <a:buAutoNum type="arabicParenR"/>
-            </a:pPr>
-            <a:r>
-              <a:rPr lang="ru-RU" dirty="0">
-                <a:solidFill>
-                  <a:srgbClr val="143642"/>
-                </a:solidFill>
-                <a:latin typeface="Bahnschrift SemiBold SemiConden" panose="020B0502040204020203" pitchFamily="34" charset="0"/>
-              </a:rPr>
-              <a:t>Создание групповых чатов</a:t>
-            </a:r>
-          </a:p>
-          <a:p>
-            <a:pPr marL="0" indent="0">
-              <a:lnSpc>
-                <a:spcPct val="150000"/>
-              </a:lnSpc>
-              <a:buNone/>
-            </a:pPr>
-            <a:r>
-              <a:rPr lang="ru-RU" dirty="0">
-                <a:solidFill>
-                  <a:srgbClr val="143642"/>
-                </a:solidFill>
-                <a:latin typeface="Bahnschrift SemiBold SemiConden" panose="020B0502040204020203" pitchFamily="34" charset="0"/>
-              </a:rPr>
-              <a:t>2)   Отправка медиа файлов</a:t>
-            </a:r>
-            <a:r>
-              <a:rPr lang="en-US" dirty="0">
-                <a:solidFill>
-                  <a:srgbClr val="143642"/>
-                </a:solidFill>
-                <a:latin typeface="Bahnschrift SemiBold SemiConden" panose="020B0502040204020203" pitchFamily="34" charset="0"/>
-              </a:rPr>
-              <a:t>,</a:t>
-            </a:r>
-            <a:r>
-              <a:rPr lang="ru-RU" dirty="0">
-                <a:solidFill>
-                  <a:srgbClr val="143642"/>
-                </a:solidFill>
-                <a:latin typeface="Bahnschrift SemiBold SemiConden" panose="020B0502040204020203" pitchFamily="34" charset="0"/>
-              </a:rPr>
-              <a:t> а также голосовых сообщений</a:t>
-            </a:r>
-          </a:p>
-          <a:p>
-            <a:pPr marL="0" indent="0">
-              <a:lnSpc>
-                <a:spcPct val="150000"/>
-              </a:lnSpc>
-              <a:buNone/>
-            </a:pPr>
-            <a:r>
-              <a:rPr lang="ru-RU" dirty="0">
-                <a:solidFill>
-                  <a:srgbClr val="143642"/>
-                </a:solidFill>
-                <a:latin typeface="Bahnschrift SemiBold SemiConden" panose="020B0502040204020203" pitchFamily="34" charset="0"/>
-              </a:rPr>
-              <a:t>3)   Звонки с другими людьми</a:t>
-            </a:r>
-          </a:p>
-          <a:p>
-            <a:pPr marL="0" indent="0">
-              <a:lnSpc>
-                <a:spcPct val="150000"/>
-              </a:lnSpc>
-              <a:buNone/>
-            </a:pPr>
-            <a:r>
-              <a:rPr lang="ru-RU" dirty="0">
-                <a:solidFill>
-                  <a:srgbClr val="143642"/>
-                </a:solidFill>
-                <a:latin typeface="Bahnschrift SemiBold SemiConden" panose="020B0502040204020203" pitchFamily="34" charset="0"/>
-              </a:rPr>
-              <a:t>4)   Кастомизация интерфейса</a:t>
-            </a:r>
-          </a:p>
-          <a:p>
-            <a:pPr marL="0" indent="0">
-              <a:buNone/>
-            </a:pPr>
-            <a:endParaRPr lang="ru-RU" dirty="0"/>
-          </a:p>
-          <a:p>
-            <a:pPr marL="514350" indent="-514350">
-              <a:buAutoNum type="arabicParenR"/>
-            </a:pPr>
             <a:endParaRPr lang="ru-RU" dirty="0"/>
           </a:p>
         </p:txBody>
@@ -5511,7 +6446,7 @@
     </p:spTree>
     <p:extLst>
       <p:ext uri="{BB962C8B-B14F-4D97-AF65-F5344CB8AC3E}">
-        <p14:creationId xmlns:p14="http://schemas.microsoft.com/office/powerpoint/2010/main" val="1832877096"/>
+        <p14:creationId xmlns:p14="http://schemas.microsoft.com/office/powerpoint/2010/main" val="2897556095"/>
       </p:ext>
     </p:extLst>
   </p:cSld>
@@ -5540,10 +6475,222 @@
       </p:grpSpPr>
       <p:sp>
         <p:nvSpPr>
+          <p:cNvPr id="6" name="Прямоугольник: скругленные углы 5">
+            <a:extLst>
+              <a:ext uri="{FF2B5EF4-FFF2-40B4-BE49-F238E27FC236}">
+                <a16:creationId xmlns:a16="http://schemas.microsoft.com/office/drawing/2014/main" id="{73BA4517-6195-47CD-B430-62F56861983A}"/>
+              </a:ext>
+            </a:extLst>
+          </p:cNvPr>
+          <p:cNvSpPr/>
+          <p:nvPr/>
+        </p:nvSpPr>
+        <p:spPr>
+          <a:xfrm>
+            <a:off x="787399" y="1550456"/>
+            <a:ext cx="491067" cy="502708"/>
+          </a:xfrm>
+          <a:prstGeom prst="roundRect">
+            <a:avLst/>
+          </a:prstGeom>
+          <a:solidFill>
+            <a:srgbClr val="EC9A29"/>
+          </a:solidFill>
+        </p:spPr>
+        <p:style>
+          <a:lnRef idx="2">
+            <a:schemeClr val="accent1">
+              <a:shade val="50000"/>
+            </a:schemeClr>
+          </a:lnRef>
+          <a:fillRef idx="1">
+            <a:schemeClr val="accent1"/>
+          </a:fillRef>
+          <a:effectRef idx="0">
+            <a:schemeClr val="accent1"/>
+          </a:effectRef>
+          <a:fontRef idx="minor">
+            <a:schemeClr val="lt1"/>
+          </a:fontRef>
+        </p:style>
+        <p:txBody>
+          <a:bodyPr rtlCol="0" anchor="ctr"/>
+          <a:lstStyle/>
+          <a:p>
+            <a:pPr algn="ctr"/>
+            <a:endParaRPr lang="ru-RU" dirty="0">
+              <a:solidFill>
+                <a:srgbClr val="EC9A29"/>
+              </a:solidFill>
+            </a:endParaRPr>
+          </a:p>
+        </p:txBody>
+      </p:sp>
+      <p:sp>
+        <p:nvSpPr>
+          <p:cNvPr id="7" name="Прямоугольник: скругленные углы 6">
+            <a:extLst>
+              <a:ext uri="{FF2B5EF4-FFF2-40B4-BE49-F238E27FC236}">
+                <a16:creationId xmlns:a16="http://schemas.microsoft.com/office/drawing/2014/main" id="{B5902272-1846-43E4-BBE0-C53028532083}"/>
+              </a:ext>
+            </a:extLst>
+          </p:cNvPr>
+          <p:cNvSpPr/>
+          <p:nvPr/>
+        </p:nvSpPr>
+        <p:spPr>
+          <a:xfrm>
+            <a:off x="787399" y="2191311"/>
+            <a:ext cx="491067" cy="502708"/>
+          </a:xfrm>
+          <a:prstGeom prst="roundRect">
+            <a:avLst/>
+          </a:prstGeom>
+          <a:solidFill>
+            <a:srgbClr val="EC9A29"/>
+          </a:solidFill>
+        </p:spPr>
+        <p:style>
+          <a:lnRef idx="2">
+            <a:schemeClr val="accent1">
+              <a:shade val="50000"/>
+            </a:schemeClr>
+          </a:lnRef>
+          <a:fillRef idx="1">
+            <a:schemeClr val="accent1"/>
+          </a:fillRef>
+          <a:effectRef idx="0">
+            <a:schemeClr val="accent1"/>
+          </a:effectRef>
+          <a:fontRef idx="minor">
+            <a:schemeClr val="lt1"/>
+          </a:fontRef>
+        </p:style>
+        <p:txBody>
+          <a:bodyPr rtlCol="0" anchor="ctr"/>
+          <a:lstStyle/>
+          <a:p>
+            <a:pPr algn="ctr"/>
+            <a:endParaRPr lang="ru-RU">
+              <a:solidFill>
+                <a:srgbClr val="EC9A29"/>
+              </a:solidFill>
+            </a:endParaRPr>
+          </a:p>
+        </p:txBody>
+      </p:sp>
+      <p:sp>
+        <p:nvSpPr>
+          <p:cNvPr id="8" name="Прямоугольник: скругленные углы 7">
+            <a:extLst>
+              <a:ext uri="{FF2B5EF4-FFF2-40B4-BE49-F238E27FC236}">
+                <a16:creationId xmlns:a16="http://schemas.microsoft.com/office/drawing/2014/main" id="{33F6232A-C146-471B-B6C4-1E66D3D4C37C}"/>
+              </a:ext>
+            </a:extLst>
+          </p:cNvPr>
+          <p:cNvSpPr/>
+          <p:nvPr/>
+        </p:nvSpPr>
+        <p:spPr>
+          <a:xfrm>
+            <a:off x="787399" y="2832166"/>
+            <a:ext cx="491067" cy="502708"/>
+          </a:xfrm>
+          <a:prstGeom prst="roundRect">
+            <a:avLst/>
+          </a:prstGeom>
+          <a:solidFill>
+            <a:srgbClr val="EC9A29"/>
+          </a:solidFill>
+        </p:spPr>
+        <p:style>
+          <a:lnRef idx="2">
+            <a:schemeClr val="accent1">
+              <a:shade val="50000"/>
+            </a:schemeClr>
+          </a:lnRef>
+          <a:fillRef idx="1">
+            <a:schemeClr val="accent1"/>
+          </a:fillRef>
+          <a:effectRef idx="0">
+            <a:schemeClr val="accent1"/>
+          </a:effectRef>
+          <a:fontRef idx="minor">
+            <a:schemeClr val="lt1"/>
+          </a:fontRef>
+        </p:style>
+        <p:txBody>
+          <a:bodyPr rtlCol="0" anchor="ctr"/>
+          <a:lstStyle/>
+          <a:p>
+            <a:pPr algn="ctr"/>
+            <a:endParaRPr lang="ru-RU">
+              <a:solidFill>
+                <a:srgbClr val="EC9A29"/>
+              </a:solidFill>
+            </a:endParaRPr>
+          </a:p>
+        </p:txBody>
+      </p:sp>
+      <p:sp>
+        <p:nvSpPr>
+          <p:cNvPr id="9" name="Прямоугольник: скругленные углы 8">
+            <a:extLst>
+              <a:ext uri="{FF2B5EF4-FFF2-40B4-BE49-F238E27FC236}">
+                <a16:creationId xmlns:a16="http://schemas.microsoft.com/office/drawing/2014/main" id="{3F0A0274-F053-4F44-9A7D-01A45DEE1BF7}"/>
+              </a:ext>
+            </a:extLst>
+          </p:cNvPr>
+          <p:cNvSpPr/>
+          <p:nvPr/>
+        </p:nvSpPr>
+        <p:spPr>
+          <a:xfrm>
+            <a:off x="787399" y="3495940"/>
+            <a:ext cx="491067" cy="502708"/>
+          </a:xfrm>
+          <a:prstGeom prst="roundRect">
+            <a:avLst/>
+          </a:prstGeom>
+          <a:solidFill>
+            <a:srgbClr val="EC9A29"/>
+          </a:solidFill>
+        </p:spPr>
+        <p:style>
+          <a:lnRef idx="2">
+            <a:schemeClr val="accent1">
+              <a:shade val="50000"/>
+            </a:schemeClr>
+          </a:lnRef>
+          <a:fillRef idx="1">
+            <a:schemeClr val="accent1"/>
+          </a:fillRef>
+          <a:effectRef idx="0">
+            <a:schemeClr val="accent1"/>
+          </a:effectRef>
+          <a:fontRef idx="minor">
+            <a:schemeClr val="lt1"/>
+          </a:fontRef>
+        </p:style>
+        <p:txBody>
+          <a:bodyPr rtlCol="0" anchor="ctr"/>
+          <a:lstStyle/>
+          <a:p>
+            <a:pPr algn="ctr"/>
+            <a:endParaRPr lang="ru-RU">
+              <a:solidFill>
+                <a:srgbClr val="EC9A29"/>
+              </a:solidFill>
+            </a:endParaRPr>
+          </a:p>
+        </p:txBody>
+      </p:sp>
+      <p:sp>
+        <p:nvSpPr>
           <p:cNvPr id="2" name="Заголовок 1">
             <a:extLst>
               <a:ext uri="{FF2B5EF4-FFF2-40B4-BE49-F238E27FC236}">
-                <a16:creationId xmlns:a16="http://schemas.microsoft.com/office/drawing/2014/main" id="{2E74E843-9CF4-44A5-9F10-5D34DB54B63D}"/>
+                <a16:creationId xmlns:a16="http://schemas.microsoft.com/office/drawing/2014/main" id="{42F5F2EF-BE06-46D2-A0FE-B71628BDD7E4}"/>
               </a:ext>
             </a:extLst>
           </p:cNvPr>
@@ -5566,7 +6713,25 @@
                 </a:solidFill>
                 <a:latin typeface="Nitro"/>
               </a:rPr>
-              <a:t>Заключение</a:t>
+              <a:t>Текущее</a:t>
+            </a:r>
+            <a:r>
+              <a:rPr lang="ru-RU" b="1" dirty="0">
+                <a:solidFill>
+                  <a:srgbClr val="0F8B8D"/>
+                </a:solidFill>
+                <a:latin typeface="Nitro"/>
+              </a:rPr>
+              <a:t> </a:t>
+            </a:r>
+            <a:r>
+              <a:rPr lang="ru-RU" b="1" dirty="0">
+                <a:solidFill>
+                  <a:srgbClr val="EC9A29"/>
+                </a:solidFill>
+                <a:latin typeface="Nitro"/>
+              </a:rPr>
+              <a:t>состояние проекта</a:t>
             </a:r>
           </a:p>
         </p:txBody>
@@ -5576,7 +6741,7 @@
           <p:cNvPr id="3" name="Объект 2">
             <a:extLst>
               <a:ext uri="{FF2B5EF4-FFF2-40B4-BE49-F238E27FC236}">
-                <a16:creationId xmlns:a16="http://schemas.microsoft.com/office/drawing/2014/main" id="{5C35CF8D-8116-493A-97A6-3C5E07E0BE0D}"/>
+                <a16:creationId xmlns:a16="http://schemas.microsoft.com/office/drawing/2014/main" id="{AF7C84BD-FD5E-45EC-9C1A-F25325061B90}"/>
               </a:ext>
             </a:extLst>
           </p:cNvPr>
@@ -5587,12 +6752,20 @@
             <p:ph idx="1"/>
           </p:nvPr>
         </p:nvSpPr>
-        <p:spPr/>
+        <p:spPr>
+          <a:xfrm>
+            <a:off x="838200" y="1571625"/>
+            <a:ext cx="10515600" cy="4351338"/>
+          </a:xfrm>
+        </p:spPr>
         <p:txBody>
           <a:bodyPr/>
           <a:lstStyle/>
           <a:p>
             <a:pPr marL="0" indent="0">
+              <a:spcBef>
+                <a:spcPts val="2000"/>
+              </a:spcBef>
               <a:buNone/>
             </a:pPr>
             <a:r>
@@ -5602,7 +6775,7 @@
                 </a:solidFill>
                 <a:latin typeface="Bahnschrift SemiBold SemiConden" panose="020B0502040204020203" pitchFamily="34" charset="0"/>
               </a:rPr>
-              <a:t>	</a:t>
+              <a:t>1)    </a:t>
             </a:r>
             <a:r>
               <a:rPr lang="ru-RU" dirty="0">
@@ -5620,34 +6793,132 @@
                 </a:solidFill>
                 <a:latin typeface="Bahnschrift SemiBold SemiConden" panose="020B0502040204020203" pitchFamily="34" charset="0"/>
               </a:rPr>
-              <a:t>абота над мессенджером Naki стала для меня ценным опытом в области разработки безопасных приложений. Удалось не только изучить теоретические основы криптографии и архитектуры Zero-Knowledge, но и реализовать их на практике. Уже сейчас проект обладает базовым функционалом для безопасного обмена сообщениями с полной гарантией конфиденциальности.</a:t>
-            </a:r>
-            <a:r>
-              <a:rPr lang="ru-RU" b="0" i="0" dirty="0">
-                <a:solidFill>
-                  <a:srgbClr val="F9FAFB"/>
-                </a:solidFill>
-                <a:effectLst/>
-                <a:latin typeface="quote-cjk-patch"/>
-              </a:rPr>
-              <a:t> </a:t>
-            </a:r>
-            <a:r>
-              <a:rPr lang="ru-RU" dirty="0">
-                <a:solidFill>
-                  <a:srgbClr val="143642"/>
-                </a:solidFill>
-                <a:latin typeface="Bahnschrift SemiBold SemiConden" panose="020B0502040204020203" pitchFamily="34" charset="0"/>
-              </a:rPr>
-              <a:t>Этот проект — лишь первый шаг в создании по-настоящему приватного и безопасного цифрового пространства.</a:t>
-            </a:r>
+              <a:t>еализована безопасная аутентификация</a:t>
+            </a:r>
+          </a:p>
+          <a:p>
+            <a:pPr marL="0" indent="0">
+              <a:spcBef>
+                <a:spcPts val="2000"/>
+              </a:spcBef>
+              <a:buNone/>
+            </a:pPr>
+            <a:r>
+              <a:rPr lang="ru-RU" dirty="0">
+                <a:solidFill>
+                  <a:srgbClr val="143642"/>
+                </a:solidFill>
+                <a:latin typeface="Bahnschrift SemiBold SemiConden" panose="020B0502040204020203" pitchFamily="34" charset="0"/>
+              </a:rPr>
+              <a:t>2)   </a:t>
+            </a:r>
+            <a:r>
+              <a:rPr lang="ru-RU" dirty="0">
+                <a:solidFill>
+                  <a:srgbClr val="0F8B8D"/>
+                </a:solidFill>
+                <a:latin typeface="Bahnschrift SemiBold SemiConden" panose="020B0502040204020203" pitchFamily="34" charset="0"/>
+              </a:rPr>
+              <a:t>С</a:t>
+            </a:r>
+            <a:r>
+              <a:rPr lang="ru-RU" dirty="0">
+                <a:solidFill>
+                  <a:srgbClr val="143642"/>
+                </a:solidFill>
+                <a:latin typeface="Bahnschrift SemiBold SemiConden" panose="020B0502040204020203" pitchFamily="34" charset="0"/>
+              </a:rPr>
+              <a:t>делано полностью клиентское шифрование</a:t>
+            </a:r>
+          </a:p>
+          <a:p>
+            <a:pPr marL="0" indent="0">
+              <a:spcBef>
+                <a:spcPts val="2000"/>
+              </a:spcBef>
+              <a:buNone/>
+            </a:pPr>
+            <a:r>
+              <a:rPr lang="ru-RU" dirty="0">
+                <a:solidFill>
+                  <a:srgbClr val="143642"/>
+                </a:solidFill>
+                <a:latin typeface="Bahnschrift SemiBold SemiConden" panose="020B0502040204020203" pitchFamily="34" charset="0"/>
+              </a:rPr>
+              <a:t>3)   </a:t>
+            </a:r>
+            <a:r>
+              <a:rPr lang="ru-RU" dirty="0">
+                <a:solidFill>
+                  <a:srgbClr val="0F8B8D"/>
+                </a:solidFill>
+                <a:latin typeface="Bahnschrift SemiBold SemiConden" panose="020B0502040204020203" pitchFamily="34" charset="0"/>
+              </a:rPr>
+              <a:t>Р</a:t>
+            </a:r>
+            <a:r>
+              <a:rPr lang="ru-RU" dirty="0">
+                <a:solidFill>
+                  <a:srgbClr val="143642"/>
+                </a:solidFill>
+                <a:latin typeface="Bahnschrift SemiBold SemiConden" panose="020B0502040204020203" pitchFamily="34" charset="0"/>
+              </a:rPr>
+              <a:t>еализован пользовательский интерфейс</a:t>
+            </a:r>
+          </a:p>
+          <a:p>
+            <a:pPr marL="539750" indent="-539750">
+              <a:lnSpc>
+                <a:spcPct val="100000"/>
+              </a:lnSpc>
+              <a:spcBef>
+                <a:spcPts val="2000"/>
+              </a:spcBef>
+              <a:buNone/>
+            </a:pPr>
+            <a:r>
+              <a:rPr lang="ru-RU" dirty="0">
+                <a:solidFill>
+                  <a:srgbClr val="143642"/>
+                </a:solidFill>
+                <a:latin typeface="Bahnschrift SemiBold SemiConden" panose="020B0502040204020203" pitchFamily="34" charset="0"/>
+              </a:rPr>
+              <a:t>4)   </a:t>
+            </a:r>
+            <a:r>
+              <a:rPr lang="ru-RU" dirty="0">
+                <a:solidFill>
+                  <a:srgbClr val="0F8B8D"/>
+                </a:solidFill>
+                <a:latin typeface="Bahnschrift SemiBold SemiConden" panose="020B0502040204020203" pitchFamily="34" charset="0"/>
+              </a:rPr>
+              <a:t>П</a:t>
+            </a:r>
+            <a:r>
+              <a:rPr lang="ru-RU" dirty="0">
+                <a:solidFill>
+                  <a:srgbClr val="143642"/>
+                </a:solidFill>
+                <a:latin typeface="Bahnschrift SemiBold SemiConden" panose="020B0502040204020203" pitchFamily="34" charset="0"/>
+              </a:rPr>
+              <a:t>риложение подключено к базе данных и полностью с ним              взаимодействует</a:t>
+            </a:r>
+          </a:p>
+          <a:p>
+            <a:pPr marL="0" indent="0">
+              <a:buNone/>
+            </a:pPr>
+            <a:br>
+              <a:rPr lang="en-US" dirty="0"/>
+            </a:br>
+            <a:endParaRPr lang="ru-RU" dirty="0"/>
           </a:p>
         </p:txBody>
       </p:sp>
     </p:spTree>
     <p:extLst>
       <p:ext uri="{BB962C8B-B14F-4D97-AF65-F5344CB8AC3E}">
-        <p14:creationId xmlns:p14="http://schemas.microsoft.com/office/powerpoint/2010/main" val="228552816"/>
+        <p14:creationId xmlns:p14="http://schemas.microsoft.com/office/powerpoint/2010/main" val="10345138"/>
       </p:ext>
     </p:extLst>
   </p:cSld>

--- a/Мессенджер Naki.pptx
+++ b/Мессенджер Naki.pptx
@@ -271,7 +271,7 @@
           <a:p>
             <a:fld id="{8A1AF4FE-3ABE-4D79-BD55-1C23135AD9DB}" type="datetimeFigureOut">
               <a:rPr lang="ru-RU" smtClean="0"/>
-              <a:t>20.01.2026</a:t>
+              <a:t>21.01.2026</a:t>
             </a:fld>
             <a:endParaRPr lang="ru-RU"/>
           </a:p>
@@ -469,7 +469,7 @@
           <a:p>
             <a:fld id="{8A1AF4FE-3ABE-4D79-BD55-1C23135AD9DB}" type="datetimeFigureOut">
               <a:rPr lang="ru-RU" smtClean="0"/>
-              <a:t>20.01.2026</a:t>
+              <a:t>21.01.2026</a:t>
             </a:fld>
             <a:endParaRPr lang="ru-RU"/>
           </a:p>
@@ -677,7 +677,7 @@
           <a:p>
             <a:fld id="{8A1AF4FE-3ABE-4D79-BD55-1C23135AD9DB}" type="datetimeFigureOut">
               <a:rPr lang="ru-RU" smtClean="0"/>
-              <a:t>20.01.2026</a:t>
+              <a:t>21.01.2026</a:t>
             </a:fld>
             <a:endParaRPr lang="ru-RU"/>
           </a:p>
@@ -875,7 +875,7 @@
           <a:p>
             <a:fld id="{8A1AF4FE-3ABE-4D79-BD55-1C23135AD9DB}" type="datetimeFigureOut">
               <a:rPr lang="ru-RU" smtClean="0"/>
-              <a:t>20.01.2026</a:t>
+              <a:t>21.01.2026</a:t>
             </a:fld>
             <a:endParaRPr lang="ru-RU"/>
           </a:p>
@@ -1150,7 +1150,7 @@
           <a:p>
             <a:fld id="{8A1AF4FE-3ABE-4D79-BD55-1C23135AD9DB}" type="datetimeFigureOut">
               <a:rPr lang="ru-RU" smtClean="0"/>
-              <a:t>20.01.2026</a:t>
+              <a:t>21.01.2026</a:t>
             </a:fld>
             <a:endParaRPr lang="ru-RU"/>
           </a:p>
@@ -1415,7 +1415,7 @@
           <a:p>
             <a:fld id="{8A1AF4FE-3ABE-4D79-BD55-1C23135AD9DB}" type="datetimeFigureOut">
               <a:rPr lang="ru-RU" smtClean="0"/>
-              <a:t>20.01.2026</a:t>
+              <a:t>21.01.2026</a:t>
             </a:fld>
             <a:endParaRPr lang="ru-RU"/>
           </a:p>
@@ -1827,7 +1827,7 @@
           <a:p>
             <a:fld id="{8A1AF4FE-3ABE-4D79-BD55-1C23135AD9DB}" type="datetimeFigureOut">
               <a:rPr lang="ru-RU" smtClean="0"/>
-              <a:t>20.01.2026</a:t>
+              <a:t>21.01.2026</a:t>
             </a:fld>
             <a:endParaRPr lang="ru-RU"/>
           </a:p>
@@ -1968,7 +1968,7 @@
           <a:p>
             <a:fld id="{8A1AF4FE-3ABE-4D79-BD55-1C23135AD9DB}" type="datetimeFigureOut">
               <a:rPr lang="ru-RU" smtClean="0"/>
-              <a:t>20.01.2026</a:t>
+              <a:t>21.01.2026</a:t>
             </a:fld>
             <a:endParaRPr lang="ru-RU"/>
           </a:p>
@@ -2081,7 +2081,7 @@
           <a:p>
             <a:fld id="{8A1AF4FE-3ABE-4D79-BD55-1C23135AD9DB}" type="datetimeFigureOut">
               <a:rPr lang="ru-RU" smtClean="0"/>
-              <a:t>20.01.2026</a:t>
+              <a:t>21.01.2026</a:t>
             </a:fld>
             <a:endParaRPr lang="ru-RU"/>
           </a:p>
@@ -2392,7 +2392,7 @@
           <a:p>
             <a:fld id="{8A1AF4FE-3ABE-4D79-BD55-1C23135AD9DB}" type="datetimeFigureOut">
               <a:rPr lang="ru-RU" smtClean="0"/>
-              <a:t>20.01.2026</a:t>
+              <a:t>21.01.2026</a:t>
             </a:fld>
             <a:endParaRPr lang="ru-RU"/>
           </a:p>
@@ -2680,7 +2680,7 @@
           <a:p>
             <a:fld id="{8A1AF4FE-3ABE-4D79-BD55-1C23135AD9DB}" type="datetimeFigureOut">
               <a:rPr lang="ru-RU" smtClean="0"/>
-              <a:t>20.01.2026</a:t>
+              <a:t>21.01.2026</a:t>
             </a:fld>
             <a:endParaRPr lang="ru-RU"/>
           </a:p>
@@ -2921,7 +2921,7 @@
           <a:p>
             <a:fld id="{8A1AF4FE-3ABE-4D79-BD55-1C23135AD9DB}" type="datetimeFigureOut">
               <a:rPr lang="ru-RU" smtClean="0"/>
-              <a:t>20.01.2026</a:t>
+              <a:t>21.01.2026</a:t>
             </a:fld>
             <a:endParaRPr lang="ru-RU"/>
           </a:p>
@@ -3644,10 +3644,10 @@
       </p:sp>
       <p:pic>
         <p:nvPicPr>
-          <p:cNvPr id="7" name="Рисунок 6">
-            <a:extLst>
-              <a:ext uri="{FF2B5EF4-FFF2-40B4-BE49-F238E27FC236}">
-                <a16:creationId xmlns:a16="http://schemas.microsoft.com/office/drawing/2014/main" id="{AC7E31F5-9750-41B5-B79A-069401B0637D}"/>
+          <p:cNvPr id="5" name="Рисунок 4">
+            <a:extLst>
+              <a:ext uri="{FF2B5EF4-FFF2-40B4-BE49-F238E27FC236}">
+                <a16:creationId xmlns:a16="http://schemas.microsoft.com/office/drawing/2014/main" id="{28D51BAA-2B40-4AAF-9181-69B04609D7DE}"/>
               </a:ext>
             </a:extLst>
           </p:cNvPr>
@@ -3670,8 +3670,8 @@
         </p:blipFill>
         <p:spPr>
           <a:xfrm>
-            <a:off x="5380040" y="5348931"/>
-            <a:ext cx="1431920" cy="734900"/>
+            <a:off x="5195762" y="5484113"/>
+            <a:ext cx="1800476" cy="924054"/>
           </a:xfrm>
           <a:prstGeom prst="rect">
             <a:avLst/>
@@ -3987,6 +3987,9 @@
             </a:pPr>
             <a:r>
               <a:rPr lang="ru-RU" dirty="0">
+                <a:solidFill>
+                  <a:srgbClr val="143642"/>
+                </a:solidFill>
                 <a:latin typeface="Bahnschrift SemiBold SemiConden" panose="020B0502040204020203" pitchFamily="34" charset="0"/>
               </a:rPr>
               <a:t>1)</a:t>
@@ -4911,21 +4914,6 @@
               </a:lnSpc>
               <a:buNone/>
             </a:pPr>
-            <a:endParaRPr lang="ru-RU" b="0" i="0" dirty="0">
-              <a:solidFill>
-                <a:srgbClr val="F9FAFB"/>
-              </a:solidFill>
-              <a:effectLst/>
-              <a:latin typeface="quote-cjk-patch"/>
-            </a:endParaRPr>
-          </a:p>
-          <a:p>
-            <a:pPr marL="0" indent="0">
-              <a:lnSpc>
-                <a:spcPct val="100000"/>
-              </a:lnSpc>
-              <a:buNone/>
-            </a:pPr>
             <a:r>
               <a:rPr lang="ru-RU" dirty="0">
                 <a:solidFill>
@@ -4976,7 +4964,7 @@
                 </a:solidFill>
                 <a:latin typeface="Bahnschrift SemiBold SemiConden" panose="020B0502040204020203" pitchFamily="34" charset="0"/>
               </a:rPr>
-              <a:t>на защищает не только наши личные тайны, но и национальную безопасность</a:t>
+              <a:t>на защищает не только наши тайны, но и национальную безопасность</a:t>
             </a:r>
             <a:r>
               <a:rPr lang="en-US" dirty="0">
@@ -5066,10 +5054,10 @@
       </p:sp>
       <p:pic>
         <p:nvPicPr>
-          <p:cNvPr id="5" name="Рисунок 4">
-            <a:extLst>
-              <a:ext uri="{FF2B5EF4-FFF2-40B4-BE49-F238E27FC236}">
-                <a16:creationId xmlns:a16="http://schemas.microsoft.com/office/drawing/2014/main" id="{5065F782-3488-41E9-9545-9582FE5BA2DC}"/>
+          <p:cNvPr id="4" name="Рисунок 3">
+            <a:extLst>
+              <a:ext uri="{FF2B5EF4-FFF2-40B4-BE49-F238E27FC236}">
+                <a16:creationId xmlns:a16="http://schemas.microsoft.com/office/drawing/2014/main" id="{13A6F119-3374-4A68-A166-6D8E4CB890F3}"/>
               </a:ext>
             </a:extLst>
           </p:cNvPr>
@@ -5078,7 +5066,7 @@
           </p:cNvPicPr>
           <p:nvPr/>
         </p:nvPicPr>
-        <p:blipFill rotWithShape="1">
+        <p:blipFill>
           <a:blip r:embed="rId2">
             <a:extLst>
               <a:ext uri="{28A0092B-C50C-407E-A947-70E740481C1C}">
@@ -5086,13 +5074,14 @@
               </a:ext>
             </a:extLst>
           </a:blip>
-          <a:srcRect l="5326" r="39185"/>
-          <a:stretch/>
+          <a:stretch>
+            <a:fillRect/>
+          </a:stretch>
         </p:blipFill>
         <p:spPr>
           <a:xfrm>
-            <a:off x="9169400" y="2860346"/>
-            <a:ext cx="999066" cy="924054"/>
+            <a:off x="8830733" y="2860346"/>
+            <a:ext cx="1019317" cy="924054"/>
           </a:xfrm>
           <a:prstGeom prst="rect">
             <a:avLst/>
@@ -5212,6 +5201,23 @@
               </a:rPr>
               <a:t>разработчики мессенджеров могут расшифровать сообщения.</a:t>
             </a:r>
+            <a:endParaRPr lang="en-US" dirty="0">
+              <a:solidFill>
+                <a:srgbClr val="143642"/>
+              </a:solidFill>
+              <a:latin typeface="Bahnschrift SemiBold SemiConden" panose="020B0502040204020203" pitchFamily="34" charset="0"/>
+            </a:endParaRPr>
+          </a:p>
+          <a:p>
+            <a:pPr marL="0" indent="0">
+              <a:buNone/>
+            </a:pPr>
+            <a:endParaRPr lang="ru-RU" dirty="0">
+              <a:solidFill>
+                <a:srgbClr val="143642"/>
+              </a:solidFill>
+              <a:latin typeface="Bahnschrift SemiBold SemiConden" panose="020B0502040204020203" pitchFamily="34" charset="0"/>
+            </a:endParaRPr>
           </a:p>
           <a:p>
             <a:pPr marL="0" indent="0">

--- a/Мессенджер Naki.pptx
+++ b/Мессенджер Naki.pptx
@@ -271,7 +271,7 @@
           <a:p>
             <a:fld id="{8A1AF4FE-3ABE-4D79-BD55-1C23135AD9DB}" type="datetimeFigureOut">
               <a:rPr lang="ru-RU" smtClean="0"/>
-              <a:t>28.01.2026</a:t>
+              <a:t>03.02.2026</a:t>
             </a:fld>
             <a:endParaRPr lang="ru-RU"/>
           </a:p>
@@ -469,7 +469,7 @@
           <a:p>
             <a:fld id="{8A1AF4FE-3ABE-4D79-BD55-1C23135AD9DB}" type="datetimeFigureOut">
               <a:rPr lang="ru-RU" smtClean="0"/>
-              <a:t>28.01.2026</a:t>
+              <a:t>03.02.2026</a:t>
             </a:fld>
             <a:endParaRPr lang="ru-RU"/>
           </a:p>
@@ -677,7 +677,7 @@
           <a:p>
             <a:fld id="{8A1AF4FE-3ABE-4D79-BD55-1C23135AD9DB}" type="datetimeFigureOut">
               <a:rPr lang="ru-RU" smtClean="0"/>
-              <a:t>28.01.2026</a:t>
+              <a:t>03.02.2026</a:t>
             </a:fld>
             <a:endParaRPr lang="ru-RU"/>
           </a:p>
@@ -875,7 +875,7 @@
           <a:p>
             <a:fld id="{8A1AF4FE-3ABE-4D79-BD55-1C23135AD9DB}" type="datetimeFigureOut">
               <a:rPr lang="ru-RU" smtClean="0"/>
-              <a:t>28.01.2026</a:t>
+              <a:t>03.02.2026</a:t>
             </a:fld>
             <a:endParaRPr lang="ru-RU"/>
           </a:p>
@@ -1150,7 +1150,7 @@
           <a:p>
             <a:fld id="{8A1AF4FE-3ABE-4D79-BD55-1C23135AD9DB}" type="datetimeFigureOut">
               <a:rPr lang="ru-RU" smtClean="0"/>
-              <a:t>28.01.2026</a:t>
+              <a:t>03.02.2026</a:t>
             </a:fld>
             <a:endParaRPr lang="ru-RU"/>
           </a:p>
@@ -1415,7 +1415,7 @@
           <a:p>
             <a:fld id="{8A1AF4FE-3ABE-4D79-BD55-1C23135AD9DB}" type="datetimeFigureOut">
               <a:rPr lang="ru-RU" smtClean="0"/>
-              <a:t>28.01.2026</a:t>
+              <a:t>03.02.2026</a:t>
             </a:fld>
             <a:endParaRPr lang="ru-RU"/>
           </a:p>
@@ -1827,7 +1827,7 @@
           <a:p>
             <a:fld id="{8A1AF4FE-3ABE-4D79-BD55-1C23135AD9DB}" type="datetimeFigureOut">
               <a:rPr lang="ru-RU" smtClean="0"/>
-              <a:t>28.01.2026</a:t>
+              <a:t>03.02.2026</a:t>
             </a:fld>
             <a:endParaRPr lang="ru-RU"/>
           </a:p>
@@ -1968,7 +1968,7 @@
           <a:p>
             <a:fld id="{8A1AF4FE-3ABE-4D79-BD55-1C23135AD9DB}" type="datetimeFigureOut">
               <a:rPr lang="ru-RU" smtClean="0"/>
-              <a:t>28.01.2026</a:t>
+              <a:t>03.02.2026</a:t>
             </a:fld>
             <a:endParaRPr lang="ru-RU"/>
           </a:p>
@@ -2081,7 +2081,7 @@
           <a:p>
             <a:fld id="{8A1AF4FE-3ABE-4D79-BD55-1C23135AD9DB}" type="datetimeFigureOut">
               <a:rPr lang="ru-RU" smtClean="0"/>
-              <a:t>28.01.2026</a:t>
+              <a:t>03.02.2026</a:t>
             </a:fld>
             <a:endParaRPr lang="ru-RU"/>
           </a:p>
@@ -2392,7 +2392,7 @@
           <a:p>
             <a:fld id="{8A1AF4FE-3ABE-4D79-BD55-1C23135AD9DB}" type="datetimeFigureOut">
               <a:rPr lang="ru-RU" smtClean="0"/>
-              <a:t>28.01.2026</a:t>
+              <a:t>03.02.2026</a:t>
             </a:fld>
             <a:endParaRPr lang="ru-RU"/>
           </a:p>
@@ -2680,7 +2680,7 @@
           <a:p>
             <a:fld id="{8A1AF4FE-3ABE-4D79-BD55-1C23135AD9DB}" type="datetimeFigureOut">
               <a:rPr lang="ru-RU" smtClean="0"/>
-              <a:t>28.01.2026</a:t>
+              <a:t>03.02.2026</a:t>
             </a:fld>
             <a:endParaRPr lang="ru-RU"/>
           </a:p>
@@ -2921,7 +2921,7 @@
           <a:p>
             <a:fld id="{8A1AF4FE-3ABE-4D79-BD55-1C23135AD9DB}" type="datetimeFigureOut">
               <a:rPr lang="ru-RU" smtClean="0"/>
-              <a:t>28.01.2026</a:t>
+              <a:t>03.02.2026</a:t>
             </a:fld>
             <a:endParaRPr lang="ru-RU"/>
           </a:p>
@@ -3356,8 +3356,8 @@
         </p:nvSpPr>
         <p:spPr>
           <a:xfrm>
-            <a:off x="778347" y="342617"/>
-            <a:ext cx="11597049" cy="1461887"/>
+            <a:off x="778348" y="342617"/>
+            <a:ext cx="10705891" cy="1461887"/>
           </a:xfrm>
         </p:spPr>
         <p:txBody>
@@ -3372,7 +3372,7 @@
               </a:lnSpc>
             </a:pPr>
             <a:r>
-              <a:rPr lang="ru-RU" sz="3100" b="1" dirty="0">
+              <a:rPr lang="ru-RU" sz="2300" b="1" dirty="0">
                 <a:solidFill>
                   <a:srgbClr val="143642"/>
                 </a:solidFill>
@@ -3383,7 +3383,7 @@
               <a:t>Государственное</a:t>
             </a:r>
             <a:r>
-              <a:rPr lang="ru-RU" sz="3100" b="1" spc="-140" dirty="0">
+              <a:rPr lang="ru-RU" sz="2300" b="1" spc="-140" dirty="0">
                 <a:solidFill>
                   <a:srgbClr val="143642"/>
                 </a:solidFill>
@@ -3394,7 +3394,7 @@
               <a:t> </a:t>
             </a:r>
             <a:r>
-              <a:rPr lang="ru-RU" sz="3100" b="1" dirty="0">
+              <a:rPr lang="ru-RU" sz="2300" b="1" dirty="0">
                 <a:solidFill>
                   <a:srgbClr val="143642"/>
                 </a:solidFill>
@@ -3405,7 +3405,7 @@
               <a:t>бюджетное</a:t>
             </a:r>
             <a:r>
-              <a:rPr lang="ru-RU" sz="3100" b="1" spc="-140" dirty="0">
+              <a:rPr lang="ru-RU" sz="2300" b="1" spc="-140" dirty="0">
                 <a:solidFill>
                   <a:srgbClr val="143642"/>
                 </a:solidFill>
@@ -3416,7 +3416,7 @@
               <a:t> </a:t>
             </a:r>
             <a:r>
-              <a:rPr lang="ru-RU" sz="3100" b="1" dirty="0">
+              <a:rPr lang="ru-RU" sz="2300" b="1" dirty="0">
                 <a:solidFill>
                   <a:srgbClr val="143642"/>
                 </a:solidFill>
@@ -3427,7 +3427,7 @@
               <a:t>общеобразовательное</a:t>
             </a:r>
             <a:r>
-              <a:rPr lang="ru-RU" sz="3100" b="1" spc="-140" dirty="0">
+              <a:rPr lang="ru-RU" sz="2300" b="1" spc="-140" dirty="0">
                 <a:solidFill>
                   <a:srgbClr val="143642"/>
                 </a:solidFill>
@@ -3438,7 +3438,7 @@
               <a:t> </a:t>
             </a:r>
             <a:r>
-              <a:rPr lang="ru-RU" sz="3100" b="1" dirty="0">
+              <a:rPr lang="ru-RU" sz="2300" b="1" dirty="0">
                 <a:solidFill>
                   <a:srgbClr val="143642"/>
                 </a:solidFill>
@@ -3446,10 +3446,31 @@
                 <a:latin typeface="Bahnschrift SemiBold SemiConden" panose="020B0502040204020203" pitchFamily="34" charset="0"/>
                 <a:ea typeface="Arial" panose="020B0604020202020204" pitchFamily="34" charset="0"/>
               </a:rPr>
-              <a:t>учреждение города Москвы «</a:t>
-            </a:r>
-            <a:r>
-              <a:rPr lang="ru-RU" sz="3100" b="1" dirty="0">
+              <a:t>учреждение</a:t>
+            </a:r>
+            <a:br>
+              <a:rPr lang="ru-RU" sz="2300" b="1" dirty="0">
+                <a:solidFill>
+                  <a:srgbClr val="143642"/>
+                </a:solidFill>
+                <a:effectLst/>
+                <a:latin typeface="Bahnschrift SemiBold SemiConden" panose="020B0502040204020203" pitchFamily="34" charset="0"/>
+                <a:ea typeface="Arial" panose="020B0604020202020204" pitchFamily="34" charset="0"/>
+              </a:rPr>
+            </a:br>
+            <a:r>
+              <a:rPr lang="ru-RU" sz="2300" b="1" dirty="0">
+                <a:solidFill>
+                  <a:srgbClr val="143642"/>
+                </a:solidFill>
+                <a:effectLst/>
+                <a:latin typeface="Bahnschrift SemiBold SemiConden" panose="020B0502040204020203" pitchFamily="34" charset="0"/>
+                <a:ea typeface="Arial" panose="020B0604020202020204" pitchFamily="34" charset="0"/>
+              </a:rPr>
+              <a:t> города Москвы «</a:t>
+            </a:r>
+            <a:r>
+              <a:rPr lang="ru-RU" sz="2300" b="1" dirty="0">
                 <a:solidFill>
                   <a:srgbClr val="0F8B8D"/>
                 </a:solidFill>
@@ -3460,7 +3481,7 @@
               <a:t>И</a:t>
             </a:r>
             <a:r>
-              <a:rPr lang="ru-RU" sz="3100" b="1" dirty="0">
+              <a:rPr lang="ru-RU" sz="2300" b="1" dirty="0">
                 <a:solidFill>
                   <a:srgbClr val="143642"/>
                 </a:solidFill>
@@ -3506,8 +3527,8 @@
         </p:nvSpPr>
         <p:spPr>
           <a:xfrm>
-            <a:off x="517592" y="1536111"/>
-            <a:ext cx="10776479" cy="1325563"/>
+            <a:off x="707760" y="1964480"/>
+            <a:ext cx="10776479" cy="832577"/>
           </a:xfrm>
         </p:spPr>
         <p:txBody>
@@ -3518,7 +3539,7 @@
           <a:p>
             <a:pPr algn="ctr"/>
             <a:r>
-              <a:rPr lang="ru-RU" sz="6000" b="1" dirty="0">
+              <a:rPr lang="ru-RU" sz="4000" b="1" dirty="0">
                 <a:solidFill>
                   <a:srgbClr val="0F8B8D"/>
                 </a:solidFill>
@@ -3527,7 +3548,7 @@
               <a:t>Мессенджер </a:t>
             </a:r>
             <a:r>
-              <a:rPr lang="en-US" sz="6000" b="1" dirty="0">
+              <a:rPr lang="en-US" sz="4000" b="1" dirty="0">
                 <a:solidFill>
                   <a:srgbClr val="0F8B8D"/>
                 </a:solidFill>
@@ -3535,7 +3556,7 @@
               </a:rPr>
               <a:t>Naki</a:t>
             </a:r>
-            <a:endParaRPr lang="ru-RU" sz="6000" dirty="0">
+            <a:endParaRPr lang="ru-RU" sz="4000" dirty="0">
               <a:solidFill>
                 <a:srgbClr val="0F8B8D"/>
               </a:solidFill>
@@ -3545,24 +3566,24 @@
       </p:sp>
       <p:sp>
         <p:nvSpPr>
-          <p:cNvPr id="4" name="Объект 3">
-            <a:extLst>
-              <a:ext uri="{FF2B5EF4-FFF2-40B4-BE49-F238E27FC236}">
-                <a16:creationId xmlns:a16="http://schemas.microsoft.com/office/drawing/2014/main" id="{D6B0BABE-5C8C-4283-A69A-4795C2DED7D4}"/>
-              </a:ext>
-            </a:extLst>
-          </p:cNvPr>
-          <p:cNvSpPr>
-            <a:spLocks noGrp="1"/>
-          </p:cNvSpPr>
-          <p:nvPr>
-            <p:ph sz="half" idx="2"/>
+          <p:cNvPr id="6" name="Объект 5">
+            <a:extLst>
+              <a:ext uri="{FF2B5EF4-FFF2-40B4-BE49-F238E27FC236}">
+                <a16:creationId xmlns:a16="http://schemas.microsoft.com/office/drawing/2014/main" id="{AFEAA70A-DC32-41F6-8C3C-233D12255B1F}"/>
+              </a:ext>
+            </a:extLst>
+          </p:cNvPr>
+          <p:cNvSpPr>
+            <a:spLocks noGrp="1"/>
+          </p:cNvSpPr>
+          <p:nvPr>
+            <p:ph sz="quarter" idx="4"/>
           </p:nvPr>
         </p:nvSpPr>
         <p:spPr>
           <a:xfrm>
-            <a:off x="836945" y="3319462"/>
-            <a:ext cx="5068887" cy="2781527"/>
+            <a:off x="6320515" y="2957033"/>
+            <a:ext cx="5163724" cy="3606785"/>
           </a:xfrm>
         </p:spPr>
         <p:txBody>
@@ -3575,10 +3596,13 @@
               <a:lnSpc>
                 <a:spcPct val="150000"/>
               </a:lnSpc>
+              <a:spcBef>
+                <a:spcPts val="0"/>
+              </a:spcBef>
               <a:buNone/>
             </a:pPr>
             <a:r>
-              <a:rPr lang="ru-RU" dirty="0">
+              <a:rPr lang="ru-RU" sz="2100" dirty="0">
                 <a:solidFill>
                   <a:srgbClr val="0F8B8D"/>
                 </a:solidFill>
@@ -3587,7 +3611,7 @@
               <a:t>У</a:t>
             </a:r>
             <a:r>
-              <a:rPr lang="ru-RU" dirty="0">
+              <a:rPr lang="ru-RU" sz="2100" dirty="0">
                 <a:solidFill>
                   <a:srgbClr val="143642"/>
                 </a:solidFill>
@@ -3596,55 +3620,13 @@
               <a:t>частник</a:t>
             </a:r>
             <a:r>
-              <a:rPr lang="en-US" dirty="0">
-                <a:solidFill>
-                  <a:srgbClr val="143642"/>
-                </a:solidFill>
-                <a:latin typeface="Bahnschrift SemiBold SemiConden" panose="020B0502040204020203" pitchFamily="34" charset="0"/>
-              </a:rPr>
-              <a:t>: </a:t>
-            </a:r>
-            <a:r>
-              <a:rPr lang="ru-RU" dirty="0">
-                <a:solidFill>
-                  <a:srgbClr val="143642"/>
-                </a:solidFill>
-                <a:latin typeface="Bahnschrift SemiBold SemiConden" panose="020B0502040204020203" pitchFamily="34" charset="0"/>
-              </a:rPr>
-              <a:t>ученик 10 </a:t>
-            </a:r>
-            <a:r>
-              <a:rPr lang="ru-RU" dirty="0">
-                <a:solidFill>
-                  <a:srgbClr val="143642"/>
-                </a:solidFill>
-                <a:effectLst/>
-                <a:latin typeface="Bahnschrift SemiBold SemiConden" panose="020B0502040204020203" pitchFamily="34" charset="0"/>
-                <a:ea typeface="Arial" panose="020B0604020202020204" pitchFamily="34" charset="0"/>
-              </a:rPr>
-              <a:t>«Н»</a:t>
-            </a:r>
-            <a:r>
-              <a:rPr lang="ru-RU" spc="-50" dirty="0">
-                <a:solidFill>
-                  <a:srgbClr val="143642"/>
-                </a:solidFill>
-                <a:effectLst/>
-                <a:latin typeface="Bahnschrift SemiBold SemiConden" panose="020B0502040204020203" pitchFamily="34" charset="0"/>
-                <a:ea typeface="Arial" panose="020B0604020202020204" pitchFamily="34" charset="0"/>
-              </a:rPr>
-              <a:t> </a:t>
-            </a:r>
-            <a:r>
-              <a:rPr lang="ru-RU" dirty="0">
-                <a:solidFill>
-                  <a:srgbClr val="143642"/>
-                </a:solidFill>
-                <a:effectLst/>
-                <a:latin typeface="Bahnschrift SemiBold SemiConden" panose="020B0502040204020203" pitchFamily="34" charset="0"/>
-                <a:ea typeface="Arial" panose="020B0604020202020204" pitchFamily="34" charset="0"/>
-              </a:rPr>
-              <a:t>класса</a:t>
+              <a:rPr lang="en-US" sz="2100" dirty="0">
+                <a:solidFill>
+                  <a:srgbClr val="143642"/>
+                </a:solidFill>
+                <a:latin typeface="Bahnschrift SemiBold SemiConden" panose="020B0502040204020203" pitchFamily="34" charset="0"/>
+              </a:rPr>
+              <a:t>:</a:t>
             </a:r>
           </a:p>
           <a:p>
@@ -3652,19 +3634,22 @@
               <a:lnSpc>
                 <a:spcPct val="150000"/>
               </a:lnSpc>
+              <a:spcBef>
+                <a:spcPts val="0"/>
+              </a:spcBef>
               <a:buNone/>
             </a:pPr>
             <a:r>
-              <a:rPr lang="ru-RU" dirty="0">
-                <a:solidFill>
-                  <a:srgbClr val="143642"/>
-                </a:solidFill>
-                <a:latin typeface="Bahnschrift SemiBold SemiConden" panose="020B0502040204020203" pitchFamily="34" charset="0"/>
-              </a:rPr>
-              <a:t>ГБОУ Инженерная школа </a:t>
-            </a:r>
-            <a:r>
-              <a:rPr lang="ru-RU" dirty="0">
+              <a:rPr lang="ru-RU" sz="2100" dirty="0">
+                <a:solidFill>
+                  <a:srgbClr val="143642"/>
+                </a:solidFill>
+                <a:latin typeface="Bahnschrift SemiBold SemiConden" panose="020B0502040204020203" pitchFamily="34" charset="0"/>
+              </a:rPr>
+              <a:t>ученик 10 </a:t>
+            </a:r>
+            <a:r>
+              <a:rPr lang="ru-RU" sz="2100" dirty="0">
                 <a:solidFill>
                   <a:srgbClr val="143642"/>
                 </a:solidFill>
@@ -3672,27 +3657,101 @@
                 <a:latin typeface="Bahnschrift SemiBold SemiConden" panose="020B0502040204020203" pitchFamily="34" charset="0"/>
                 <a:ea typeface="Arial" panose="020B0604020202020204" pitchFamily="34" charset="0"/>
               </a:rPr>
-              <a:t>№</a:t>
-            </a:r>
-            <a:r>
-              <a:rPr lang="ru-RU" dirty="0">
-                <a:solidFill>
-                  <a:srgbClr val="143642"/>
-                </a:solidFill>
-                <a:latin typeface="Bahnschrift SemiBold SemiConden" panose="020B0502040204020203" pitchFamily="34" charset="0"/>
-              </a:rPr>
-              <a:t> 1581</a:t>
-            </a:r>
+              <a:t>«Н»</a:t>
+            </a:r>
+            <a:r>
+              <a:rPr lang="ru-RU" sz="2100" spc="-50" dirty="0">
+                <a:solidFill>
+                  <a:srgbClr val="143642"/>
+                </a:solidFill>
+                <a:effectLst/>
+                <a:latin typeface="Bahnschrift SemiBold SemiConden" panose="020B0502040204020203" pitchFamily="34" charset="0"/>
+                <a:ea typeface="Arial" panose="020B0604020202020204" pitchFamily="34" charset="0"/>
+              </a:rPr>
+              <a:t> </a:t>
+            </a:r>
+            <a:r>
+              <a:rPr lang="ru-RU" sz="2100" dirty="0">
+                <a:solidFill>
+                  <a:srgbClr val="143642"/>
+                </a:solidFill>
+                <a:effectLst/>
+                <a:latin typeface="Bahnschrift SemiBold SemiConden" panose="020B0502040204020203" pitchFamily="34" charset="0"/>
+                <a:ea typeface="Arial" panose="020B0604020202020204" pitchFamily="34" charset="0"/>
+              </a:rPr>
+              <a:t>класса</a:t>
+            </a:r>
+            <a:r>
+              <a:rPr lang="en-US" sz="2100" dirty="0">
+                <a:solidFill>
+                  <a:srgbClr val="143642"/>
+                </a:solidFill>
+                <a:effectLst/>
+                <a:latin typeface="Bahnschrift SemiBold SemiConden" panose="020B0502040204020203" pitchFamily="34" charset="0"/>
+                <a:ea typeface="Arial" panose="020B0604020202020204" pitchFamily="34" charset="0"/>
+              </a:rPr>
+              <a:t> </a:t>
+            </a:r>
+            <a:r>
+              <a:rPr lang="ru-RU" sz="2100" dirty="0">
+                <a:solidFill>
+                  <a:srgbClr val="143642"/>
+                </a:solidFill>
+                <a:latin typeface="Bahnschrift SemiBold SemiConden" panose="020B0502040204020203" pitchFamily="34" charset="0"/>
+              </a:rPr>
+              <a:t>ГБОУ Инженерная школа</a:t>
+            </a:r>
+            <a:endParaRPr lang="en-US" sz="2100" dirty="0">
+              <a:solidFill>
+                <a:srgbClr val="143642"/>
+              </a:solidFill>
+              <a:latin typeface="Bahnschrift SemiBold SemiConden" panose="020B0502040204020203" pitchFamily="34" charset="0"/>
+            </a:endParaRPr>
           </a:p>
           <a:p>
             <a:pPr marL="0" indent="0">
               <a:lnSpc>
                 <a:spcPct val="150000"/>
               </a:lnSpc>
+              <a:spcBef>
+                <a:spcPts val="0"/>
+              </a:spcBef>
+              <a:spcAft>
+                <a:spcPts val="2400"/>
+              </a:spcAft>
               <a:buNone/>
             </a:pPr>
             <a:r>
-              <a:rPr lang="ru-RU" dirty="0">
+              <a:rPr lang="ru-RU" sz="2100" dirty="0">
+                <a:solidFill>
+                  <a:srgbClr val="143642"/>
+                </a:solidFill>
+                <a:effectLst/>
+                <a:latin typeface="Bahnschrift SemiBold SemiConden" panose="020B0502040204020203" pitchFamily="34" charset="0"/>
+                <a:ea typeface="Arial" panose="020B0604020202020204" pitchFamily="34" charset="0"/>
+              </a:rPr>
+              <a:t>№</a:t>
+            </a:r>
+            <a:r>
+              <a:rPr lang="ru-RU" sz="2100" dirty="0">
+                <a:solidFill>
+                  <a:srgbClr val="143642"/>
+                </a:solidFill>
+                <a:latin typeface="Bahnschrift SemiBold SemiConden" panose="020B0502040204020203" pitchFamily="34" charset="0"/>
+              </a:rPr>
+              <a:t> 1581</a:t>
+            </a:r>
+            <a:r>
+              <a:rPr lang="en-US" sz="2100" dirty="0">
+                <a:solidFill>
+                  <a:srgbClr val="143642"/>
+                </a:solidFill>
+                <a:latin typeface="Bahnschrift SemiBold SemiConden" panose="020B0502040204020203" pitchFamily="34" charset="0"/>
+              </a:rPr>
+              <a:t> </a:t>
+            </a:r>
+            <a:r>
+              <a:rPr lang="ru-RU" sz="2100" dirty="0">
                 <a:solidFill>
                   <a:srgbClr val="0F8B8D"/>
                 </a:solidFill>
@@ -3701,7 +3760,7 @@
               <a:t>Ч</a:t>
             </a:r>
             <a:r>
-              <a:rPr lang="ru-RU" dirty="0">
+              <a:rPr lang="ru-RU" sz="2100" dirty="0">
                 <a:solidFill>
                   <a:srgbClr val="143642"/>
                 </a:solidFill>
@@ -3710,7 +3769,7 @@
               <a:t>угреев </a:t>
             </a:r>
             <a:r>
-              <a:rPr lang="ru-RU" dirty="0">
+              <a:rPr lang="ru-RU" sz="2100" dirty="0">
                 <a:solidFill>
                   <a:srgbClr val="0F8B8D"/>
                 </a:solidFill>
@@ -3719,7 +3778,7 @@
               <a:t>Н</a:t>
             </a:r>
             <a:r>
-              <a:rPr lang="ru-RU" dirty="0">
+              <a:rPr lang="ru-RU" sz="2100" dirty="0">
                 <a:solidFill>
                   <a:srgbClr val="143642"/>
                 </a:solidFill>
@@ -3728,7 +3787,7 @@
               <a:t>икита </a:t>
             </a:r>
             <a:r>
-              <a:rPr lang="ru-RU" dirty="0">
+              <a:rPr lang="ru-RU" sz="2100" dirty="0">
                 <a:solidFill>
                   <a:srgbClr val="0F8B8D"/>
                 </a:solidFill>
@@ -3737,7 +3796,7 @@
               <a:t>С</a:t>
             </a:r>
             <a:r>
-              <a:rPr lang="ru-RU" dirty="0">
+              <a:rPr lang="ru-RU" sz="2100" dirty="0">
                 <a:solidFill>
                   <a:srgbClr val="143642"/>
                 </a:solidFill>
@@ -3745,43 +3804,25 @@
               </a:rPr>
               <a:t>ергеевич</a:t>
             </a:r>
-          </a:p>
-        </p:txBody>
-      </p:sp>
-      <p:sp>
-        <p:nvSpPr>
-          <p:cNvPr id="6" name="Объект 5">
-            <a:extLst>
-              <a:ext uri="{FF2B5EF4-FFF2-40B4-BE49-F238E27FC236}">
-                <a16:creationId xmlns:a16="http://schemas.microsoft.com/office/drawing/2014/main" id="{AFEAA70A-DC32-41F6-8C3C-233D12255B1F}"/>
-              </a:ext>
-            </a:extLst>
-          </p:cNvPr>
-          <p:cNvSpPr>
-            <a:spLocks noGrp="1"/>
-          </p:cNvSpPr>
-          <p:nvPr>
-            <p:ph sz="quarter" idx="4"/>
-          </p:nvPr>
-        </p:nvSpPr>
-        <p:spPr>
-          <a:xfrm>
-            <a:off x="6576872" y="3324224"/>
-            <a:ext cx="4775340" cy="2781527"/>
-          </a:xfrm>
-        </p:spPr>
-        <p:txBody>
-          <a:bodyPr/>
-          <a:lstStyle/>
+            <a:endParaRPr lang="en-US" sz="2100" dirty="0">
+              <a:solidFill>
+                <a:srgbClr val="0F8B8D"/>
+              </a:solidFill>
+              <a:latin typeface="Bahnschrift SemiBold SemiConden" panose="020B0502040204020203" pitchFamily="34" charset="0"/>
+            </a:endParaRPr>
+          </a:p>
           <a:p>
             <a:pPr marL="0" indent="0">
               <a:lnSpc>
                 <a:spcPct val="150000"/>
               </a:lnSpc>
+              <a:spcBef>
+                <a:spcPts val="0"/>
+              </a:spcBef>
               <a:buNone/>
             </a:pPr>
             <a:r>
-              <a:rPr lang="ru-RU" dirty="0">
+              <a:rPr lang="ru-RU" sz="2100" dirty="0">
                 <a:solidFill>
                   <a:srgbClr val="0F8B8D"/>
                 </a:solidFill>
@@ -3790,7 +3831,7 @@
               <a:t>Р</a:t>
             </a:r>
             <a:r>
-              <a:rPr lang="ru-RU" dirty="0">
+              <a:rPr lang="ru-RU" sz="2100" dirty="0">
                 <a:solidFill>
                   <a:srgbClr val="143642"/>
                 </a:solidFill>
@@ -3799,7 +3840,7 @@
               <a:t>уководитель</a:t>
             </a:r>
             <a:r>
-              <a:rPr lang="en-US" dirty="0">
+              <a:rPr lang="en-US" sz="2100" dirty="0">
                 <a:solidFill>
                   <a:srgbClr val="143642"/>
                 </a:solidFill>
@@ -3808,24 +3849,51 @@
               <a:t>:</a:t>
             </a:r>
             <a:r>
-              <a:rPr lang="ru-RU" dirty="0">
-                <a:solidFill>
-                  <a:srgbClr val="143642"/>
-                </a:solidFill>
-                <a:latin typeface="Bahnschrift SemiBold SemiConden" panose="020B0502040204020203" pitchFamily="34" charset="0"/>
-              </a:rPr>
-              <a:t> педагог</a:t>
-            </a:r>
+              <a:rPr lang="ru-RU" sz="2100" dirty="0">
+                <a:solidFill>
+                  <a:srgbClr val="143642"/>
+                </a:solidFill>
+                <a:latin typeface="Bahnschrift SemiBold SemiConden" panose="020B0502040204020203" pitchFamily="34" charset="0"/>
+              </a:rPr>
+              <a:t> </a:t>
+            </a:r>
+            <a:endParaRPr lang="en-US" sz="2100" dirty="0">
+              <a:solidFill>
+                <a:srgbClr val="143642"/>
+              </a:solidFill>
+              <a:latin typeface="Bahnschrift SemiBold SemiConden" panose="020B0502040204020203" pitchFamily="34" charset="0"/>
+            </a:endParaRPr>
           </a:p>
           <a:p>
             <a:pPr marL="0" indent="0">
               <a:lnSpc>
                 <a:spcPct val="150000"/>
               </a:lnSpc>
+              <a:spcBef>
+                <a:spcPts val="0"/>
+              </a:spcBef>
               <a:buNone/>
             </a:pPr>
             <a:r>
-              <a:rPr lang="ru-RU" dirty="0">
+              <a:rPr lang="ru-RU" sz="2100" dirty="0">
+                <a:solidFill>
+                  <a:srgbClr val="143642"/>
+                </a:solidFill>
+                <a:latin typeface="Bahnschrift SemiBold SemiConden" panose="020B0502040204020203" pitchFamily="34" charset="0"/>
+              </a:rPr>
+              <a:t>педагог</a:t>
+            </a:r>
+            <a:r>
+              <a:rPr lang="en-US" sz="2100" dirty="0">
+                <a:solidFill>
+                  <a:srgbClr val="143642"/>
+                </a:solidFill>
+                <a:latin typeface="Bahnschrift SemiBold SemiConden" panose="020B0502040204020203" pitchFamily="34" charset="0"/>
+              </a:rPr>
+              <a:t> </a:t>
+            </a:r>
+            <a:r>
+              <a:rPr lang="ru-RU" sz="2100" dirty="0">
                 <a:solidFill>
                   <a:srgbClr val="143642"/>
                 </a:solidFill>
@@ -3834,7 +3902,7 @@
               <a:t>ГБОУ Инженерная школа </a:t>
             </a:r>
             <a:r>
-              <a:rPr lang="ru-RU" dirty="0">
+              <a:rPr lang="ru-RU" sz="2100" dirty="0">
                 <a:solidFill>
                   <a:srgbClr val="143642"/>
                 </a:solidFill>
@@ -3845,7 +3913,7 @@
               <a:t>№</a:t>
             </a:r>
             <a:r>
-              <a:rPr lang="ru-RU" dirty="0">
+              <a:rPr lang="ru-RU" sz="2100" dirty="0">
                 <a:solidFill>
                   <a:srgbClr val="143642"/>
                 </a:solidFill>
@@ -3859,10 +3927,13 @@
               <a:lnSpc>
                 <a:spcPct val="150000"/>
               </a:lnSpc>
+              <a:spcBef>
+                <a:spcPts val="0"/>
+              </a:spcBef>
               <a:buNone/>
             </a:pPr>
             <a:r>
-              <a:rPr lang="ru-RU" dirty="0">
+              <a:rPr lang="ru-RU" sz="2100" dirty="0">
                 <a:solidFill>
                   <a:srgbClr val="0F8B8D"/>
                 </a:solidFill>
@@ -3873,7 +3944,7 @@
               <a:t>Н</a:t>
             </a:r>
             <a:r>
-              <a:rPr lang="ru-RU" dirty="0">
+              <a:rPr lang="ru-RU" sz="2100" dirty="0">
                 <a:solidFill>
                   <a:srgbClr val="143642"/>
                 </a:solidFill>
@@ -3884,7 +3955,7 @@
               <a:t>иколаева </a:t>
             </a:r>
             <a:r>
-              <a:rPr lang="ru-RU" dirty="0">
+              <a:rPr lang="ru-RU" sz="2100" dirty="0">
                 <a:solidFill>
                   <a:srgbClr val="0F8B8D"/>
                 </a:solidFill>
@@ -3895,7 +3966,7 @@
               <a:t>О</a:t>
             </a:r>
             <a:r>
-              <a:rPr lang="ru-RU" dirty="0">
+              <a:rPr lang="ru-RU" sz="2100" dirty="0">
                 <a:solidFill>
                   <a:srgbClr val="143642"/>
                 </a:solidFill>
@@ -3906,7 +3977,7 @@
               <a:t>льга </a:t>
             </a:r>
             <a:r>
-              <a:rPr lang="ru-RU" dirty="0">
+              <a:rPr lang="ru-RU" sz="2100" dirty="0">
                 <a:solidFill>
                   <a:srgbClr val="0F8B8D"/>
                 </a:solidFill>
@@ -3917,7 +3988,7 @@
               <a:t>Ю</a:t>
             </a:r>
             <a:r>
-              <a:rPr lang="ru-RU" dirty="0">
+              <a:rPr lang="ru-RU" sz="2100" dirty="0">
                 <a:solidFill>
                   <a:srgbClr val="143642"/>
                 </a:solidFill>
@@ -3964,7 +4035,7 @@
         </p:blipFill>
         <p:spPr>
           <a:xfrm>
-            <a:off x="5005593" y="5484113"/>
+            <a:off x="1548290" y="3836371"/>
             <a:ext cx="1800476" cy="924054"/>
           </a:xfrm>
           <a:prstGeom prst="rect">

--- a/Мессенджер Naki.pptx
+++ b/Мессенджер Naki.pptx
@@ -7,17 +7,19 @@
   <p:sldIdLst>
     <p:sldId id="272" r:id="rId2"/>
     <p:sldId id="257" r:id="rId3"/>
-    <p:sldId id="258" r:id="rId4"/>
-    <p:sldId id="267" r:id="rId5"/>
-    <p:sldId id="268" r:id="rId6"/>
-    <p:sldId id="265" r:id="rId7"/>
-    <p:sldId id="266" r:id="rId8"/>
-    <p:sldId id="269" r:id="rId9"/>
-    <p:sldId id="259" r:id="rId10"/>
-    <p:sldId id="262" r:id="rId11"/>
-    <p:sldId id="270" r:id="rId12"/>
-    <p:sldId id="263" r:id="rId13"/>
-    <p:sldId id="264" r:id="rId14"/>
+    <p:sldId id="274" r:id="rId4"/>
+    <p:sldId id="273" r:id="rId5"/>
+    <p:sldId id="258" r:id="rId6"/>
+    <p:sldId id="267" r:id="rId7"/>
+    <p:sldId id="268" r:id="rId8"/>
+    <p:sldId id="265" r:id="rId9"/>
+    <p:sldId id="266" r:id="rId10"/>
+    <p:sldId id="269" r:id="rId11"/>
+    <p:sldId id="259" r:id="rId12"/>
+    <p:sldId id="262" r:id="rId13"/>
+    <p:sldId id="270" r:id="rId14"/>
+    <p:sldId id="263" r:id="rId15"/>
+    <p:sldId id="264" r:id="rId16"/>
   </p:sldIdLst>
   <p:sldSz cx="12192000" cy="6858000"/>
   <p:notesSz cx="6858000" cy="9144000"/>
@@ -271,7 +273,7 @@
           <a:p>
             <a:fld id="{8A1AF4FE-3ABE-4D79-BD55-1C23135AD9DB}" type="datetimeFigureOut">
               <a:rPr lang="ru-RU" smtClean="0"/>
-              <a:t>03.02.2026</a:t>
+              <a:t>12.02.2026</a:t>
             </a:fld>
             <a:endParaRPr lang="ru-RU"/>
           </a:p>
@@ -469,7 +471,7 @@
           <a:p>
             <a:fld id="{8A1AF4FE-3ABE-4D79-BD55-1C23135AD9DB}" type="datetimeFigureOut">
               <a:rPr lang="ru-RU" smtClean="0"/>
-              <a:t>03.02.2026</a:t>
+              <a:t>12.02.2026</a:t>
             </a:fld>
             <a:endParaRPr lang="ru-RU"/>
           </a:p>
@@ -677,7 +679,7 @@
           <a:p>
             <a:fld id="{8A1AF4FE-3ABE-4D79-BD55-1C23135AD9DB}" type="datetimeFigureOut">
               <a:rPr lang="ru-RU" smtClean="0"/>
-              <a:t>03.02.2026</a:t>
+              <a:t>12.02.2026</a:t>
             </a:fld>
             <a:endParaRPr lang="ru-RU"/>
           </a:p>
@@ -875,7 +877,7 @@
           <a:p>
             <a:fld id="{8A1AF4FE-3ABE-4D79-BD55-1C23135AD9DB}" type="datetimeFigureOut">
               <a:rPr lang="ru-RU" smtClean="0"/>
-              <a:t>03.02.2026</a:t>
+              <a:t>12.02.2026</a:t>
             </a:fld>
             <a:endParaRPr lang="ru-RU"/>
           </a:p>
@@ -1150,7 +1152,7 @@
           <a:p>
             <a:fld id="{8A1AF4FE-3ABE-4D79-BD55-1C23135AD9DB}" type="datetimeFigureOut">
               <a:rPr lang="ru-RU" smtClean="0"/>
-              <a:t>03.02.2026</a:t>
+              <a:t>12.02.2026</a:t>
             </a:fld>
             <a:endParaRPr lang="ru-RU"/>
           </a:p>
@@ -1415,7 +1417,7 @@
           <a:p>
             <a:fld id="{8A1AF4FE-3ABE-4D79-BD55-1C23135AD9DB}" type="datetimeFigureOut">
               <a:rPr lang="ru-RU" smtClean="0"/>
-              <a:t>03.02.2026</a:t>
+              <a:t>12.02.2026</a:t>
             </a:fld>
             <a:endParaRPr lang="ru-RU"/>
           </a:p>
@@ -1827,7 +1829,7 @@
           <a:p>
             <a:fld id="{8A1AF4FE-3ABE-4D79-BD55-1C23135AD9DB}" type="datetimeFigureOut">
               <a:rPr lang="ru-RU" smtClean="0"/>
-              <a:t>03.02.2026</a:t>
+              <a:t>12.02.2026</a:t>
             </a:fld>
             <a:endParaRPr lang="ru-RU"/>
           </a:p>
@@ -1968,7 +1970,7 @@
           <a:p>
             <a:fld id="{8A1AF4FE-3ABE-4D79-BD55-1C23135AD9DB}" type="datetimeFigureOut">
               <a:rPr lang="ru-RU" smtClean="0"/>
-              <a:t>03.02.2026</a:t>
+              <a:t>12.02.2026</a:t>
             </a:fld>
             <a:endParaRPr lang="ru-RU"/>
           </a:p>
@@ -2081,7 +2083,7 @@
           <a:p>
             <a:fld id="{8A1AF4FE-3ABE-4D79-BD55-1C23135AD9DB}" type="datetimeFigureOut">
               <a:rPr lang="ru-RU" smtClean="0"/>
-              <a:t>03.02.2026</a:t>
+              <a:t>12.02.2026</a:t>
             </a:fld>
             <a:endParaRPr lang="ru-RU"/>
           </a:p>
@@ -2392,7 +2394,7 @@
           <a:p>
             <a:fld id="{8A1AF4FE-3ABE-4D79-BD55-1C23135AD9DB}" type="datetimeFigureOut">
               <a:rPr lang="ru-RU" smtClean="0"/>
-              <a:t>03.02.2026</a:t>
+              <a:t>12.02.2026</a:t>
             </a:fld>
             <a:endParaRPr lang="ru-RU"/>
           </a:p>
@@ -2680,7 +2682,7 @@
           <a:p>
             <a:fld id="{8A1AF4FE-3ABE-4D79-BD55-1C23135AD9DB}" type="datetimeFigureOut">
               <a:rPr lang="ru-RU" smtClean="0"/>
-              <a:t>03.02.2026</a:t>
+              <a:t>12.02.2026</a:t>
             </a:fld>
             <a:endParaRPr lang="ru-RU"/>
           </a:p>
@@ -2921,7 +2923,7 @@
           <a:p>
             <a:fld id="{8A1AF4FE-3ABE-4D79-BD55-1C23135AD9DB}" type="datetimeFigureOut">
               <a:rPr lang="ru-RU" smtClean="0"/>
-              <a:t>03.02.2026</a:t>
+              <a:t>12.02.2026</a:t>
             </a:fld>
             <a:endParaRPr lang="ru-RU"/>
           </a:p>
@@ -3340,195 +3342,24 @@
       </p:grpSpPr>
       <p:sp>
         <p:nvSpPr>
-          <p:cNvPr id="2" name="Заголовок 1">
-            <a:extLst>
-              <a:ext uri="{FF2B5EF4-FFF2-40B4-BE49-F238E27FC236}">
-                <a16:creationId xmlns:a16="http://schemas.microsoft.com/office/drawing/2014/main" id="{E8327A5F-DB54-48A7-98BE-6B46F15B8747}"/>
-              </a:ext>
-            </a:extLst>
-          </p:cNvPr>
-          <p:cNvSpPr>
-            <a:spLocks noGrp="1"/>
-          </p:cNvSpPr>
-          <p:nvPr>
-            <p:ph type="title"/>
+          <p:cNvPr id="3" name="Текст 2">
+            <a:extLst>
+              <a:ext uri="{FF2B5EF4-FFF2-40B4-BE49-F238E27FC236}">
+                <a16:creationId xmlns:a16="http://schemas.microsoft.com/office/drawing/2014/main" id="{DAEC627B-9E96-4AA6-88B2-398DF7E67AE9}"/>
+              </a:ext>
+            </a:extLst>
+          </p:cNvPr>
+          <p:cNvSpPr>
+            <a:spLocks noGrp="1"/>
+          </p:cNvSpPr>
+          <p:nvPr>
+            <p:ph type="body" idx="1"/>
           </p:nvPr>
         </p:nvSpPr>
         <p:spPr>
           <a:xfrm>
-            <a:off x="778348" y="342617"/>
-            <a:ext cx="10705891" cy="1461887"/>
-          </a:xfrm>
-        </p:spPr>
-        <p:txBody>
-          <a:bodyPr>
-            <a:normAutofit fontScale="90000"/>
-          </a:bodyPr>
-          <a:lstStyle/>
-          <a:p>
-            <a:pPr algn="ctr">
-              <a:lnSpc>
-                <a:spcPct val="150000"/>
-              </a:lnSpc>
-            </a:pPr>
-            <a:r>
-              <a:rPr lang="ru-RU" sz="2300" b="1" dirty="0">
-                <a:solidFill>
-                  <a:srgbClr val="143642"/>
-                </a:solidFill>
-                <a:effectLst/>
-                <a:latin typeface="Bahnschrift SemiBold SemiConden" panose="020B0502040204020203" pitchFamily="34" charset="0"/>
-                <a:ea typeface="Arial" panose="020B0604020202020204" pitchFamily="34" charset="0"/>
-              </a:rPr>
-              <a:t>Государственное</a:t>
-            </a:r>
-            <a:r>
-              <a:rPr lang="ru-RU" sz="2300" b="1" spc="-140" dirty="0">
-                <a:solidFill>
-                  <a:srgbClr val="143642"/>
-                </a:solidFill>
-                <a:effectLst/>
-                <a:latin typeface="Bahnschrift SemiBold SemiConden" panose="020B0502040204020203" pitchFamily="34" charset="0"/>
-                <a:ea typeface="Arial" panose="020B0604020202020204" pitchFamily="34" charset="0"/>
-              </a:rPr>
-              <a:t> </a:t>
-            </a:r>
-            <a:r>
-              <a:rPr lang="ru-RU" sz="2300" b="1" dirty="0">
-                <a:solidFill>
-                  <a:srgbClr val="143642"/>
-                </a:solidFill>
-                <a:effectLst/>
-                <a:latin typeface="Bahnschrift SemiBold SemiConden" panose="020B0502040204020203" pitchFamily="34" charset="0"/>
-                <a:ea typeface="Arial" panose="020B0604020202020204" pitchFamily="34" charset="0"/>
-              </a:rPr>
-              <a:t>бюджетное</a:t>
-            </a:r>
-            <a:r>
-              <a:rPr lang="ru-RU" sz="2300" b="1" spc="-140" dirty="0">
-                <a:solidFill>
-                  <a:srgbClr val="143642"/>
-                </a:solidFill>
-                <a:effectLst/>
-                <a:latin typeface="Bahnschrift SemiBold SemiConden" panose="020B0502040204020203" pitchFamily="34" charset="0"/>
-                <a:ea typeface="Arial" panose="020B0604020202020204" pitchFamily="34" charset="0"/>
-              </a:rPr>
-              <a:t> </a:t>
-            </a:r>
-            <a:r>
-              <a:rPr lang="ru-RU" sz="2300" b="1" dirty="0">
-                <a:solidFill>
-                  <a:srgbClr val="143642"/>
-                </a:solidFill>
-                <a:effectLst/>
-                <a:latin typeface="Bahnschrift SemiBold SemiConden" panose="020B0502040204020203" pitchFamily="34" charset="0"/>
-                <a:ea typeface="Arial" panose="020B0604020202020204" pitchFamily="34" charset="0"/>
-              </a:rPr>
-              <a:t>общеобразовательное</a:t>
-            </a:r>
-            <a:r>
-              <a:rPr lang="ru-RU" sz="2300" b="1" spc="-140" dirty="0">
-                <a:solidFill>
-                  <a:srgbClr val="143642"/>
-                </a:solidFill>
-                <a:effectLst/>
-                <a:latin typeface="Bahnschrift SemiBold SemiConden" panose="020B0502040204020203" pitchFamily="34" charset="0"/>
-                <a:ea typeface="Arial" panose="020B0604020202020204" pitchFamily="34" charset="0"/>
-              </a:rPr>
-              <a:t> </a:t>
-            </a:r>
-            <a:r>
-              <a:rPr lang="ru-RU" sz="2300" b="1" dirty="0">
-                <a:solidFill>
-                  <a:srgbClr val="143642"/>
-                </a:solidFill>
-                <a:effectLst/>
-                <a:latin typeface="Bahnschrift SemiBold SemiConden" panose="020B0502040204020203" pitchFamily="34" charset="0"/>
-                <a:ea typeface="Arial" panose="020B0604020202020204" pitchFamily="34" charset="0"/>
-              </a:rPr>
-              <a:t>учреждение</a:t>
-            </a:r>
-            <a:br>
-              <a:rPr lang="ru-RU" sz="2300" b="1" dirty="0">
-                <a:solidFill>
-                  <a:srgbClr val="143642"/>
-                </a:solidFill>
-                <a:effectLst/>
-                <a:latin typeface="Bahnschrift SemiBold SemiConden" panose="020B0502040204020203" pitchFamily="34" charset="0"/>
-                <a:ea typeface="Arial" panose="020B0604020202020204" pitchFamily="34" charset="0"/>
-              </a:rPr>
-            </a:br>
-            <a:r>
-              <a:rPr lang="ru-RU" sz="2300" b="1" dirty="0">
-                <a:solidFill>
-                  <a:srgbClr val="143642"/>
-                </a:solidFill>
-                <a:effectLst/>
-                <a:latin typeface="Bahnschrift SemiBold SemiConden" panose="020B0502040204020203" pitchFamily="34" charset="0"/>
-                <a:ea typeface="Arial" panose="020B0604020202020204" pitchFamily="34" charset="0"/>
-              </a:rPr>
-              <a:t> города Москвы «</a:t>
-            </a:r>
-            <a:r>
-              <a:rPr lang="ru-RU" sz="2300" b="1" dirty="0">
-                <a:solidFill>
-                  <a:srgbClr val="0F8B8D"/>
-                </a:solidFill>
-                <a:effectLst/>
-                <a:latin typeface="Bahnschrift SemiBold SemiConden" panose="020B0502040204020203" pitchFamily="34" charset="0"/>
-                <a:ea typeface="Arial" panose="020B0604020202020204" pitchFamily="34" charset="0"/>
-              </a:rPr>
-              <a:t>И</a:t>
-            </a:r>
-            <a:r>
-              <a:rPr lang="ru-RU" sz="2300" b="1" dirty="0">
-                <a:solidFill>
-                  <a:srgbClr val="143642"/>
-                </a:solidFill>
-                <a:effectLst/>
-                <a:latin typeface="Bahnschrift SemiBold SemiConden" panose="020B0502040204020203" pitchFamily="34" charset="0"/>
-                <a:ea typeface="Arial" panose="020B0604020202020204" pitchFamily="34" charset="0"/>
-              </a:rPr>
-              <a:t>нженерная школа № 1581»</a:t>
-            </a:r>
-            <a:br>
-              <a:rPr lang="ru-RU" sz="2700" b="1" dirty="0">
-                <a:solidFill>
-                  <a:srgbClr val="143642"/>
-                </a:solidFill>
-                <a:effectLst/>
-                <a:latin typeface="Bahnschrift SemiBold SemiConden" panose="020B0502040204020203" pitchFamily="34" charset="0"/>
-                <a:ea typeface="Arial" panose="020B0604020202020204" pitchFamily="34" charset="0"/>
-              </a:rPr>
-            </a:br>
-            <a:endParaRPr lang="ru-RU" sz="2700" dirty="0">
-              <a:solidFill>
-                <a:srgbClr val="143642"/>
-              </a:solidFill>
-            </a:endParaRPr>
-          </a:p>
-        </p:txBody>
-      </p:sp>
-      <p:sp>
-        <p:nvSpPr>
-          <p:cNvPr id="3" name="Текст 2">
-            <a:extLst>
-              <a:ext uri="{FF2B5EF4-FFF2-40B4-BE49-F238E27FC236}">
-                <a16:creationId xmlns:a16="http://schemas.microsoft.com/office/drawing/2014/main" id="{DAEC627B-9E96-4AA6-88B2-398DF7E67AE9}"/>
-              </a:ext>
-            </a:extLst>
-          </p:cNvPr>
-          <p:cNvSpPr>
-            <a:spLocks noGrp="1"/>
-          </p:cNvSpPr>
-          <p:nvPr>
-            <p:ph type="body" idx="1"/>
-          </p:nvPr>
-        </p:nvSpPr>
-        <p:spPr>
-          <a:xfrm>
-            <a:off x="707760" y="1964480"/>
-            <a:ext cx="10776479" cy="832577"/>
+            <a:off x="707760" y="574765"/>
+            <a:ext cx="10776479" cy="1037926"/>
           </a:xfrm>
         </p:spPr>
         <p:txBody>
@@ -3539,7 +3370,7 @@
           <a:p>
             <a:pPr algn="ctr"/>
             <a:r>
-              <a:rPr lang="ru-RU" sz="4000" b="1" dirty="0">
+              <a:rPr lang="ru-RU" sz="5000" b="1" dirty="0">
                 <a:solidFill>
                   <a:srgbClr val="0F8B8D"/>
                 </a:solidFill>
@@ -3548,7 +3379,7 @@
               <a:t>Мессенджер </a:t>
             </a:r>
             <a:r>
-              <a:rPr lang="en-US" sz="4000" b="1" dirty="0">
+              <a:rPr lang="en-US" sz="5000" b="1" dirty="0">
                 <a:solidFill>
                   <a:srgbClr val="0F8B8D"/>
                 </a:solidFill>
@@ -3556,7 +3387,7 @@
               </a:rPr>
               <a:t>Naki</a:t>
             </a:r>
-            <a:endParaRPr lang="ru-RU" sz="4000" dirty="0">
+            <a:endParaRPr lang="ru-RU" sz="5000" dirty="0">
               <a:solidFill>
                 <a:srgbClr val="0F8B8D"/>
               </a:solidFill>
@@ -3582,13 +3413,13 @@
         </p:nvSpPr>
         <p:spPr>
           <a:xfrm>
-            <a:off x="6320515" y="2957033"/>
-            <a:ext cx="5163724" cy="3606785"/>
+            <a:off x="707760" y="2059576"/>
+            <a:ext cx="11031394" cy="3874369"/>
           </a:xfrm>
         </p:spPr>
         <p:txBody>
           <a:bodyPr>
-            <a:normAutofit/>
+            <a:normAutofit fontScale="85000" lnSpcReduction="20000"/>
           </a:bodyPr>
           <a:lstStyle/>
           <a:p>
@@ -3602,7 +3433,7 @@
               <a:buNone/>
             </a:pPr>
             <a:r>
-              <a:rPr lang="ru-RU" sz="2100" dirty="0">
+              <a:rPr lang="ru-RU" sz="3000" dirty="0">
                 <a:solidFill>
                   <a:srgbClr val="0F8B8D"/>
                 </a:solidFill>
@@ -3611,7 +3442,7 @@
               <a:t>У</a:t>
             </a:r>
             <a:r>
-              <a:rPr lang="ru-RU" sz="2100" dirty="0">
+              <a:rPr lang="ru-RU" sz="3000" dirty="0">
                 <a:solidFill>
                   <a:srgbClr val="143642"/>
                 </a:solidFill>
@@ -3620,7 +3451,7 @@
               <a:t>частник</a:t>
             </a:r>
             <a:r>
-              <a:rPr lang="en-US" sz="2100" dirty="0">
+              <a:rPr lang="en-US" sz="3000" dirty="0">
                 <a:solidFill>
                   <a:srgbClr val="143642"/>
                 </a:solidFill>
@@ -3640,7 +3471,7 @@
               <a:buNone/>
             </a:pPr>
             <a:r>
-              <a:rPr lang="ru-RU" sz="2100" dirty="0">
+              <a:rPr lang="ru-RU" sz="3000" dirty="0">
                 <a:solidFill>
                   <a:srgbClr val="143642"/>
                 </a:solidFill>
@@ -3649,7 +3480,7 @@
               <a:t>ученик 10 </a:t>
             </a:r>
             <a:r>
-              <a:rPr lang="ru-RU" sz="2100" dirty="0">
+              <a:rPr lang="ru-RU" sz="3000" dirty="0">
                 <a:solidFill>
                   <a:srgbClr val="143642"/>
                 </a:solidFill>
@@ -3660,7 +3491,7 @@
               <a:t>«Н»</a:t>
             </a:r>
             <a:r>
-              <a:rPr lang="ru-RU" sz="2100" spc="-50" dirty="0">
+              <a:rPr lang="ru-RU" sz="3000" spc="-50" dirty="0">
                 <a:solidFill>
                   <a:srgbClr val="143642"/>
                 </a:solidFill>
@@ -3671,7 +3502,7 @@
               <a:t> </a:t>
             </a:r>
             <a:r>
-              <a:rPr lang="ru-RU" sz="2100" dirty="0">
+              <a:rPr lang="ru-RU" sz="3000" dirty="0">
                 <a:solidFill>
                   <a:srgbClr val="143642"/>
                 </a:solidFill>
@@ -3682,7 +3513,7 @@
               <a:t>класса</a:t>
             </a:r>
             <a:r>
-              <a:rPr lang="en-US" sz="2100" dirty="0">
+              <a:rPr lang="en-US" sz="3000" dirty="0">
                 <a:solidFill>
                   <a:srgbClr val="143642"/>
                 </a:solidFill>
@@ -3693,15 +3524,44 @@
               <a:t> </a:t>
             </a:r>
             <a:r>
-              <a:rPr lang="ru-RU" sz="2100" dirty="0">
-                <a:solidFill>
-                  <a:srgbClr val="143642"/>
-                </a:solidFill>
-                <a:latin typeface="Bahnschrift SemiBold SemiConden" panose="020B0502040204020203" pitchFamily="34" charset="0"/>
-              </a:rPr>
-              <a:t>ГБОУ Инженерная школа</a:t>
-            </a:r>
-            <a:endParaRPr lang="en-US" sz="2100" dirty="0">
+              <a:rPr lang="ru-RU" sz="3000" dirty="0">
+                <a:solidFill>
+                  <a:srgbClr val="143642"/>
+                </a:solidFill>
+                <a:latin typeface="Bahnschrift SemiBold SemiConden" panose="020B0502040204020203" pitchFamily="34" charset="0"/>
+              </a:rPr>
+              <a:t>ГБОУ Инженерная школа </a:t>
+            </a:r>
+            <a:r>
+              <a:rPr lang="ru-RU" sz="3000" dirty="0">
+                <a:solidFill>
+                  <a:srgbClr val="143642"/>
+                </a:solidFill>
+                <a:effectLst/>
+                <a:latin typeface="Bahnschrift SemiBold SemiConden" panose="020B0502040204020203" pitchFamily="34" charset="0"/>
+                <a:ea typeface="Arial" panose="020B0604020202020204" pitchFamily="34" charset="0"/>
+              </a:rPr>
+              <a:t>№</a:t>
+            </a:r>
+            <a:r>
+              <a:rPr lang="ru-RU" sz="3000" dirty="0">
+                <a:solidFill>
+                  <a:srgbClr val="143642"/>
+                </a:solidFill>
+                <a:latin typeface="Bahnschrift SemiBold SemiConden" panose="020B0502040204020203" pitchFamily="34" charset="0"/>
+              </a:rPr>
+              <a:t> 1581</a:t>
+            </a:r>
+            <a:r>
+              <a:rPr lang="en-US" sz="3000" dirty="0">
+                <a:solidFill>
+                  <a:srgbClr val="143642"/>
+                </a:solidFill>
+                <a:latin typeface="Bahnschrift SemiBold SemiConden" panose="020B0502040204020203" pitchFamily="34" charset="0"/>
+              </a:rPr>
+              <a:t> </a:t>
+            </a:r>
+            <a:endParaRPr lang="ru-RU" sz="3000" dirty="0">
               <a:solidFill>
                 <a:srgbClr val="143642"/>
               </a:solidFill>
@@ -3716,42 +3576,10 @@
               <a:spcBef>
                 <a:spcPts val="0"/>
               </a:spcBef>
-              <a:spcAft>
-                <a:spcPts val="2400"/>
-              </a:spcAft>
               <a:buNone/>
             </a:pPr>
             <a:r>
-              <a:rPr lang="ru-RU" sz="2100" dirty="0">
-                <a:solidFill>
-                  <a:srgbClr val="143642"/>
-                </a:solidFill>
-                <a:effectLst/>
-                <a:latin typeface="Bahnschrift SemiBold SemiConden" panose="020B0502040204020203" pitchFamily="34" charset="0"/>
-                <a:ea typeface="Arial" panose="020B0604020202020204" pitchFamily="34" charset="0"/>
-              </a:rPr>
-              <a:t>№</a:t>
-            </a:r>
-            <a:r>
-              <a:rPr lang="ru-RU" sz="2100" dirty="0">
-                <a:solidFill>
-                  <a:srgbClr val="143642"/>
-                </a:solidFill>
-                <a:latin typeface="Bahnschrift SemiBold SemiConden" panose="020B0502040204020203" pitchFamily="34" charset="0"/>
-              </a:rPr>
-              <a:t> 1581</a:t>
-            </a:r>
-            <a:r>
-              <a:rPr lang="en-US" sz="2100" dirty="0">
-                <a:solidFill>
-                  <a:srgbClr val="143642"/>
-                </a:solidFill>
-                <a:latin typeface="Bahnschrift SemiBold SemiConden" panose="020B0502040204020203" pitchFamily="34" charset="0"/>
-              </a:rPr>
-              <a:t> </a:t>
-            </a:r>
-            <a:r>
-              <a:rPr lang="ru-RU" sz="2100" dirty="0">
+              <a:rPr lang="ru-RU" sz="3000" dirty="0">
                 <a:solidFill>
                   <a:srgbClr val="0F8B8D"/>
                 </a:solidFill>
@@ -3760,7 +3588,7 @@
               <a:t>Ч</a:t>
             </a:r>
             <a:r>
-              <a:rPr lang="ru-RU" sz="2100" dirty="0">
+              <a:rPr lang="ru-RU" sz="3000" dirty="0">
                 <a:solidFill>
                   <a:srgbClr val="143642"/>
                 </a:solidFill>
@@ -3769,7 +3597,7 @@
               <a:t>угреев </a:t>
             </a:r>
             <a:r>
-              <a:rPr lang="ru-RU" sz="2100" dirty="0">
+              <a:rPr lang="ru-RU" sz="3000" dirty="0">
                 <a:solidFill>
                   <a:srgbClr val="0F8B8D"/>
                 </a:solidFill>
@@ -3778,7 +3606,7 @@
               <a:t>Н</a:t>
             </a:r>
             <a:r>
-              <a:rPr lang="ru-RU" sz="2100" dirty="0">
+              <a:rPr lang="ru-RU" sz="3000" dirty="0">
                 <a:solidFill>
                   <a:srgbClr val="143642"/>
                 </a:solidFill>
@@ -3787,7 +3615,7 @@
               <a:t>икита </a:t>
             </a:r>
             <a:r>
-              <a:rPr lang="ru-RU" sz="2100" dirty="0">
+              <a:rPr lang="ru-RU" sz="3000" dirty="0">
                 <a:solidFill>
                   <a:srgbClr val="0F8B8D"/>
                 </a:solidFill>
@@ -3796,7 +3624,7 @@
               <a:t>С</a:t>
             </a:r>
             <a:r>
-              <a:rPr lang="ru-RU" sz="2100" dirty="0">
+              <a:rPr lang="ru-RU" sz="3000" dirty="0">
                 <a:solidFill>
                   <a:srgbClr val="143642"/>
                 </a:solidFill>
@@ -3804,12 +3632,6 @@
               </a:rPr>
               <a:t>ергеевич</a:t>
             </a:r>
-            <a:endParaRPr lang="en-US" sz="2100" dirty="0">
-              <a:solidFill>
-                <a:srgbClr val="0F8B8D"/>
-              </a:solidFill>
-              <a:latin typeface="Bahnschrift SemiBold SemiConden" panose="020B0502040204020203" pitchFamily="34" charset="0"/>
-            </a:endParaRPr>
           </a:p>
           <a:p>
             <a:pPr marL="0" indent="0">
@@ -3821,45 +3643,9 @@
               </a:spcBef>
               <a:buNone/>
             </a:pPr>
-            <a:r>
-              <a:rPr lang="ru-RU" sz="2100" dirty="0">
-                <a:solidFill>
-                  <a:srgbClr val="0F8B8D"/>
-                </a:solidFill>
-                <a:latin typeface="Bahnschrift SemiBold SemiConden" panose="020B0502040204020203" pitchFamily="34" charset="0"/>
-              </a:rPr>
-              <a:t>Р</a:t>
-            </a:r>
-            <a:r>
-              <a:rPr lang="ru-RU" sz="2100" dirty="0">
-                <a:solidFill>
-                  <a:srgbClr val="143642"/>
-                </a:solidFill>
-                <a:latin typeface="Bahnschrift SemiBold SemiConden" panose="020B0502040204020203" pitchFamily="34" charset="0"/>
-              </a:rPr>
-              <a:t>уководитель</a:t>
-            </a:r>
-            <a:r>
-              <a:rPr lang="en-US" sz="2100" dirty="0">
-                <a:solidFill>
-                  <a:srgbClr val="143642"/>
-                </a:solidFill>
-                <a:latin typeface="Bahnschrift SemiBold SemiConden" panose="020B0502040204020203" pitchFamily="34" charset="0"/>
-              </a:rPr>
-              <a:t>:</a:t>
-            </a:r>
-            <a:r>
-              <a:rPr lang="ru-RU" sz="2100" dirty="0">
-                <a:solidFill>
-                  <a:srgbClr val="143642"/>
-                </a:solidFill>
-                <a:latin typeface="Bahnschrift SemiBold SemiConden" panose="020B0502040204020203" pitchFamily="34" charset="0"/>
-              </a:rPr>
-              <a:t> </a:t>
-            </a:r>
-            <a:endParaRPr lang="en-US" sz="2100" dirty="0">
+            <a:endParaRPr lang="en-US" sz="3000" dirty="0">
               <a:solidFill>
-                <a:srgbClr val="143642"/>
+                <a:srgbClr val="0F8B8D"/>
               </a:solidFill>
               <a:latin typeface="Bahnschrift SemiBold SemiConden" panose="020B0502040204020203" pitchFamily="34" charset="0"/>
             </a:endParaRPr>
@@ -3875,16 +3661,34 @@
               <a:buNone/>
             </a:pPr>
             <a:r>
-              <a:rPr lang="ru-RU" sz="2100" dirty="0">
-                <a:solidFill>
-                  <a:srgbClr val="143642"/>
-                </a:solidFill>
-                <a:latin typeface="Bahnschrift SemiBold SemiConden" panose="020B0502040204020203" pitchFamily="34" charset="0"/>
-              </a:rPr>
-              <a:t>педагог</a:t>
-            </a:r>
-            <a:r>
-              <a:rPr lang="en-US" sz="2100" dirty="0">
+              <a:rPr lang="ru-RU" sz="3000" dirty="0">
+                <a:solidFill>
+                  <a:srgbClr val="0F8B8D"/>
+                </a:solidFill>
+                <a:latin typeface="Bahnschrift SemiBold SemiConden" panose="020B0502040204020203" pitchFamily="34" charset="0"/>
+              </a:rPr>
+              <a:t>Р</a:t>
+            </a:r>
+            <a:r>
+              <a:rPr lang="ru-RU" sz="3000" dirty="0">
+                <a:solidFill>
+                  <a:srgbClr val="143642"/>
+                </a:solidFill>
+                <a:latin typeface="Bahnschrift SemiBold SemiConden" panose="020B0502040204020203" pitchFamily="34" charset="0"/>
+              </a:rPr>
+              <a:t>уководитель</a:t>
+            </a:r>
+            <a:r>
+              <a:rPr lang="en-US" sz="3000" dirty="0">
+                <a:solidFill>
+                  <a:srgbClr val="143642"/>
+                </a:solidFill>
+                <a:latin typeface="Bahnschrift SemiBold SemiConden" panose="020B0502040204020203" pitchFamily="34" charset="0"/>
+              </a:rPr>
+              <a:t>:</a:t>
+            </a:r>
+            <a:r>
+              <a:rPr lang="ru-RU" sz="3000" dirty="0">
                 <a:solidFill>
                   <a:srgbClr val="143642"/>
                 </a:solidFill>
@@ -3892,35 +3696,12 @@
               </a:rPr>
               <a:t> </a:t>
             </a:r>
-            <a:r>
-              <a:rPr lang="ru-RU" sz="2100" dirty="0">
-                <a:solidFill>
-                  <a:srgbClr val="143642"/>
-                </a:solidFill>
-                <a:latin typeface="Bahnschrift SemiBold SemiConden" panose="020B0502040204020203" pitchFamily="34" charset="0"/>
-              </a:rPr>
-              <a:t>ГБОУ Инженерная школа </a:t>
-            </a:r>
-            <a:r>
-              <a:rPr lang="ru-RU" sz="2100" dirty="0">
-                <a:solidFill>
-                  <a:srgbClr val="143642"/>
-                </a:solidFill>
-                <a:effectLst/>
-                <a:latin typeface="Bahnschrift SemiBold SemiConden" panose="020B0502040204020203" pitchFamily="34" charset="0"/>
-                <a:ea typeface="Arial" panose="020B0604020202020204" pitchFamily="34" charset="0"/>
-              </a:rPr>
-              <a:t>№</a:t>
-            </a:r>
-            <a:r>
-              <a:rPr lang="ru-RU" sz="2100" dirty="0">
-                <a:solidFill>
-                  <a:srgbClr val="143642"/>
-                </a:solidFill>
-                <a:latin typeface="Bahnschrift SemiBold SemiConden" panose="020B0502040204020203" pitchFamily="34" charset="0"/>
-              </a:rPr>
-              <a:t> 1581</a:t>
-            </a:r>
+            <a:endParaRPr lang="en-US" sz="3000" dirty="0">
+              <a:solidFill>
+                <a:srgbClr val="143642"/>
+              </a:solidFill>
+              <a:latin typeface="Bahnschrift SemiBold SemiConden" panose="020B0502040204020203" pitchFamily="34" charset="0"/>
+            </a:endParaRPr>
           </a:p>
           <a:p>
             <a:pPr marL="0" indent="0">
@@ -3933,7 +3714,81 @@
               <a:buNone/>
             </a:pPr>
             <a:r>
-              <a:rPr lang="ru-RU" sz="2100" dirty="0">
+              <a:rPr lang="ru-RU" sz="3000" dirty="0">
+                <a:solidFill>
+                  <a:srgbClr val="143642"/>
+                </a:solidFill>
+                <a:latin typeface="Bahnschrift SemiBold SemiConden" panose="020B0502040204020203" pitchFamily="34" charset="0"/>
+              </a:rPr>
+              <a:t>Старший преподаватель МГТУ им</a:t>
+            </a:r>
+            <a:r>
+              <a:rPr lang="en-US" sz="3000" dirty="0">
+                <a:solidFill>
+                  <a:srgbClr val="143642"/>
+                </a:solidFill>
+                <a:latin typeface="Bahnschrift SemiBold SemiConden" panose="020B0502040204020203" pitchFamily="34" charset="0"/>
+              </a:rPr>
+              <a:t>.</a:t>
+            </a:r>
+            <a:r>
+              <a:rPr lang="ru-RU" sz="3000" dirty="0">
+                <a:solidFill>
+                  <a:srgbClr val="143642"/>
+                </a:solidFill>
+                <a:latin typeface="Bahnschrift SemiBold SemiConden" panose="020B0502040204020203" pitchFamily="34" charset="0"/>
+              </a:rPr>
+              <a:t> Н</a:t>
+            </a:r>
+            <a:r>
+              <a:rPr lang="en-US" sz="3000" dirty="0">
+                <a:solidFill>
+                  <a:srgbClr val="143642"/>
+                </a:solidFill>
+                <a:latin typeface="Bahnschrift SemiBold SemiConden" panose="020B0502040204020203" pitchFamily="34" charset="0"/>
+              </a:rPr>
+              <a:t>.</a:t>
+            </a:r>
+            <a:r>
+              <a:rPr lang="ru-RU" sz="3000" dirty="0">
+                <a:solidFill>
+                  <a:srgbClr val="143642"/>
+                </a:solidFill>
+                <a:latin typeface="Bahnschrift SemiBold SemiConden" panose="020B0502040204020203" pitchFamily="34" charset="0"/>
+              </a:rPr>
+              <a:t>Э</a:t>
+            </a:r>
+            <a:r>
+              <a:rPr lang="en-US" sz="3000" dirty="0">
+                <a:solidFill>
+                  <a:srgbClr val="143642"/>
+                </a:solidFill>
+                <a:latin typeface="Bahnschrift SemiBold SemiConden" panose="020B0502040204020203" pitchFamily="34" charset="0"/>
+              </a:rPr>
+              <a:t>.</a:t>
+            </a:r>
+            <a:r>
+              <a:rPr lang="ru-RU" sz="3000" dirty="0">
+                <a:solidFill>
+                  <a:srgbClr val="143642"/>
+                </a:solidFill>
+                <a:latin typeface="Bahnschrift SemiBold SemiConden" panose="020B0502040204020203" pitchFamily="34" charset="0"/>
+              </a:rPr>
+              <a:t> Баумана</a:t>
+            </a:r>
+          </a:p>
+          <a:p>
+            <a:pPr marL="0" indent="0">
+              <a:lnSpc>
+                <a:spcPct val="150000"/>
+              </a:lnSpc>
+              <a:spcBef>
+                <a:spcPts val="0"/>
+              </a:spcBef>
+              <a:buNone/>
+            </a:pPr>
+            <a:r>
+              <a:rPr lang="ru-RU" sz="3000" dirty="0">
                 <a:solidFill>
                   <a:srgbClr val="0F8B8D"/>
                 </a:solidFill>
@@ -3941,10 +3796,32 @@
                 <a:latin typeface="Bahnschrift SemiBold SemiConden" panose="020B0502040204020203" pitchFamily="34" charset="0"/>
                 <a:ea typeface="Times New Roman" panose="02020603050405020304" pitchFamily="18" charset="0"/>
               </a:rPr>
+              <a:t>К</a:t>
+            </a:r>
+            <a:r>
+              <a:rPr lang="ru-RU" sz="3000" dirty="0">
+                <a:solidFill>
+                  <a:srgbClr val="143642"/>
+                </a:solidFill>
+                <a:effectLst/>
+                <a:latin typeface="Bahnschrift SemiBold SemiConden" panose="020B0502040204020203" pitchFamily="34" charset="0"/>
+                <a:ea typeface="Times New Roman" panose="02020603050405020304" pitchFamily="18" charset="0"/>
+              </a:rPr>
+              <a:t>овынёв </a:t>
+            </a:r>
+            <a:r>
+              <a:rPr lang="ru-RU" sz="3000" dirty="0">
+                <a:solidFill>
+                  <a:srgbClr val="0F8B8D"/>
+                </a:solidFill>
+                <a:effectLst/>
+                <a:latin typeface="Bahnschrift SemiBold SemiConden" panose="020B0502040204020203" pitchFamily="34" charset="0"/>
+                <a:ea typeface="Times New Roman" panose="02020603050405020304" pitchFamily="18" charset="0"/>
+              </a:rPr>
               <a:t>Н</a:t>
             </a:r>
             <a:r>
-              <a:rPr lang="ru-RU" sz="2100" dirty="0">
+              <a:rPr lang="ru-RU" sz="3000" dirty="0">
                 <a:solidFill>
                   <a:srgbClr val="143642"/>
                 </a:solidFill>
@@ -3952,10 +3829,10 @@
                 <a:latin typeface="Bahnschrift SemiBold SemiConden" panose="020B0502040204020203" pitchFamily="34" charset="0"/>
                 <a:ea typeface="Times New Roman" panose="02020603050405020304" pitchFamily="18" charset="0"/>
               </a:rPr>
-              <a:t>иколаева </a:t>
-            </a:r>
-            <a:r>
-              <a:rPr lang="ru-RU" sz="2100" dirty="0">
+              <a:t>иколай </a:t>
+            </a:r>
+            <a:r>
+              <a:rPr lang="ru-RU" sz="3000" dirty="0">
                 <a:solidFill>
                   <a:srgbClr val="0F8B8D"/>
                 </a:solidFill>
@@ -3963,10 +3840,10 @@
                 <a:latin typeface="Bahnschrift SemiBold SemiConden" panose="020B0502040204020203" pitchFamily="34" charset="0"/>
                 <a:ea typeface="Times New Roman" panose="02020603050405020304" pitchFamily="18" charset="0"/>
               </a:rPr>
-              <a:t>О</a:t>
-            </a:r>
-            <a:r>
-              <a:rPr lang="ru-RU" sz="2100" dirty="0">
+              <a:t>В</a:t>
+            </a:r>
+            <a:r>
+              <a:rPr lang="ru-RU" sz="3000" dirty="0">
                 <a:solidFill>
                   <a:srgbClr val="143642"/>
                 </a:solidFill>
@@ -3974,29 +3851,7 @@
                 <a:latin typeface="Bahnschrift SemiBold SemiConden" panose="020B0502040204020203" pitchFamily="34" charset="0"/>
                 <a:ea typeface="Times New Roman" panose="02020603050405020304" pitchFamily="18" charset="0"/>
               </a:rPr>
-              <a:t>льга </a:t>
-            </a:r>
-            <a:r>
-              <a:rPr lang="ru-RU" sz="2100" dirty="0">
-                <a:solidFill>
-                  <a:srgbClr val="0F8B8D"/>
-                </a:solidFill>
-                <a:effectLst/>
-                <a:latin typeface="Bahnschrift SemiBold SemiConden" panose="020B0502040204020203" pitchFamily="34" charset="0"/>
-                <a:ea typeface="Times New Roman" panose="02020603050405020304" pitchFamily="18" charset="0"/>
-              </a:rPr>
-              <a:t>Ю</a:t>
-            </a:r>
-            <a:r>
-              <a:rPr lang="ru-RU" sz="2100" dirty="0">
-                <a:solidFill>
-                  <a:srgbClr val="143642"/>
-                </a:solidFill>
-                <a:effectLst/>
-                <a:latin typeface="Bahnschrift SemiBold SemiConden" panose="020B0502040204020203" pitchFamily="34" charset="0"/>
-                <a:ea typeface="Times New Roman" panose="02020603050405020304" pitchFamily="18" charset="0"/>
-              </a:rPr>
-              <a:t>рьевна</a:t>
+              <a:t>итальевич</a:t>
             </a:r>
           </a:p>
           <a:p>
@@ -4035,7 +3890,7 @@
         </p:blipFill>
         <p:spPr>
           <a:xfrm>
-            <a:off x="1548290" y="3836371"/>
+            <a:off x="8576106" y="3534733"/>
             <a:ext cx="1800476" cy="924054"/>
           </a:xfrm>
           <a:prstGeom prst="rect">
@@ -4073,268 +3928,98 @@
           <a:chExt cx="0" cy="0"/>
         </a:xfrm>
       </p:grpSpPr>
-      <p:sp>
-        <p:nvSpPr>
-          <p:cNvPr id="4" name="Прямоугольник: скругленные углы 3">
-            <a:extLst>
-              <a:ext uri="{FF2B5EF4-FFF2-40B4-BE49-F238E27FC236}">
-                <a16:creationId xmlns:a16="http://schemas.microsoft.com/office/drawing/2014/main" id="{59ACD31D-EAEC-4AF8-979B-DE442C05736D}"/>
-              </a:ext>
-            </a:extLst>
-          </p:cNvPr>
-          <p:cNvSpPr/>
+      <p:pic>
+        <p:nvPicPr>
+          <p:cNvPr id="5" name="Рисунок 4">
+            <a:extLst>
+              <a:ext uri="{FF2B5EF4-FFF2-40B4-BE49-F238E27FC236}">
+                <a16:creationId xmlns:a16="http://schemas.microsoft.com/office/drawing/2014/main" id="{1A281D7B-1465-4BF1-8E3D-4653FA0B9830}"/>
+              </a:ext>
+            </a:extLst>
+          </p:cNvPr>
+          <p:cNvPicPr>
+            <a:picLocks noChangeAspect="1"/>
+          </p:cNvPicPr>
           <p:nvPr/>
-        </p:nvSpPr>
+        </p:nvPicPr>
+        <p:blipFill>
+          <a:blip r:embed="rId2"/>
+          <a:stretch>
+            <a:fillRect/>
+          </a:stretch>
+        </p:blipFill>
         <p:spPr>
           <a:xfrm>
-            <a:off x="774698" y="1595231"/>
-            <a:ext cx="491067" cy="502708"/>
+            <a:off x="1545853" y="1727894"/>
+            <a:ext cx="9100293" cy="3384793"/>
           </a:xfrm>
-          <a:prstGeom prst="roundRect">
+          <a:prstGeom prst="rect">
             <a:avLst/>
           </a:prstGeom>
-          <a:solidFill>
-            <a:schemeClr val="bg1"/>
-          </a:solidFill>
         </p:spPr>
-        <p:style>
-          <a:lnRef idx="2">
-            <a:schemeClr val="accent1">
-              <a:shade val="50000"/>
-            </a:schemeClr>
-          </a:lnRef>
-          <a:fillRef idx="1">
-            <a:schemeClr val="accent1"/>
-          </a:fillRef>
-          <a:effectRef idx="0">
-            <a:schemeClr val="accent1"/>
-          </a:effectRef>
-          <a:fontRef idx="minor">
-            <a:schemeClr val="lt1"/>
-          </a:fontRef>
-        </p:style>
-        <p:txBody>
-          <a:bodyPr rtlCol="0" anchor="ctr"/>
-          <a:lstStyle/>
-          <a:p>
-            <a:pPr algn="ctr"/>
-            <a:endParaRPr lang="ru-RU" dirty="0">
+      </p:pic>
+      <p:sp>
+        <p:nvSpPr>
+          <p:cNvPr id="2" name="Заголовок 1">
+            <a:extLst>
+              <a:ext uri="{FF2B5EF4-FFF2-40B4-BE49-F238E27FC236}">
+                <a16:creationId xmlns:a16="http://schemas.microsoft.com/office/drawing/2014/main" id="{6F48FB45-6223-4CA9-AC10-4AF1F33EBC26}"/>
+              </a:ext>
+            </a:extLst>
+          </p:cNvPr>
+          <p:cNvSpPr>
+            <a:spLocks noGrp="1"/>
+          </p:cNvSpPr>
+          <p:nvPr>
+            <p:ph type="title"/>
+          </p:nvPr>
+        </p:nvSpPr>
+        <p:spPr/>
+        <p:txBody>
+          <a:bodyPr>
+            <a:normAutofit/>
+          </a:bodyPr>
+          <a:lstStyle/>
+          <a:p>
+            <a:r>
+              <a:rPr lang="ru-RU" b="1" dirty="0">
+                <a:solidFill>
+                  <a:srgbClr val="0F8B8D"/>
+                </a:solidFill>
+                <a:effectLst/>
+                <a:latin typeface="Nitro"/>
+                <a:ea typeface="Calibri" panose="020F0502020204030204" pitchFamily="34" charset="0"/>
+              </a:rPr>
+              <a:t>Вид хранения данных о пользователей</a:t>
+            </a:r>
+            <a:endParaRPr lang="ru-RU" b="1" dirty="0">
               <a:solidFill>
-                <a:srgbClr val="EC9A29"/>
+                <a:srgbClr val="0F8B8D"/>
               </a:solidFill>
+              <a:latin typeface="Nitro"/>
             </a:endParaRPr>
           </a:p>
         </p:txBody>
       </p:sp>
       <p:sp>
         <p:nvSpPr>
-          <p:cNvPr id="5" name="Прямоугольник: скругленные углы 4">
-            <a:extLst>
-              <a:ext uri="{FF2B5EF4-FFF2-40B4-BE49-F238E27FC236}">
-                <a16:creationId xmlns:a16="http://schemas.microsoft.com/office/drawing/2014/main" id="{2824F9A0-25C5-4FA5-8663-E1B35CC85829}"/>
-              </a:ext>
-            </a:extLst>
-          </p:cNvPr>
-          <p:cNvSpPr/>
-          <p:nvPr/>
+          <p:cNvPr id="3" name="Объект 2">
+            <a:extLst>
+              <a:ext uri="{FF2B5EF4-FFF2-40B4-BE49-F238E27FC236}">
+                <a16:creationId xmlns:a16="http://schemas.microsoft.com/office/drawing/2014/main" id="{38842083-DC6D-4AEE-B571-F169DA2B2C21}"/>
+              </a:ext>
+            </a:extLst>
+          </p:cNvPr>
+          <p:cNvSpPr>
+            <a:spLocks noGrp="1"/>
+          </p:cNvSpPr>
+          <p:nvPr>
+            <p:ph idx="1"/>
+          </p:nvPr>
         </p:nvSpPr>
         <p:spPr>
           <a:xfrm>
-            <a:off x="774696" y="2544935"/>
-            <a:ext cx="491067" cy="502708"/>
-          </a:xfrm>
-          <a:prstGeom prst="roundRect">
-            <a:avLst/>
-          </a:prstGeom>
-          <a:solidFill>
-            <a:schemeClr val="bg1"/>
-          </a:solidFill>
-        </p:spPr>
-        <p:style>
-          <a:lnRef idx="2">
-            <a:schemeClr val="accent1">
-              <a:shade val="50000"/>
-            </a:schemeClr>
-          </a:lnRef>
-          <a:fillRef idx="1">
-            <a:schemeClr val="accent1"/>
-          </a:fillRef>
-          <a:effectRef idx="0">
-            <a:schemeClr val="accent1"/>
-          </a:effectRef>
-          <a:fontRef idx="minor">
-            <a:schemeClr val="lt1"/>
-          </a:fontRef>
-        </p:style>
-        <p:txBody>
-          <a:bodyPr rtlCol="0" anchor="ctr"/>
-          <a:lstStyle/>
-          <a:p>
-            <a:pPr algn="ctr"/>
-            <a:endParaRPr lang="ru-RU">
-              <a:solidFill>
-                <a:srgbClr val="EC9A29"/>
-              </a:solidFill>
-            </a:endParaRPr>
-          </a:p>
-        </p:txBody>
-      </p:sp>
-      <p:sp>
-        <p:nvSpPr>
-          <p:cNvPr id="6" name="Прямоугольник: скругленные углы 5">
-            <a:extLst>
-              <a:ext uri="{FF2B5EF4-FFF2-40B4-BE49-F238E27FC236}">
-                <a16:creationId xmlns:a16="http://schemas.microsoft.com/office/drawing/2014/main" id="{BC32E662-BE54-4CAF-BB3F-94AE53E00DD7}"/>
-              </a:ext>
-            </a:extLst>
-          </p:cNvPr>
-          <p:cNvSpPr/>
-          <p:nvPr/>
-        </p:nvSpPr>
-        <p:spPr>
-          <a:xfrm>
-            <a:off x="774697" y="3494640"/>
-            <a:ext cx="491067" cy="502708"/>
-          </a:xfrm>
-          <a:prstGeom prst="roundRect">
-            <a:avLst/>
-          </a:prstGeom>
-          <a:solidFill>
-            <a:schemeClr val="bg1"/>
-          </a:solidFill>
-        </p:spPr>
-        <p:style>
-          <a:lnRef idx="2">
-            <a:schemeClr val="accent1">
-              <a:shade val="50000"/>
-            </a:schemeClr>
-          </a:lnRef>
-          <a:fillRef idx="1">
-            <a:schemeClr val="accent1"/>
-          </a:fillRef>
-          <a:effectRef idx="0">
-            <a:schemeClr val="accent1"/>
-          </a:effectRef>
-          <a:fontRef idx="minor">
-            <a:schemeClr val="lt1"/>
-          </a:fontRef>
-        </p:style>
-        <p:txBody>
-          <a:bodyPr rtlCol="0" anchor="ctr"/>
-          <a:lstStyle/>
-          <a:p>
-            <a:pPr algn="ctr"/>
-            <a:endParaRPr lang="ru-RU">
-              <a:solidFill>
-                <a:srgbClr val="EC9A29"/>
-              </a:solidFill>
-            </a:endParaRPr>
-          </a:p>
-        </p:txBody>
-      </p:sp>
-      <p:sp>
-        <p:nvSpPr>
-          <p:cNvPr id="7" name="Прямоугольник: скругленные углы 6">
-            <a:extLst>
-              <a:ext uri="{FF2B5EF4-FFF2-40B4-BE49-F238E27FC236}">
-                <a16:creationId xmlns:a16="http://schemas.microsoft.com/office/drawing/2014/main" id="{6C0BE24E-90F7-4426-8069-747CF8F1362D}"/>
-              </a:ext>
-            </a:extLst>
-          </p:cNvPr>
-          <p:cNvSpPr/>
-          <p:nvPr/>
-        </p:nvSpPr>
-        <p:spPr>
-          <a:xfrm>
-            <a:off x="796128" y="4472990"/>
-            <a:ext cx="491070" cy="502708"/>
-          </a:xfrm>
-          <a:prstGeom prst="roundRect">
-            <a:avLst/>
-          </a:prstGeom>
-          <a:noFill/>
-        </p:spPr>
-        <p:style>
-          <a:lnRef idx="2">
-            <a:schemeClr val="accent1">
-              <a:shade val="50000"/>
-            </a:schemeClr>
-          </a:lnRef>
-          <a:fillRef idx="1">
-            <a:schemeClr val="accent1"/>
-          </a:fillRef>
-          <a:effectRef idx="0">
-            <a:schemeClr val="accent1"/>
-          </a:effectRef>
-          <a:fontRef idx="minor">
-            <a:schemeClr val="lt1"/>
-          </a:fontRef>
-        </p:style>
-        <p:txBody>
-          <a:bodyPr rtlCol="0" anchor="ctr"/>
-          <a:lstStyle/>
-          <a:p>
-            <a:pPr algn="ctr"/>
-            <a:endParaRPr lang="ru-RU">
-              <a:solidFill>
-                <a:srgbClr val="EC9A29"/>
-              </a:solidFill>
-            </a:endParaRPr>
-          </a:p>
-        </p:txBody>
-      </p:sp>
-      <p:sp>
-        <p:nvSpPr>
-          <p:cNvPr id="2" name="Заголовок 1">
-            <a:extLst>
-              <a:ext uri="{FF2B5EF4-FFF2-40B4-BE49-F238E27FC236}">
-                <a16:creationId xmlns:a16="http://schemas.microsoft.com/office/drawing/2014/main" id="{81AEBB5C-2DDC-42BE-B658-3EE76B3334AB}"/>
-              </a:ext>
-            </a:extLst>
-          </p:cNvPr>
-          <p:cNvSpPr>
-            <a:spLocks noGrp="1"/>
-          </p:cNvSpPr>
-          <p:nvPr>
-            <p:ph type="title"/>
-          </p:nvPr>
-        </p:nvSpPr>
-        <p:spPr/>
-        <p:txBody>
-          <a:bodyPr/>
-          <a:lstStyle/>
-          <a:p>
-            <a:r>
-              <a:rPr lang="ru-RU" b="1" dirty="0">
-                <a:solidFill>
-                  <a:srgbClr val="0F8B8D"/>
-                </a:solidFill>
-                <a:latin typeface="Nitro"/>
-              </a:rPr>
-              <a:t>Планы на будущее</a:t>
-            </a:r>
-          </a:p>
-        </p:txBody>
-      </p:sp>
-      <p:sp>
-        <p:nvSpPr>
-          <p:cNvPr id="3" name="Объект 2">
-            <a:extLst>
-              <a:ext uri="{FF2B5EF4-FFF2-40B4-BE49-F238E27FC236}">
-                <a16:creationId xmlns:a16="http://schemas.microsoft.com/office/drawing/2014/main" id="{F17A3CF6-7E36-423F-9B99-AB635CA94859}"/>
-              </a:ext>
-            </a:extLst>
-          </p:cNvPr>
-          <p:cNvSpPr>
-            <a:spLocks noGrp="1"/>
-          </p:cNvSpPr>
-          <p:nvPr>
-            <p:ph idx="1"/>
-          </p:nvPr>
-        </p:nvSpPr>
-        <p:spPr>
-          <a:xfrm>
-            <a:off x="838200" y="1449962"/>
+            <a:off x="838200" y="1727894"/>
             <a:ext cx="10515600" cy="4351338"/>
           </a:xfrm>
         </p:spPr>
@@ -4342,185 +4027,6 @@
           <a:bodyPr/>
           <a:lstStyle/>
           <a:p>
-            <a:pPr marL="0" indent="0">
-              <a:lnSpc>
-                <a:spcPct val="150000"/>
-              </a:lnSpc>
-              <a:spcBef>
-                <a:spcPts val="2400"/>
-              </a:spcBef>
-              <a:buNone/>
-            </a:pPr>
-            <a:r>
-              <a:rPr lang="ru-RU" dirty="0">
-                <a:solidFill>
-                  <a:srgbClr val="143642"/>
-                </a:solidFill>
-                <a:latin typeface="Bahnschrift SemiBold SemiConden" panose="020B0502040204020203" pitchFamily="34" charset="0"/>
-              </a:rPr>
-              <a:t>1)</a:t>
-            </a:r>
-            <a:r>
-              <a:rPr lang="ru-RU" dirty="0">
-                <a:solidFill>
-                  <a:srgbClr val="0F8B8D"/>
-                </a:solidFill>
-                <a:latin typeface="Bahnschrift SemiBold SemiConden" panose="020B0502040204020203" pitchFamily="34" charset="0"/>
-              </a:rPr>
-              <a:t>    С</a:t>
-            </a:r>
-            <a:r>
-              <a:rPr lang="ru-RU" dirty="0">
-                <a:solidFill>
-                  <a:srgbClr val="143642"/>
-                </a:solidFill>
-                <a:latin typeface="Bahnschrift SemiBold SemiConden" panose="020B0502040204020203" pitchFamily="34" charset="0"/>
-              </a:rPr>
-              <a:t>оздание групповых чатов</a:t>
-            </a:r>
-          </a:p>
-          <a:p>
-            <a:pPr marL="0" indent="0">
-              <a:lnSpc>
-                <a:spcPct val="150000"/>
-              </a:lnSpc>
-              <a:spcBef>
-                <a:spcPts val="2400"/>
-              </a:spcBef>
-              <a:buNone/>
-            </a:pPr>
-            <a:r>
-              <a:rPr lang="ru-RU" dirty="0">
-                <a:solidFill>
-                  <a:srgbClr val="143642"/>
-                </a:solidFill>
-                <a:latin typeface="Bahnschrift SemiBold SemiConden" panose="020B0502040204020203" pitchFamily="34" charset="0"/>
-              </a:rPr>
-              <a:t>2)   </a:t>
-            </a:r>
-            <a:r>
-              <a:rPr lang="ru-RU" dirty="0">
-                <a:solidFill>
-                  <a:srgbClr val="0F8B8D"/>
-                </a:solidFill>
-                <a:latin typeface="Bahnschrift SemiBold SemiConden" panose="020B0502040204020203" pitchFamily="34" charset="0"/>
-              </a:rPr>
-              <a:t>О</a:t>
-            </a:r>
-            <a:r>
-              <a:rPr lang="ru-RU" dirty="0">
-                <a:solidFill>
-                  <a:srgbClr val="143642"/>
-                </a:solidFill>
-                <a:latin typeface="Bahnschrift SemiBold SemiConden" panose="020B0502040204020203" pitchFamily="34" charset="0"/>
-              </a:rPr>
-              <a:t>тправка медиа файлов</a:t>
-            </a:r>
-            <a:r>
-              <a:rPr lang="en-US" dirty="0">
-                <a:solidFill>
-                  <a:srgbClr val="143642"/>
-                </a:solidFill>
-                <a:latin typeface="Bahnschrift SemiBold SemiConden" panose="020B0502040204020203" pitchFamily="34" charset="0"/>
-              </a:rPr>
-              <a:t>,</a:t>
-            </a:r>
-            <a:r>
-              <a:rPr lang="ru-RU" dirty="0">
-                <a:solidFill>
-                  <a:srgbClr val="143642"/>
-                </a:solidFill>
-                <a:latin typeface="Bahnschrift SemiBold SemiConden" panose="020B0502040204020203" pitchFamily="34" charset="0"/>
-              </a:rPr>
-              <a:t> а также голосовых сообщений</a:t>
-            </a:r>
-          </a:p>
-          <a:p>
-            <a:pPr marL="0" indent="0">
-              <a:lnSpc>
-                <a:spcPct val="150000"/>
-              </a:lnSpc>
-              <a:spcBef>
-                <a:spcPts val="2400"/>
-              </a:spcBef>
-              <a:buNone/>
-            </a:pPr>
-            <a:r>
-              <a:rPr lang="ru-RU" dirty="0">
-                <a:solidFill>
-                  <a:srgbClr val="143642"/>
-                </a:solidFill>
-                <a:latin typeface="Bahnschrift SemiBold SemiConden" panose="020B0502040204020203" pitchFamily="34" charset="0"/>
-              </a:rPr>
-              <a:t>3)   </a:t>
-            </a:r>
-            <a:r>
-              <a:rPr lang="ru-RU" dirty="0">
-                <a:solidFill>
-                  <a:srgbClr val="0F8B8D"/>
-                </a:solidFill>
-                <a:latin typeface="Bahnschrift SemiBold SemiConden" panose="020B0502040204020203" pitchFamily="34" charset="0"/>
-              </a:rPr>
-              <a:t>З</a:t>
-            </a:r>
-            <a:r>
-              <a:rPr lang="ru-RU" dirty="0">
-                <a:solidFill>
-                  <a:srgbClr val="143642"/>
-                </a:solidFill>
-                <a:latin typeface="Bahnschrift SemiBold SemiConden" panose="020B0502040204020203" pitchFamily="34" charset="0"/>
-              </a:rPr>
-              <a:t>вонки с другими людьми</a:t>
-            </a:r>
-          </a:p>
-          <a:p>
-            <a:pPr marL="0" indent="0">
-              <a:lnSpc>
-                <a:spcPct val="150000"/>
-              </a:lnSpc>
-              <a:spcBef>
-                <a:spcPts val="2400"/>
-              </a:spcBef>
-              <a:buNone/>
-            </a:pPr>
-            <a:r>
-              <a:rPr lang="ru-RU" dirty="0">
-                <a:solidFill>
-                  <a:srgbClr val="143642"/>
-                </a:solidFill>
-                <a:latin typeface="Bahnschrift SemiBold SemiConden" panose="020B0502040204020203" pitchFamily="34" charset="0"/>
-              </a:rPr>
-              <a:t>4)   </a:t>
-            </a:r>
-            <a:r>
-              <a:rPr lang="ru-RU" dirty="0">
-                <a:solidFill>
-                  <a:srgbClr val="0F8B8D"/>
-                </a:solidFill>
-                <a:latin typeface="Bahnschrift SemiBold SemiConden" panose="020B0502040204020203" pitchFamily="34" charset="0"/>
-              </a:rPr>
-              <a:t>К</a:t>
-            </a:r>
-            <a:r>
-              <a:rPr lang="ru-RU" dirty="0">
-                <a:solidFill>
-                  <a:srgbClr val="143642"/>
-                </a:solidFill>
-                <a:latin typeface="Bahnschrift SemiBold SemiConden" panose="020B0502040204020203" pitchFamily="34" charset="0"/>
-              </a:rPr>
-              <a:t>астомизация интерфейса</a:t>
-            </a:r>
-          </a:p>
-          <a:p>
-            <a:pPr marL="0" indent="0">
-              <a:buNone/>
-            </a:pPr>
-            <a:endParaRPr lang="ru-RU" dirty="0"/>
-          </a:p>
-          <a:p>
-            <a:pPr marL="514350" indent="-514350">
-              <a:buAutoNum type="arabicParenR"/>
-            </a:pPr>
             <a:endParaRPr lang="ru-RU" dirty="0"/>
           </a:p>
         </p:txBody>
@@ -4528,7 +4034,7 @@
     </p:spTree>
     <p:extLst>
       <p:ext uri="{BB962C8B-B14F-4D97-AF65-F5344CB8AC3E}">
-        <p14:creationId xmlns:p14="http://schemas.microsoft.com/office/powerpoint/2010/main" val="1832877096"/>
+        <p14:creationId xmlns:p14="http://schemas.microsoft.com/office/powerpoint/2010/main" val="2897556095"/>
       </p:ext>
     </p:extLst>
   </p:cSld>
@@ -4557,10 +4063,245 @@
       </p:grpSpPr>
       <p:sp>
         <p:nvSpPr>
-          <p:cNvPr id="8" name="Прямоугольник: скругленные углы 7">
-            <a:extLst>
-              <a:ext uri="{FF2B5EF4-FFF2-40B4-BE49-F238E27FC236}">
-                <a16:creationId xmlns:a16="http://schemas.microsoft.com/office/drawing/2014/main" id="{67BB158F-0074-4C4B-B228-7DE28E1B5243}"/>
+          <p:cNvPr id="2" name="Заголовок 1">
+            <a:extLst>
+              <a:ext uri="{FF2B5EF4-FFF2-40B4-BE49-F238E27FC236}">
+                <a16:creationId xmlns:a16="http://schemas.microsoft.com/office/drawing/2014/main" id="{42F5F2EF-BE06-46D2-A0FE-B71628BDD7E4}"/>
+              </a:ext>
+            </a:extLst>
+          </p:cNvPr>
+          <p:cNvSpPr>
+            <a:spLocks noGrp="1"/>
+          </p:cNvSpPr>
+          <p:nvPr>
+            <p:ph type="title"/>
+          </p:nvPr>
+        </p:nvSpPr>
+        <p:spPr/>
+        <p:txBody>
+          <a:bodyPr/>
+          <a:lstStyle/>
+          <a:p>
+            <a:r>
+              <a:rPr lang="ru-RU" b="1" dirty="0">
+                <a:solidFill>
+                  <a:srgbClr val="0F8B8D"/>
+                </a:solidFill>
+                <a:latin typeface="Nitro"/>
+              </a:rPr>
+              <a:t>Текущее состояние проекта</a:t>
+            </a:r>
+          </a:p>
+        </p:txBody>
+      </p:sp>
+      <p:sp>
+        <p:nvSpPr>
+          <p:cNvPr id="3" name="Объект 2">
+            <a:extLst>
+              <a:ext uri="{FF2B5EF4-FFF2-40B4-BE49-F238E27FC236}">
+                <a16:creationId xmlns:a16="http://schemas.microsoft.com/office/drawing/2014/main" id="{AF7C84BD-FD5E-45EC-9C1A-F25325061B90}"/>
+              </a:ext>
+            </a:extLst>
+          </p:cNvPr>
+          <p:cNvSpPr>
+            <a:spLocks noGrp="1"/>
+          </p:cNvSpPr>
+          <p:nvPr>
+            <p:ph idx="1"/>
+          </p:nvPr>
+        </p:nvSpPr>
+        <p:spPr>
+          <a:xfrm>
+            <a:off x="838200" y="1513565"/>
+            <a:ext cx="11608976" cy="4803775"/>
+          </a:xfrm>
+        </p:spPr>
+        <p:txBody>
+          <a:bodyPr>
+            <a:noAutofit/>
+          </a:bodyPr>
+          <a:lstStyle/>
+          <a:p>
+            <a:pPr marL="0" indent="0">
+              <a:lnSpc>
+                <a:spcPct val="150000"/>
+              </a:lnSpc>
+              <a:spcBef>
+                <a:spcPts val="0"/>
+              </a:spcBef>
+              <a:spcAft>
+                <a:spcPts val="2400"/>
+              </a:spcAft>
+              <a:buNone/>
+            </a:pPr>
+            <a:r>
+              <a:rPr lang="ru-RU" dirty="0">
+                <a:solidFill>
+                  <a:srgbClr val="143642"/>
+                </a:solidFill>
+                <a:latin typeface="Bahnschrift SemiBold SemiConden" panose="020B0502040204020203" pitchFamily="34" charset="0"/>
+              </a:rPr>
+              <a:t>     </a:t>
+            </a:r>
+            <a:r>
+              <a:rPr lang="ru-RU" dirty="0">
+                <a:solidFill>
+                  <a:srgbClr val="0F8B8D"/>
+                </a:solidFill>
+                <a:latin typeface="Bahnschrift SemiBold SemiConden" panose="020B0502040204020203" pitchFamily="34" charset="0"/>
+              </a:rPr>
+              <a:t>Р</a:t>
+            </a:r>
+            <a:r>
+              <a:rPr lang="ru-RU" dirty="0">
+                <a:solidFill>
+                  <a:srgbClr val="143642"/>
+                </a:solidFill>
+                <a:latin typeface="Bahnschrift SemiBold SemiConden" panose="020B0502040204020203" pitchFamily="34" charset="0"/>
+              </a:rPr>
+              <a:t>еализована безопасная аутентификация</a:t>
+            </a:r>
+          </a:p>
+          <a:p>
+            <a:pPr marL="0" indent="0">
+              <a:lnSpc>
+                <a:spcPct val="150000"/>
+              </a:lnSpc>
+              <a:spcBef>
+                <a:spcPts val="0"/>
+              </a:spcBef>
+              <a:spcAft>
+                <a:spcPts val="2400"/>
+              </a:spcAft>
+              <a:buNone/>
+            </a:pPr>
+            <a:r>
+              <a:rPr lang="ru-RU" dirty="0">
+                <a:solidFill>
+                  <a:srgbClr val="143642"/>
+                </a:solidFill>
+                <a:latin typeface="Bahnschrift SemiBold SemiConden" panose="020B0502040204020203" pitchFamily="34" charset="0"/>
+              </a:rPr>
+              <a:t>     </a:t>
+            </a:r>
+            <a:r>
+              <a:rPr lang="ru-RU" dirty="0">
+                <a:solidFill>
+                  <a:srgbClr val="0F8B8D"/>
+                </a:solidFill>
+                <a:latin typeface="Bahnschrift SemiBold SemiConden" panose="020B0502040204020203" pitchFamily="34" charset="0"/>
+              </a:rPr>
+              <a:t>С</a:t>
+            </a:r>
+            <a:r>
+              <a:rPr lang="ru-RU" dirty="0">
+                <a:solidFill>
+                  <a:srgbClr val="143642"/>
+                </a:solidFill>
+                <a:latin typeface="Bahnschrift SemiBold SemiConden" panose="020B0502040204020203" pitchFamily="34" charset="0"/>
+              </a:rPr>
+              <a:t>делано полностью клиентское шифрование</a:t>
+            </a:r>
+          </a:p>
+          <a:p>
+            <a:pPr marL="0" indent="0">
+              <a:lnSpc>
+                <a:spcPct val="150000"/>
+              </a:lnSpc>
+              <a:spcBef>
+                <a:spcPts val="0"/>
+              </a:spcBef>
+              <a:spcAft>
+                <a:spcPts val="2400"/>
+              </a:spcAft>
+              <a:buNone/>
+            </a:pPr>
+            <a:r>
+              <a:rPr lang="ru-RU" dirty="0">
+                <a:solidFill>
+                  <a:srgbClr val="143642"/>
+                </a:solidFill>
+                <a:latin typeface="Bahnschrift SemiBold SemiConden" panose="020B0502040204020203" pitchFamily="34" charset="0"/>
+              </a:rPr>
+              <a:t>     </a:t>
+            </a:r>
+            <a:r>
+              <a:rPr lang="ru-RU" dirty="0">
+                <a:solidFill>
+                  <a:srgbClr val="0F8B8D"/>
+                </a:solidFill>
+                <a:latin typeface="Bahnschrift SemiBold SemiConden" panose="020B0502040204020203" pitchFamily="34" charset="0"/>
+              </a:rPr>
+              <a:t>Р</a:t>
+            </a:r>
+            <a:r>
+              <a:rPr lang="ru-RU" dirty="0">
+                <a:solidFill>
+                  <a:srgbClr val="143642"/>
+                </a:solidFill>
+                <a:latin typeface="Bahnschrift SemiBold SemiConden" panose="020B0502040204020203" pitchFamily="34" charset="0"/>
+              </a:rPr>
+              <a:t>еализован пользовательский интерфейс</a:t>
+            </a:r>
+          </a:p>
+          <a:p>
+            <a:pPr marL="539750" indent="-539750">
+              <a:lnSpc>
+                <a:spcPct val="150000"/>
+              </a:lnSpc>
+              <a:spcBef>
+                <a:spcPts val="0"/>
+              </a:spcBef>
+              <a:spcAft>
+                <a:spcPts val="2400"/>
+              </a:spcAft>
+              <a:buNone/>
+            </a:pPr>
+            <a:r>
+              <a:rPr lang="ru-RU" dirty="0">
+                <a:solidFill>
+                  <a:srgbClr val="143642"/>
+                </a:solidFill>
+                <a:latin typeface="Bahnschrift SemiBold SemiConden" panose="020B0502040204020203" pitchFamily="34" charset="0"/>
+              </a:rPr>
+              <a:t>     </a:t>
+            </a:r>
+            <a:r>
+              <a:rPr lang="ru-RU" dirty="0">
+                <a:solidFill>
+                  <a:srgbClr val="0F8B8D"/>
+                </a:solidFill>
+                <a:latin typeface="Bahnschrift SemiBold SemiConden" panose="020B0502040204020203" pitchFamily="34" charset="0"/>
+              </a:rPr>
+              <a:t>П</a:t>
+            </a:r>
+            <a:r>
+              <a:rPr lang="ru-RU" dirty="0">
+                <a:solidFill>
+                  <a:srgbClr val="143642"/>
+                </a:solidFill>
+                <a:latin typeface="Bahnschrift SemiBold SemiConden" panose="020B0502040204020203" pitchFamily="34" charset="0"/>
+              </a:rPr>
+              <a:t>риложение подключено к базе данных и полностью с ним              взаимодействует</a:t>
+            </a:r>
+          </a:p>
+          <a:p>
+            <a:pPr marL="0" indent="0">
+              <a:buNone/>
+            </a:pPr>
+            <a:br>
+              <a:rPr lang="en-US" dirty="0"/>
+            </a:br>
+            <a:endParaRPr lang="ru-RU" dirty="0"/>
+          </a:p>
+        </p:txBody>
+      </p:sp>
+      <p:sp>
+        <p:nvSpPr>
+          <p:cNvPr id="10" name="Прямоугольник: скругленные углы 9">
+            <a:extLst>
+              <a:ext uri="{FF2B5EF4-FFF2-40B4-BE49-F238E27FC236}">
+                <a16:creationId xmlns:a16="http://schemas.microsoft.com/office/drawing/2014/main" id="{29F2884D-5E4B-4799-AC6E-032CA75ABC9F}"/>
               </a:ext>
             </a:extLst>
           </p:cNvPr>
@@ -4569,13 +4310,15 @@
         </p:nvSpPr>
         <p:spPr>
           <a:xfrm>
-            <a:off x="801185" y="3590072"/>
-            <a:ext cx="491067" cy="502708"/>
+            <a:off x="554070" y="4451248"/>
+            <a:ext cx="568260" cy="573849"/>
           </a:xfrm>
           <a:prstGeom prst="roundRect">
             <a:avLst/>
           </a:prstGeom>
-          <a:noFill/>
+          <a:solidFill>
+            <a:schemeClr val="bg1"/>
+          </a:solidFill>
         </p:spPr>
         <p:style>
           <a:lnRef idx="2">
@@ -4598,7 +4341,20 @@
           <a:lstStyle/>
           <a:p>
             <a:pPr algn="ctr"/>
-            <a:endParaRPr lang="ru-RU"/>
+            <a:r>
+              <a:rPr lang="ru-RU" sz="2800" dirty="0">
+                <a:solidFill>
+                  <a:srgbClr val="143642"/>
+                </a:solidFill>
+                <a:latin typeface="Bahnschrift SemiBold SemiConden" panose="020B0502040204020203" pitchFamily="34" charset="0"/>
+              </a:rPr>
+              <a:t>4)</a:t>
+            </a:r>
+            <a:endParaRPr lang="ru-RU" dirty="0">
+              <a:solidFill>
+                <a:srgbClr val="EC9A29"/>
+              </a:solidFill>
+            </a:endParaRPr>
           </a:p>
         </p:txBody>
       </p:sp>
@@ -4607,7 +4363,7 @@
           <p:cNvPr id="11" name="Прямоугольник: скругленные углы 10">
             <a:extLst>
               <a:ext uri="{FF2B5EF4-FFF2-40B4-BE49-F238E27FC236}">
-                <a16:creationId xmlns:a16="http://schemas.microsoft.com/office/drawing/2014/main" id="{9BF2571C-455F-4478-8EB4-53601C5B5CF1}"/>
+                <a16:creationId xmlns:a16="http://schemas.microsoft.com/office/drawing/2014/main" id="{50F7A87F-1280-4B82-AB32-B4CBFF56825F}"/>
               </a:ext>
             </a:extLst>
           </p:cNvPr>
@@ -4616,13 +4372,15 @@
         </p:nvSpPr>
         <p:spPr>
           <a:xfrm>
-            <a:off x="753900" y="1953787"/>
-            <a:ext cx="491067" cy="502708"/>
+            <a:off x="561703" y="3472794"/>
+            <a:ext cx="560627" cy="573849"/>
           </a:xfrm>
           <a:prstGeom prst="roundRect">
             <a:avLst/>
           </a:prstGeom>
-          <a:noFill/>
+          <a:solidFill>
+            <a:schemeClr val="bg1"/>
+          </a:solidFill>
         </p:spPr>
         <p:style>
           <a:lnRef idx="2">
@@ -4645,6 +4403,15 @@
           <a:lstStyle/>
           <a:p>
             <a:pPr algn="ctr"/>
+            <a:r>
+              <a:rPr lang="ru-RU" sz="2800" dirty="0">
+                <a:solidFill>
+                  <a:srgbClr val="143642"/>
+                </a:solidFill>
+                <a:latin typeface="Bahnschrift SemiBold SemiConden" panose="020B0502040204020203" pitchFamily="34" charset="0"/>
+              </a:rPr>
+              <a:t>3)</a:t>
+            </a:r>
             <a:endParaRPr lang="ru-RU" dirty="0">
               <a:solidFill>
                 <a:srgbClr val="EC9A29"/>
@@ -4655,348 +4422,132 @@
       </p:sp>
       <p:sp>
         <p:nvSpPr>
-          <p:cNvPr id="2" name="Заголовок 1">
-            <a:extLst>
-              <a:ext uri="{FF2B5EF4-FFF2-40B4-BE49-F238E27FC236}">
-                <a16:creationId xmlns:a16="http://schemas.microsoft.com/office/drawing/2014/main" id="{139B0CF5-7CBA-4D62-9D05-245BCC223FC2}"/>
-              </a:ext>
-            </a:extLst>
-          </p:cNvPr>
-          <p:cNvSpPr>
-            <a:spLocks noGrp="1"/>
-          </p:cNvSpPr>
-          <p:nvPr>
-            <p:ph type="title"/>
-          </p:nvPr>
-        </p:nvSpPr>
-        <p:spPr/>
-        <p:txBody>
-          <a:bodyPr/>
-          <a:lstStyle/>
-          <a:p>
-            <a:r>
-              <a:rPr lang="ru-RU" b="1" dirty="0">
-                <a:solidFill>
-                  <a:srgbClr val="0F8B8D"/>
-                </a:solidFill>
-                <a:latin typeface="Nitro"/>
-              </a:rPr>
-              <a:t>Список литературы</a:t>
-            </a:r>
-          </a:p>
-        </p:txBody>
-      </p:sp>
-      <p:sp>
-        <p:nvSpPr>
-          <p:cNvPr id="3" name="Объект 2">
-            <a:extLst>
-              <a:ext uri="{FF2B5EF4-FFF2-40B4-BE49-F238E27FC236}">
-                <a16:creationId xmlns:a16="http://schemas.microsoft.com/office/drawing/2014/main" id="{1EBF766D-62F2-48F6-8DCA-6675E1057E49}"/>
-              </a:ext>
-            </a:extLst>
-          </p:cNvPr>
-          <p:cNvSpPr>
-            <a:spLocks noGrp="1"/>
-          </p:cNvSpPr>
-          <p:nvPr>
-            <p:ph idx="1"/>
-          </p:nvPr>
+          <p:cNvPr id="12" name="Прямоугольник: скругленные углы 11">
+            <a:extLst>
+              <a:ext uri="{FF2B5EF4-FFF2-40B4-BE49-F238E27FC236}">
+                <a16:creationId xmlns:a16="http://schemas.microsoft.com/office/drawing/2014/main" id="{B0347F26-537D-4755-8A3D-19FEE2D6E527}"/>
+              </a:ext>
+            </a:extLst>
+          </p:cNvPr>
+          <p:cNvSpPr/>
+          <p:nvPr/>
         </p:nvSpPr>
         <p:spPr>
           <a:xfrm>
-            <a:off x="838199" y="1825625"/>
-            <a:ext cx="11353801" cy="4351338"/>
+            <a:off x="561703" y="2611650"/>
+            <a:ext cx="568260" cy="573849"/>
           </a:xfrm>
+          <a:prstGeom prst="roundRect">
+            <a:avLst/>
+          </a:prstGeom>
+          <a:solidFill>
+            <a:schemeClr val="bg1"/>
+          </a:solidFill>
         </p:spPr>
-        <p:txBody>
-          <a:bodyPr/>
-          <a:lstStyle/>
-          <a:p>
-            <a:pPr marL="0" indent="0">
-              <a:lnSpc>
-                <a:spcPct val="150000"/>
-              </a:lnSpc>
-              <a:spcBef>
-                <a:spcPts val="0"/>
-              </a:spcBef>
-              <a:buNone/>
-            </a:pPr>
-            <a:r>
-              <a:rPr lang="en-US" dirty="0">
-                <a:solidFill>
-                  <a:srgbClr val="143642"/>
-                </a:solidFill>
-                <a:latin typeface="Bahnschrift SemiBold SemiConden" panose="020B0502040204020203" pitchFamily="34" charset="0"/>
-              </a:rPr>
-              <a:t>1)    </a:t>
-            </a:r>
-            <a:r>
-              <a:rPr lang="ru-RU" dirty="0">
-                <a:solidFill>
-                  <a:srgbClr val="143642"/>
-                </a:solidFill>
-                <a:latin typeface="Bahnschrift SemiBold SemiConden" panose="020B0502040204020203" pitchFamily="34" charset="0"/>
-              </a:rPr>
-              <a:t>«</a:t>
-            </a:r>
-            <a:r>
-              <a:rPr lang="ru-RU" dirty="0">
-                <a:solidFill>
-                  <a:srgbClr val="0F8B8D"/>
-                </a:solidFill>
-                <a:latin typeface="Bahnschrift SemiBold SemiConden" panose="020B0502040204020203" pitchFamily="34" charset="0"/>
-              </a:rPr>
-              <a:t>П</a:t>
-            </a:r>
-            <a:r>
-              <a:rPr lang="ru-RU" dirty="0">
-                <a:solidFill>
-                  <a:srgbClr val="143642"/>
-                </a:solidFill>
-                <a:latin typeface="Bahnschrift SemiBold SemiConden" panose="020B0502040204020203" pitchFamily="34" charset="0"/>
-              </a:rPr>
-              <a:t>риватность сообщений в мессенджерах»</a:t>
-            </a:r>
-            <a:r>
-              <a:rPr lang="ru-RU" dirty="0">
-                <a:solidFill>
-                  <a:srgbClr val="0F8B8D"/>
-                </a:solidFill>
-                <a:latin typeface="Bahnschrift SemiBold SemiConden" panose="020B0502040204020203" pitchFamily="34" charset="0"/>
-              </a:rPr>
-              <a:t> </a:t>
-            </a:r>
-            <a:r>
-              <a:rPr lang="ru-RU" dirty="0" err="1">
-                <a:solidFill>
-                  <a:srgbClr val="143642"/>
-                </a:solidFill>
-                <a:latin typeface="Bahnschrift SemiBold SemiConden" panose="020B0502040204020203" pitchFamily="34" charset="0"/>
-              </a:rPr>
-              <a:t>Поначугин</a:t>
-            </a:r>
-            <a:r>
-              <a:rPr lang="ru-RU" dirty="0">
-                <a:solidFill>
-                  <a:srgbClr val="143642"/>
-                </a:solidFill>
-                <a:latin typeface="Bahnschrift SemiBold SemiConden" panose="020B0502040204020203" pitchFamily="34" charset="0"/>
-              </a:rPr>
-              <a:t> А</a:t>
-            </a:r>
-            <a:r>
-              <a:rPr lang="en-US" dirty="0">
-                <a:solidFill>
-                  <a:srgbClr val="143642"/>
-                </a:solidFill>
-                <a:latin typeface="Bahnschrift SemiBold SemiConden" panose="020B0502040204020203" pitchFamily="34" charset="0"/>
-              </a:rPr>
-              <a:t>.</a:t>
-            </a:r>
-            <a:r>
-              <a:rPr lang="ru-RU" dirty="0">
-                <a:solidFill>
-                  <a:srgbClr val="143642"/>
-                </a:solidFill>
-                <a:latin typeface="Bahnschrift SemiBold SemiConden" panose="020B0502040204020203" pitchFamily="34" charset="0"/>
-              </a:rPr>
-              <a:t> В</a:t>
-            </a:r>
-            <a:r>
-              <a:rPr lang="en-US" dirty="0">
-                <a:solidFill>
-                  <a:srgbClr val="143642"/>
-                </a:solidFill>
-                <a:latin typeface="Bahnschrift SemiBold SemiConden" panose="020B0502040204020203" pitchFamily="34" charset="0"/>
-              </a:rPr>
-              <a:t>.</a:t>
-            </a:r>
-          </a:p>
-          <a:p>
-            <a:pPr>
-              <a:lnSpc>
-                <a:spcPct val="150000"/>
-              </a:lnSpc>
-              <a:spcBef>
-                <a:spcPts val="0"/>
-              </a:spcBef>
-              <a:spcAft>
-                <a:spcPts val="2400"/>
-              </a:spcAft>
-            </a:pPr>
-            <a:r>
-              <a:rPr lang="ru-RU" dirty="0">
-                <a:solidFill>
-                  <a:srgbClr val="143642"/>
-                </a:solidFill>
-                <a:latin typeface="Bahnschrift SemiBold SemiConden" panose="020B0502040204020203" pitchFamily="34" charset="0"/>
-              </a:rPr>
-              <a:t>Основы </a:t>
-            </a:r>
-            <a:r>
-              <a:rPr lang="en-US" dirty="0">
-                <a:solidFill>
-                  <a:srgbClr val="143642"/>
-                </a:solidFill>
-                <a:latin typeface="Bahnschrift SemiBold SemiConden" panose="020B0502040204020203" pitchFamily="34" charset="0"/>
-              </a:rPr>
-              <a:t>AES-GCM,</a:t>
-            </a:r>
-            <a:r>
-              <a:rPr lang="ru-RU" dirty="0">
-                <a:solidFill>
-                  <a:srgbClr val="143642"/>
-                </a:solidFill>
-                <a:latin typeface="Bahnschrift SemiBold SemiConden" panose="020B0502040204020203" pitchFamily="34" charset="0"/>
-              </a:rPr>
-              <a:t> объяснение сквозного шифрования</a:t>
-            </a:r>
-            <a:endParaRPr lang="en-US" dirty="0">
-              <a:solidFill>
-                <a:srgbClr val="143642"/>
-              </a:solidFill>
-              <a:latin typeface="Bahnschrift SemiBold SemiConden" panose="020B0502040204020203" pitchFamily="34" charset="0"/>
-            </a:endParaRPr>
-          </a:p>
-          <a:p>
-            <a:pPr marL="0" indent="0">
-              <a:lnSpc>
-                <a:spcPct val="150000"/>
-              </a:lnSpc>
-              <a:spcBef>
-                <a:spcPts val="0"/>
-              </a:spcBef>
-              <a:buFont typeface="Arial" panose="020B0604020202020204" pitchFamily="34" charset="0"/>
-              <a:buNone/>
-            </a:pPr>
-            <a:r>
-              <a:rPr lang="en-US" dirty="0">
-                <a:solidFill>
-                  <a:srgbClr val="143642"/>
-                </a:solidFill>
-                <a:latin typeface="Bahnschrift SemiBold SemiConden" panose="020B0502040204020203" pitchFamily="34" charset="0"/>
-              </a:rPr>
-              <a:t>2)    </a:t>
-            </a:r>
-            <a:r>
-              <a:rPr lang="ru-RU" dirty="0">
-                <a:solidFill>
-                  <a:srgbClr val="143642"/>
-                </a:solidFill>
-                <a:latin typeface="Bahnschrift SemiBold SemiConden" panose="020B0502040204020203" pitchFamily="34" charset="0"/>
-              </a:rPr>
-              <a:t>«</a:t>
-            </a:r>
-            <a:r>
-              <a:rPr lang="ru-RU" dirty="0">
-                <a:solidFill>
-                  <a:srgbClr val="0F8B8D"/>
-                </a:solidFill>
-                <a:latin typeface="Bahnschrift SemiBold SemiConden" panose="020B0502040204020203" pitchFamily="34" charset="0"/>
-              </a:rPr>
-              <a:t>В</a:t>
-            </a:r>
-            <a:r>
-              <a:rPr lang="ru-RU" dirty="0">
-                <a:solidFill>
-                  <a:srgbClr val="143642"/>
-                </a:solidFill>
-                <a:latin typeface="Bahnschrift SemiBold SemiConden" panose="020B0502040204020203" pitchFamily="34" charset="0"/>
-              </a:rPr>
-              <a:t>изуализация работы криптографических алгоритмов»</a:t>
-            </a:r>
-            <a:r>
-              <a:rPr lang="en-US" dirty="0">
-                <a:solidFill>
-                  <a:srgbClr val="0F8B8D"/>
-                </a:solidFill>
-                <a:latin typeface="Bahnschrift SemiBold SemiConden" panose="020B0502040204020203" pitchFamily="34" charset="0"/>
-              </a:rPr>
-              <a:t> </a:t>
-            </a:r>
-            <a:r>
-              <a:rPr lang="ru-RU" dirty="0">
-                <a:solidFill>
-                  <a:srgbClr val="143642"/>
-                </a:solidFill>
-                <a:latin typeface="Bahnschrift SemiBold SemiConden" panose="020B0502040204020203" pitchFamily="34" charset="0"/>
-              </a:rPr>
-              <a:t>Фомин Д</a:t>
-            </a:r>
-            <a:r>
-              <a:rPr lang="en-US" dirty="0">
-                <a:solidFill>
-                  <a:srgbClr val="143642"/>
-                </a:solidFill>
-                <a:latin typeface="Bahnschrift SemiBold SemiConden" panose="020B0502040204020203" pitchFamily="34" charset="0"/>
-              </a:rPr>
-              <a:t>.</a:t>
-            </a:r>
-            <a:r>
-              <a:rPr lang="ru-RU" dirty="0">
-                <a:solidFill>
-                  <a:srgbClr val="143642"/>
-                </a:solidFill>
-                <a:latin typeface="Bahnschrift SemiBold SemiConden" panose="020B0502040204020203" pitchFamily="34" charset="0"/>
-              </a:rPr>
-              <a:t>В</a:t>
-            </a:r>
-            <a:r>
-              <a:rPr lang="en-US" dirty="0">
-                <a:solidFill>
-                  <a:srgbClr val="143642"/>
-                </a:solidFill>
-                <a:latin typeface="Bahnschrift SemiBold SemiConden" panose="020B0502040204020203" pitchFamily="34" charset="0"/>
-              </a:rPr>
-              <a:t>.</a:t>
-            </a:r>
-          </a:p>
-          <a:p>
-            <a:pPr>
-              <a:lnSpc>
-                <a:spcPct val="150000"/>
-              </a:lnSpc>
-              <a:spcBef>
-                <a:spcPts val="0"/>
-              </a:spcBef>
-            </a:pPr>
-            <a:r>
-              <a:rPr lang="ru-RU" dirty="0">
-                <a:solidFill>
-                  <a:srgbClr val="143642"/>
-                </a:solidFill>
-                <a:latin typeface="Bahnschrift SemiBold SemiConden" panose="020B0502040204020203" pitchFamily="34" charset="0"/>
-              </a:rPr>
-              <a:t>Объяснение работы алгоритма </a:t>
-            </a:r>
-            <a:r>
-              <a:rPr lang="en-US" dirty="0">
-                <a:solidFill>
-                  <a:srgbClr val="143642"/>
-                </a:solidFill>
-                <a:latin typeface="Bahnschrift SemiBold SemiConden" panose="020B0502040204020203" pitchFamily="34" charset="0"/>
-              </a:rPr>
-              <a:t>ECDH</a:t>
+        <p:style>
+          <a:lnRef idx="2">
+            <a:schemeClr val="accent1">
+              <a:shade val="50000"/>
+            </a:schemeClr>
+          </a:lnRef>
+          <a:fillRef idx="1">
+            <a:schemeClr val="accent1"/>
+          </a:fillRef>
+          <a:effectRef idx="0">
+            <a:schemeClr val="accent1"/>
+          </a:effectRef>
+          <a:fontRef idx="minor">
+            <a:schemeClr val="lt1"/>
+          </a:fontRef>
+        </p:style>
+        <p:txBody>
+          <a:bodyPr rtlCol="0" anchor="ctr"/>
+          <a:lstStyle/>
+          <a:p>
+            <a:pPr algn="ctr"/>
+            <a:r>
+              <a:rPr lang="ru-RU" sz="2800" dirty="0">
+                <a:solidFill>
+                  <a:srgbClr val="143642"/>
+                </a:solidFill>
+                <a:latin typeface="Bahnschrift SemiBold SemiConden" panose="020B0502040204020203" pitchFamily="34" charset="0"/>
+              </a:rPr>
+              <a:t>2)</a:t>
             </a:r>
             <a:endParaRPr lang="ru-RU" dirty="0">
               <a:solidFill>
-                <a:srgbClr val="143642"/>
+                <a:srgbClr val="EC9A29"/>
               </a:solidFill>
-              <a:latin typeface="Bahnschrift SemiBold SemiConden" panose="020B0502040204020203" pitchFamily="34" charset="0"/>
             </a:endParaRPr>
           </a:p>
-          <a:p>
-            <a:pPr marL="0" indent="0">
-              <a:buNone/>
-            </a:pPr>
-            <a:endParaRPr lang="ru-RU" dirty="0"/>
+        </p:txBody>
+      </p:sp>
+      <p:sp>
+        <p:nvSpPr>
+          <p:cNvPr id="13" name="Прямоугольник: скругленные углы 12">
+            <a:extLst>
+              <a:ext uri="{FF2B5EF4-FFF2-40B4-BE49-F238E27FC236}">
+                <a16:creationId xmlns:a16="http://schemas.microsoft.com/office/drawing/2014/main" id="{41B4CE3E-2937-408F-9598-ED462FC5BBBC}"/>
+              </a:ext>
+            </a:extLst>
+          </p:cNvPr>
+          <p:cNvSpPr/>
+          <p:nvPr/>
+        </p:nvSpPr>
+        <p:spPr>
+          <a:xfrm>
+            <a:off x="561703" y="1633196"/>
+            <a:ext cx="568260" cy="573849"/>
+          </a:xfrm>
+          <a:prstGeom prst="roundRect">
+            <a:avLst/>
+          </a:prstGeom>
+          <a:solidFill>
+            <a:schemeClr val="bg1"/>
+          </a:solidFill>
+        </p:spPr>
+        <p:style>
+          <a:lnRef idx="2">
+            <a:schemeClr val="accent1">
+              <a:shade val="50000"/>
+            </a:schemeClr>
+          </a:lnRef>
+          <a:fillRef idx="1">
+            <a:schemeClr val="accent1"/>
+          </a:fillRef>
+          <a:effectRef idx="0">
+            <a:schemeClr val="accent1"/>
+          </a:effectRef>
+          <a:fontRef idx="minor">
+            <a:schemeClr val="lt1"/>
+          </a:fontRef>
+        </p:style>
+        <p:txBody>
+          <a:bodyPr rtlCol="0" anchor="ctr"/>
+          <a:lstStyle/>
+          <a:p>
+            <a:pPr algn="ctr"/>
+            <a:r>
+              <a:rPr lang="ru-RU" sz="2800" dirty="0">
+                <a:solidFill>
+                  <a:srgbClr val="143642"/>
+                </a:solidFill>
+                <a:latin typeface="Bahnschrift SemiBold SemiConden" panose="020B0502040204020203" pitchFamily="34" charset="0"/>
+              </a:rPr>
+              <a:t>1)</a:t>
+            </a:r>
+            <a:endParaRPr lang="ru-RU" dirty="0">
+              <a:solidFill>
+                <a:srgbClr val="EC9A29"/>
+              </a:solidFill>
+            </a:endParaRPr>
           </a:p>
         </p:txBody>
       </p:sp>
     </p:spTree>
     <p:extLst>
       <p:ext uri="{BB962C8B-B14F-4D97-AF65-F5344CB8AC3E}">
-        <p14:creationId xmlns:p14="http://schemas.microsoft.com/office/powerpoint/2010/main" val="178687324"/>
+        <p14:creationId xmlns:p14="http://schemas.microsoft.com/office/powerpoint/2010/main" val="10345138"/>
       </p:ext>
     </p:extLst>
   </p:cSld>
@@ -5028,6 +4579,1050 @@
           <p:cNvPr id="2" name="Заголовок 1">
             <a:extLst>
               <a:ext uri="{FF2B5EF4-FFF2-40B4-BE49-F238E27FC236}">
+                <a16:creationId xmlns:a16="http://schemas.microsoft.com/office/drawing/2014/main" id="{81AEBB5C-2DDC-42BE-B658-3EE76B3334AB}"/>
+              </a:ext>
+            </a:extLst>
+          </p:cNvPr>
+          <p:cNvSpPr>
+            <a:spLocks noGrp="1"/>
+          </p:cNvSpPr>
+          <p:nvPr>
+            <p:ph type="title"/>
+          </p:nvPr>
+        </p:nvSpPr>
+        <p:spPr/>
+        <p:txBody>
+          <a:bodyPr/>
+          <a:lstStyle/>
+          <a:p>
+            <a:r>
+              <a:rPr lang="ru-RU" b="1" dirty="0">
+                <a:solidFill>
+                  <a:srgbClr val="0F8B8D"/>
+                </a:solidFill>
+                <a:latin typeface="Nitro"/>
+              </a:rPr>
+              <a:t>Планы на будущее</a:t>
+            </a:r>
+          </a:p>
+        </p:txBody>
+      </p:sp>
+      <p:sp>
+        <p:nvSpPr>
+          <p:cNvPr id="3" name="Объект 2">
+            <a:extLst>
+              <a:ext uri="{FF2B5EF4-FFF2-40B4-BE49-F238E27FC236}">
+                <a16:creationId xmlns:a16="http://schemas.microsoft.com/office/drawing/2014/main" id="{F17A3CF6-7E36-423F-9B99-AB635CA94859}"/>
+              </a:ext>
+            </a:extLst>
+          </p:cNvPr>
+          <p:cNvSpPr>
+            <a:spLocks noGrp="1"/>
+          </p:cNvSpPr>
+          <p:nvPr>
+            <p:ph idx="1"/>
+          </p:nvPr>
+        </p:nvSpPr>
+        <p:spPr>
+          <a:xfrm>
+            <a:off x="838200" y="1449962"/>
+            <a:ext cx="10515600" cy="4351338"/>
+          </a:xfrm>
+        </p:spPr>
+        <p:txBody>
+          <a:bodyPr/>
+          <a:lstStyle/>
+          <a:p>
+            <a:pPr marL="0" indent="0">
+              <a:lnSpc>
+                <a:spcPct val="150000"/>
+              </a:lnSpc>
+              <a:spcBef>
+                <a:spcPts val="0"/>
+              </a:spcBef>
+              <a:spcAft>
+                <a:spcPts val="2400"/>
+              </a:spcAft>
+              <a:buNone/>
+            </a:pPr>
+            <a:r>
+              <a:rPr lang="ru-RU" dirty="0">
+                <a:solidFill>
+                  <a:srgbClr val="143642"/>
+                </a:solidFill>
+                <a:latin typeface="Bahnschrift SemiBold SemiConden" panose="020B0502040204020203" pitchFamily="34" charset="0"/>
+              </a:rPr>
+              <a:t>  </a:t>
+            </a:r>
+            <a:r>
+              <a:rPr lang="ru-RU" dirty="0">
+                <a:solidFill>
+                  <a:srgbClr val="0F8B8D"/>
+                </a:solidFill>
+                <a:latin typeface="Bahnschrift SemiBold SemiConden" panose="020B0502040204020203" pitchFamily="34" charset="0"/>
+              </a:rPr>
+              <a:t>   С</a:t>
+            </a:r>
+            <a:r>
+              <a:rPr lang="ru-RU" dirty="0">
+                <a:solidFill>
+                  <a:srgbClr val="143642"/>
+                </a:solidFill>
+                <a:latin typeface="Bahnschrift SemiBold SemiConden" panose="020B0502040204020203" pitchFamily="34" charset="0"/>
+              </a:rPr>
+              <a:t>оздание групповых чатов</a:t>
+            </a:r>
+          </a:p>
+          <a:p>
+            <a:pPr marL="0" indent="0">
+              <a:lnSpc>
+                <a:spcPct val="150000"/>
+              </a:lnSpc>
+              <a:spcBef>
+                <a:spcPts val="0"/>
+              </a:spcBef>
+              <a:spcAft>
+                <a:spcPts val="2400"/>
+              </a:spcAft>
+              <a:buNone/>
+            </a:pPr>
+            <a:r>
+              <a:rPr lang="ru-RU" dirty="0">
+                <a:solidFill>
+                  <a:srgbClr val="143642"/>
+                </a:solidFill>
+                <a:latin typeface="Bahnschrift SemiBold SemiConden" panose="020B0502040204020203" pitchFamily="34" charset="0"/>
+              </a:rPr>
+              <a:t>     </a:t>
+            </a:r>
+            <a:r>
+              <a:rPr lang="ru-RU" dirty="0">
+                <a:solidFill>
+                  <a:srgbClr val="0F8B8D"/>
+                </a:solidFill>
+                <a:latin typeface="Bahnschrift SemiBold SemiConden" panose="020B0502040204020203" pitchFamily="34" charset="0"/>
+              </a:rPr>
+              <a:t>О</a:t>
+            </a:r>
+            <a:r>
+              <a:rPr lang="ru-RU" dirty="0">
+                <a:solidFill>
+                  <a:srgbClr val="143642"/>
+                </a:solidFill>
+                <a:latin typeface="Bahnschrift SemiBold SemiConden" panose="020B0502040204020203" pitchFamily="34" charset="0"/>
+              </a:rPr>
+              <a:t>тправка медиа файлов</a:t>
+            </a:r>
+            <a:r>
+              <a:rPr lang="en-US" dirty="0">
+                <a:solidFill>
+                  <a:srgbClr val="143642"/>
+                </a:solidFill>
+                <a:latin typeface="Bahnschrift SemiBold SemiConden" panose="020B0502040204020203" pitchFamily="34" charset="0"/>
+              </a:rPr>
+              <a:t>,</a:t>
+            </a:r>
+            <a:r>
+              <a:rPr lang="ru-RU" dirty="0">
+                <a:solidFill>
+                  <a:srgbClr val="143642"/>
+                </a:solidFill>
+                <a:latin typeface="Bahnschrift SemiBold SemiConden" panose="020B0502040204020203" pitchFamily="34" charset="0"/>
+              </a:rPr>
+              <a:t> а также голосовых сообщений</a:t>
+            </a:r>
+          </a:p>
+          <a:p>
+            <a:pPr marL="0" indent="0">
+              <a:lnSpc>
+                <a:spcPct val="150000"/>
+              </a:lnSpc>
+              <a:spcBef>
+                <a:spcPts val="0"/>
+              </a:spcBef>
+              <a:spcAft>
+                <a:spcPts val="2400"/>
+              </a:spcAft>
+              <a:buNone/>
+            </a:pPr>
+            <a:r>
+              <a:rPr lang="ru-RU" dirty="0">
+                <a:solidFill>
+                  <a:srgbClr val="143642"/>
+                </a:solidFill>
+                <a:latin typeface="Bahnschrift SemiBold SemiConden" panose="020B0502040204020203" pitchFamily="34" charset="0"/>
+              </a:rPr>
+              <a:t>     </a:t>
+            </a:r>
+            <a:r>
+              <a:rPr lang="ru-RU" dirty="0">
+                <a:solidFill>
+                  <a:srgbClr val="0F8B8D"/>
+                </a:solidFill>
+                <a:latin typeface="Bahnschrift SemiBold SemiConden" panose="020B0502040204020203" pitchFamily="34" charset="0"/>
+              </a:rPr>
+              <a:t>З</a:t>
+            </a:r>
+            <a:r>
+              <a:rPr lang="ru-RU" dirty="0">
+                <a:solidFill>
+                  <a:srgbClr val="143642"/>
+                </a:solidFill>
+                <a:latin typeface="Bahnschrift SemiBold SemiConden" panose="020B0502040204020203" pitchFamily="34" charset="0"/>
+              </a:rPr>
+              <a:t>вонки с другими людьми</a:t>
+            </a:r>
+          </a:p>
+          <a:p>
+            <a:pPr marL="0" indent="0">
+              <a:lnSpc>
+                <a:spcPct val="150000"/>
+              </a:lnSpc>
+              <a:spcBef>
+                <a:spcPts val="0"/>
+              </a:spcBef>
+              <a:spcAft>
+                <a:spcPts val="2400"/>
+              </a:spcAft>
+              <a:buNone/>
+            </a:pPr>
+            <a:r>
+              <a:rPr lang="ru-RU" dirty="0">
+                <a:solidFill>
+                  <a:srgbClr val="143642"/>
+                </a:solidFill>
+                <a:latin typeface="Bahnschrift SemiBold SemiConden" panose="020B0502040204020203" pitchFamily="34" charset="0"/>
+              </a:rPr>
+              <a:t>     </a:t>
+            </a:r>
+            <a:r>
+              <a:rPr lang="ru-RU" dirty="0">
+                <a:solidFill>
+                  <a:srgbClr val="0F8B8D"/>
+                </a:solidFill>
+                <a:latin typeface="Bahnschrift SemiBold SemiConden" panose="020B0502040204020203" pitchFamily="34" charset="0"/>
+              </a:rPr>
+              <a:t>К</a:t>
+            </a:r>
+            <a:r>
+              <a:rPr lang="ru-RU" dirty="0">
+                <a:solidFill>
+                  <a:srgbClr val="143642"/>
+                </a:solidFill>
+                <a:latin typeface="Bahnschrift SemiBold SemiConden" panose="020B0502040204020203" pitchFamily="34" charset="0"/>
+              </a:rPr>
+              <a:t>астомизация интерфейса</a:t>
+            </a:r>
+          </a:p>
+          <a:p>
+            <a:pPr marL="0" indent="0">
+              <a:buNone/>
+            </a:pPr>
+            <a:endParaRPr lang="ru-RU" dirty="0"/>
+          </a:p>
+          <a:p>
+            <a:pPr marL="514350" indent="-514350">
+              <a:buAutoNum type="arabicParenR"/>
+            </a:pPr>
+            <a:endParaRPr lang="ru-RU" dirty="0"/>
+          </a:p>
+        </p:txBody>
+      </p:sp>
+      <p:sp>
+        <p:nvSpPr>
+          <p:cNvPr id="10" name="Прямоугольник: скругленные углы 9">
+            <a:extLst>
+              <a:ext uri="{FF2B5EF4-FFF2-40B4-BE49-F238E27FC236}">
+                <a16:creationId xmlns:a16="http://schemas.microsoft.com/office/drawing/2014/main" id="{E5A3830B-5ED4-4D70-B781-81892D5E7F8D}"/>
+              </a:ext>
+            </a:extLst>
+          </p:cNvPr>
+          <p:cNvSpPr/>
+          <p:nvPr/>
+        </p:nvSpPr>
+        <p:spPr>
+          <a:xfrm>
+            <a:off x="554070" y="4425122"/>
+            <a:ext cx="568260" cy="573849"/>
+          </a:xfrm>
+          <a:prstGeom prst="roundRect">
+            <a:avLst/>
+          </a:prstGeom>
+          <a:solidFill>
+            <a:schemeClr val="bg1"/>
+          </a:solidFill>
+        </p:spPr>
+        <p:style>
+          <a:lnRef idx="2">
+            <a:schemeClr val="accent1">
+              <a:shade val="50000"/>
+            </a:schemeClr>
+          </a:lnRef>
+          <a:fillRef idx="1">
+            <a:schemeClr val="accent1"/>
+          </a:fillRef>
+          <a:effectRef idx="0">
+            <a:schemeClr val="accent1"/>
+          </a:effectRef>
+          <a:fontRef idx="minor">
+            <a:schemeClr val="lt1"/>
+          </a:fontRef>
+        </p:style>
+        <p:txBody>
+          <a:bodyPr rtlCol="0" anchor="ctr"/>
+          <a:lstStyle/>
+          <a:p>
+            <a:pPr algn="ctr"/>
+            <a:r>
+              <a:rPr lang="ru-RU" sz="2800" dirty="0">
+                <a:solidFill>
+                  <a:srgbClr val="143642"/>
+                </a:solidFill>
+                <a:latin typeface="Bahnschrift SemiBold SemiConden" panose="020B0502040204020203" pitchFamily="34" charset="0"/>
+              </a:rPr>
+              <a:t>4)</a:t>
+            </a:r>
+            <a:endParaRPr lang="ru-RU" dirty="0">
+              <a:solidFill>
+                <a:srgbClr val="EC9A29"/>
+              </a:solidFill>
+            </a:endParaRPr>
+          </a:p>
+        </p:txBody>
+      </p:sp>
+      <p:sp>
+        <p:nvSpPr>
+          <p:cNvPr id="11" name="Прямоугольник: скругленные углы 10">
+            <a:extLst>
+              <a:ext uri="{FF2B5EF4-FFF2-40B4-BE49-F238E27FC236}">
+                <a16:creationId xmlns:a16="http://schemas.microsoft.com/office/drawing/2014/main" id="{5F2A9863-177D-408A-9FB3-1F8B18E3E012}"/>
+              </a:ext>
+            </a:extLst>
+          </p:cNvPr>
+          <p:cNvSpPr/>
+          <p:nvPr/>
+        </p:nvSpPr>
+        <p:spPr>
+          <a:xfrm>
+            <a:off x="554070" y="3459069"/>
+            <a:ext cx="568260" cy="573849"/>
+          </a:xfrm>
+          <a:prstGeom prst="roundRect">
+            <a:avLst/>
+          </a:prstGeom>
+          <a:solidFill>
+            <a:schemeClr val="bg1"/>
+          </a:solidFill>
+        </p:spPr>
+        <p:style>
+          <a:lnRef idx="2">
+            <a:schemeClr val="accent1">
+              <a:shade val="50000"/>
+            </a:schemeClr>
+          </a:lnRef>
+          <a:fillRef idx="1">
+            <a:schemeClr val="accent1"/>
+          </a:fillRef>
+          <a:effectRef idx="0">
+            <a:schemeClr val="accent1"/>
+          </a:effectRef>
+          <a:fontRef idx="minor">
+            <a:schemeClr val="lt1"/>
+          </a:fontRef>
+        </p:style>
+        <p:txBody>
+          <a:bodyPr rtlCol="0" anchor="ctr"/>
+          <a:lstStyle/>
+          <a:p>
+            <a:pPr algn="ctr"/>
+            <a:r>
+              <a:rPr lang="ru-RU" sz="2800" dirty="0">
+                <a:solidFill>
+                  <a:srgbClr val="143642"/>
+                </a:solidFill>
+                <a:latin typeface="Bahnschrift SemiBold SemiConden" panose="020B0502040204020203" pitchFamily="34" charset="0"/>
+              </a:rPr>
+              <a:t>3)</a:t>
+            </a:r>
+            <a:endParaRPr lang="ru-RU" dirty="0">
+              <a:solidFill>
+                <a:srgbClr val="EC9A29"/>
+              </a:solidFill>
+            </a:endParaRPr>
+          </a:p>
+        </p:txBody>
+      </p:sp>
+      <p:sp>
+        <p:nvSpPr>
+          <p:cNvPr id="12" name="Прямоугольник: скругленные углы 11">
+            <a:extLst>
+              <a:ext uri="{FF2B5EF4-FFF2-40B4-BE49-F238E27FC236}">
+                <a16:creationId xmlns:a16="http://schemas.microsoft.com/office/drawing/2014/main" id="{3194C0D6-4C96-4F89-B1E2-2C547551AF13}"/>
+              </a:ext>
+            </a:extLst>
+          </p:cNvPr>
+          <p:cNvSpPr/>
+          <p:nvPr/>
+        </p:nvSpPr>
+        <p:spPr>
+          <a:xfrm>
+            <a:off x="554070" y="2493016"/>
+            <a:ext cx="568260" cy="573849"/>
+          </a:xfrm>
+          <a:prstGeom prst="roundRect">
+            <a:avLst/>
+          </a:prstGeom>
+          <a:solidFill>
+            <a:schemeClr val="bg1"/>
+          </a:solidFill>
+        </p:spPr>
+        <p:style>
+          <a:lnRef idx="2">
+            <a:schemeClr val="accent1">
+              <a:shade val="50000"/>
+            </a:schemeClr>
+          </a:lnRef>
+          <a:fillRef idx="1">
+            <a:schemeClr val="accent1"/>
+          </a:fillRef>
+          <a:effectRef idx="0">
+            <a:schemeClr val="accent1"/>
+          </a:effectRef>
+          <a:fontRef idx="minor">
+            <a:schemeClr val="lt1"/>
+          </a:fontRef>
+        </p:style>
+        <p:txBody>
+          <a:bodyPr rtlCol="0" anchor="ctr"/>
+          <a:lstStyle/>
+          <a:p>
+            <a:pPr algn="ctr"/>
+            <a:r>
+              <a:rPr lang="ru-RU" sz="2800" dirty="0">
+                <a:solidFill>
+                  <a:srgbClr val="143642"/>
+                </a:solidFill>
+                <a:latin typeface="Bahnschrift SemiBold SemiConden" panose="020B0502040204020203" pitchFamily="34" charset="0"/>
+              </a:rPr>
+              <a:t>2)</a:t>
+            </a:r>
+            <a:endParaRPr lang="ru-RU" dirty="0">
+              <a:solidFill>
+                <a:srgbClr val="EC9A29"/>
+              </a:solidFill>
+            </a:endParaRPr>
+          </a:p>
+        </p:txBody>
+      </p:sp>
+      <p:sp>
+        <p:nvSpPr>
+          <p:cNvPr id="13" name="Прямоугольник: скругленные углы 12">
+            <a:extLst>
+              <a:ext uri="{FF2B5EF4-FFF2-40B4-BE49-F238E27FC236}">
+                <a16:creationId xmlns:a16="http://schemas.microsoft.com/office/drawing/2014/main" id="{28D1D91E-1A14-416C-A2F9-20DDDA15C5D7}"/>
+              </a:ext>
+            </a:extLst>
+          </p:cNvPr>
+          <p:cNvSpPr/>
+          <p:nvPr/>
+        </p:nvSpPr>
+        <p:spPr>
+          <a:xfrm>
+            <a:off x="554070" y="1553865"/>
+            <a:ext cx="568260" cy="573849"/>
+          </a:xfrm>
+          <a:prstGeom prst="roundRect">
+            <a:avLst/>
+          </a:prstGeom>
+          <a:solidFill>
+            <a:schemeClr val="bg1"/>
+          </a:solidFill>
+        </p:spPr>
+        <p:style>
+          <a:lnRef idx="2">
+            <a:schemeClr val="accent1">
+              <a:shade val="50000"/>
+            </a:schemeClr>
+          </a:lnRef>
+          <a:fillRef idx="1">
+            <a:schemeClr val="accent1"/>
+          </a:fillRef>
+          <a:effectRef idx="0">
+            <a:schemeClr val="accent1"/>
+          </a:effectRef>
+          <a:fontRef idx="minor">
+            <a:schemeClr val="lt1"/>
+          </a:fontRef>
+        </p:style>
+        <p:txBody>
+          <a:bodyPr rtlCol="0" anchor="ctr"/>
+          <a:lstStyle/>
+          <a:p>
+            <a:pPr algn="ctr"/>
+            <a:r>
+              <a:rPr lang="ru-RU" sz="2800" dirty="0">
+                <a:solidFill>
+                  <a:srgbClr val="143642"/>
+                </a:solidFill>
+                <a:latin typeface="Bahnschrift SemiBold SemiConden" panose="020B0502040204020203" pitchFamily="34" charset="0"/>
+              </a:rPr>
+              <a:t>1)</a:t>
+            </a:r>
+            <a:endParaRPr lang="ru-RU" dirty="0">
+              <a:solidFill>
+                <a:srgbClr val="EC9A29"/>
+              </a:solidFill>
+            </a:endParaRPr>
+          </a:p>
+        </p:txBody>
+      </p:sp>
+    </p:spTree>
+    <p:extLst>
+      <p:ext uri="{BB962C8B-B14F-4D97-AF65-F5344CB8AC3E}">
+        <p14:creationId xmlns:p14="http://schemas.microsoft.com/office/powerpoint/2010/main" val="1832877096"/>
+      </p:ext>
+    </p:extLst>
+  </p:cSld>
+  <p:clrMapOvr>
+    <a:masterClrMapping/>
+  </p:clrMapOvr>
+</p:sld>
+</file>
+
+<file path=ppt/slides/slide13.xml><?xml version="1.0" encoding="utf-8"?>
+<p:sld xmlns:a="http://schemas.openxmlformats.org/drawingml/2006/main" xmlns:r="http://schemas.openxmlformats.org/officeDocument/2006/relationships" xmlns:p="http://schemas.openxmlformats.org/presentationml/2006/main">
+  <p:cSld>
+    <p:spTree>
+      <p:nvGrpSpPr>
+        <p:cNvPr id="1" name=""/>
+        <p:cNvGrpSpPr/>
+        <p:nvPr/>
+      </p:nvGrpSpPr>
+      <p:grpSpPr>
+        <a:xfrm>
+          <a:off x="0" y="0"/>
+          <a:ext cx="0" cy="0"/>
+          <a:chOff x="0" y="0"/>
+          <a:chExt cx="0" cy="0"/>
+        </a:xfrm>
+      </p:grpSpPr>
+      <p:sp>
+        <p:nvSpPr>
+          <p:cNvPr id="2" name="Заголовок 1">
+            <a:extLst>
+              <a:ext uri="{FF2B5EF4-FFF2-40B4-BE49-F238E27FC236}">
+                <a16:creationId xmlns:a16="http://schemas.microsoft.com/office/drawing/2014/main" id="{139B0CF5-7CBA-4D62-9D05-245BCC223FC2}"/>
+              </a:ext>
+            </a:extLst>
+          </p:cNvPr>
+          <p:cNvSpPr>
+            <a:spLocks noGrp="1"/>
+          </p:cNvSpPr>
+          <p:nvPr>
+            <p:ph type="title"/>
+          </p:nvPr>
+        </p:nvSpPr>
+        <p:spPr/>
+        <p:txBody>
+          <a:bodyPr/>
+          <a:lstStyle/>
+          <a:p>
+            <a:r>
+              <a:rPr lang="ru-RU" b="1" dirty="0">
+                <a:solidFill>
+                  <a:srgbClr val="0F8B8D"/>
+                </a:solidFill>
+                <a:latin typeface="Nitro"/>
+              </a:rPr>
+              <a:t>Список литературы</a:t>
+            </a:r>
+          </a:p>
+        </p:txBody>
+      </p:sp>
+      <p:sp>
+        <p:nvSpPr>
+          <p:cNvPr id="3" name="Объект 2">
+            <a:extLst>
+              <a:ext uri="{FF2B5EF4-FFF2-40B4-BE49-F238E27FC236}">
+                <a16:creationId xmlns:a16="http://schemas.microsoft.com/office/drawing/2014/main" id="{1EBF766D-62F2-48F6-8DCA-6675E1057E49}"/>
+              </a:ext>
+            </a:extLst>
+          </p:cNvPr>
+          <p:cNvSpPr>
+            <a:spLocks noGrp="1"/>
+          </p:cNvSpPr>
+          <p:nvPr>
+            <p:ph idx="1"/>
+          </p:nvPr>
+        </p:nvSpPr>
+        <p:spPr>
+          <a:xfrm>
+            <a:off x="838199" y="1825625"/>
+            <a:ext cx="11353801" cy="4351338"/>
+          </a:xfrm>
+        </p:spPr>
+        <p:txBody>
+          <a:bodyPr/>
+          <a:lstStyle/>
+          <a:p>
+            <a:pPr marL="0" indent="0">
+              <a:lnSpc>
+                <a:spcPct val="150000"/>
+              </a:lnSpc>
+              <a:spcBef>
+                <a:spcPts val="0"/>
+              </a:spcBef>
+              <a:buNone/>
+            </a:pPr>
+            <a:r>
+              <a:rPr lang="ru-RU" dirty="0">
+                <a:solidFill>
+                  <a:srgbClr val="143642"/>
+                </a:solidFill>
+                <a:latin typeface="Bahnschrift SemiBold SemiConden" panose="020B0502040204020203" pitchFamily="34" charset="0"/>
+              </a:rPr>
+              <a:t>  </a:t>
+            </a:r>
+            <a:r>
+              <a:rPr lang="en-US" dirty="0">
+                <a:solidFill>
+                  <a:srgbClr val="143642"/>
+                </a:solidFill>
+                <a:latin typeface="Bahnschrift SemiBold SemiConden" panose="020B0502040204020203" pitchFamily="34" charset="0"/>
+              </a:rPr>
+              <a:t>    </a:t>
+            </a:r>
+            <a:r>
+              <a:rPr lang="ru-RU" dirty="0">
+                <a:solidFill>
+                  <a:srgbClr val="143642"/>
+                </a:solidFill>
+                <a:latin typeface="Bahnschrift SemiBold SemiConden" panose="020B0502040204020203" pitchFamily="34" charset="0"/>
+              </a:rPr>
+              <a:t>«</a:t>
+            </a:r>
+            <a:r>
+              <a:rPr lang="ru-RU" dirty="0">
+                <a:solidFill>
+                  <a:srgbClr val="0F8B8D"/>
+                </a:solidFill>
+                <a:latin typeface="Bahnschrift SemiBold SemiConden" panose="020B0502040204020203" pitchFamily="34" charset="0"/>
+              </a:rPr>
+              <a:t>П</a:t>
+            </a:r>
+            <a:r>
+              <a:rPr lang="ru-RU" dirty="0">
+                <a:solidFill>
+                  <a:srgbClr val="143642"/>
+                </a:solidFill>
+                <a:latin typeface="Bahnschrift SemiBold SemiConden" panose="020B0502040204020203" pitchFamily="34" charset="0"/>
+              </a:rPr>
+              <a:t>риватность сообщений в мессенджерах»</a:t>
+            </a:r>
+            <a:r>
+              <a:rPr lang="ru-RU" dirty="0">
+                <a:solidFill>
+                  <a:srgbClr val="0F8B8D"/>
+                </a:solidFill>
+                <a:latin typeface="Bahnschrift SemiBold SemiConden" panose="020B0502040204020203" pitchFamily="34" charset="0"/>
+              </a:rPr>
+              <a:t> </a:t>
+            </a:r>
+            <a:r>
+              <a:rPr lang="ru-RU" dirty="0" err="1">
+                <a:solidFill>
+                  <a:srgbClr val="143642"/>
+                </a:solidFill>
+                <a:latin typeface="Bahnschrift SemiBold SemiConden" panose="020B0502040204020203" pitchFamily="34" charset="0"/>
+              </a:rPr>
+              <a:t>Поначугин</a:t>
+            </a:r>
+            <a:r>
+              <a:rPr lang="ru-RU" dirty="0">
+                <a:solidFill>
+                  <a:srgbClr val="143642"/>
+                </a:solidFill>
+                <a:latin typeface="Bahnschrift SemiBold SemiConden" panose="020B0502040204020203" pitchFamily="34" charset="0"/>
+              </a:rPr>
+              <a:t> А</a:t>
+            </a:r>
+            <a:r>
+              <a:rPr lang="en-US" dirty="0">
+                <a:solidFill>
+                  <a:srgbClr val="143642"/>
+                </a:solidFill>
+                <a:latin typeface="Bahnschrift SemiBold SemiConden" panose="020B0502040204020203" pitchFamily="34" charset="0"/>
+              </a:rPr>
+              <a:t>.</a:t>
+            </a:r>
+            <a:r>
+              <a:rPr lang="ru-RU" dirty="0">
+                <a:solidFill>
+                  <a:srgbClr val="143642"/>
+                </a:solidFill>
+                <a:latin typeface="Bahnschrift SemiBold SemiConden" panose="020B0502040204020203" pitchFamily="34" charset="0"/>
+              </a:rPr>
+              <a:t> В</a:t>
+            </a:r>
+            <a:r>
+              <a:rPr lang="en-US" dirty="0">
+                <a:solidFill>
+                  <a:srgbClr val="143642"/>
+                </a:solidFill>
+                <a:latin typeface="Bahnschrift SemiBold SemiConden" panose="020B0502040204020203" pitchFamily="34" charset="0"/>
+              </a:rPr>
+              <a:t>.</a:t>
+            </a:r>
+          </a:p>
+          <a:p>
+            <a:pPr>
+              <a:lnSpc>
+                <a:spcPct val="150000"/>
+              </a:lnSpc>
+              <a:spcBef>
+                <a:spcPts val="0"/>
+              </a:spcBef>
+              <a:spcAft>
+                <a:spcPts val="2400"/>
+              </a:spcAft>
+            </a:pPr>
+            <a:r>
+              <a:rPr lang="ru-RU" dirty="0">
+                <a:solidFill>
+                  <a:srgbClr val="143642"/>
+                </a:solidFill>
+                <a:latin typeface="Bahnschrift SemiBold SemiConden" panose="020B0502040204020203" pitchFamily="34" charset="0"/>
+              </a:rPr>
+              <a:t>Основы </a:t>
+            </a:r>
+            <a:r>
+              <a:rPr lang="en-US" dirty="0">
+                <a:solidFill>
+                  <a:srgbClr val="143642"/>
+                </a:solidFill>
+                <a:latin typeface="Bahnschrift SemiBold SemiConden" panose="020B0502040204020203" pitchFamily="34" charset="0"/>
+              </a:rPr>
+              <a:t>AES-GCM,</a:t>
+            </a:r>
+            <a:r>
+              <a:rPr lang="ru-RU" dirty="0">
+                <a:solidFill>
+                  <a:srgbClr val="143642"/>
+                </a:solidFill>
+                <a:latin typeface="Bahnschrift SemiBold SemiConden" panose="020B0502040204020203" pitchFamily="34" charset="0"/>
+              </a:rPr>
+              <a:t> объяснение сквозного шифрования</a:t>
+            </a:r>
+            <a:endParaRPr lang="en-US" dirty="0">
+              <a:solidFill>
+                <a:srgbClr val="143642"/>
+              </a:solidFill>
+              <a:latin typeface="Bahnschrift SemiBold SemiConden" panose="020B0502040204020203" pitchFamily="34" charset="0"/>
+            </a:endParaRPr>
+          </a:p>
+          <a:p>
+            <a:pPr marL="0" indent="0">
+              <a:lnSpc>
+                <a:spcPct val="150000"/>
+              </a:lnSpc>
+              <a:spcBef>
+                <a:spcPts val="0"/>
+              </a:spcBef>
+              <a:buFont typeface="Arial" panose="020B0604020202020204" pitchFamily="34" charset="0"/>
+              <a:buNone/>
+            </a:pPr>
+            <a:r>
+              <a:rPr lang="ru-RU" dirty="0">
+                <a:solidFill>
+                  <a:srgbClr val="143642"/>
+                </a:solidFill>
+                <a:latin typeface="Bahnschrift SemiBold SemiConden" panose="020B0502040204020203" pitchFamily="34" charset="0"/>
+              </a:rPr>
+              <a:t>  </a:t>
+            </a:r>
+            <a:r>
+              <a:rPr lang="en-US" dirty="0">
+                <a:solidFill>
+                  <a:srgbClr val="143642"/>
+                </a:solidFill>
+                <a:latin typeface="Bahnschrift SemiBold SemiConden" panose="020B0502040204020203" pitchFamily="34" charset="0"/>
+              </a:rPr>
+              <a:t>    </a:t>
+            </a:r>
+            <a:r>
+              <a:rPr lang="ru-RU" dirty="0">
+                <a:solidFill>
+                  <a:srgbClr val="143642"/>
+                </a:solidFill>
+                <a:latin typeface="Bahnschrift SemiBold SemiConden" panose="020B0502040204020203" pitchFamily="34" charset="0"/>
+              </a:rPr>
+              <a:t>«</a:t>
+            </a:r>
+            <a:r>
+              <a:rPr lang="ru-RU" dirty="0">
+                <a:solidFill>
+                  <a:srgbClr val="0F8B8D"/>
+                </a:solidFill>
+                <a:latin typeface="Bahnschrift SemiBold SemiConden" panose="020B0502040204020203" pitchFamily="34" charset="0"/>
+              </a:rPr>
+              <a:t>В</a:t>
+            </a:r>
+            <a:r>
+              <a:rPr lang="ru-RU" dirty="0">
+                <a:solidFill>
+                  <a:srgbClr val="143642"/>
+                </a:solidFill>
+                <a:latin typeface="Bahnschrift SemiBold SemiConden" panose="020B0502040204020203" pitchFamily="34" charset="0"/>
+              </a:rPr>
+              <a:t>изуализация работы криптографических алгоритмов»</a:t>
+            </a:r>
+            <a:r>
+              <a:rPr lang="en-US" dirty="0">
+                <a:solidFill>
+                  <a:srgbClr val="0F8B8D"/>
+                </a:solidFill>
+                <a:latin typeface="Bahnschrift SemiBold SemiConden" panose="020B0502040204020203" pitchFamily="34" charset="0"/>
+              </a:rPr>
+              <a:t> </a:t>
+            </a:r>
+            <a:r>
+              <a:rPr lang="ru-RU" dirty="0">
+                <a:solidFill>
+                  <a:srgbClr val="143642"/>
+                </a:solidFill>
+                <a:latin typeface="Bahnschrift SemiBold SemiConden" panose="020B0502040204020203" pitchFamily="34" charset="0"/>
+              </a:rPr>
+              <a:t>Фомин Д</a:t>
+            </a:r>
+            <a:r>
+              <a:rPr lang="en-US" dirty="0">
+                <a:solidFill>
+                  <a:srgbClr val="143642"/>
+                </a:solidFill>
+                <a:latin typeface="Bahnschrift SemiBold SemiConden" panose="020B0502040204020203" pitchFamily="34" charset="0"/>
+              </a:rPr>
+              <a:t>.</a:t>
+            </a:r>
+            <a:r>
+              <a:rPr lang="ru-RU" dirty="0">
+                <a:solidFill>
+                  <a:srgbClr val="143642"/>
+                </a:solidFill>
+                <a:latin typeface="Bahnschrift SemiBold SemiConden" panose="020B0502040204020203" pitchFamily="34" charset="0"/>
+              </a:rPr>
+              <a:t>В</a:t>
+            </a:r>
+            <a:r>
+              <a:rPr lang="en-US" dirty="0">
+                <a:solidFill>
+                  <a:srgbClr val="143642"/>
+                </a:solidFill>
+                <a:latin typeface="Bahnschrift SemiBold SemiConden" panose="020B0502040204020203" pitchFamily="34" charset="0"/>
+              </a:rPr>
+              <a:t>.</a:t>
+            </a:r>
+          </a:p>
+          <a:p>
+            <a:pPr>
+              <a:lnSpc>
+                <a:spcPct val="150000"/>
+              </a:lnSpc>
+              <a:spcBef>
+                <a:spcPts val="0"/>
+              </a:spcBef>
+            </a:pPr>
+            <a:r>
+              <a:rPr lang="ru-RU" dirty="0">
+                <a:solidFill>
+                  <a:srgbClr val="143642"/>
+                </a:solidFill>
+                <a:latin typeface="Bahnschrift SemiBold SemiConden" panose="020B0502040204020203" pitchFamily="34" charset="0"/>
+              </a:rPr>
+              <a:t>Объяснение работы алгоритма </a:t>
+            </a:r>
+            <a:r>
+              <a:rPr lang="en-US" dirty="0">
+                <a:solidFill>
+                  <a:srgbClr val="143642"/>
+                </a:solidFill>
+                <a:latin typeface="Bahnschrift SemiBold SemiConden" panose="020B0502040204020203" pitchFamily="34" charset="0"/>
+              </a:rPr>
+              <a:t>ECDH</a:t>
+            </a:r>
+            <a:endParaRPr lang="ru-RU" dirty="0">
+              <a:solidFill>
+                <a:srgbClr val="143642"/>
+              </a:solidFill>
+              <a:latin typeface="Bahnschrift SemiBold SemiConden" panose="020B0502040204020203" pitchFamily="34" charset="0"/>
+            </a:endParaRPr>
+          </a:p>
+          <a:p>
+            <a:pPr marL="0" indent="0">
+              <a:buNone/>
+            </a:pPr>
+            <a:endParaRPr lang="ru-RU" dirty="0"/>
+          </a:p>
+        </p:txBody>
+      </p:sp>
+      <p:sp>
+        <p:nvSpPr>
+          <p:cNvPr id="6" name="Прямоугольник: скругленные углы 5">
+            <a:extLst>
+              <a:ext uri="{FF2B5EF4-FFF2-40B4-BE49-F238E27FC236}">
+                <a16:creationId xmlns:a16="http://schemas.microsoft.com/office/drawing/2014/main" id="{22BAA898-CA88-4573-8AFB-4CAAC7329B7E}"/>
+              </a:ext>
+            </a:extLst>
+          </p:cNvPr>
+          <p:cNvSpPr/>
+          <p:nvPr/>
+        </p:nvSpPr>
+        <p:spPr>
+          <a:xfrm>
+            <a:off x="554069" y="3519430"/>
+            <a:ext cx="568260" cy="573849"/>
+          </a:xfrm>
+          <a:prstGeom prst="roundRect">
+            <a:avLst/>
+          </a:prstGeom>
+          <a:solidFill>
+            <a:schemeClr val="bg1"/>
+          </a:solidFill>
+        </p:spPr>
+        <p:style>
+          <a:lnRef idx="2">
+            <a:schemeClr val="accent1">
+              <a:shade val="50000"/>
+            </a:schemeClr>
+          </a:lnRef>
+          <a:fillRef idx="1">
+            <a:schemeClr val="accent1"/>
+          </a:fillRef>
+          <a:effectRef idx="0">
+            <a:schemeClr val="accent1"/>
+          </a:effectRef>
+          <a:fontRef idx="minor">
+            <a:schemeClr val="lt1"/>
+          </a:fontRef>
+        </p:style>
+        <p:txBody>
+          <a:bodyPr rtlCol="0" anchor="ctr"/>
+          <a:lstStyle/>
+          <a:p>
+            <a:pPr algn="ctr"/>
+            <a:r>
+              <a:rPr lang="ru-RU" sz="2800" dirty="0">
+                <a:solidFill>
+                  <a:srgbClr val="143642"/>
+                </a:solidFill>
+                <a:latin typeface="Bahnschrift SemiBold SemiConden" panose="020B0502040204020203" pitchFamily="34" charset="0"/>
+              </a:rPr>
+              <a:t>2)</a:t>
+            </a:r>
+            <a:endParaRPr lang="ru-RU" dirty="0">
+              <a:solidFill>
+                <a:srgbClr val="EC9A29"/>
+              </a:solidFill>
+            </a:endParaRPr>
+          </a:p>
+        </p:txBody>
+      </p:sp>
+      <p:sp>
+        <p:nvSpPr>
+          <p:cNvPr id="7" name="Прямоугольник: скругленные углы 6">
+            <a:extLst>
+              <a:ext uri="{FF2B5EF4-FFF2-40B4-BE49-F238E27FC236}">
+                <a16:creationId xmlns:a16="http://schemas.microsoft.com/office/drawing/2014/main" id="{246B999A-4D63-476D-90D2-4ABC188377AA}"/>
+              </a:ext>
+            </a:extLst>
+          </p:cNvPr>
+          <p:cNvSpPr/>
+          <p:nvPr/>
+        </p:nvSpPr>
+        <p:spPr>
+          <a:xfrm>
+            <a:off x="554069" y="1951887"/>
+            <a:ext cx="568260" cy="573849"/>
+          </a:xfrm>
+          <a:prstGeom prst="roundRect">
+            <a:avLst/>
+          </a:prstGeom>
+          <a:solidFill>
+            <a:schemeClr val="bg1"/>
+          </a:solidFill>
+        </p:spPr>
+        <p:style>
+          <a:lnRef idx="2">
+            <a:schemeClr val="accent1">
+              <a:shade val="50000"/>
+            </a:schemeClr>
+          </a:lnRef>
+          <a:fillRef idx="1">
+            <a:schemeClr val="accent1"/>
+          </a:fillRef>
+          <a:effectRef idx="0">
+            <a:schemeClr val="accent1"/>
+          </a:effectRef>
+          <a:fontRef idx="minor">
+            <a:schemeClr val="lt1"/>
+          </a:fontRef>
+        </p:style>
+        <p:txBody>
+          <a:bodyPr rtlCol="0" anchor="ctr"/>
+          <a:lstStyle/>
+          <a:p>
+            <a:pPr algn="ctr"/>
+            <a:r>
+              <a:rPr lang="ru-RU" sz="2800" dirty="0">
+                <a:solidFill>
+                  <a:srgbClr val="143642"/>
+                </a:solidFill>
+                <a:latin typeface="Bahnschrift SemiBold SemiConden" panose="020B0502040204020203" pitchFamily="34" charset="0"/>
+              </a:rPr>
+              <a:t>1)</a:t>
+            </a:r>
+            <a:endParaRPr lang="ru-RU" dirty="0">
+              <a:solidFill>
+                <a:srgbClr val="EC9A29"/>
+              </a:solidFill>
+            </a:endParaRPr>
+          </a:p>
+        </p:txBody>
+      </p:sp>
+    </p:spTree>
+    <p:extLst>
+      <p:ext uri="{BB962C8B-B14F-4D97-AF65-F5344CB8AC3E}">
+        <p14:creationId xmlns:p14="http://schemas.microsoft.com/office/powerpoint/2010/main" val="178687324"/>
+      </p:ext>
+    </p:extLst>
+  </p:cSld>
+  <p:clrMapOvr>
+    <a:masterClrMapping/>
+  </p:clrMapOvr>
+</p:sld>
+</file>
+
+<file path=ppt/slides/slide14.xml><?xml version="1.0" encoding="utf-8"?>
+<p:sld xmlns:a="http://schemas.openxmlformats.org/drawingml/2006/main" xmlns:r="http://schemas.openxmlformats.org/officeDocument/2006/relationships" xmlns:p="http://schemas.openxmlformats.org/presentationml/2006/main">
+  <p:cSld>
+    <p:spTree>
+      <p:nvGrpSpPr>
+        <p:cNvPr id="1" name=""/>
+        <p:cNvGrpSpPr/>
+        <p:nvPr/>
+      </p:nvGrpSpPr>
+      <p:grpSpPr>
+        <a:xfrm>
+          <a:off x="0" y="0"/>
+          <a:ext cx="0" cy="0"/>
+          <a:chOff x="0" y="0"/>
+          <a:chExt cx="0" cy="0"/>
+        </a:xfrm>
+      </p:grpSpPr>
+      <p:sp>
+        <p:nvSpPr>
+          <p:cNvPr id="2" name="Заголовок 1">
+            <a:extLst>
+              <a:ext uri="{FF2B5EF4-FFF2-40B4-BE49-F238E27FC236}">
                 <a16:creationId xmlns:a16="http://schemas.microsoft.com/office/drawing/2014/main" id="{2E74E843-9CF4-44A5-9F10-5D34DB54B63D}"/>
               </a:ext>
             </a:extLst>
@@ -5222,7 +5817,7 @@
 </p:sld>
 </file>
 
-<file path=ppt/slides/slide13.xml><?xml version="1.0" encoding="utf-8"?>
+<file path=ppt/slides/slide15.xml><?xml version="1.0" encoding="utf-8"?>
 <p:sld xmlns:a="http://schemas.openxmlformats.org/drawingml/2006/main" xmlns:r="http://schemas.openxmlformats.org/officeDocument/2006/relationships" xmlns:p="http://schemas.openxmlformats.org/presentationml/2006/main">
   <p:cSld>
     <p:spTree>
@@ -5379,7 +5974,7 @@
                 </a:solidFill>
                 <a:latin typeface="Nitro"/>
               </a:rPr>
-              <a:t>Введение</a:t>
+              <a:t>Вводная часть</a:t>
             </a:r>
           </a:p>
         </p:txBody>
@@ -5479,46 +6074,28 @@
                 </a:solidFill>
                 <a:latin typeface="Bahnschrift SemiBold SemiConden" panose="020B0502040204020203" pitchFamily="34" charset="0"/>
               </a:rPr>
-              <a:t>Ц</a:t>
-            </a:r>
-            <a:r>
-              <a:rPr lang="ru-RU" dirty="0">
-                <a:solidFill>
-                  <a:srgbClr val="143642"/>
-                </a:solidFill>
-                <a:latin typeface="Bahnschrift SemiBold SemiConden" panose="020B0502040204020203" pitchFamily="34" charset="0"/>
-              </a:rPr>
-              <a:t>ель</a:t>
-            </a:r>
-            <a:r>
-              <a:rPr lang="ru-RU" dirty="0">
+              <a:t>А</a:t>
+            </a:r>
+            <a:r>
+              <a:rPr lang="ru-RU" dirty="0">
+                <a:solidFill>
+                  <a:srgbClr val="143642"/>
+                </a:solidFill>
+                <a:latin typeface="Bahnschrift SemiBold SemiConden" panose="020B0502040204020203" pitchFamily="34" charset="0"/>
+              </a:rPr>
+              <a:t>ктуальность</a:t>
+            </a:r>
+            <a:r>
+              <a:rPr lang="en-US" dirty="0">
                 <a:solidFill>
                   <a:srgbClr val="0F8B8D"/>
                 </a:solidFill>
                 <a:latin typeface="Bahnschrift SemiBold SemiConden" panose="020B0502040204020203" pitchFamily="34" charset="0"/>
               </a:rPr>
-              <a:t>: </a:t>
-            </a:r>
-            <a:r>
-              <a:rPr lang="ru-RU" dirty="0">
-                <a:solidFill>
-                  <a:srgbClr val="143642"/>
-                </a:solidFill>
-                <a:latin typeface="Bahnschrift SemiBold SemiConden" panose="020B0502040204020203" pitchFamily="34" charset="0"/>
-              </a:rPr>
-              <a:t>создать мессенджер с архитектурой Zero-</a:t>
-            </a:r>
-            <a:r>
-              <a:rPr lang="ru-RU" dirty="0" err="1">
-                <a:solidFill>
-                  <a:srgbClr val="143642"/>
-                </a:solidFill>
-                <a:latin typeface="Bahnschrift SemiBold SemiConden" panose="020B0502040204020203" pitchFamily="34" charset="0"/>
-              </a:rPr>
-              <a:t>Knowledge</a:t>
-            </a:r>
-            <a:r>
-              <a:rPr lang="ru-RU" dirty="0">
+              <a:t>:</a:t>
+            </a:r>
+            <a:r>
+              <a:rPr lang="en-US" dirty="0">
                 <a:solidFill>
                   <a:srgbClr val="143642"/>
                 </a:solidFill>
@@ -5527,22 +6104,31 @@
               <a:t> </a:t>
             </a:r>
             <a:r>
-              <a:rPr lang="ru-RU" dirty="0" err="1">
-                <a:solidFill>
-                  <a:srgbClr val="143642"/>
-                </a:solidFill>
-                <a:latin typeface="Bahnschrift SemiBold SemiConden" panose="020B0502040204020203" pitchFamily="34" charset="0"/>
-              </a:rPr>
-              <a:t>Encryption</a:t>
-            </a:r>
-            <a:r>
-              <a:rPr lang="ru-RU" dirty="0">
-                <a:solidFill>
-                  <a:srgbClr val="143642"/>
-                </a:solidFill>
-                <a:latin typeface="Bahnschrift SemiBold SemiConden" panose="020B0502040204020203" pitchFamily="34" charset="0"/>
-              </a:rPr>
-              <a:t>, где математически доказано, что сервер не может получить доступ к данным. </a:t>
+              <a:rPr lang="ru-RU" dirty="0">
+                <a:solidFill>
+                  <a:srgbClr val="143642"/>
+                </a:solidFill>
+                <a:latin typeface="Bahnschrift SemiBold SemiConden" panose="020B0502040204020203" pitchFamily="34" charset="0"/>
+              </a:rPr>
+              <a:t>Все больше людей переходят с общения в живую на общения в мессенджерах</a:t>
+            </a:r>
+            <a:r>
+              <a:rPr lang="en-US" dirty="0">
+                <a:solidFill>
+                  <a:srgbClr val="143642"/>
+                </a:solidFill>
+                <a:latin typeface="Bahnschrift SemiBold SemiConden" panose="020B0502040204020203" pitchFamily="34" charset="0"/>
+              </a:rPr>
+              <a:t>.</a:t>
+            </a:r>
+            <a:r>
+              <a:rPr lang="ru-RU" dirty="0">
+                <a:solidFill>
+                  <a:srgbClr val="143642"/>
+                </a:solidFill>
+                <a:latin typeface="Bahnschrift SemiBold SemiConden" panose="020B0502040204020203" pitchFamily="34" charset="0"/>
+              </a:rPr>
+              <a:t> </a:t>
             </a:r>
           </a:p>
         </p:txBody>
@@ -5615,201 +6201,56 @@
       </p:grpSpPr>
       <p:sp>
         <p:nvSpPr>
-          <p:cNvPr id="5" name="Прямоугольник: скругленные углы 4">
-            <a:extLst>
-              <a:ext uri="{FF2B5EF4-FFF2-40B4-BE49-F238E27FC236}">
-                <a16:creationId xmlns:a16="http://schemas.microsoft.com/office/drawing/2014/main" id="{2203CECF-E88A-4ACB-9E98-642F45D59BC3}"/>
-              </a:ext>
-            </a:extLst>
-          </p:cNvPr>
-          <p:cNvSpPr/>
-          <p:nvPr/>
+          <p:cNvPr id="2" name="Заголовок 1">
+            <a:extLst>
+              <a:ext uri="{FF2B5EF4-FFF2-40B4-BE49-F238E27FC236}">
+                <a16:creationId xmlns:a16="http://schemas.microsoft.com/office/drawing/2014/main" id="{DEDB8FD5-8232-4F09-9812-731C7E8A49D9}"/>
+              </a:ext>
+            </a:extLst>
+          </p:cNvPr>
+          <p:cNvSpPr>
+            <a:spLocks noGrp="1"/>
+          </p:cNvSpPr>
+          <p:nvPr>
+            <p:ph type="title"/>
+          </p:nvPr>
+        </p:nvSpPr>
+        <p:spPr/>
+        <p:txBody>
+          <a:bodyPr/>
+          <a:lstStyle/>
+          <a:p>
+            <a:r>
+              <a:rPr lang="ru-RU" b="1" dirty="0">
+                <a:solidFill>
+                  <a:srgbClr val="0F8B8D"/>
+                </a:solidFill>
+                <a:latin typeface="Nitro"/>
+              </a:rPr>
+              <a:t>Вводная часть</a:t>
+            </a:r>
+          </a:p>
+        </p:txBody>
+      </p:sp>
+      <p:sp>
+        <p:nvSpPr>
+          <p:cNvPr id="3" name="Объект 2">
+            <a:extLst>
+              <a:ext uri="{FF2B5EF4-FFF2-40B4-BE49-F238E27FC236}">
+                <a16:creationId xmlns:a16="http://schemas.microsoft.com/office/drawing/2014/main" id="{E310DA15-E74A-44DE-83B8-C2D70CEF8BBE}"/>
+              </a:ext>
+            </a:extLst>
+          </p:cNvPr>
+          <p:cNvSpPr>
+            <a:spLocks noGrp="1"/>
+          </p:cNvSpPr>
+          <p:nvPr>
+            <p:ph idx="1"/>
+          </p:nvPr>
         </p:nvSpPr>
         <p:spPr>
           <a:xfrm>
-            <a:off x="795862" y="3391694"/>
-            <a:ext cx="491067" cy="502708"/>
-          </a:xfrm>
-          <a:prstGeom prst="roundRect">
-            <a:avLst/>
-          </a:prstGeom>
-          <a:noFill/>
-        </p:spPr>
-        <p:style>
-          <a:lnRef idx="2">
-            <a:schemeClr val="accent1">
-              <a:shade val="50000"/>
-            </a:schemeClr>
-          </a:lnRef>
-          <a:fillRef idx="1">
-            <a:schemeClr val="accent1"/>
-          </a:fillRef>
-          <a:effectRef idx="0">
-            <a:schemeClr val="accent1"/>
-          </a:effectRef>
-          <a:fontRef idx="minor">
-            <a:schemeClr val="lt1"/>
-          </a:fontRef>
-        </p:style>
-        <p:txBody>
-          <a:bodyPr rtlCol="0" anchor="ctr"/>
-          <a:lstStyle/>
-          <a:p>
-            <a:pPr algn="ctr"/>
-            <a:endParaRPr lang="ru-RU"/>
-          </a:p>
-        </p:txBody>
-      </p:sp>
-      <p:sp>
-        <p:nvSpPr>
-          <p:cNvPr id="6" name="Прямоугольник: скругленные углы 5">
-            <a:extLst>
-              <a:ext uri="{FF2B5EF4-FFF2-40B4-BE49-F238E27FC236}">
-                <a16:creationId xmlns:a16="http://schemas.microsoft.com/office/drawing/2014/main" id="{AA85BA01-8D6F-4081-B4C0-51565447A988}"/>
-              </a:ext>
-            </a:extLst>
-          </p:cNvPr>
-          <p:cNvSpPr/>
-          <p:nvPr/>
-        </p:nvSpPr>
-        <p:spPr>
-          <a:xfrm>
-            <a:off x="795862" y="5007240"/>
-            <a:ext cx="491067" cy="502708"/>
-          </a:xfrm>
-          <a:prstGeom prst="roundRect">
-            <a:avLst/>
-          </a:prstGeom>
-          <a:noFill/>
-        </p:spPr>
-        <p:style>
-          <a:lnRef idx="2">
-            <a:schemeClr val="accent1">
-              <a:shade val="50000"/>
-            </a:schemeClr>
-          </a:lnRef>
-          <a:fillRef idx="1">
-            <a:schemeClr val="accent1"/>
-          </a:fillRef>
-          <a:effectRef idx="0">
-            <a:schemeClr val="accent1"/>
-          </a:effectRef>
-          <a:fontRef idx="minor">
-            <a:schemeClr val="lt1"/>
-          </a:fontRef>
-        </p:style>
-        <p:txBody>
-          <a:bodyPr rtlCol="0" anchor="ctr"/>
-          <a:lstStyle/>
-          <a:p>
-            <a:pPr algn="ctr"/>
-            <a:endParaRPr lang="ru-RU"/>
-          </a:p>
-        </p:txBody>
-      </p:sp>
-      <p:sp>
-        <p:nvSpPr>
-          <p:cNvPr id="4" name="Прямоугольник: скругленные углы 3">
-            <a:extLst>
-              <a:ext uri="{FF2B5EF4-FFF2-40B4-BE49-F238E27FC236}">
-                <a16:creationId xmlns:a16="http://schemas.microsoft.com/office/drawing/2014/main" id="{6596F036-269B-48E3-AEBC-2AEB165A4672}"/>
-              </a:ext>
-            </a:extLst>
-          </p:cNvPr>
-          <p:cNvSpPr/>
-          <p:nvPr/>
-        </p:nvSpPr>
-        <p:spPr>
-          <a:xfrm>
-            <a:off x="795861" y="1787129"/>
-            <a:ext cx="491067" cy="502708"/>
-          </a:xfrm>
-          <a:prstGeom prst="roundRect">
-            <a:avLst/>
-          </a:prstGeom>
-          <a:noFill/>
-        </p:spPr>
-        <p:style>
-          <a:lnRef idx="2">
-            <a:schemeClr val="accent1">
-              <a:shade val="50000"/>
-            </a:schemeClr>
-          </a:lnRef>
-          <a:fillRef idx="1">
-            <a:schemeClr val="accent1"/>
-          </a:fillRef>
-          <a:effectRef idx="0">
-            <a:schemeClr val="accent1"/>
-          </a:effectRef>
-          <a:fontRef idx="minor">
-            <a:schemeClr val="lt1"/>
-          </a:fontRef>
-        </p:style>
-        <p:txBody>
-          <a:bodyPr rtlCol="0" anchor="ctr"/>
-          <a:lstStyle/>
-          <a:p>
-            <a:pPr algn="ctr"/>
-            <a:endParaRPr lang="ru-RU">
-              <a:solidFill>
-                <a:srgbClr val="EC9A29"/>
-              </a:solidFill>
-            </a:endParaRPr>
-          </a:p>
-        </p:txBody>
-      </p:sp>
-      <p:sp>
-        <p:nvSpPr>
-          <p:cNvPr id="2" name="Заголовок 1">
-            <a:extLst>
-              <a:ext uri="{FF2B5EF4-FFF2-40B4-BE49-F238E27FC236}">
-                <a16:creationId xmlns:a16="http://schemas.microsoft.com/office/drawing/2014/main" id="{C8EB8260-EAD1-4F13-8296-CC3AB98BC372}"/>
-              </a:ext>
-            </a:extLst>
-          </p:cNvPr>
-          <p:cNvSpPr>
-            <a:spLocks noGrp="1"/>
-          </p:cNvSpPr>
-          <p:nvPr>
-            <p:ph type="title"/>
-          </p:nvPr>
-        </p:nvSpPr>
-        <p:spPr/>
-        <p:txBody>
-          <a:bodyPr/>
-          <a:lstStyle/>
-          <a:p>
-            <a:r>
-              <a:rPr lang="ru-RU" b="1" dirty="0">
-                <a:solidFill>
-                  <a:srgbClr val="0F8B8D"/>
-                </a:solidFill>
-                <a:latin typeface="Nitro"/>
-              </a:rPr>
-              <a:t>План работы</a:t>
-            </a:r>
-          </a:p>
-        </p:txBody>
-      </p:sp>
-      <p:sp>
-        <p:nvSpPr>
-          <p:cNvPr id="3" name="Объект 2">
-            <a:extLst>
-              <a:ext uri="{FF2B5EF4-FFF2-40B4-BE49-F238E27FC236}">
-                <a16:creationId xmlns:a16="http://schemas.microsoft.com/office/drawing/2014/main" id="{8E186798-2907-4E02-A6FA-EF248F1E1B62}"/>
-              </a:ext>
-            </a:extLst>
-          </p:cNvPr>
-          <p:cNvSpPr>
-            <a:spLocks noGrp="1"/>
-          </p:cNvSpPr>
-          <p:nvPr>
-            <p:ph idx="1"/>
-          </p:nvPr>
-        </p:nvSpPr>
-        <p:spPr>
-          <a:xfrm>
-            <a:off x="838200" y="1658145"/>
+            <a:off x="838200" y="1468574"/>
             <a:ext cx="10515600" cy="4351338"/>
           </a:xfrm>
         </p:spPr>
@@ -5820,50 +6261,6 @@
           <a:lstStyle/>
           <a:p>
             <a:pPr marL="0" indent="0">
-              <a:lnSpc>
-                <a:spcPct val="150000"/>
-              </a:lnSpc>
-              <a:spcBef>
-                <a:spcPts val="0"/>
-              </a:spcBef>
-              <a:buNone/>
-            </a:pPr>
-            <a:r>
-              <a:rPr lang="en-US" dirty="0">
-                <a:solidFill>
-                  <a:srgbClr val="143642"/>
-                </a:solidFill>
-                <a:latin typeface="Bahnschrift SemiBold SemiConden" panose="020B0502040204020203" pitchFamily="34" charset="0"/>
-              </a:rPr>
-              <a:t>1)</a:t>
-            </a:r>
-            <a:r>
-              <a:rPr lang="ru-RU" dirty="0">
-                <a:solidFill>
-                  <a:srgbClr val="143642"/>
-                </a:solidFill>
-                <a:latin typeface="Bahnschrift SemiBold SemiConden" panose="020B0502040204020203" pitchFamily="34" charset="0"/>
-              </a:rPr>
-              <a:t>    </a:t>
-            </a:r>
-            <a:r>
-              <a:rPr lang="ru-RU" dirty="0">
-                <a:solidFill>
-                  <a:srgbClr val="0F8B8D"/>
-                </a:solidFill>
-                <a:latin typeface="Bahnschrift SemiBold SemiConden" panose="020B0502040204020203" pitchFamily="34" charset="0"/>
-              </a:rPr>
-              <a:t>Создать приложение с простым стилем </a:t>
-            </a:r>
-            <a:endParaRPr lang="en-US" dirty="0">
-              <a:solidFill>
-                <a:srgbClr val="0F8B8D"/>
-              </a:solidFill>
-              <a:latin typeface="Bahnschrift SemiBold SemiConden" panose="020B0502040204020203" pitchFamily="34" charset="0"/>
-            </a:endParaRPr>
-          </a:p>
-          <a:p>
-            <a:pPr>
               <a:lnSpc>
                 <a:spcPct val="150000"/>
               </a:lnSpc>
@@ -5873,80 +6270,83 @@
               <a:spcAft>
                 <a:spcPts val="2400"/>
               </a:spcAft>
+              <a:buNone/>
             </a:pPr>
             <a:r>
-              <a:rPr lang="ru-RU" dirty="0">
-                <a:solidFill>
-                  <a:srgbClr val="143642"/>
-                </a:solidFill>
-                <a:latin typeface="Bahnschrift SemiBold SemiConden" panose="020B0502040204020203" pitchFamily="34" charset="0"/>
-              </a:rPr>
-              <a:t>С помощью языков </a:t>
-            </a:r>
-            <a:r>
-              <a:rPr lang="ru-RU" dirty="0" err="1">
-                <a:solidFill>
-                  <a:srgbClr val="143642"/>
-                </a:solidFill>
-                <a:latin typeface="Bahnschrift SemiBold SemiConden" panose="020B0502040204020203" pitchFamily="34" charset="0"/>
-              </a:rPr>
-              <a:t>html</a:t>
-            </a:r>
-            <a:r>
-              <a:rPr lang="ru-RU" dirty="0">
-                <a:solidFill>
-                  <a:srgbClr val="143642"/>
-                </a:solidFill>
-                <a:latin typeface="Bahnschrift SemiBold SemiConden" panose="020B0502040204020203" pitchFamily="34" charset="0"/>
-              </a:rPr>
-              <a:t>, </a:t>
-            </a:r>
-            <a:r>
-              <a:rPr lang="ru-RU" dirty="0" err="1">
-                <a:solidFill>
-                  <a:srgbClr val="143642"/>
-                </a:solidFill>
-                <a:latin typeface="Bahnschrift SemiBold SemiConden" panose="020B0502040204020203" pitchFamily="34" charset="0"/>
-              </a:rPr>
-              <a:t>css</a:t>
-            </a:r>
-            <a:r>
-              <a:rPr lang="ru-RU" dirty="0">
-                <a:solidFill>
-                  <a:srgbClr val="143642"/>
-                </a:solidFill>
-                <a:latin typeface="Bahnschrift SemiBold SemiConden" panose="020B0502040204020203" pitchFamily="34" charset="0"/>
-              </a:rPr>
-              <a:t> и Eel фреймворка</a:t>
-            </a:r>
-          </a:p>
-          <a:p>
-            <a:pPr marL="0" indent="0">
-              <a:lnSpc>
-                <a:spcPct val="150000"/>
-              </a:lnSpc>
-              <a:spcBef>
-                <a:spcPts val="0"/>
-              </a:spcBef>
-              <a:buNone/>
-            </a:pPr>
-            <a:r>
-              <a:rPr lang="ru-RU" dirty="0">
-                <a:solidFill>
-                  <a:srgbClr val="143642"/>
-                </a:solidFill>
-                <a:latin typeface="Bahnschrift SemiBold SemiConden" panose="020B0502040204020203" pitchFamily="34" charset="0"/>
-              </a:rPr>
-              <a:t>2)    </a:t>
-            </a:r>
-            <a:r>
-              <a:rPr lang="ru-RU" dirty="0">
+              <a:rPr lang="ru-RU" b="1" dirty="0">
                 <a:solidFill>
                   <a:srgbClr val="0F8B8D"/>
                 </a:solidFill>
                 <a:latin typeface="Bahnschrift SemiBold SemiConden" panose="020B0502040204020203" pitchFamily="34" charset="0"/>
               </a:rPr>
-              <a:t>Подключить базу данных к приложению</a:t>
+              <a:t>Н</a:t>
+            </a:r>
+            <a:r>
+              <a:rPr lang="ru-RU" b="1" dirty="0">
+                <a:solidFill>
+                  <a:srgbClr val="143642"/>
+                </a:solidFill>
+                <a:latin typeface="Bahnschrift SemiBold SemiConden" panose="020B0502040204020203" pitchFamily="34" charset="0"/>
+              </a:rPr>
+              <a:t>овизна</a:t>
+            </a:r>
+            <a:r>
+              <a:rPr lang="en-US" b="1" dirty="0">
+                <a:solidFill>
+                  <a:srgbClr val="0F8B8D"/>
+                </a:solidFill>
+                <a:latin typeface="Bahnschrift SemiBold SemiConden" panose="020B0502040204020203" pitchFamily="34" charset="0"/>
+              </a:rPr>
+              <a:t>:</a:t>
+            </a:r>
+            <a:r>
+              <a:rPr lang="en-US" b="1" dirty="0">
+                <a:solidFill>
+                  <a:srgbClr val="143642"/>
+                </a:solidFill>
+                <a:latin typeface="Bahnschrift SemiBold SemiConden" panose="020B0502040204020203" pitchFamily="34" charset="0"/>
+              </a:rPr>
+              <a:t> </a:t>
+            </a:r>
+            <a:r>
+              <a:rPr lang="ru-RU" b="1" dirty="0">
+                <a:solidFill>
+                  <a:srgbClr val="143642"/>
+                </a:solidFill>
+                <a:latin typeface="Bahnschrift SemiBold SemiConden" panose="020B0502040204020203" pitchFamily="34" charset="0"/>
+                <a:cs typeface="Times New Roman" panose="02020603050405020304" pitchFamily="18" charset="0"/>
+              </a:rPr>
+              <a:t>Реализация архитектуры Zero-Knowledge </a:t>
+            </a:r>
+            <a:r>
+              <a:rPr lang="ru-RU" b="1" dirty="0" err="1">
+                <a:solidFill>
+                  <a:srgbClr val="143642"/>
+                </a:solidFill>
+                <a:latin typeface="Bahnschrift SemiBold SemiConden" panose="020B0502040204020203" pitchFamily="34" charset="0"/>
+                <a:cs typeface="Times New Roman" panose="02020603050405020304" pitchFamily="18" charset="0"/>
+              </a:rPr>
+              <a:t>Encryption</a:t>
+            </a:r>
+            <a:r>
+              <a:rPr lang="ru-RU" b="1" dirty="0">
+                <a:solidFill>
+                  <a:srgbClr val="143642"/>
+                </a:solidFill>
+                <a:latin typeface="Bahnschrift SemiBold SemiConden" panose="020B0502040204020203" pitchFamily="34" charset="0"/>
+                <a:cs typeface="Times New Roman" panose="02020603050405020304" pitchFamily="18" charset="0"/>
+              </a:rPr>
+              <a:t> на связке клиентского ECDH + AES-GC</a:t>
+            </a:r>
+            <a:r>
+              <a:rPr lang="en-US" b="1" dirty="0">
+                <a:solidFill>
+                  <a:srgbClr val="143642"/>
+                </a:solidFill>
+                <a:latin typeface="Bahnschrift SemiBold SemiConden" panose="020B0502040204020203" pitchFamily="34" charset="0"/>
+                <a:cs typeface="Times New Roman" panose="02020603050405020304" pitchFamily="18" charset="0"/>
+              </a:rPr>
+              <a:t>M</a:t>
             </a:r>
             <a:endParaRPr lang="en-US" dirty="0">
               <a:solidFill>
@@ -5956,7 +6356,7 @@
             </a:endParaRPr>
           </a:p>
           <a:p>
-            <a:pPr>
+            <a:pPr marL="0" indent="0">
               <a:lnSpc>
                 <a:spcPct val="150000"/>
               </a:lnSpc>
@@ -5966,24 +6366,43 @@
               <a:spcAft>
                 <a:spcPts val="2400"/>
               </a:spcAft>
+              <a:buNone/>
             </a:pPr>
             <a:r>
-              <a:rPr lang="en-US" dirty="0">
-                <a:solidFill>
-                  <a:srgbClr val="143642"/>
-                </a:solidFill>
-                <a:latin typeface="Bahnschrift SemiBold SemiConden" panose="020B0502040204020203" pitchFamily="34" charset="0"/>
-              </a:rPr>
-              <a:t>C</a:t>
-            </a:r>
-            <a:r>
-              <a:rPr lang="ru-RU" dirty="0">
-                <a:solidFill>
-                  <a:srgbClr val="143642"/>
-                </a:solidFill>
-                <a:latin typeface="Bahnschrift SemiBold SemiConden" panose="020B0502040204020203" pitchFamily="34" charset="0"/>
-              </a:rPr>
-              <a:t> помощью библиотеки </a:t>
+              <a:rPr lang="ru-RU" dirty="0">
+                <a:solidFill>
+                  <a:srgbClr val="0F8B8D"/>
+                </a:solidFill>
+                <a:latin typeface="Bahnschrift SemiBold SemiConden" panose="020B0502040204020203" pitchFamily="34" charset="0"/>
+              </a:rPr>
+              <a:t>Ц</a:t>
+            </a:r>
+            <a:r>
+              <a:rPr lang="ru-RU" dirty="0">
+                <a:solidFill>
+                  <a:srgbClr val="143642"/>
+                </a:solidFill>
+                <a:latin typeface="Bahnschrift SemiBold SemiConden" panose="020B0502040204020203" pitchFamily="34" charset="0"/>
+              </a:rPr>
+              <a:t>ель</a:t>
+            </a:r>
+            <a:r>
+              <a:rPr lang="ru-RU" dirty="0">
+                <a:solidFill>
+                  <a:srgbClr val="0F8B8D"/>
+                </a:solidFill>
+                <a:latin typeface="Bahnschrift SemiBold SemiConden" panose="020B0502040204020203" pitchFamily="34" charset="0"/>
+              </a:rPr>
+              <a:t>: </a:t>
+            </a:r>
+            <a:r>
+              <a:rPr lang="ru-RU" dirty="0">
+                <a:solidFill>
+                  <a:srgbClr val="143642"/>
+                </a:solidFill>
+                <a:latin typeface="Bahnschrift SemiBold SemiConden" panose="020B0502040204020203" pitchFamily="34" charset="0"/>
+              </a:rPr>
+              <a:t>создать мессенджер с архитектурой Zero-Knowledge </a:t>
             </a:r>
             <a:r>
               <a:rPr lang="ru-RU" dirty="0" err="1">
@@ -5992,129 +6411,63 @@
                 </a:solidFill>
                 <a:latin typeface="Bahnschrift SemiBold SemiConden" panose="020B0502040204020203" pitchFamily="34" charset="0"/>
               </a:rPr>
-              <a:t>PyMongo</a:t>
-            </a:r>
-            <a:r>
-              <a:rPr lang="ru-RU" dirty="0">
-                <a:solidFill>
-                  <a:srgbClr val="143642"/>
-                </a:solidFill>
-                <a:latin typeface="Bahnschrift SemiBold SemiConden" panose="020B0502040204020203" pitchFamily="34" charset="0"/>
-              </a:rPr>
-              <a:t>, SSL/TLS шифрование канала связи </a:t>
-            </a:r>
-            <a:endParaRPr lang="en-US" dirty="0">
-              <a:solidFill>
-                <a:srgbClr val="143642"/>
-              </a:solidFill>
+              <a:t>Encryption</a:t>
+            </a:r>
+            <a:r>
+              <a:rPr lang="ru-RU" dirty="0">
+                <a:solidFill>
+                  <a:srgbClr val="143642"/>
+                </a:solidFill>
+                <a:latin typeface="Bahnschrift SemiBold SemiConden" panose="020B0502040204020203" pitchFamily="34" charset="0"/>
+              </a:rPr>
+              <a:t>, где математически доказано, что сервер не может получить доступ к данным. </a:t>
+            </a:r>
+            <a:endParaRPr lang="ru-RU" dirty="0">
               <a:latin typeface="Bahnschrift SemiBold SemiConden" panose="020B0502040204020203" pitchFamily="34" charset="0"/>
             </a:endParaRPr>
           </a:p>
-          <a:p>
-            <a:pPr marL="0" indent="0">
-              <a:lnSpc>
-                <a:spcPct val="150000"/>
-              </a:lnSpc>
-              <a:spcBef>
-                <a:spcPts val="0"/>
-              </a:spcBef>
-              <a:buNone/>
-            </a:pPr>
-            <a:r>
-              <a:rPr lang="en-US" dirty="0">
-                <a:solidFill>
-                  <a:srgbClr val="143642"/>
-                </a:solidFill>
-                <a:latin typeface="Bahnschrift SemiBold SemiConden" panose="020B0502040204020203" pitchFamily="34" charset="0"/>
-              </a:rPr>
-              <a:t>3) </a:t>
-            </a:r>
-            <a:r>
-              <a:rPr lang="ru-RU" dirty="0">
-                <a:solidFill>
-                  <a:srgbClr val="143642"/>
-                </a:solidFill>
-                <a:latin typeface="Bahnschrift SemiBold SemiConden" panose="020B0502040204020203" pitchFamily="34" charset="0"/>
-              </a:rPr>
-              <a:t>   </a:t>
-            </a:r>
-            <a:r>
-              <a:rPr lang="ru-RU" dirty="0">
-                <a:solidFill>
-                  <a:srgbClr val="0F8B8D"/>
-                </a:solidFill>
-                <a:latin typeface="Bahnschrift SemiBold SemiConden" panose="020B0502040204020203" pitchFamily="34" charset="0"/>
-              </a:rPr>
-              <a:t>Шифрование сообщений</a:t>
-            </a:r>
-          </a:p>
-          <a:p>
-            <a:pPr>
-              <a:lnSpc>
-                <a:spcPct val="150000"/>
-              </a:lnSpc>
-              <a:spcBef>
-                <a:spcPts val="0"/>
-              </a:spcBef>
-            </a:pPr>
-            <a:r>
-              <a:rPr lang="en-US" dirty="0">
-                <a:solidFill>
-                  <a:srgbClr val="143642"/>
-                </a:solidFill>
-                <a:latin typeface="Bahnschrift SemiBold SemiConden" panose="020B0502040204020203" pitchFamily="34" charset="0"/>
-              </a:rPr>
-              <a:t>AES-GCM </a:t>
-            </a:r>
-            <a:r>
-              <a:rPr lang="ru-RU" dirty="0">
-                <a:solidFill>
-                  <a:srgbClr val="143642"/>
-                </a:solidFill>
-                <a:latin typeface="Bahnschrift SemiBold SemiConden" panose="020B0502040204020203" pitchFamily="34" charset="0"/>
-              </a:rPr>
-              <a:t>шифрование на </a:t>
-            </a:r>
-            <a:r>
-              <a:rPr lang="en-US" dirty="0">
-                <a:solidFill>
-                  <a:srgbClr val="143642"/>
-                </a:solidFill>
-                <a:latin typeface="Bahnschrift SemiBold SemiConden" panose="020B0502040204020203" pitchFamily="34" charset="0"/>
-              </a:rPr>
-              <a:t>Python,</a:t>
-            </a:r>
-            <a:r>
-              <a:rPr lang="ru-RU" dirty="0">
-                <a:solidFill>
-                  <a:srgbClr val="143642"/>
-                </a:solidFill>
-                <a:latin typeface="Bahnschrift SemiBold SemiConden" panose="020B0502040204020203" pitchFamily="34" charset="0"/>
-              </a:rPr>
-              <a:t> </a:t>
-            </a:r>
-            <a:r>
-              <a:rPr lang="en-US" dirty="0">
-                <a:solidFill>
-                  <a:srgbClr val="143642"/>
-                </a:solidFill>
-                <a:latin typeface="Bahnschrift SemiBold SemiConden" panose="020B0502040204020203" pitchFamily="34" charset="0"/>
-              </a:rPr>
-              <a:t>ECDH</a:t>
-            </a:r>
-            <a:endParaRPr lang="ru-RU" dirty="0">
-              <a:solidFill>
-                <a:srgbClr val="143642"/>
-              </a:solidFill>
-              <a:latin typeface="Bahnschrift SemiBold SemiConden" panose="020B0502040204020203" pitchFamily="34" charset="0"/>
-            </a:endParaRPr>
-          </a:p>
-        </p:txBody>
-      </p:sp>
+        </p:txBody>
+      </p:sp>
+      <p:pic>
+        <p:nvPicPr>
+          <p:cNvPr id="4" name="Рисунок 3">
+            <a:extLst>
+              <a:ext uri="{FF2B5EF4-FFF2-40B4-BE49-F238E27FC236}">
+                <a16:creationId xmlns:a16="http://schemas.microsoft.com/office/drawing/2014/main" id="{F9B443D0-8A7A-46BC-A5F9-3DF51F23A7EE}"/>
+              </a:ext>
+            </a:extLst>
+          </p:cNvPr>
+          <p:cNvPicPr>
+            <a:picLocks noChangeAspect="1"/>
+          </p:cNvPicPr>
+          <p:nvPr/>
+        </p:nvPicPr>
+        <p:blipFill>
+          <a:blip r:embed="rId2">
+            <a:extLst>
+              <a:ext uri="{28A0092B-C50C-407E-A947-70E740481C1C}">
+                <a14:useLocalDpi xmlns:a14="http://schemas.microsoft.com/office/drawing/2010/main" val="0"/>
+              </a:ext>
+            </a:extLst>
+          </a:blip>
+          <a:stretch>
+            <a:fillRect/>
+          </a:stretch>
+        </p:blipFill>
+        <p:spPr>
+          <a:xfrm>
+            <a:off x="5195762" y="5357885"/>
+            <a:ext cx="1800476" cy="924054"/>
+          </a:xfrm>
+          <a:prstGeom prst="rect">
+            <a:avLst/>
+          </a:prstGeom>
+        </p:spPr>
+      </p:pic>
     </p:spTree>
     <p:extLst>
       <p:ext uri="{BB962C8B-B14F-4D97-AF65-F5344CB8AC3E}">
-        <p14:creationId xmlns:p14="http://schemas.microsoft.com/office/powerpoint/2010/main" val="1996303715"/>
+        <p14:creationId xmlns:p14="http://schemas.microsoft.com/office/powerpoint/2010/main" val="3528021123"/>
       </p:ext>
     </p:extLst>
   </p:cSld>
@@ -6143,76 +6496,480 @@
       </p:grpSpPr>
       <p:sp>
         <p:nvSpPr>
-          <p:cNvPr id="2" name="Заголовок 1">
-            <a:extLst>
-              <a:ext uri="{FF2B5EF4-FFF2-40B4-BE49-F238E27FC236}">
-                <a16:creationId xmlns:a16="http://schemas.microsoft.com/office/drawing/2014/main" id="{A89D66D1-0715-45B2-AAD3-060AD0A1310C}"/>
-              </a:ext>
-            </a:extLst>
-          </p:cNvPr>
-          <p:cNvSpPr>
-            <a:spLocks noGrp="1"/>
-          </p:cNvSpPr>
-          <p:nvPr>
-            <p:ph type="title"/>
-          </p:nvPr>
-        </p:nvSpPr>
-        <p:spPr/>
-        <p:txBody>
-          <a:bodyPr/>
-          <a:lstStyle/>
-          <a:p>
-            <a:r>
-              <a:rPr lang="ru-RU" b="1" dirty="0">
-                <a:solidFill>
-                  <a:srgbClr val="0F8B8D"/>
-                </a:solidFill>
-                <a:latin typeface="Nitro"/>
-              </a:rPr>
-              <a:t>Шифрование сообщений</a:t>
-            </a:r>
-          </a:p>
-        </p:txBody>
-      </p:sp>
-      <p:pic>
-        <p:nvPicPr>
-          <p:cNvPr id="15" name="Объект 14">
-            <a:extLst>
-              <a:ext uri="{FF2B5EF4-FFF2-40B4-BE49-F238E27FC236}">
-                <a16:creationId xmlns:a16="http://schemas.microsoft.com/office/drawing/2014/main" id="{31190EE5-475E-4FA9-8BF3-9AC5A129D351}"/>
-              </a:ext>
-            </a:extLst>
-          </p:cNvPr>
-          <p:cNvPicPr>
-            <a:picLocks noGrp="1" noChangeAspect="1"/>
-          </p:cNvPicPr>
-          <p:nvPr>
-            <p:ph idx="1"/>
-          </p:nvPr>
-        </p:nvPicPr>
-        <p:blipFill>
-          <a:blip r:embed="rId2">
-            <a:extLst>
-              <a:ext uri="{28A0092B-C50C-407E-A947-70E740481C1C}">
-                <a14:useLocalDpi xmlns:a14="http://schemas.microsoft.com/office/drawing/2010/main" val="0"/>
-              </a:ext>
-            </a:extLst>
-          </a:blip>
-          <a:stretch>
-            <a:fillRect/>
-          </a:stretch>
-        </p:blipFill>
+          <p:cNvPr id="7" name="Прямоугольник: скругленные углы 6">
+            <a:extLst>
+              <a:ext uri="{FF2B5EF4-FFF2-40B4-BE49-F238E27FC236}">
+                <a16:creationId xmlns:a16="http://schemas.microsoft.com/office/drawing/2014/main" id="{5B67D5E7-2FDA-4D56-AB4B-1299D9E01512}"/>
+              </a:ext>
+            </a:extLst>
+          </p:cNvPr>
+          <p:cNvSpPr/>
+          <p:nvPr/>
+        </p:nvSpPr>
         <p:spPr>
           <a:xfrm>
-            <a:off x="1938055" y="1690688"/>
-            <a:ext cx="8315890" cy="4351338"/>
+            <a:off x="546437" y="4599293"/>
+            <a:ext cx="568260" cy="573849"/>
+          </a:xfrm>
+          <a:prstGeom prst="roundRect">
+            <a:avLst/>
+          </a:prstGeom>
+          <a:solidFill>
+            <a:schemeClr val="bg1"/>
+          </a:solidFill>
+        </p:spPr>
+        <p:style>
+          <a:lnRef idx="2">
+            <a:schemeClr val="accent1">
+              <a:shade val="50000"/>
+            </a:schemeClr>
+          </a:lnRef>
+          <a:fillRef idx="1">
+            <a:schemeClr val="accent1"/>
+          </a:fillRef>
+          <a:effectRef idx="0">
+            <a:schemeClr val="accent1"/>
+          </a:effectRef>
+          <a:fontRef idx="minor">
+            <a:schemeClr val="lt1"/>
+          </a:fontRef>
+        </p:style>
+        <p:txBody>
+          <a:bodyPr rtlCol="0" anchor="ctr"/>
+          <a:lstStyle/>
+          <a:p>
+            <a:pPr algn="ctr"/>
+            <a:r>
+              <a:rPr lang="ru-RU" sz="2800" dirty="0">
+                <a:solidFill>
+                  <a:srgbClr val="143642"/>
+                </a:solidFill>
+                <a:latin typeface="Bahnschrift SemiBold SemiConden" panose="020B0502040204020203" pitchFamily="34" charset="0"/>
+              </a:rPr>
+              <a:t>4)</a:t>
+            </a:r>
+            <a:endParaRPr lang="ru-RU" dirty="0">
+              <a:solidFill>
+                <a:srgbClr val="EC9A29"/>
+              </a:solidFill>
+            </a:endParaRPr>
+          </a:p>
+        </p:txBody>
+      </p:sp>
+      <p:sp>
+        <p:nvSpPr>
+          <p:cNvPr id="3" name="Объект 2">
+            <a:extLst>
+              <a:ext uri="{FF2B5EF4-FFF2-40B4-BE49-F238E27FC236}">
+                <a16:creationId xmlns:a16="http://schemas.microsoft.com/office/drawing/2014/main" id="{8DBB72BA-2F83-4392-8170-3E266F8AD4DB}"/>
+              </a:ext>
+            </a:extLst>
+          </p:cNvPr>
+          <p:cNvSpPr>
+            <a:spLocks noGrp="1"/>
+          </p:cNvSpPr>
+          <p:nvPr>
+            <p:ph idx="1"/>
+          </p:nvPr>
+        </p:nvSpPr>
+        <p:spPr>
+          <a:xfrm>
+            <a:off x="838200" y="1684858"/>
+            <a:ext cx="10515600" cy="4351338"/>
           </a:xfrm>
         </p:spPr>
-      </p:pic>
+        <p:txBody>
+          <a:bodyPr/>
+          <a:lstStyle/>
+          <a:p>
+            <a:pPr marL="0" indent="0">
+              <a:lnSpc>
+                <a:spcPct val="150000"/>
+              </a:lnSpc>
+              <a:spcBef>
+                <a:spcPts val="0"/>
+              </a:spcBef>
+              <a:spcAft>
+                <a:spcPts val="2400"/>
+              </a:spcAft>
+              <a:buNone/>
+            </a:pPr>
+            <a:r>
+              <a:rPr lang="ru-RU" dirty="0">
+                <a:solidFill>
+                  <a:srgbClr val="143642"/>
+                </a:solidFill>
+                <a:latin typeface="Bahnschrift SemiBold SemiConden" panose="020B0502040204020203" pitchFamily="34" charset="0"/>
+              </a:rPr>
+              <a:t>      </a:t>
+            </a:r>
+            <a:r>
+              <a:rPr lang="ru-RU" dirty="0">
+                <a:solidFill>
+                  <a:srgbClr val="0F8B8D"/>
+                </a:solidFill>
+                <a:latin typeface="Bahnschrift SemiBold SemiConden" panose="020B0502040204020203" pitchFamily="34" charset="0"/>
+              </a:rPr>
+              <a:t>Р</a:t>
+            </a:r>
+            <a:r>
+              <a:rPr lang="ru-RU" dirty="0">
+                <a:solidFill>
+                  <a:srgbClr val="143642"/>
+                </a:solidFill>
+                <a:latin typeface="Bahnschrift SemiBold SemiConden" panose="020B0502040204020203" pitchFamily="34" charset="0"/>
+              </a:rPr>
+              <a:t>азработать клиент-серверную часть</a:t>
+            </a:r>
+          </a:p>
+          <a:p>
+            <a:pPr marL="0" indent="0">
+              <a:lnSpc>
+                <a:spcPct val="150000"/>
+              </a:lnSpc>
+              <a:spcBef>
+                <a:spcPts val="0"/>
+              </a:spcBef>
+              <a:spcAft>
+                <a:spcPts val="2400"/>
+              </a:spcAft>
+              <a:buNone/>
+            </a:pPr>
+            <a:r>
+              <a:rPr lang="ru-RU" dirty="0">
+                <a:solidFill>
+                  <a:srgbClr val="143642"/>
+                </a:solidFill>
+                <a:latin typeface="Bahnschrift SemiBold SemiConden" panose="020B0502040204020203" pitchFamily="34" charset="0"/>
+              </a:rPr>
+              <a:t>      </a:t>
+            </a:r>
+            <a:r>
+              <a:rPr lang="ru-RU" dirty="0">
+                <a:solidFill>
+                  <a:srgbClr val="0F8B8D"/>
+                </a:solidFill>
+                <a:latin typeface="Bahnschrift SemiBold SemiConden" panose="020B0502040204020203" pitchFamily="34" charset="0"/>
+              </a:rPr>
+              <a:t>В</a:t>
+            </a:r>
+            <a:r>
+              <a:rPr lang="ru-RU" dirty="0">
+                <a:solidFill>
+                  <a:srgbClr val="143642"/>
+                </a:solidFill>
+                <a:latin typeface="Bahnschrift SemiBold SemiConden" panose="020B0502040204020203" pitchFamily="34" charset="0"/>
+              </a:rPr>
+              <a:t>недрить сквозное шифрование</a:t>
+            </a:r>
+          </a:p>
+          <a:p>
+            <a:pPr marL="0" indent="0">
+              <a:lnSpc>
+                <a:spcPct val="150000"/>
+              </a:lnSpc>
+              <a:spcBef>
+                <a:spcPts val="0"/>
+              </a:spcBef>
+              <a:spcAft>
+                <a:spcPts val="2400"/>
+              </a:spcAft>
+              <a:buNone/>
+            </a:pPr>
+            <a:r>
+              <a:rPr lang="ru-RU" dirty="0">
+                <a:solidFill>
+                  <a:srgbClr val="143642"/>
+                </a:solidFill>
+                <a:latin typeface="Bahnschrift SemiBold SemiConden" panose="020B0502040204020203" pitchFamily="34" charset="0"/>
+              </a:rPr>
+              <a:t>      </a:t>
+            </a:r>
+            <a:r>
+              <a:rPr lang="ru-RU" dirty="0">
+                <a:solidFill>
+                  <a:srgbClr val="0F8B8D"/>
+                </a:solidFill>
+                <a:latin typeface="Bahnschrift SemiBold SemiConden" panose="020B0502040204020203" pitchFamily="34" charset="0"/>
+              </a:rPr>
+              <a:t>С</a:t>
+            </a:r>
+            <a:r>
+              <a:rPr lang="ru-RU" dirty="0">
+                <a:solidFill>
+                  <a:srgbClr val="143642"/>
+                </a:solidFill>
+                <a:latin typeface="Bahnschrift SemiBold SemiConden" panose="020B0502040204020203" pitchFamily="34" charset="0"/>
+              </a:rPr>
+              <a:t>оздать пользовательский интерфейс</a:t>
+            </a:r>
+          </a:p>
+          <a:p>
+            <a:pPr marL="0" indent="0">
+              <a:lnSpc>
+                <a:spcPct val="150000"/>
+              </a:lnSpc>
+              <a:spcBef>
+                <a:spcPts val="0"/>
+              </a:spcBef>
+              <a:spcAft>
+                <a:spcPts val="2400"/>
+              </a:spcAft>
+              <a:buNone/>
+            </a:pPr>
+            <a:r>
+              <a:rPr lang="ru-RU" dirty="0">
+                <a:solidFill>
+                  <a:srgbClr val="143642"/>
+                </a:solidFill>
+                <a:latin typeface="Bahnschrift SemiBold SemiConden" panose="020B0502040204020203" pitchFamily="34" charset="0"/>
+              </a:rPr>
+              <a:t>      </a:t>
+            </a:r>
+            <a:r>
+              <a:rPr lang="ru-RU" dirty="0">
+                <a:solidFill>
+                  <a:srgbClr val="0F8B8D"/>
+                </a:solidFill>
+                <a:latin typeface="Bahnschrift SemiBold SemiConden" panose="020B0502040204020203" pitchFamily="34" charset="0"/>
+              </a:rPr>
+              <a:t>О</a:t>
+            </a:r>
+            <a:r>
+              <a:rPr lang="ru-RU" dirty="0">
+                <a:solidFill>
+                  <a:srgbClr val="143642"/>
+                </a:solidFill>
+                <a:latin typeface="Bahnschrift SemiBold SemiConden" panose="020B0502040204020203" pitchFamily="34" charset="0"/>
+              </a:rPr>
+              <a:t>беспечить безопасность данных</a:t>
+            </a:r>
+          </a:p>
+        </p:txBody>
+      </p:sp>
+      <p:sp>
+        <p:nvSpPr>
+          <p:cNvPr id="2" name="Заголовок 1">
+            <a:extLst>
+              <a:ext uri="{FF2B5EF4-FFF2-40B4-BE49-F238E27FC236}">
+                <a16:creationId xmlns:a16="http://schemas.microsoft.com/office/drawing/2014/main" id="{A4FA437F-4BAC-4322-BA9D-034DE6FC80FF}"/>
+              </a:ext>
+            </a:extLst>
+          </p:cNvPr>
+          <p:cNvSpPr>
+            <a:spLocks noGrp="1"/>
+          </p:cNvSpPr>
+          <p:nvPr>
+            <p:ph type="title"/>
+          </p:nvPr>
+        </p:nvSpPr>
+        <p:spPr/>
+        <p:txBody>
+          <a:bodyPr/>
+          <a:lstStyle/>
+          <a:p>
+            <a:r>
+              <a:rPr lang="ru-RU" b="1" dirty="0">
+                <a:solidFill>
+                  <a:srgbClr val="0F8B8D"/>
+                </a:solidFill>
+                <a:latin typeface="Nitro"/>
+              </a:rPr>
+              <a:t>Задачи</a:t>
+            </a:r>
+          </a:p>
+        </p:txBody>
+      </p:sp>
+      <p:sp>
+        <p:nvSpPr>
+          <p:cNvPr id="8" name="Прямоугольник: скругленные углы 7">
+            <a:extLst>
+              <a:ext uri="{FF2B5EF4-FFF2-40B4-BE49-F238E27FC236}">
+                <a16:creationId xmlns:a16="http://schemas.microsoft.com/office/drawing/2014/main" id="{A7E1877E-CB74-4646-9E38-75183216E74E}"/>
+              </a:ext>
+            </a:extLst>
+          </p:cNvPr>
+          <p:cNvSpPr/>
+          <p:nvPr/>
+        </p:nvSpPr>
+        <p:spPr>
+          <a:xfrm>
+            <a:off x="554070" y="3736239"/>
+            <a:ext cx="568260" cy="573849"/>
+          </a:xfrm>
+          <a:prstGeom prst="roundRect">
+            <a:avLst/>
+          </a:prstGeom>
+          <a:solidFill>
+            <a:schemeClr val="bg1"/>
+          </a:solidFill>
+        </p:spPr>
+        <p:style>
+          <a:lnRef idx="2">
+            <a:schemeClr val="accent1">
+              <a:shade val="50000"/>
+            </a:schemeClr>
+          </a:lnRef>
+          <a:fillRef idx="1">
+            <a:schemeClr val="accent1"/>
+          </a:fillRef>
+          <a:effectRef idx="0">
+            <a:schemeClr val="accent1"/>
+          </a:effectRef>
+          <a:fontRef idx="minor">
+            <a:schemeClr val="lt1"/>
+          </a:fontRef>
+        </p:style>
+        <p:txBody>
+          <a:bodyPr rtlCol="0" anchor="ctr"/>
+          <a:lstStyle/>
+          <a:p>
+            <a:pPr algn="ctr"/>
+            <a:r>
+              <a:rPr lang="ru-RU" sz="2800" dirty="0">
+                <a:solidFill>
+                  <a:srgbClr val="143642"/>
+                </a:solidFill>
+                <a:latin typeface="Bahnschrift SemiBold SemiConden" panose="020B0502040204020203" pitchFamily="34" charset="0"/>
+              </a:rPr>
+              <a:t>3)</a:t>
+            </a:r>
+            <a:endParaRPr lang="ru-RU" dirty="0">
+              <a:solidFill>
+                <a:srgbClr val="EC9A29"/>
+              </a:solidFill>
+            </a:endParaRPr>
+          </a:p>
+        </p:txBody>
+      </p:sp>
+      <p:sp>
+        <p:nvSpPr>
+          <p:cNvPr id="9" name="Прямоугольник: скругленные углы 8">
+            <a:extLst>
+              <a:ext uri="{FF2B5EF4-FFF2-40B4-BE49-F238E27FC236}">
+                <a16:creationId xmlns:a16="http://schemas.microsoft.com/office/drawing/2014/main" id="{87DABC16-1944-4E2C-B0E7-48D0C4E7C927}"/>
+              </a:ext>
+            </a:extLst>
+          </p:cNvPr>
+          <p:cNvSpPr/>
+          <p:nvPr/>
+        </p:nvSpPr>
+        <p:spPr>
+          <a:xfrm>
+            <a:off x="546437" y="2723496"/>
+            <a:ext cx="568260" cy="573849"/>
+          </a:xfrm>
+          <a:prstGeom prst="roundRect">
+            <a:avLst/>
+          </a:prstGeom>
+          <a:solidFill>
+            <a:schemeClr val="bg1"/>
+          </a:solidFill>
+        </p:spPr>
+        <p:style>
+          <a:lnRef idx="2">
+            <a:schemeClr val="accent1">
+              <a:shade val="50000"/>
+            </a:schemeClr>
+          </a:lnRef>
+          <a:fillRef idx="1">
+            <a:schemeClr val="accent1"/>
+          </a:fillRef>
+          <a:effectRef idx="0">
+            <a:schemeClr val="accent1"/>
+          </a:effectRef>
+          <a:fontRef idx="minor">
+            <a:schemeClr val="lt1"/>
+          </a:fontRef>
+        </p:style>
+        <p:txBody>
+          <a:bodyPr rtlCol="0" anchor="ctr"/>
+          <a:lstStyle/>
+          <a:p>
+            <a:pPr algn="ctr"/>
+            <a:r>
+              <a:rPr lang="ru-RU" sz="2800" dirty="0">
+                <a:solidFill>
+                  <a:srgbClr val="143642"/>
+                </a:solidFill>
+                <a:latin typeface="Bahnschrift SemiBold SemiConden" panose="020B0502040204020203" pitchFamily="34" charset="0"/>
+              </a:rPr>
+              <a:t>2)</a:t>
+            </a:r>
+            <a:endParaRPr lang="ru-RU" dirty="0">
+              <a:solidFill>
+                <a:srgbClr val="EC9A29"/>
+              </a:solidFill>
+            </a:endParaRPr>
+          </a:p>
+        </p:txBody>
+      </p:sp>
+      <p:sp>
+        <p:nvSpPr>
+          <p:cNvPr id="10" name="Прямоугольник: скругленные углы 9">
+            <a:extLst>
+              <a:ext uri="{FF2B5EF4-FFF2-40B4-BE49-F238E27FC236}">
+                <a16:creationId xmlns:a16="http://schemas.microsoft.com/office/drawing/2014/main" id="{71C0C716-2631-44AE-BDF8-DF0431305185}"/>
+              </a:ext>
+            </a:extLst>
+          </p:cNvPr>
+          <p:cNvSpPr/>
+          <p:nvPr/>
+        </p:nvSpPr>
+        <p:spPr>
+          <a:xfrm>
+            <a:off x="554070" y="1785598"/>
+            <a:ext cx="568260" cy="573849"/>
+          </a:xfrm>
+          <a:prstGeom prst="roundRect">
+            <a:avLst/>
+          </a:prstGeom>
+          <a:solidFill>
+            <a:schemeClr val="bg1"/>
+          </a:solidFill>
+        </p:spPr>
+        <p:style>
+          <a:lnRef idx="2">
+            <a:schemeClr val="accent1">
+              <a:shade val="50000"/>
+            </a:schemeClr>
+          </a:lnRef>
+          <a:fillRef idx="1">
+            <a:schemeClr val="accent1"/>
+          </a:fillRef>
+          <a:effectRef idx="0">
+            <a:schemeClr val="accent1"/>
+          </a:effectRef>
+          <a:fontRef idx="minor">
+            <a:schemeClr val="lt1"/>
+          </a:fontRef>
+        </p:style>
+        <p:txBody>
+          <a:bodyPr rtlCol="0" anchor="ctr"/>
+          <a:lstStyle/>
+          <a:p>
+            <a:pPr algn="ctr"/>
+            <a:r>
+              <a:rPr lang="ru-RU" sz="2800" dirty="0">
+                <a:solidFill>
+                  <a:srgbClr val="143642"/>
+                </a:solidFill>
+                <a:latin typeface="Bahnschrift SemiBold SemiConden" panose="020B0502040204020203" pitchFamily="34" charset="0"/>
+              </a:rPr>
+              <a:t>1)</a:t>
+            </a:r>
+            <a:endParaRPr lang="ru-RU" dirty="0">
+              <a:solidFill>
+                <a:srgbClr val="EC9A29"/>
+              </a:solidFill>
+            </a:endParaRPr>
+          </a:p>
+        </p:txBody>
+      </p:sp>
     </p:spTree>
     <p:extLst>
       <p:ext uri="{BB962C8B-B14F-4D97-AF65-F5344CB8AC3E}">
-        <p14:creationId xmlns:p14="http://schemas.microsoft.com/office/powerpoint/2010/main" val="396763482"/>
+        <p14:creationId xmlns:p14="http://schemas.microsoft.com/office/powerpoint/2010/main" val="1126438421"/>
       </p:ext>
     </p:extLst>
   </p:cSld>
@@ -6239,101 +6996,549 @@
           <a:chExt cx="0" cy="0"/>
         </a:xfrm>
       </p:grpSpPr>
-      <p:pic>
-        <p:nvPicPr>
-          <p:cNvPr id="5" name="Рисунок 4">
-            <a:extLst>
-              <a:ext uri="{FF2B5EF4-FFF2-40B4-BE49-F238E27FC236}">
-                <a16:creationId xmlns:a16="http://schemas.microsoft.com/office/drawing/2014/main" id="{44F882AB-839B-4304-8441-5D9013D18DFA}"/>
-              </a:ext>
-            </a:extLst>
-          </p:cNvPr>
-          <p:cNvPicPr>
-            <a:picLocks noChangeAspect="1"/>
-          </p:cNvPicPr>
-          <p:nvPr/>
-        </p:nvPicPr>
-        <p:blipFill>
-          <a:blip r:embed="rId2"/>
-          <a:stretch>
-            <a:fillRect/>
-          </a:stretch>
-        </p:blipFill>
+      <p:sp>
+        <p:nvSpPr>
+          <p:cNvPr id="2" name="Заголовок 1">
+            <a:extLst>
+              <a:ext uri="{FF2B5EF4-FFF2-40B4-BE49-F238E27FC236}">
+                <a16:creationId xmlns:a16="http://schemas.microsoft.com/office/drawing/2014/main" id="{C8EB8260-EAD1-4F13-8296-CC3AB98BC372}"/>
+              </a:ext>
+            </a:extLst>
+          </p:cNvPr>
+          <p:cNvSpPr>
+            <a:spLocks noGrp="1"/>
+          </p:cNvSpPr>
+          <p:nvPr>
+            <p:ph type="title"/>
+          </p:nvPr>
+        </p:nvSpPr>
+        <p:spPr/>
+        <p:txBody>
+          <a:bodyPr/>
+          <a:lstStyle/>
+          <a:p>
+            <a:r>
+              <a:rPr lang="ru-RU" b="1" dirty="0">
+                <a:solidFill>
+                  <a:srgbClr val="0F8B8D"/>
+                </a:solidFill>
+                <a:latin typeface="Nitro"/>
+              </a:rPr>
+              <a:t>Методы работы</a:t>
+            </a:r>
+          </a:p>
+        </p:txBody>
+      </p:sp>
+      <p:sp>
+        <p:nvSpPr>
+          <p:cNvPr id="3" name="Объект 2">
+            <a:extLst>
+              <a:ext uri="{FF2B5EF4-FFF2-40B4-BE49-F238E27FC236}">
+                <a16:creationId xmlns:a16="http://schemas.microsoft.com/office/drawing/2014/main" id="{8E186798-2907-4E02-A6FA-EF248F1E1B62}"/>
+              </a:ext>
+            </a:extLst>
+          </p:cNvPr>
+          <p:cNvSpPr>
+            <a:spLocks noGrp="1"/>
+          </p:cNvSpPr>
+          <p:nvPr>
+            <p:ph idx="1"/>
+          </p:nvPr>
+        </p:nvSpPr>
         <p:spPr>
           <a:xfrm>
-            <a:off x="0" y="496522"/>
-            <a:ext cx="12192000" cy="5864956"/>
+            <a:off x="838200" y="1658145"/>
+            <a:ext cx="10515600" cy="4351338"/>
           </a:xfrm>
-          <a:prstGeom prst="rect">
+        </p:spPr>
+        <p:txBody>
+          <a:bodyPr>
+            <a:noAutofit/>
+          </a:bodyPr>
+          <a:lstStyle/>
+          <a:p>
+            <a:pPr marL="0" indent="0">
+              <a:lnSpc>
+                <a:spcPct val="150000"/>
+              </a:lnSpc>
+              <a:spcBef>
+                <a:spcPts val="0"/>
+              </a:spcBef>
+              <a:buNone/>
+            </a:pPr>
+            <a:r>
+              <a:rPr lang="ru-RU" dirty="0">
+                <a:solidFill>
+                  <a:srgbClr val="143642"/>
+                </a:solidFill>
+                <a:latin typeface="Bahnschrift SemiBold SemiConden" panose="020B0502040204020203" pitchFamily="34" charset="0"/>
+              </a:rPr>
+              <a:t>      </a:t>
+            </a:r>
+            <a:r>
+              <a:rPr lang="ru-RU" dirty="0">
+                <a:solidFill>
+                  <a:srgbClr val="0F8B8D"/>
+                </a:solidFill>
+                <a:latin typeface="Bahnschrift SemiBold SemiConden" panose="020B0502040204020203" pitchFamily="34" charset="0"/>
+              </a:rPr>
+              <a:t>Создать приложение с простым стилем </a:t>
+            </a:r>
+            <a:endParaRPr lang="en-US" dirty="0">
+              <a:solidFill>
+                <a:srgbClr val="0F8B8D"/>
+              </a:solidFill>
+              <a:latin typeface="Bahnschrift SemiBold SemiConden" panose="020B0502040204020203" pitchFamily="34" charset="0"/>
+            </a:endParaRPr>
+          </a:p>
+          <a:p>
+            <a:pPr>
+              <a:lnSpc>
+                <a:spcPct val="150000"/>
+              </a:lnSpc>
+              <a:spcBef>
+                <a:spcPts val="0"/>
+              </a:spcBef>
+              <a:spcAft>
+                <a:spcPts val="2400"/>
+              </a:spcAft>
+            </a:pPr>
+            <a:r>
+              <a:rPr lang="ru-RU" dirty="0">
+                <a:solidFill>
+                  <a:srgbClr val="143642"/>
+                </a:solidFill>
+                <a:latin typeface="Bahnschrift SemiBold SemiConden" panose="020B0502040204020203" pitchFamily="34" charset="0"/>
+              </a:rPr>
+              <a:t>С помощью языков </a:t>
+            </a:r>
+            <a:r>
+              <a:rPr lang="ru-RU" dirty="0" err="1">
+                <a:solidFill>
+                  <a:srgbClr val="143642"/>
+                </a:solidFill>
+                <a:latin typeface="Bahnschrift SemiBold SemiConden" panose="020B0502040204020203" pitchFamily="34" charset="0"/>
+              </a:rPr>
+              <a:t>html</a:t>
+            </a:r>
+            <a:r>
+              <a:rPr lang="ru-RU" dirty="0">
+                <a:solidFill>
+                  <a:srgbClr val="143642"/>
+                </a:solidFill>
+                <a:latin typeface="Bahnschrift SemiBold SemiConden" panose="020B0502040204020203" pitchFamily="34" charset="0"/>
+              </a:rPr>
+              <a:t>, </a:t>
+            </a:r>
+            <a:r>
+              <a:rPr lang="ru-RU" dirty="0" err="1">
+                <a:solidFill>
+                  <a:srgbClr val="143642"/>
+                </a:solidFill>
+                <a:latin typeface="Bahnschrift SemiBold SemiConden" panose="020B0502040204020203" pitchFamily="34" charset="0"/>
+              </a:rPr>
+              <a:t>css</a:t>
+            </a:r>
+            <a:r>
+              <a:rPr lang="ru-RU" dirty="0">
+                <a:solidFill>
+                  <a:srgbClr val="143642"/>
+                </a:solidFill>
+                <a:latin typeface="Bahnschrift SemiBold SemiConden" panose="020B0502040204020203" pitchFamily="34" charset="0"/>
+              </a:rPr>
+              <a:t> и Eel фреймворка</a:t>
+            </a:r>
+          </a:p>
+          <a:p>
+            <a:pPr marL="0" indent="0">
+              <a:lnSpc>
+                <a:spcPct val="150000"/>
+              </a:lnSpc>
+              <a:spcBef>
+                <a:spcPts val="0"/>
+              </a:spcBef>
+              <a:buNone/>
+            </a:pPr>
+            <a:r>
+              <a:rPr lang="ru-RU" dirty="0">
+                <a:solidFill>
+                  <a:srgbClr val="143642"/>
+                </a:solidFill>
+                <a:latin typeface="Bahnschrift SemiBold SemiConden" panose="020B0502040204020203" pitchFamily="34" charset="0"/>
+              </a:rPr>
+              <a:t>      </a:t>
+            </a:r>
+            <a:r>
+              <a:rPr lang="ru-RU" dirty="0">
+                <a:solidFill>
+                  <a:srgbClr val="0F8B8D"/>
+                </a:solidFill>
+                <a:latin typeface="Bahnschrift SemiBold SemiConden" panose="020B0502040204020203" pitchFamily="34" charset="0"/>
+              </a:rPr>
+              <a:t>Подключить базу данных к приложению</a:t>
+            </a:r>
+            <a:endParaRPr lang="en-US" dirty="0">
+              <a:solidFill>
+                <a:srgbClr val="0F8B8D"/>
+              </a:solidFill>
+              <a:latin typeface="Bahnschrift SemiBold SemiConden" panose="020B0502040204020203" pitchFamily="34" charset="0"/>
+            </a:endParaRPr>
+          </a:p>
+          <a:p>
+            <a:pPr>
+              <a:lnSpc>
+                <a:spcPct val="150000"/>
+              </a:lnSpc>
+              <a:spcBef>
+                <a:spcPts val="0"/>
+              </a:spcBef>
+              <a:spcAft>
+                <a:spcPts val="2400"/>
+              </a:spcAft>
+            </a:pPr>
+            <a:r>
+              <a:rPr lang="en-US" dirty="0">
+                <a:solidFill>
+                  <a:srgbClr val="143642"/>
+                </a:solidFill>
+                <a:latin typeface="Bahnschrift SemiBold SemiConden" panose="020B0502040204020203" pitchFamily="34" charset="0"/>
+              </a:rPr>
+              <a:t>C</a:t>
+            </a:r>
+            <a:r>
+              <a:rPr lang="ru-RU" dirty="0">
+                <a:solidFill>
+                  <a:srgbClr val="143642"/>
+                </a:solidFill>
+                <a:latin typeface="Bahnschrift SemiBold SemiConden" panose="020B0502040204020203" pitchFamily="34" charset="0"/>
+              </a:rPr>
+              <a:t> помощью библиотеки </a:t>
+            </a:r>
+            <a:r>
+              <a:rPr lang="ru-RU" dirty="0" err="1">
+                <a:solidFill>
+                  <a:srgbClr val="143642"/>
+                </a:solidFill>
+                <a:latin typeface="Bahnschrift SemiBold SemiConden" panose="020B0502040204020203" pitchFamily="34" charset="0"/>
+              </a:rPr>
+              <a:t>PyMongo</a:t>
+            </a:r>
+            <a:r>
+              <a:rPr lang="ru-RU" dirty="0">
+                <a:solidFill>
+                  <a:srgbClr val="143642"/>
+                </a:solidFill>
+                <a:latin typeface="Bahnschrift SemiBold SemiConden" panose="020B0502040204020203" pitchFamily="34" charset="0"/>
+              </a:rPr>
+              <a:t> </a:t>
+            </a:r>
+            <a:endParaRPr lang="en-US" dirty="0">
+              <a:solidFill>
+                <a:srgbClr val="143642"/>
+              </a:solidFill>
+              <a:latin typeface="Bahnschrift SemiBold SemiConden" panose="020B0502040204020203" pitchFamily="34" charset="0"/>
+            </a:endParaRPr>
+          </a:p>
+          <a:p>
+            <a:pPr marL="0" indent="0">
+              <a:lnSpc>
+                <a:spcPct val="150000"/>
+              </a:lnSpc>
+              <a:spcBef>
+                <a:spcPts val="0"/>
+              </a:spcBef>
+              <a:buNone/>
+            </a:pPr>
+            <a:r>
+              <a:rPr lang="ru-RU" dirty="0">
+                <a:solidFill>
+                  <a:srgbClr val="143642"/>
+                </a:solidFill>
+                <a:latin typeface="Bahnschrift SemiBold SemiConden" panose="020B0502040204020203" pitchFamily="34" charset="0"/>
+              </a:rPr>
+              <a:t>  </a:t>
+            </a:r>
+            <a:r>
+              <a:rPr lang="en-US" dirty="0">
+                <a:solidFill>
+                  <a:srgbClr val="143642"/>
+                </a:solidFill>
+                <a:latin typeface="Bahnschrift SemiBold SemiConden" panose="020B0502040204020203" pitchFamily="34" charset="0"/>
+              </a:rPr>
+              <a:t> </a:t>
+            </a:r>
+            <a:r>
+              <a:rPr lang="ru-RU" dirty="0">
+                <a:solidFill>
+                  <a:srgbClr val="143642"/>
+                </a:solidFill>
+                <a:latin typeface="Bahnschrift SemiBold SemiConden" panose="020B0502040204020203" pitchFamily="34" charset="0"/>
+              </a:rPr>
+              <a:t>   </a:t>
+            </a:r>
+            <a:r>
+              <a:rPr lang="ru-RU" dirty="0">
+                <a:solidFill>
+                  <a:srgbClr val="0F8B8D"/>
+                </a:solidFill>
+                <a:latin typeface="Bahnschrift SemiBold SemiConden" panose="020B0502040204020203" pitchFamily="34" charset="0"/>
+              </a:rPr>
+              <a:t>Шифрование сообщений</a:t>
+            </a:r>
+          </a:p>
+          <a:p>
+            <a:pPr>
+              <a:lnSpc>
+                <a:spcPct val="150000"/>
+              </a:lnSpc>
+              <a:spcBef>
+                <a:spcPts val="0"/>
+              </a:spcBef>
+            </a:pPr>
+            <a:r>
+              <a:rPr lang="en-US" dirty="0">
+                <a:solidFill>
+                  <a:srgbClr val="143642"/>
+                </a:solidFill>
+                <a:latin typeface="Bahnschrift SemiBold SemiConden" panose="020B0502040204020203" pitchFamily="34" charset="0"/>
+              </a:rPr>
+              <a:t>AES-GCM </a:t>
+            </a:r>
+            <a:r>
+              <a:rPr lang="ru-RU" dirty="0">
+                <a:solidFill>
+                  <a:srgbClr val="143642"/>
+                </a:solidFill>
+                <a:latin typeface="Bahnschrift SemiBold SemiConden" panose="020B0502040204020203" pitchFamily="34" charset="0"/>
+              </a:rPr>
+              <a:t>шифрование на </a:t>
+            </a:r>
+            <a:r>
+              <a:rPr lang="en-US" dirty="0">
+                <a:solidFill>
+                  <a:srgbClr val="143642"/>
+                </a:solidFill>
+                <a:latin typeface="Bahnschrift SemiBold SemiConden" panose="020B0502040204020203" pitchFamily="34" charset="0"/>
+              </a:rPr>
+              <a:t>Python,</a:t>
+            </a:r>
+            <a:r>
+              <a:rPr lang="ru-RU" dirty="0">
+                <a:solidFill>
+                  <a:srgbClr val="143642"/>
+                </a:solidFill>
+                <a:latin typeface="Bahnschrift SemiBold SemiConden" panose="020B0502040204020203" pitchFamily="34" charset="0"/>
+              </a:rPr>
+              <a:t> </a:t>
+            </a:r>
+            <a:r>
+              <a:rPr lang="en-US" dirty="0">
+                <a:solidFill>
+                  <a:srgbClr val="143642"/>
+                </a:solidFill>
+                <a:latin typeface="Bahnschrift SemiBold SemiConden" panose="020B0502040204020203" pitchFamily="34" charset="0"/>
+              </a:rPr>
+              <a:t>ECDH</a:t>
+            </a:r>
+            <a:endParaRPr lang="ru-RU" dirty="0">
+              <a:solidFill>
+                <a:srgbClr val="143642"/>
+              </a:solidFill>
+              <a:latin typeface="Bahnschrift SemiBold SemiConden" panose="020B0502040204020203" pitchFamily="34" charset="0"/>
+            </a:endParaRPr>
+          </a:p>
+        </p:txBody>
+      </p:sp>
+      <p:sp>
+        <p:nvSpPr>
+          <p:cNvPr id="7" name="Прямоугольник: скругленные углы 6">
+            <a:extLst>
+              <a:ext uri="{FF2B5EF4-FFF2-40B4-BE49-F238E27FC236}">
+                <a16:creationId xmlns:a16="http://schemas.microsoft.com/office/drawing/2014/main" id="{A09237F7-A1E7-4CAE-8C2C-468130847D13}"/>
+              </a:ext>
+            </a:extLst>
+          </p:cNvPr>
+          <p:cNvSpPr/>
+          <p:nvPr/>
+        </p:nvSpPr>
+        <p:spPr>
+          <a:xfrm>
+            <a:off x="554070" y="4912930"/>
+            <a:ext cx="568260" cy="573849"/>
+          </a:xfrm>
+          <a:prstGeom prst="roundRect">
             <a:avLst/>
           </a:prstGeom>
+          <a:solidFill>
+            <a:schemeClr val="bg1"/>
+          </a:solidFill>
         </p:spPr>
-      </p:pic>
-      <p:sp>
-        <p:nvSpPr>
-          <p:cNvPr id="2" name="Заголовок 1">
-            <a:extLst>
-              <a:ext uri="{FF2B5EF4-FFF2-40B4-BE49-F238E27FC236}">
-                <a16:creationId xmlns:a16="http://schemas.microsoft.com/office/drawing/2014/main" id="{23826193-A27C-4EA5-9FA5-12CBCC55A661}"/>
-              </a:ext>
-            </a:extLst>
-          </p:cNvPr>
-          <p:cNvSpPr>
-            <a:spLocks noGrp="1"/>
-          </p:cNvSpPr>
-          <p:nvPr>
-            <p:ph type="title"/>
-          </p:nvPr>
-        </p:nvSpPr>
-        <p:spPr/>
-        <p:txBody>
-          <a:bodyPr/>
-          <a:lstStyle/>
-          <a:p>
-            <a:r>
-              <a:rPr lang="ru-RU" b="1" dirty="0">
-                <a:solidFill>
-                  <a:srgbClr val="0F8B8D"/>
-                </a:solidFill>
-                <a:latin typeface="Nitro"/>
-              </a:rPr>
-              <a:t>Экран аутентификации</a:t>
-            </a:r>
-          </a:p>
-        </p:txBody>
-      </p:sp>
-      <p:sp>
-        <p:nvSpPr>
-          <p:cNvPr id="3" name="Объект 2">
-            <a:extLst>
-              <a:ext uri="{FF2B5EF4-FFF2-40B4-BE49-F238E27FC236}">
-                <a16:creationId xmlns:a16="http://schemas.microsoft.com/office/drawing/2014/main" id="{A132BF6F-16A8-49B4-973F-79636197B093}"/>
-              </a:ext>
-            </a:extLst>
-          </p:cNvPr>
-          <p:cNvSpPr>
-            <a:spLocks noGrp="1"/>
-          </p:cNvSpPr>
-          <p:nvPr>
-            <p:ph idx="1"/>
-          </p:nvPr>
-        </p:nvSpPr>
-        <p:spPr/>
-        <p:txBody>
-          <a:bodyPr/>
-          <a:lstStyle/>
-          <a:p>
-            <a:pPr marL="0" indent="0">
-              <a:buNone/>
-            </a:pPr>
-            <a:endParaRPr lang="ru-RU" dirty="0"/>
+        <p:style>
+          <a:lnRef idx="2">
+            <a:schemeClr val="accent1">
+              <a:shade val="50000"/>
+            </a:schemeClr>
+          </a:lnRef>
+          <a:fillRef idx="1">
+            <a:schemeClr val="accent1"/>
+          </a:fillRef>
+          <a:effectRef idx="0">
+            <a:schemeClr val="accent1"/>
+          </a:effectRef>
+          <a:fontRef idx="minor">
+            <a:schemeClr val="lt1"/>
+          </a:fontRef>
+        </p:style>
+        <p:txBody>
+          <a:bodyPr rtlCol="0" anchor="ctr"/>
+          <a:lstStyle/>
+          <a:p>
+            <a:pPr algn="ctr"/>
+            <a:r>
+              <a:rPr lang="ru-RU" sz="2800" dirty="0">
+                <a:solidFill>
+                  <a:srgbClr val="143642"/>
+                </a:solidFill>
+                <a:latin typeface="Bahnschrift SemiBold SemiConden" panose="020B0502040204020203" pitchFamily="34" charset="0"/>
+              </a:rPr>
+              <a:t>3)</a:t>
+            </a:r>
+            <a:endParaRPr lang="ru-RU" dirty="0">
+              <a:solidFill>
+                <a:srgbClr val="EC9A29"/>
+              </a:solidFill>
+            </a:endParaRPr>
+          </a:p>
+        </p:txBody>
+      </p:sp>
+      <p:sp>
+        <p:nvSpPr>
+          <p:cNvPr id="8" name="Прямоугольник: скругленные углы 7">
+            <a:extLst>
+              <a:ext uri="{FF2B5EF4-FFF2-40B4-BE49-F238E27FC236}">
+                <a16:creationId xmlns:a16="http://schemas.microsoft.com/office/drawing/2014/main" id="{AAF39D87-4CFD-41D0-AD59-B548643E001A}"/>
+              </a:ext>
+            </a:extLst>
+          </p:cNvPr>
+          <p:cNvSpPr/>
+          <p:nvPr/>
+        </p:nvSpPr>
+        <p:spPr>
+          <a:xfrm>
+            <a:off x="554070" y="3259965"/>
+            <a:ext cx="568260" cy="573849"/>
+          </a:xfrm>
+          <a:prstGeom prst="roundRect">
+            <a:avLst/>
+          </a:prstGeom>
+          <a:solidFill>
+            <a:schemeClr val="bg1"/>
+          </a:solidFill>
+        </p:spPr>
+        <p:style>
+          <a:lnRef idx="2">
+            <a:schemeClr val="accent1">
+              <a:shade val="50000"/>
+            </a:schemeClr>
+          </a:lnRef>
+          <a:fillRef idx="1">
+            <a:schemeClr val="accent1"/>
+          </a:fillRef>
+          <a:effectRef idx="0">
+            <a:schemeClr val="accent1"/>
+          </a:effectRef>
+          <a:fontRef idx="minor">
+            <a:schemeClr val="lt1"/>
+          </a:fontRef>
+        </p:style>
+        <p:txBody>
+          <a:bodyPr rtlCol="0" anchor="ctr"/>
+          <a:lstStyle/>
+          <a:p>
+            <a:pPr algn="ctr"/>
+            <a:r>
+              <a:rPr lang="ru-RU" sz="2800" dirty="0">
+                <a:solidFill>
+                  <a:srgbClr val="143642"/>
+                </a:solidFill>
+                <a:latin typeface="Bahnschrift SemiBold SemiConden" panose="020B0502040204020203" pitchFamily="34" charset="0"/>
+              </a:rPr>
+              <a:t>2)</a:t>
+            </a:r>
+            <a:endParaRPr lang="ru-RU" dirty="0">
+              <a:solidFill>
+                <a:srgbClr val="EC9A29"/>
+              </a:solidFill>
+            </a:endParaRPr>
+          </a:p>
+        </p:txBody>
+      </p:sp>
+      <p:sp>
+        <p:nvSpPr>
+          <p:cNvPr id="9" name="Прямоугольник: скругленные углы 8">
+            <a:extLst>
+              <a:ext uri="{FF2B5EF4-FFF2-40B4-BE49-F238E27FC236}">
+                <a16:creationId xmlns:a16="http://schemas.microsoft.com/office/drawing/2014/main" id="{B5CF2B0F-DB64-44A0-9886-98C03F2C5C93}"/>
+              </a:ext>
+            </a:extLst>
+          </p:cNvPr>
+          <p:cNvSpPr/>
+          <p:nvPr/>
+        </p:nvSpPr>
+        <p:spPr>
+          <a:xfrm>
+            <a:off x="554070" y="1785339"/>
+            <a:ext cx="568260" cy="573849"/>
+          </a:xfrm>
+          <a:prstGeom prst="roundRect">
+            <a:avLst/>
+          </a:prstGeom>
+          <a:solidFill>
+            <a:schemeClr val="bg1"/>
+          </a:solidFill>
+        </p:spPr>
+        <p:style>
+          <a:lnRef idx="2">
+            <a:schemeClr val="accent1">
+              <a:shade val="50000"/>
+            </a:schemeClr>
+          </a:lnRef>
+          <a:fillRef idx="1">
+            <a:schemeClr val="accent1"/>
+          </a:fillRef>
+          <a:effectRef idx="0">
+            <a:schemeClr val="accent1"/>
+          </a:effectRef>
+          <a:fontRef idx="minor">
+            <a:schemeClr val="lt1"/>
+          </a:fontRef>
+        </p:style>
+        <p:txBody>
+          <a:bodyPr rtlCol="0" anchor="ctr"/>
+          <a:lstStyle/>
+          <a:p>
+            <a:pPr algn="ctr"/>
+            <a:r>
+              <a:rPr lang="ru-RU" sz="2800" dirty="0">
+                <a:solidFill>
+                  <a:srgbClr val="143642"/>
+                </a:solidFill>
+                <a:latin typeface="Bahnschrift SemiBold SemiConden" panose="020B0502040204020203" pitchFamily="34" charset="0"/>
+              </a:rPr>
+              <a:t>1)</a:t>
+            </a:r>
+            <a:endParaRPr lang="ru-RU" dirty="0">
+              <a:solidFill>
+                <a:srgbClr val="EC9A29"/>
+              </a:solidFill>
+            </a:endParaRPr>
           </a:p>
         </p:txBody>
       </p:sp>
     </p:spTree>
     <p:extLst>
       <p:ext uri="{BB962C8B-B14F-4D97-AF65-F5344CB8AC3E}">
-        <p14:creationId xmlns:p14="http://schemas.microsoft.com/office/powerpoint/2010/main" val="3325232728"/>
+        <p14:creationId xmlns:p14="http://schemas.microsoft.com/office/powerpoint/2010/main" val="1996303715"/>
       </p:ext>
     </p:extLst>
   </p:cSld>
@@ -6360,12 +7565,45 @@
           <a:chExt cx="0" cy="0"/>
         </a:xfrm>
       </p:grpSpPr>
+      <p:sp>
+        <p:nvSpPr>
+          <p:cNvPr id="2" name="Заголовок 1">
+            <a:extLst>
+              <a:ext uri="{FF2B5EF4-FFF2-40B4-BE49-F238E27FC236}">
+                <a16:creationId xmlns:a16="http://schemas.microsoft.com/office/drawing/2014/main" id="{A89D66D1-0715-45B2-AAD3-060AD0A1310C}"/>
+              </a:ext>
+            </a:extLst>
+          </p:cNvPr>
+          <p:cNvSpPr>
+            <a:spLocks noGrp="1"/>
+          </p:cNvSpPr>
+          <p:nvPr>
+            <p:ph type="title"/>
+          </p:nvPr>
+        </p:nvSpPr>
+        <p:spPr/>
+        <p:txBody>
+          <a:bodyPr/>
+          <a:lstStyle/>
+          <a:p>
+            <a:r>
+              <a:rPr lang="ru-RU" b="1" dirty="0">
+                <a:solidFill>
+                  <a:srgbClr val="0F8B8D"/>
+                </a:solidFill>
+                <a:latin typeface="Nitro"/>
+              </a:rPr>
+              <a:t>Шифрование сообщений</a:t>
+            </a:r>
+          </a:p>
+        </p:txBody>
+      </p:sp>
       <p:pic>
         <p:nvPicPr>
-          <p:cNvPr id="5" name="Объект 4">
-            <a:extLst>
-              <a:ext uri="{FF2B5EF4-FFF2-40B4-BE49-F238E27FC236}">
-                <a16:creationId xmlns:a16="http://schemas.microsoft.com/office/drawing/2014/main" id="{86AD16D7-D6BF-4072-9086-C9279E7789ED}"/>
+          <p:cNvPr id="15" name="Объект 14">
+            <a:extLst>
+              <a:ext uri="{FF2B5EF4-FFF2-40B4-BE49-F238E27FC236}">
+                <a16:creationId xmlns:a16="http://schemas.microsoft.com/office/drawing/2014/main" id="{31190EE5-475E-4FA9-8BF3-9AC5A129D351}"/>
               </a:ext>
             </a:extLst>
           </p:cNvPr>
@@ -6376,22 +7614,29 @@
             <p:ph idx="1"/>
           </p:nvPr>
         </p:nvPicPr>
-        <p:blipFill rotWithShape="1">
-          <a:blip r:embed="rId2"/>
-          <a:srcRect t="1123"/>
-          <a:stretch/>
+        <p:blipFill>
+          <a:blip r:embed="rId2">
+            <a:extLst>
+              <a:ext uri="{28A0092B-C50C-407E-A947-70E740481C1C}">
+                <a14:useLocalDpi xmlns:a14="http://schemas.microsoft.com/office/drawing/2010/main" val="0"/>
+              </a:ext>
+            </a:extLst>
+          </a:blip>
+          <a:stretch>
+            <a:fillRect/>
+          </a:stretch>
         </p:blipFill>
         <p:spPr>
           <a:xfrm>
-            <a:off x="250053" y="386600"/>
-            <a:ext cx="11691894" cy="6084799"/>
+            <a:off x="1938055" y="1690688"/>
+            <a:ext cx="8315890" cy="4351338"/>
           </a:xfrm>
         </p:spPr>
       </p:pic>
     </p:spTree>
     <p:extLst>
       <p:ext uri="{BB962C8B-B14F-4D97-AF65-F5344CB8AC3E}">
-        <p14:creationId xmlns:p14="http://schemas.microsoft.com/office/powerpoint/2010/main" val="2924927354"/>
+        <p14:creationId xmlns:p14="http://schemas.microsoft.com/office/powerpoint/2010/main" val="396763482"/>
       </p:ext>
     </p:extLst>
   </p:cSld>
@@ -6420,45 +7665,40 @@
       </p:grpSpPr>
       <p:pic>
         <p:nvPicPr>
-          <p:cNvPr id="5" name="Объект 4">
-            <a:extLst>
-              <a:ext uri="{FF2B5EF4-FFF2-40B4-BE49-F238E27FC236}">
-                <a16:creationId xmlns:a16="http://schemas.microsoft.com/office/drawing/2014/main" id="{5D8B4F46-79B9-470D-9C1A-D0DE89D529EB}"/>
+          <p:cNvPr id="5" name="Рисунок 4">
+            <a:extLst>
+              <a:ext uri="{FF2B5EF4-FFF2-40B4-BE49-F238E27FC236}">
+                <a16:creationId xmlns:a16="http://schemas.microsoft.com/office/drawing/2014/main" id="{44F882AB-839B-4304-8441-5D9013D18DFA}"/>
               </a:ext>
             </a:extLst>
           </p:cNvPr>
           <p:cNvPicPr>
-            <a:picLocks noGrp="1" noChangeAspect="1"/>
+            <a:picLocks noChangeAspect="1"/>
           </p:cNvPicPr>
-          <p:nvPr>
-            <p:ph idx="1"/>
-          </p:nvPr>
+          <p:nvPr/>
         </p:nvPicPr>
         <p:blipFill>
-          <a:blip r:embed="rId2">
-            <a:extLst>
-              <a:ext uri="{28A0092B-C50C-407E-A947-70E740481C1C}">
-                <a14:useLocalDpi xmlns:a14="http://schemas.microsoft.com/office/drawing/2010/main" val="0"/>
-              </a:ext>
-            </a:extLst>
-          </a:blip>
+          <a:blip r:embed="rId2"/>
           <a:stretch>
             <a:fillRect/>
           </a:stretch>
         </p:blipFill>
         <p:spPr>
           <a:xfrm>
-            <a:off x="1651201" y="1706560"/>
-            <a:ext cx="8889597" cy="3444880"/>
+            <a:off x="0" y="496522"/>
+            <a:ext cx="12192000" cy="5864956"/>
           </a:xfrm>
+          <a:prstGeom prst="rect">
+            <a:avLst/>
+          </a:prstGeom>
         </p:spPr>
       </p:pic>
       <p:sp>
         <p:nvSpPr>
-          <p:cNvPr id="4" name="Заголовок 3">
-            <a:extLst>
-              <a:ext uri="{FF2B5EF4-FFF2-40B4-BE49-F238E27FC236}">
-                <a16:creationId xmlns:a16="http://schemas.microsoft.com/office/drawing/2014/main" id="{56239CED-F83E-4522-A408-B541449884DD}"/>
+          <p:cNvPr id="2" name="Заголовок 1">
+            <a:extLst>
+              <a:ext uri="{FF2B5EF4-FFF2-40B4-BE49-F238E27FC236}">
+                <a16:creationId xmlns:a16="http://schemas.microsoft.com/office/drawing/2014/main" id="{23826193-A27C-4EA5-9FA5-12CBCC55A661}"/>
               </a:ext>
             </a:extLst>
           </p:cNvPr>
@@ -6471,9 +7711,7 @@
         </p:nvSpPr>
         <p:spPr/>
         <p:txBody>
-          <a:bodyPr>
-            <a:normAutofit/>
-          </a:bodyPr>
+          <a:bodyPr/>
           <a:lstStyle/>
           <a:p>
             <a:r>
@@ -6481,25 +7719,45 @@
                 <a:solidFill>
                   <a:srgbClr val="0F8B8D"/>
                 </a:solidFill>
-                <a:effectLst/>
                 <a:latin typeface="Nitro"/>
-                <a:ea typeface="Calibri" panose="020F0502020204030204" pitchFamily="34" charset="0"/>
-              </a:rPr>
-              <a:t>Вид зашифрованных сообщений</a:t>
-            </a:r>
-            <a:endParaRPr lang="ru-RU" b="1" dirty="0">
-              <a:solidFill>
-                <a:srgbClr val="0F8B8D"/>
-              </a:solidFill>
-              <a:latin typeface="Nitro"/>
-            </a:endParaRPr>
+              </a:rPr>
+              <a:t>Экран аутентификации</a:t>
+            </a:r>
+          </a:p>
+        </p:txBody>
+      </p:sp>
+      <p:sp>
+        <p:nvSpPr>
+          <p:cNvPr id="3" name="Объект 2">
+            <a:extLst>
+              <a:ext uri="{FF2B5EF4-FFF2-40B4-BE49-F238E27FC236}">
+                <a16:creationId xmlns:a16="http://schemas.microsoft.com/office/drawing/2014/main" id="{A132BF6F-16A8-49B4-973F-79636197B093}"/>
+              </a:ext>
+            </a:extLst>
+          </p:cNvPr>
+          <p:cNvSpPr>
+            <a:spLocks noGrp="1"/>
+          </p:cNvSpPr>
+          <p:nvPr>
+            <p:ph idx="1"/>
+          </p:nvPr>
+        </p:nvSpPr>
+        <p:spPr/>
+        <p:txBody>
+          <a:bodyPr/>
+          <a:lstStyle/>
+          <a:p>
+            <a:pPr marL="0" indent="0">
+              <a:buNone/>
+            </a:pPr>
+            <a:endParaRPr lang="ru-RU" dirty="0"/>
           </a:p>
         </p:txBody>
       </p:sp>
     </p:spTree>
     <p:extLst>
       <p:ext uri="{BB962C8B-B14F-4D97-AF65-F5344CB8AC3E}">
-        <p14:creationId xmlns:p14="http://schemas.microsoft.com/office/powerpoint/2010/main" val="969218937"/>
+        <p14:creationId xmlns:p14="http://schemas.microsoft.com/office/powerpoint/2010/main" val="3325232728"/>
       </p:ext>
     </p:extLst>
   </p:cSld>
@@ -6528,111 +7786,36 @@
       </p:grpSpPr>
       <p:pic>
         <p:nvPicPr>
-          <p:cNvPr id="5" name="Рисунок 4">
-            <a:extLst>
-              <a:ext uri="{FF2B5EF4-FFF2-40B4-BE49-F238E27FC236}">
-                <a16:creationId xmlns:a16="http://schemas.microsoft.com/office/drawing/2014/main" id="{1A281D7B-1465-4BF1-8E3D-4653FA0B9830}"/>
+          <p:cNvPr id="5" name="Объект 4">
+            <a:extLst>
+              <a:ext uri="{FF2B5EF4-FFF2-40B4-BE49-F238E27FC236}">
+                <a16:creationId xmlns:a16="http://schemas.microsoft.com/office/drawing/2014/main" id="{86AD16D7-D6BF-4072-9086-C9279E7789ED}"/>
               </a:ext>
             </a:extLst>
           </p:cNvPr>
           <p:cNvPicPr>
-            <a:picLocks noChangeAspect="1"/>
+            <a:picLocks noGrp="1" noChangeAspect="1"/>
           </p:cNvPicPr>
-          <p:nvPr/>
+          <p:nvPr>
+            <p:ph idx="1"/>
+          </p:nvPr>
         </p:nvPicPr>
-        <p:blipFill>
+        <p:blipFill rotWithShape="1">
           <a:blip r:embed="rId2"/>
-          <a:stretch>
-            <a:fillRect/>
-          </a:stretch>
+          <a:srcRect t="1123"/>
+          <a:stretch/>
         </p:blipFill>
         <p:spPr>
           <a:xfrm>
-            <a:off x="1545853" y="1727894"/>
-            <a:ext cx="9100293" cy="3384793"/>
+            <a:off x="250053" y="386600"/>
+            <a:ext cx="11691894" cy="6084799"/>
           </a:xfrm>
-          <a:prstGeom prst="rect">
-            <a:avLst/>
-          </a:prstGeom>
         </p:spPr>
       </p:pic>
-      <p:sp>
-        <p:nvSpPr>
-          <p:cNvPr id="2" name="Заголовок 1">
-            <a:extLst>
-              <a:ext uri="{FF2B5EF4-FFF2-40B4-BE49-F238E27FC236}">
-                <a16:creationId xmlns:a16="http://schemas.microsoft.com/office/drawing/2014/main" id="{6F48FB45-6223-4CA9-AC10-4AF1F33EBC26}"/>
-              </a:ext>
-            </a:extLst>
-          </p:cNvPr>
-          <p:cNvSpPr>
-            <a:spLocks noGrp="1"/>
-          </p:cNvSpPr>
-          <p:nvPr>
-            <p:ph type="title"/>
-          </p:nvPr>
-        </p:nvSpPr>
-        <p:spPr/>
-        <p:txBody>
-          <a:bodyPr>
-            <a:normAutofit/>
-          </a:bodyPr>
-          <a:lstStyle/>
-          <a:p>
-            <a:r>
-              <a:rPr lang="ru-RU" b="1" dirty="0">
-                <a:solidFill>
-                  <a:srgbClr val="0F8B8D"/>
-                </a:solidFill>
-                <a:effectLst/>
-                <a:latin typeface="Nitro"/>
-                <a:ea typeface="Calibri" panose="020F0502020204030204" pitchFamily="34" charset="0"/>
-              </a:rPr>
-              <a:t>Вид хранения данных о пользователей</a:t>
-            </a:r>
-            <a:endParaRPr lang="ru-RU" b="1" dirty="0">
-              <a:solidFill>
-                <a:srgbClr val="0F8B8D"/>
-              </a:solidFill>
-              <a:latin typeface="Nitro"/>
-            </a:endParaRPr>
-          </a:p>
-        </p:txBody>
-      </p:sp>
-      <p:sp>
-        <p:nvSpPr>
-          <p:cNvPr id="3" name="Объект 2">
-            <a:extLst>
-              <a:ext uri="{FF2B5EF4-FFF2-40B4-BE49-F238E27FC236}">
-                <a16:creationId xmlns:a16="http://schemas.microsoft.com/office/drawing/2014/main" id="{38842083-DC6D-4AEE-B571-F169DA2B2C21}"/>
-              </a:ext>
-            </a:extLst>
-          </p:cNvPr>
-          <p:cNvSpPr>
-            <a:spLocks noGrp="1"/>
-          </p:cNvSpPr>
-          <p:nvPr>
-            <p:ph idx="1"/>
-          </p:nvPr>
-        </p:nvSpPr>
-        <p:spPr>
-          <a:xfrm>
-            <a:off x="838200" y="1727894"/>
-            <a:ext cx="10515600" cy="4351338"/>
-          </a:xfrm>
-        </p:spPr>
-        <p:txBody>
-          <a:bodyPr/>
-          <a:lstStyle/>
-          <a:p>
-            <a:endParaRPr lang="ru-RU" dirty="0"/>
-          </a:p>
-        </p:txBody>
-      </p:sp>
     </p:spTree>
     <p:extLst>
       <p:ext uri="{BB962C8B-B14F-4D97-AF65-F5344CB8AC3E}">
-        <p14:creationId xmlns:p14="http://schemas.microsoft.com/office/powerpoint/2010/main" val="2897556095"/>
+        <p14:creationId xmlns:p14="http://schemas.microsoft.com/office/powerpoint/2010/main" val="2924927354"/>
       </p:ext>
     </p:extLst>
   </p:cSld>
@@ -6659,457 +7842,88 @@
           <a:chExt cx="0" cy="0"/>
         </a:xfrm>
       </p:grpSpPr>
-      <p:sp>
-        <p:nvSpPr>
-          <p:cNvPr id="6" name="Прямоугольник: скругленные углы 5">
-            <a:extLst>
-              <a:ext uri="{FF2B5EF4-FFF2-40B4-BE49-F238E27FC236}">
-                <a16:creationId xmlns:a16="http://schemas.microsoft.com/office/drawing/2014/main" id="{73BA4517-6195-47CD-B430-62F56861983A}"/>
-              </a:ext>
-            </a:extLst>
-          </p:cNvPr>
-          <p:cNvSpPr/>
-          <p:nvPr/>
-        </p:nvSpPr>
+      <p:pic>
+        <p:nvPicPr>
+          <p:cNvPr id="5" name="Объект 4">
+            <a:extLst>
+              <a:ext uri="{FF2B5EF4-FFF2-40B4-BE49-F238E27FC236}">
+                <a16:creationId xmlns:a16="http://schemas.microsoft.com/office/drawing/2014/main" id="{5D8B4F46-79B9-470D-9C1A-D0DE89D529EB}"/>
+              </a:ext>
+            </a:extLst>
+          </p:cNvPr>
+          <p:cNvPicPr>
+            <a:picLocks noGrp="1" noChangeAspect="1"/>
+          </p:cNvPicPr>
+          <p:nvPr>
+            <p:ph idx="1"/>
+          </p:nvPr>
+        </p:nvPicPr>
+        <p:blipFill>
+          <a:blip r:embed="rId2">
+            <a:extLst>
+              <a:ext uri="{28A0092B-C50C-407E-A947-70E740481C1C}">
+                <a14:useLocalDpi xmlns:a14="http://schemas.microsoft.com/office/drawing/2010/main" val="0"/>
+              </a:ext>
+            </a:extLst>
+          </a:blip>
+          <a:stretch>
+            <a:fillRect/>
+          </a:stretch>
+        </p:blipFill>
         <p:spPr>
           <a:xfrm>
-            <a:off x="780253" y="1597357"/>
-            <a:ext cx="491067" cy="502708"/>
-          </a:xfrm>
-          <a:prstGeom prst="roundRect">
-            <a:avLst/>
-          </a:prstGeom>
-          <a:solidFill>
-            <a:schemeClr val="bg1"/>
-          </a:solidFill>
-        </p:spPr>
-        <p:style>
-          <a:lnRef idx="2">
-            <a:schemeClr val="accent1">
-              <a:shade val="50000"/>
-            </a:schemeClr>
-          </a:lnRef>
-          <a:fillRef idx="1">
-            <a:schemeClr val="accent1"/>
-          </a:fillRef>
-          <a:effectRef idx="0">
-            <a:schemeClr val="accent1"/>
-          </a:effectRef>
-          <a:fontRef idx="minor">
-            <a:schemeClr val="lt1"/>
-          </a:fontRef>
-        </p:style>
-        <p:txBody>
-          <a:bodyPr rtlCol="0" anchor="ctr"/>
-          <a:lstStyle/>
-          <a:p>
-            <a:pPr algn="ctr"/>
-            <a:endParaRPr lang="ru-RU" dirty="0">
-              <a:solidFill>
-                <a:srgbClr val="EC9A29"/>
-              </a:solidFill>
-            </a:endParaRPr>
-          </a:p>
-        </p:txBody>
-      </p:sp>
-      <p:sp>
-        <p:nvSpPr>
-          <p:cNvPr id="7" name="Прямоугольник: скругленные углы 6">
-            <a:extLst>
-              <a:ext uri="{FF2B5EF4-FFF2-40B4-BE49-F238E27FC236}">
-                <a16:creationId xmlns:a16="http://schemas.microsoft.com/office/drawing/2014/main" id="{B5902272-1846-43E4-BBE0-C53028532083}"/>
-              </a:ext>
-            </a:extLst>
-          </p:cNvPr>
-          <p:cNvSpPr/>
-          <p:nvPr/>
-        </p:nvSpPr>
-        <p:spPr>
-          <a:xfrm>
-            <a:off x="787398" y="2509443"/>
-            <a:ext cx="491067" cy="502708"/>
-          </a:xfrm>
-          <a:prstGeom prst="roundRect">
-            <a:avLst/>
-          </a:prstGeom>
-          <a:solidFill>
-            <a:schemeClr val="bg1"/>
-          </a:solidFill>
-        </p:spPr>
-        <p:style>
-          <a:lnRef idx="2">
-            <a:schemeClr val="accent1">
-              <a:shade val="50000"/>
-            </a:schemeClr>
-          </a:lnRef>
-          <a:fillRef idx="1">
-            <a:schemeClr val="accent1"/>
-          </a:fillRef>
-          <a:effectRef idx="0">
-            <a:schemeClr val="accent1"/>
-          </a:effectRef>
-          <a:fontRef idx="minor">
-            <a:schemeClr val="lt1"/>
-          </a:fontRef>
-        </p:style>
-        <p:txBody>
-          <a:bodyPr rtlCol="0" anchor="ctr"/>
-          <a:lstStyle/>
-          <a:p>
-            <a:pPr algn="ctr"/>
-            <a:endParaRPr lang="ru-RU">
-              <a:solidFill>
-                <a:srgbClr val="EC9A29"/>
-              </a:solidFill>
-            </a:endParaRPr>
-          </a:p>
-        </p:txBody>
-      </p:sp>
-      <p:sp>
-        <p:nvSpPr>
-          <p:cNvPr id="8" name="Прямоугольник: скругленные углы 7">
-            <a:extLst>
-              <a:ext uri="{FF2B5EF4-FFF2-40B4-BE49-F238E27FC236}">
-                <a16:creationId xmlns:a16="http://schemas.microsoft.com/office/drawing/2014/main" id="{33F6232A-C146-471B-B6C4-1E66D3D4C37C}"/>
-              </a:ext>
-            </a:extLst>
-          </p:cNvPr>
-          <p:cNvSpPr/>
-          <p:nvPr/>
-        </p:nvSpPr>
-        <p:spPr>
-          <a:xfrm>
-            <a:off x="787397" y="3468929"/>
-            <a:ext cx="491067" cy="502708"/>
-          </a:xfrm>
-          <a:prstGeom prst="roundRect">
-            <a:avLst/>
-          </a:prstGeom>
-          <a:solidFill>
-            <a:schemeClr val="bg1"/>
-          </a:solidFill>
-        </p:spPr>
-        <p:style>
-          <a:lnRef idx="2">
-            <a:schemeClr val="accent1">
-              <a:shade val="50000"/>
-            </a:schemeClr>
-          </a:lnRef>
-          <a:fillRef idx="1">
-            <a:schemeClr val="accent1"/>
-          </a:fillRef>
-          <a:effectRef idx="0">
-            <a:schemeClr val="accent1"/>
-          </a:effectRef>
-          <a:fontRef idx="minor">
-            <a:schemeClr val="lt1"/>
-          </a:fontRef>
-        </p:style>
-        <p:txBody>
-          <a:bodyPr rtlCol="0" anchor="ctr"/>
-          <a:lstStyle/>
-          <a:p>
-            <a:pPr algn="ctr"/>
-            <a:endParaRPr lang="ru-RU">
-              <a:solidFill>
-                <a:srgbClr val="EC9A29"/>
-              </a:solidFill>
-            </a:endParaRPr>
-          </a:p>
-        </p:txBody>
-      </p:sp>
-      <p:sp>
-        <p:nvSpPr>
-          <p:cNvPr id="9" name="Прямоугольник: скругленные углы 8">
-            <a:extLst>
-              <a:ext uri="{FF2B5EF4-FFF2-40B4-BE49-F238E27FC236}">
-                <a16:creationId xmlns:a16="http://schemas.microsoft.com/office/drawing/2014/main" id="{3F0A0274-F053-4F44-9A7D-01A45DEE1BF7}"/>
-              </a:ext>
-            </a:extLst>
-          </p:cNvPr>
-          <p:cNvSpPr/>
-          <p:nvPr/>
-        </p:nvSpPr>
-        <p:spPr>
-          <a:xfrm>
-            <a:off x="819647" y="4428416"/>
-            <a:ext cx="491067" cy="502708"/>
-          </a:xfrm>
-          <a:prstGeom prst="roundRect">
-            <a:avLst/>
-          </a:prstGeom>
-          <a:solidFill>
-            <a:schemeClr val="bg1"/>
-          </a:solidFill>
-        </p:spPr>
-        <p:style>
-          <a:lnRef idx="2">
-            <a:schemeClr val="accent1">
-              <a:shade val="50000"/>
-            </a:schemeClr>
-          </a:lnRef>
-          <a:fillRef idx="1">
-            <a:schemeClr val="accent1"/>
-          </a:fillRef>
-          <a:effectRef idx="0">
-            <a:schemeClr val="accent1"/>
-          </a:effectRef>
-          <a:fontRef idx="minor">
-            <a:schemeClr val="lt1"/>
-          </a:fontRef>
-        </p:style>
-        <p:txBody>
-          <a:bodyPr rtlCol="0" anchor="ctr"/>
-          <a:lstStyle/>
-          <a:p>
-            <a:pPr algn="ctr"/>
-            <a:endParaRPr lang="ru-RU">
-              <a:solidFill>
-                <a:srgbClr val="EC9A29"/>
-              </a:solidFill>
-            </a:endParaRPr>
-          </a:p>
-        </p:txBody>
-      </p:sp>
-      <p:sp>
-        <p:nvSpPr>
-          <p:cNvPr id="2" name="Заголовок 1">
-            <a:extLst>
-              <a:ext uri="{FF2B5EF4-FFF2-40B4-BE49-F238E27FC236}">
-                <a16:creationId xmlns:a16="http://schemas.microsoft.com/office/drawing/2014/main" id="{42F5F2EF-BE06-46D2-A0FE-B71628BDD7E4}"/>
-              </a:ext>
-            </a:extLst>
-          </p:cNvPr>
-          <p:cNvSpPr>
-            <a:spLocks noGrp="1"/>
-          </p:cNvSpPr>
-          <p:nvPr>
-            <p:ph type="title"/>
-          </p:nvPr>
-        </p:nvSpPr>
-        <p:spPr/>
-        <p:txBody>
-          <a:bodyPr/>
-          <a:lstStyle/>
-          <a:p>
-            <a:r>
-              <a:rPr lang="ru-RU" b="1" dirty="0">
-                <a:solidFill>
-                  <a:srgbClr val="0F8B8D"/>
-                </a:solidFill>
-                <a:latin typeface="Nitro"/>
-              </a:rPr>
-              <a:t>Текущее состояние проекта</a:t>
-            </a:r>
-          </a:p>
-        </p:txBody>
-      </p:sp>
-      <p:sp>
-        <p:nvSpPr>
-          <p:cNvPr id="3" name="Объект 2">
-            <a:extLst>
-              <a:ext uri="{FF2B5EF4-FFF2-40B4-BE49-F238E27FC236}">
-                <a16:creationId xmlns:a16="http://schemas.microsoft.com/office/drawing/2014/main" id="{AF7C84BD-FD5E-45EC-9C1A-F25325061B90}"/>
-              </a:ext>
-            </a:extLst>
-          </p:cNvPr>
-          <p:cNvSpPr>
-            <a:spLocks noGrp="1"/>
-          </p:cNvSpPr>
-          <p:nvPr>
-            <p:ph idx="1"/>
-          </p:nvPr>
-        </p:nvSpPr>
-        <p:spPr>
-          <a:xfrm>
-            <a:off x="838200" y="1417770"/>
-            <a:ext cx="11608976" cy="4803775"/>
+            <a:off x="1651201" y="1706560"/>
+            <a:ext cx="8889597" cy="3444880"/>
           </a:xfrm>
         </p:spPr>
+      </p:pic>
+      <p:sp>
+        <p:nvSpPr>
+          <p:cNvPr id="4" name="Заголовок 3">
+            <a:extLst>
+              <a:ext uri="{FF2B5EF4-FFF2-40B4-BE49-F238E27FC236}">
+                <a16:creationId xmlns:a16="http://schemas.microsoft.com/office/drawing/2014/main" id="{56239CED-F83E-4522-A408-B541449884DD}"/>
+              </a:ext>
+            </a:extLst>
+          </p:cNvPr>
+          <p:cNvSpPr>
+            <a:spLocks noGrp="1"/>
+          </p:cNvSpPr>
+          <p:nvPr>
+            <p:ph type="title"/>
+          </p:nvPr>
+        </p:nvSpPr>
+        <p:spPr/>
         <p:txBody>
           <a:bodyPr>
-            <a:noAutofit/>
+            <a:normAutofit/>
           </a:bodyPr>
           <a:lstStyle/>
           <a:p>
-            <a:pPr marL="0" indent="0">
-              <a:lnSpc>
-                <a:spcPct val="150000"/>
-              </a:lnSpc>
-              <a:spcBef>
-                <a:spcPts val="0"/>
-              </a:spcBef>
-              <a:spcAft>
-                <a:spcPts val="2400"/>
-              </a:spcAft>
-              <a:buNone/>
-            </a:pPr>
-            <a:r>
-              <a:rPr lang="ru-RU" dirty="0">
-                <a:solidFill>
-                  <a:srgbClr val="143642"/>
-                </a:solidFill>
-                <a:latin typeface="Bahnschrift SemiBold SemiConden" panose="020B0502040204020203" pitchFamily="34" charset="0"/>
-              </a:rPr>
-              <a:t>1)    </a:t>
-            </a:r>
-            <a:r>
-              <a:rPr lang="ru-RU" dirty="0">
+            <a:r>
+              <a:rPr lang="ru-RU" b="1" dirty="0">
                 <a:solidFill>
                   <a:srgbClr val="0F8B8D"/>
                 </a:solidFill>
-                <a:latin typeface="Bahnschrift SemiBold SemiConden" panose="020B0502040204020203" pitchFamily="34" charset="0"/>
-              </a:rPr>
-              <a:t>Р</a:t>
-            </a:r>
-            <a:r>
-              <a:rPr lang="ru-RU" dirty="0">
-                <a:solidFill>
-                  <a:srgbClr val="143642"/>
-                </a:solidFill>
-                <a:latin typeface="Bahnschrift SemiBold SemiConden" panose="020B0502040204020203" pitchFamily="34" charset="0"/>
-              </a:rPr>
-              <a:t>еализована безопасная аутентификация</a:t>
-            </a:r>
-          </a:p>
-          <a:p>
-            <a:pPr marL="0" indent="0">
-              <a:lnSpc>
-                <a:spcPct val="150000"/>
-              </a:lnSpc>
-              <a:spcBef>
-                <a:spcPts val="0"/>
-              </a:spcBef>
-              <a:spcAft>
-                <a:spcPts val="2400"/>
-              </a:spcAft>
-              <a:buNone/>
-            </a:pPr>
-            <a:r>
-              <a:rPr lang="ru-RU" dirty="0">
-                <a:solidFill>
-                  <a:srgbClr val="143642"/>
-                </a:solidFill>
-                <a:latin typeface="Bahnschrift SemiBold SemiConden" panose="020B0502040204020203" pitchFamily="34" charset="0"/>
-              </a:rPr>
-              <a:t>2)   </a:t>
-            </a:r>
-            <a:r>
-              <a:rPr lang="ru-RU" dirty="0">
-                <a:solidFill>
-                  <a:srgbClr val="0F8B8D"/>
-                </a:solidFill>
-                <a:latin typeface="Bahnschrift SemiBold SemiConden" panose="020B0502040204020203" pitchFamily="34" charset="0"/>
-              </a:rPr>
-              <a:t>С</a:t>
-            </a:r>
-            <a:r>
-              <a:rPr lang="ru-RU" dirty="0">
-                <a:solidFill>
-                  <a:srgbClr val="143642"/>
-                </a:solidFill>
-                <a:latin typeface="Bahnschrift SemiBold SemiConden" panose="020B0502040204020203" pitchFamily="34" charset="0"/>
-              </a:rPr>
-              <a:t>делано полностью клиентское шифрование</a:t>
-            </a:r>
-          </a:p>
-          <a:p>
-            <a:pPr marL="0" indent="0">
-              <a:lnSpc>
-                <a:spcPct val="150000"/>
-              </a:lnSpc>
-              <a:spcBef>
-                <a:spcPts val="0"/>
-              </a:spcBef>
-              <a:spcAft>
-                <a:spcPts val="2400"/>
-              </a:spcAft>
-              <a:buNone/>
-            </a:pPr>
-            <a:r>
-              <a:rPr lang="ru-RU" dirty="0">
-                <a:solidFill>
-                  <a:srgbClr val="143642"/>
-                </a:solidFill>
-                <a:latin typeface="Bahnschrift SemiBold SemiConden" panose="020B0502040204020203" pitchFamily="34" charset="0"/>
-              </a:rPr>
-              <a:t>3)   </a:t>
-            </a:r>
-            <a:r>
-              <a:rPr lang="ru-RU" dirty="0">
-                <a:solidFill>
-                  <a:srgbClr val="0F8B8D"/>
-                </a:solidFill>
-                <a:latin typeface="Bahnschrift SemiBold SemiConden" panose="020B0502040204020203" pitchFamily="34" charset="0"/>
-              </a:rPr>
-              <a:t>Р</a:t>
-            </a:r>
-            <a:r>
-              <a:rPr lang="ru-RU" dirty="0">
-                <a:solidFill>
-                  <a:srgbClr val="143642"/>
-                </a:solidFill>
-                <a:latin typeface="Bahnschrift SemiBold SemiConden" panose="020B0502040204020203" pitchFamily="34" charset="0"/>
-              </a:rPr>
-              <a:t>еализован пользовательский интерфейс</a:t>
-            </a:r>
-          </a:p>
-          <a:p>
-            <a:pPr marL="539750" indent="-539750">
-              <a:lnSpc>
-                <a:spcPct val="150000"/>
-              </a:lnSpc>
-              <a:spcBef>
-                <a:spcPts val="0"/>
-              </a:spcBef>
-              <a:spcAft>
-                <a:spcPts val="2400"/>
-              </a:spcAft>
-              <a:buNone/>
-            </a:pPr>
-            <a:r>
-              <a:rPr lang="ru-RU" dirty="0">
-                <a:solidFill>
-                  <a:srgbClr val="143642"/>
-                </a:solidFill>
-                <a:latin typeface="Bahnschrift SemiBold SemiConden" panose="020B0502040204020203" pitchFamily="34" charset="0"/>
-              </a:rPr>
-              <a:t>4)   </a:t>
-            </a:r>
-            <a:r>
-              <a:rPr lang="ru-RU" dirty="0">
-                <a:solidFill>
-                  <a:srgbClr val="0F8B8D"/>
-                </a:solidFill>
-                <a:latin typeface="Bahnschrift SemiBold SemiConden" panose="020B0502040204020203" pitchFamily="34" charset="0"/>
-              </a:rPr>
-              <a:t>П</a:t>
-            </a:r>
-            <a:r>
-              <a:rPr lang="ru-RU" dirty="0">
-                <a:solidFill>
-                  <a:srgbClr val="143642"/>
-                </a:solidFill>
-                <a:latin typeface="Bahnschrift SemiBold SemiConden" panose="020B0502040204020203" pitchFamily="34" charset="0"/>
-              </a:rPr>
-              <a:t>риложение подключено к базе данных и полностью с ним              взаимодействует</a:t>
-            </a:r>
-          </a:p>
-          <a:p>
-            <a:pPr marL="0" indent="0">
-              <a:buNone/>
-            </a:pPr>
-            <a:br>
-              <a:rPr lang="en-US" dirty="0"/>
-            </a:br>
-            <a:endParaRPr lang="ru-RU" dirty="0"/>
+                <a:effectLst/>
+                <a:latin typeface="Nitro"/>
+                <a:ea typeface="Calibri" panose="020F0502020204030204" pitchFamily="34" charset="0"/>
+              </a:rPr>
+              <a:t>Вид зашифрованных сообщений</a:t>
+            </a:r>
+            <a:endParaRPr lang="ru-RU" b="1" dirty="0">
+              <a:solidFill>
+                <a:srgbClr val="0F8B8D"/>
+              </a:solidFill>
+              <a:latin typeface="Nitro"/>
+            </a:endParaRPr>
           </a:p>
         </p:txBody>
       </p:sp>
     </p:spTree>
     <p:extLst>
       <p:ext uri="{BB962C8B-B14F-4D97-AF65-F5344CB8AC3E}">
-        <p14:creationId xmlns:p14="http://schemas.microsoft.com/office/powerpoint/2010/main" val="10345138"/>
+        <p14:creationId xmlns:p14="http://schemas.microsoft.com/office/powerpoint/2010/main" val="969218937"/>
       </p:ext>
     </p:extLst>
   </p:cSld>
